--- a/Presentation.pptx
+++ b/Presentation.pptx
@@ -9,12 +9,13 @@
     <p:sldId id="260" r:id="rId3"/>
     <p:sldId id="261" r:id="rId4"/>
     <p:sldId id="259" r:id="rId5"/>
-    <p:sldId id="262" r:id="rId6"/>
-    <p:sldId id="264" r:id="rId7"/>
-    <p:sldId id="266" r:id="rId8"/>
-    <p:sldId id="263" r:id="rId9"/>
-    <p:sldId id="265" r:id="rId10"/>
-    <p:sldId id="267" r:id="rId11"/>
+    <p:sldId id="270" r:id="rId6"/>
+    <p:sldId id="272" r:id="rId7"/>
+    <p:sldId id="273" r:id="rId8"/>
+    <p:sldId id="271" r:id="rId9"/>
+    <p:sldId id="274" r:id="rId10"/>
+    <p:sldId id="263" r:id="rId11"/>
+    <p:sldId id="268" r:id="rId12"/>
   </p:sldIdLst>
   <p:sldSz cx="9144000" cy="6858000" type="screen4x3"/>
   <p:notesSz cx="6858000" cy="9144000"/>
@@ -3573,7 +3574,7 @@
         <p:spPr>
           <a:xfrm>
             <a:off x="564396" y="1646390"/>
-            <a:ext cx="2288940" cy="461665"/>
+            <a:ext cx="7431524" cy="523220"/>
           </a:xfrm>
           <a:prstGeom prst="rect">
             <a:avLst/>
@@ -3598,7 +3599,91 @@
                 <a:latin typeface="Lantinghei SC Extralight"/>
                 <a:cs typeface="Lantinghei SC Extralight"/>
               </a:rPr>
-              <a:t>4</a:t>
+              <a:t>4 </a:t>
+            </a:r>
+            <a:r>
+              <a:rPr lang="en-US" sz="2800" b="1" dirty="0" smtClean="0">
+                <a:latin typeface="Lantinghei SC Extralight"/>
+                <a:cs typeface="Lantinghei SC Extralight"/>
+              </a:rPr>
+              <a:t>| </a:t>
+            </a:r>
+            <a:r>
+              <a:rPr lang="en-US" sz="1200" b="1" dirty="0" err="1" smtClean="0">
+                <a:latin typeface="Lantinghei SC Extralight"/>
+                <a:cs typeface="Lantinghei SC Extralight"/>
+              </a:rPr>
+              <a:t>Akos</a:t>
+            </a:r>
+            <a:r>
+              <a:rPr lang="en-US" sz="1200" b="1" dirty="0" smtClean="0">
+                <a:latin typeface="Lantinghei SC Extralight"/>
+                <a:cs typeface="Lantinghei SC Extralight"/>
+              </a:rPr>
+              <a:t> </a:t>
+            </a:r>
+            <a:r>
+              <a:rPr lang="en-US" sz="1200" b="1" dirty="0" err="1" smtClean="0">
+                <a:latin typeface="Lantinghei SC Extralight"/>
+                <a:cs typeface="Lantinghei SC Extralight"/>
+              </a:rPr>
+              <a:t>Furton</a:t>
+            </a:r>
+            <a:r>
+              <a:rPr lang="en-US" sz="1200" b="1" dirty="0" smtClean="0">
+                <a:latin typeface="Lantinghei SC Extralight"/>
+                <a:cs typeface="Lantinghei SC Extralight"/>
+              </a:rPr>
+              <a:t> Marnelia Scribante </a:t>
+            </a:r>
+            <a:r>
+              <a:rPr lang="en-US" sz="1200" b="1" dirty="0" err="1" smtClean="0">
+                <a:latin typeface="Lantinghei SC Extralight"/>
+                <a:cs typeface="Lantinghei SC Extralight"/>
+              </a:rPr>
+              <a:t>Siow</a:t>
+            </a:r>
+            <a:r>
+              <a:rPr lang="en-US" sz="1200" b="1" dirty="0" smtClean="0">
+                <a:latin typeface="Lantinghei SC Extralight"/>
+                <a:cs typeface="Lantinghei SC Extralight"/>
+              </a:rPr>
+              <a:t> </a:t>
+            </a:r>
+            <a:r>
+              <a:rPr lang="en-US" sz="1200" b="1" dirty="0" err="1" smtClean="0">
+                <a:latin typeface="Lantinghei SC Extralight"/>
+                <a:cs typeface="Lantinghei SC Extralight"/>
+              </a:rPr>
+              <a:t>Meng</a:t>
+            </a:r>
+            <a:r>
+              <a:rPr lang="en-US" sz="1200" b="1" dirty="0" smtClean="0">
+                <a:latin typeface="Lantinghei SC Extralight"/>
+                <a:cs typeface="Lantinghei SC Extralight"/>
+              </a:rPr>
+              <a:t> Low Joaquin </a:t>
+            </a:r>
+            <a:r>
+              <a:rPr lang="en-US" sz="1200" b="1" dirty="0" err="1" smtClean="0">
+                <a:latin typeface="Lantinghei SC Extralight"/>
+                <a:cs typeface="Lantinghei SC Extralight"/>
+              </a:rPr>
+              <a:t>Coitino</a:t>
+            </a:r>
+            <a:r>
+              <a:rPr lang="en-US" sz="1200" b="1" dirty="0" smtClean="0">
+                <a:latin typeface="Lantinghei SC Extralight"/>
+                <a:cs typeface="Lantinghei SC Extralight"/>
+              </a:rPr>
+              <a:t>  </a:t>
+            </a:r>
+            <a:r>
+              <a:rPr lang="en-US" b="1" dirty="0" smtClean="0">
+                <a:latin typeface="Lantinghei SC Extralight"/>
+                <a:cs typeface="Lantinghei SC Extralight"/>
+              </a:rPr>
+              <a:t> </a:t>
             </a:r>
             <a:endParaRPr lang="en-US" b="1" dirty="0">
               <a:latin typeface="Lantinghei SC Extralight"/>
@@ -3896,46 +3981,973 @@
       </p:grpSpPr>
       <p:sp>
         <p:nvSpPr>
-          <p:cNvPr id="2" name="Title 1"/>
-          <p:cNvSpPr>
-            <a:spLocks noGrp="1"/>
-          </p:cNvSpPr>
-          <p:nvPr>
-            <p:ph type="title"/>
-          </p:nvPr>
-        </p:nvSpPr>
-        <p:spPr/>
-        <p:txBody>
-          <a:bodyPr/>
+          <p:cNvPr id="8" name="Rectangle 7"/>
+          <p:cNvSpPr/>
+          <p:nvPr/>
+        </p:nvSpPr>
+        <p:spPr>
+          <a:xfrm>
+            <a:off x="-188131" y="0"/>
+            <a:ext cx="9379165" cy="6905041"/>
+          </a:xfrm>
+          <a:prstGeom prst="rect">
+            <a:avLst/>
+          </a:prstGeom>
+          <a:ln>
+            <a:noFill/>
+          </a:ln>
+          <a:effectLst/>
+        </p:spPr>
+        <p:style>
+          <a:lnRef idx="1">
+            <a:schemeClr val="accent1"/>
+          </a:lnRef>
+          <a:fillRef idx="3">
+            <a:schemeClr val="accent1"/>
+          </a:fillRef>
+          <a:effectRef idx="2">
+            <a:schemeClr val="accent1"/>
+          </a:effectRef>
+          <a:fontRef idx="minor">
+            <a:schemeClr val="lt1"/>
+          </a:fontRef>
+        </p:style>
+        <p:txBody>
+          <a:bodyPr rtlCol="0" anchor="ctr"/>
           <a:lstStyle/>
           <a:p>
+            <a:pPr algn="ctr"/>
             <a:endParaRPr lang="en-US"/>
           </a:p>
         </p:txBody>
       </p:sp>
-      <p:sp>
-        <p:nvSpPr>
-          <p:cNvPr id="3" name="Content Placeholder 2"/>
-          <p:cNvSpPr>
-            <a:spLocks noGrp="1"/>
-          </p:cNvSpPr>
-          <p:nvPr>
-            <p:ph idx="1"/>
-          </p:nvPr>
-        </p:nvSpPr>
-        <p:spPr/>
-        <p:txBody>
-          <a:bodyPr/>
+      <p:grpSp>
+        <p:nvGrpSpPr>
+          <p:cNvPr id="10" name="Group 9"/>
+          <p:cNvGrpSpPr/>
+          <p:nvPr/>
+        </p:nvGrpSpPr>
+        <p:grpSpPr>
+          <a:xfrm>
+            <a:off x="-192511" y="6298923"/>
+            <a:ext cx="9379165" cy="617398"/>
+            <a:chOff x="-235165" y="6381723"/>
+            <a:chExt cx="9379165" cy="617398"/>
+          </a:xfrm>
+        </p:grpSpPr>
+        <p:sp>
+          <p:nvSpPr>
+            <p:cNvPr id="11" name="Rectangle 10"/>
+            <p:cNvSpPr/>
+            <p:nvPr/>
+          </p:nvSpPr>
+          <p:spPr>
+            <a:xfrm>
+              <a:off x="-235165" y="6381723"/>
+              <a:ext cx="9379165" cy="617398"/>
+            </a:xfrm>
+            <a:prstGeom prst="rect">
+              <a:avLst/>
+            </a:prstGeom>
+            <a:solidFill>
+              <a:srgbClr val="FFFFFF"/>
+            </a:solidFill>
+            <a:ln>
+              <a:noFill/>
+            </a:ln>
+            <a:effectLst/>
+          </p:spPr>
+          <p:style>
+            <a:lnRef idx="1">
+              <a:schemeClr val="accent1"/>
+            </a:lnRef>
+            <a:fillRef idx="3">
+              <a:schemeClr val="accent1"/>
+            </a:fillRef>
+            <a:effectRef idx="2">
+              <a:schemeClr val="accent1"/>
+            </a:effectRef>
+            <a:fontRef idx="minor">
+              <a:schemeClr val="lt1"/>
+            </a:fontRef>
+          </p:style>
+          <p:txBody>
+            <a:bodyPr rtlCol="0" anchor="ctr"/>
+            <a:lstStyle/>
+            <a:p>
+              <a:pPr algn="ctr"/>
+              <a:endParaRPr lang="en-US"/>
+            </a:p>
+          </p:txBody>
+        </p:sp>
+        <p:sp>
+          <p:nvSpPr>
+            <p:cNvPr id="12" name="TextBox 11"/>
+            <p:cNvSpPr txBox="1"/>
+            <p:nvPr/>
+          </p:nvSpPr>
+          <p:spPr>
+            <a:xfrm>
+              <a:off x="235170" y="6555400"/>
+              <a:ext cx="4707538" cy="276999"/>
+            </a:xfrm>
+            <a:prstGeom prst="rect">
+              <a:avLst/>
+            </a:prstGeom>
+            <a:noFill/>
+          </p:spPr>
+          <p:txBody>
+            <a:bodyPr wrap="square" rtlCol="0">
+              <a:spAutoFit/>
+            </a:bodyPr>
+            <a:lstStyle/>
+            <a:p>
+              <a:r>
+                <a:rPr lang="en-US" sz="1200" b="1" dirty="0" smtClean="0">
+                  <a:solidFill>
+                    <a:srgbClr val="F2BB2F"/>
+                  </a:solidFill>
+                  <a:latin typeface="Lantinghei SC Extralight"/>
+                  <a:cs typeface="Lantinghei SC Extralight"/>
+                </a:rPr>
+                <a:t>15 MARCH 2017 | Imperial College Business School</a:t>
+              </a:r>
+              <a:endParaRPr lang="en-US" sz="1200" b="1" dirty="0">
+                <a:solidFill>
+                  <a:srgbClr val="F2BB2F"/>
+                </a:solidFill>
+                <a:latin typeface="Lantinghei SC Extralight"/>
+                <a:cs typeface="Lantinghei SC Extralight"/>
+              </a:endParaRPr>
+            </a:p>
+          </p:txBody>
+        </p:sp>
+      </p:grpSp>
+      <p:cxnSp>
+        <p:nvCxnSpPr>
+          <p:cNvPr id="13" name="Straight Connector 12"/>
+          <p:cNvCxnSpPr/>
+          <p:nvPr/>
+        </p:nvCxnSpPr>
+        <p:spPr>
+          <a:xfrm>
+            <a:off x="3159047" y="2477421"/>
+            <a:ext cx="2978757" cy="0"/>
+          </a:xfrm>
+          <a:prstGeom prst="line">
+            <a:avLst/>
+          </a:prstGeom>
+        </p:spPr>
+        <p:style>
+          <a:lnRef idx="2">
+            <a:schemeClr val="accent1"/>
+          </a:lnRef>
+          <a:fillRef idx="0">
+            <a:schemeClr val="accent1"/>
+          </a:fillRef>
+          <a:effectRef idx="1">
+            <a:schemeClr val="accent1"/>
+          </a:effectRef>
+          <a:fontRef idx="minor">
+            <a:schemeClr val="tx1"/>
+          </a:fontRef>
+        </p:style>
+      </p:cxnSp>
+      <p:sp>
+        <p:nvSpPr>
+          <p:cNvPr id="14" name="TextBox 13"/>
+          <p:cNvSpPr txBox="1"/>
+          <p:nvPr/>
+        </p:nvSpPr>
+        <p:spPr>
+          <a:xfrm>
+            <a:off x="3033616" y="984339"/>
+            <a:ext cx="3229618" cy="369332"/>
+          </a:xfrm>
+          <a:prstGeom prst="rect">
+            <a:avLst/>
+          </a:prstGeom>
+          <a:noFill/>
+        </p:spPr>
+        <p:txBody>
+          <a:bodyPr wrap="square" rtlCol="0">
+            <a:spAutoFit/>
+          </a:bodyPr>
           <a:lstStyle/>
           <a:p>
-            <a:endParaRPr lang="en-US"/>
+            <a:pPr algn="ctr"/>
+            <a:r>
+              <a:rPr lang="en-US" b="1" spc="300" dirty="0" smtClean="0">
+                <a:solidFill>
+                  <a:srgbClr val="FFFFFF"/>
+                </a:solidFill>
+                <a:latin typeface="Lantinghei SC Extralight"/>
+                <a:cs typeface="Lantinghei SC Extralight"/>
+              </a:rPr>
+              <a:t>UNDERSTANDING</a:t>
+            </a:r>
+            <a:r>
+              <a:rPr lang="en-US" b="1" spc="300" dirty="0" smtClean="0">
+                <a:latin typeface="Lantinghei SC Extralight"/>
+                <a:cs typeface="Lantinghei SC Extralight"/>
+              </a:rPr>
+              <a:t> </a:t>
+            </a:r>
+            <a:endParaRPr lang="en-US" b="1" spc="300" dirty="0">
+              <a:latin typeface="Lantinghei SC Extralight"/>
+              <a:cs typeface="Lantinghei SC Extralight"/>
+            </a:endParaRPr>
+          </a:p>
+        </p:txBody>
+      </p:sp>
+      <p:sp>
+        <p:nvSpPr>
+          <p:cNvPr id="15" name="TextBox 14"/>
+          <p:cNvSpPr txBox="1"/>
+          <p:nvPr/>
+        </p:nvSpPr>
+        <p:spPr>
+          <a:xfrm>
+            <a:off x="1081759" y="1357060"/>
+            <a:ext cx="7133333" cy="923330"/>
+          </a:xfrm>
+          <a:prstGeom prst="rect">
+            <a:avLst/>
+          </a:prstGeom>
+          <a:noFill/>
+        </p:spPr>
+        <p:txBody>
+          <a:bodyPr wrap="square" rtlCol="0">
+            <a:spAutoFit/>
+          </a:bodyPr>
+          <a:lstStyle/>
+          <a:p>
+            <a:pPr algn="ctr"/>
+            <a:r>
+              <a:rPr lang="en-US" sz="5400" b="1" spc="300" dirty="0" smtClean="0">
+                <a:solidFill>
+                  <a:schemeClr val="bg1"/>
+                </a:solidFill>
+                <a:latin typeface="Arial Black"/>
+                <a:cs typeface="Arial Black"/>
+              </a:rPr>
+              <a:t>PERFORMANCE</a:t>
+            </a:r>
+            <a:endParaRPr lang="en-US" sz="4400" b="1" spc="300" dirty="0">
+              <a:solidFill>
+                <a:schemeClr val="bg1"/>
+              </a:solidFill>
+              <a:latin typeface="Arial Black"/>
+              <a:cs typeface="Arial Black"/>
+            </a:endParaRPr>
+          </a:p>
+        </p:txBody>
+      </p:sp>
+      <p:cxnSp>
+        <p:nvCxnSpPr>
+          <p:cNvPr id="16" name="Straight Connector 15"/>
+          <p:cNvCxnSpPr/>
+          <p:nvPr/>
+        </p:nvCxnSpPr>
+        <p:spPr>
+          <a:xfrm>
+            <a:off x="3311447" y="2629821"/>
+            <a:ext cx="2978757" cy="0"/>
+          </a:xfrm>
+          <a:prstGeom prst="line">
+            <a:avLst/>
+          </a:prstGeom>
+          <a:ln>
+            <a:solidFill>
+              <a:srgbClr val="FFFFFF"/>
+            </a:solidFill>
+          </a:ln>
+        </p:spPr>
+        <p:style>
+          <a:lnRef idx="2">
+            <a:schemeClr val="accent1"/>
+          </a:lnRef>
+          <a:fillRef idx="0">
+            <a:schemeClr val="accent1"/>
+          </a:fillRef>
+          <a:effectRef idx="1">
+            <a:schemeClr val="accent1"/>
+          </a:effectRef>
+          <a:fontRef idx="minor">
+            <a:schemeClr val="tx1"/>
+          </a:fontRef>
+        </p:style>
+      </p:cxnSp>
+      <p:sp>
+        <p:nvSpPr>
+          <p:cNvPr id="18" name="TextBox 17"/>
+          <p:cNvSpPr txBox="1"/>
+          <p:nvPr/>
+        </p:nvSpPr>
+        <p:spPr>
+          <a:xfrm>
+            <a:off x="376272" y="165266"/>
+            <a:ext cx="8324842" cy="369332"/>
+          </a:xfrm>
+          <a:prstGeom prst="rect">
+            <a:avLst/>
+          </a:prstGeom>
+          <a:noFill/>
+          <a:ln>
+            <a:solidFill>
+              <a:srgbClr val="FFFFFF"/>
+            </a:solidFill>
+          </a:ln>
+        </p:spPr>
+        <p:style>
+          <a:lnRef idx="2">
+            <a:schemeClr val="accent1"/>
+          </a:lnRef>
+          <a:fillRef idx="1">
+            <a:schemeClr val="lt1"/>
+          </a:fillRef>
+          <a:effectRef idx="0">
+            <a:schemeClr val="accent1"/>
+          </a:effectRef>
+          <a:fontRef idx="minor">
+            <a:schemeClr val="dk1"/>
+          </a:fontRef>
+        </p:style>
+        <p:txBody>
+          <a:bodyPr wrap="square" rtlCol="0">
+            <a:spAutoFit/>
+          </a:bodyPr>
+          <a:lstStyle/>
+          <a:p>
+            <a:endParaRPr lang="en-US" dirty="0"/>
+          </a:p>
+        </p:txBody>
+      </p:sp>
+      <p:sp>
+        <p:nvSpPr>
+          <p:cNvPr id="19" name="TextBox 18"/>
+          <p:cNvSpPr txBox="1"/>
+          <p:nvPr/>
+        </p:nvSpPr>
+        <p:spPr>
+          <a:xfrm>
+            <a:off x="407628" y="196626"/>
+            <a:ext cx="8324842" cy="276999"/>
+          </a:xfrm>
+          <a:prstGeom prst="rect">
+            <a:avLst/>
+          </a:prstGeom>
+          <a:noFill/>
+        </p:spPr>
+        <p:txBody>
+          <a:bodyPr wrap="square" rtlCol="0">
+            <a:spAutoFit/>
+          </a:bodyPr>
+          <a:lstStyle/>
+          <a:p>
+            <a:r>
+              <a:rPr lang="en-US" sz="1200" dirty="0" smtClean="0">
+                <a:solidFill>
+                  <a:srgbClr val="FFFFFF"/>
+                </a:solidFill>
+                <a:latin typeface="Lantinghei SC Extralight"/>
+                <a:cs typeface="Lantinghei SC Extralight"/>
+              </a:rPr>
+              <a:t>ASSIGNMENT 2 PRESENTATION</a:t>
+            </a:r>
+            <a:endParaRPr lang="en-US" sz="1200" dirty="0">
+              <a:solidFill>
+                <a:srgbClr val="FFFFFF"/>
+              </a:solidFill>
+              <a:latin typeface="Lantinghei SC Extralight"/>
+              <a:cs typeface="Lantinghei SC Extralight"/>
+            </a:endParaRPr>
+          </a:p>
+        </p:txBody>
+      </p:sp>
+      <p:sp>
+        <p:nvSpPr>
+          <p:cNvPr id="17" name="TextBox 16"/>
+          <p:cNvSpPr txBox="1"/>
+          <p:nvPr/>
+        </p:nvSpPr>
+        <p:spPr>
+          <a:xfrm>
+            <a:off x="2445716" y="2728304"/>
+            <a:ext cx="4530846" cy="646331"/>
+          </a:xfrm>
+          <a:prstGeom prst="rect">
+            <a:avLst/>
+          </a:prstGeom>
+          <a:noFill/>
+        </p:spPr>
+        <p:txBody>
+          <a:bodyPr wrap="square" rtlCol="0">
+            <a:spAutoFit/>
+          </a:bodyPr>
+          <a:lstStyle/>
+          <a:p>
+            <a:pPr algn="ctr"/>
+            <a:r>
+              <a:rPr lang="en-US" dirty="0" smtClean="0">
+                <a:latin typeface="Lantinghei SC Extralight"/>
+                <a:cs typeface="Lantinghei SC Extralight"/>
+              </a:rPr>
+              <a:t>Consistent?...</a:t>
+            </a:r>
+          </a:p>
+          <a:p>
+            <a:pPr algn="ctr"/>
+            <a:r>
+              <a:rPr lang="en-US" dirty="0" smtClean="0">
+                <a:latin typeface="Lantinghei SC Extralight"/>
+                <a:cs typeface="Lantinghei SC Extralight"/>
+              </a:rPr>
+              <a:t>Economic forces ...</a:t>
+            </a:r>
+            <a:endParaRPr lang="en-US" dirty="0" smtClean="0">
+              <a:latin typeface="Lantinghei SC Extralight"/>
+              <a:cs typeface="Lantinghei SC Extralight"/>
+            </a:endParaRPr>
           </a:p>
         </p:txBody>
       </p:sp>
     </p:spTree>
     <p:extLst>
       <p:ext uri="{BB962C8B-B14F-4D97-AF65-F5344CB8AC3E}">
-        <p14:creationId xmlns:p14="http://schemas.microsoft.com/office/powerpoint/2010/main" val="3416263078"/>
+        <p14:creationId xmlns:p14="http://schemas.microsoft.com/office/powerpoint/2010/main" val="1947984569"/>
+      </p:ext>
+    </p:extLst>
+  </p:cSld>
+  <p:clrMapOvr>
+    <a:masterClrMapping/>
+  </p:clrMapOvr>
+  <p:timing>
+    <p:tnLst>
+      <p:par>
+        <p:cTn xmlns:p14="http://schemas.microsoft.com/office/powerpoint/2010/main" id="1" dur="indefinite" restart="never" nodeType="tmRoot"/>
+      </p:par>
+    </p:tnLst>
+  </p:timing>
+</p:sld>
+</file>
+
+<file path=ppt/slides/slide11.xml><?xml version="1.0" encoding="utf-8"?>
+<p:sld xmlns:a="http://schemas.openxmlformats.org/drawingml/2006/main" xmlns:r="http://schemas.openxmlformats.org/officeDocument/2006/relationships" xmlns:p="http://schemas.openxmlformats.org/presentationml/2006/main">
+  <p:cSld>
+    <p:spTree>
+      <p:nvGrpSpPr>
+        <p:cNvPr id="1" name=""/>
+        <p:cNvGrpSpPr/>
+        <p:nvPr/>
+      </p:nvGrpSpPr>
+      <p:grpSpPr>
+        <a:xfrm>
+          <a:off x="0" y="0"/>
+          <a:ext cx="0" cy="0"/>
+          <a:chOff x="0" y="0"/>
+          <a:chExt cx="0" cy="0"/>
+        </a:xfrm>
+      </p:grpSpPr>
+      <p:pic>
+        <p:nvPicPr>
+          <p:cNvPr id="4" name="Picture 3"/>
+          <p:cNvPicPr>
+            <a:picLocks noChangeAspect="1"/>
+          </p:cNvPicPr>
+          <p:nvPr/>
+        </p:nvPicPr>
+        <p:blipFill rotWithShape="1">
+          <a:blip r:embed="rId2"/>
+          <a:srcRect l="11765"/>
+          <a:stretch/>
+        </p:blipFill>
+        <p:spPr>
+          <a:xfrm>
+            <a:off x="1" y="-21160"/>
+            <a:ext cx="9144000" cy="6912255"/>
+          </a:xfrm>
+          <a:prstGeom prst="rect">
+            <a:avLst/>
+          </a:prstGeom>
+        </p:spPr>
+      </p:pic>
+      <p:sp>
+        <p:nvSpPr>
+          <p:cNvPr id="5" name="Rectangle 4"/>
+          <p:cNvSpPr/>
+          <p:nvPr/>
+        </p:nvSpPr>
+        <p:spPr>
+          <a:xfrm>
+            <a:off x="0" y="-21160"/>
+            <a:ext cx="9144000" cy="6912255"/>
+          </a:xfrm>
+          <a:prstGeom prst="rect">
+            <a:avLst/>
+          </a:prstGeom>
+          <a:solidFill>
+            <a:srgbClr val="FFFFFF">
+              <a:alpha val="24000"/>
+            </a:srgbClr>
+          </a:solidFill>
+          <a:ln>
+            <a:noFill/>
+          </a:ln>
+        </p:spPr>
+        <p:style>
+          <a:lnRef idx="1">
+            <a:schemeClr val="accent1"/>
+          </a:lnRef>
+          <a:fillRef idx="3">
+            <a:schemeClr val="accent1"/>
+          </a:fillRef>
+          <a:effectRef idx="2">
+            <a:schemeClr val="accent1"/>
+          </a:effectRef>
+          <a:fontRef idx="minor">
+            <a:schemeClr val="lt1"/>
+          </a:fontRef>
+        </p:style>
+        <p:txBody>
+          <a:bodyPr rtlCol="0" anchor="ctr"/>
+          <a:lstStyle/>
+          <a:p>
+            <a:pPr algn="ctr"/>
+            <a:endParaRPr lang="en-US"/>
+          </a:p>
+        </p:txBody>
+      </p:sp>
+      <p:grpSp>
+        <p:nvGrpSpPr>
+          <p:cNvPr id="9" name="Group 8"/>
+          <p:cNvGrpSpPr/>
+          <p:nvPr/>
+        </p:nvGrpSpPr>
+        <p:grpSpPr>
+          <a:xfrm>
+            <a:off x="-188131" y="6287643"/>
+            <a:ext cx="9379165" cy="617398"/>
+            <a:chOff x="-219487" y="6381723"/>
+            <a:chExt cx="9379165" cy="617398"/>
+          </a:xfrm>
+        </p:grpSpPr>
+        <p:sp>
+          <p:nvSpPr>
+            <p:cNvPr id="10" name="Rectangle 9"/>
+            <p:cNvSpPr/>
+            <p:nvPr/>
+          </p:nvSpPr>
+          <p:spPr>
+            <a:xfrm>
+              <a:off x="-219487" y="6381723"/>
+              <a:ext cx="9379165" cy="617398"/>
+            </a:xfrm>
+            <a:prstGeom prst="rect">
+              <a:avLst/>
+            </a:prstGeom>
+            <a:ln>
+              <a:noFill/>
+            </a:ln>
+            <a:effectLst/>
+          </p:spPr>
+          <p:style>
+            <a:lnRef idx="1">
+              <a:schemeClr val="accent1"/>
+            </a:lnRef>
+            <a:fillRef idx="3">
+              <a:schemeClr val="accent1"/>
+            </a:fillRef>
+            <a:effectRef idx="2">
+              <a:schemeClr val="accent1"/>
+            </a:effectRef>
+            <a:fontRef idx="minor">
+              <a:schemeClr val="lt1"/>
+            </a:fontRef>
+          </p:style>
+          <p:txBody>
+            <a:bodyPr rtlCol="0" anchor="ctr"/>
+            <a:lstStyle/>
+            <a:p>
+              <a:pPr algn="ctr"/>
+              <a:endParaRPr lang="en-US"/>
+            </a:p>
+          </p:txBody>
+        </p:sp>
+        <p:sp>
+          <p:nvSpPr>
+            <p:cNvPr id="11" name="TextBox 10"/>
+            <p:cNvSpPr txBox="1"/>
+            <p:nvPr/>
+          </p:nvSpPr>
+          <p:spPr>
+            <a:xfrm>
+              <a:off x="235170" y="6555400"/>
+              <a:ext cx="4707538" cy="276999"/>
+            </a:xfrm>
+            <a:prstGeom prst="rect">
+              <a:avLst/>
+            </a:prstGeom>
+            <a:noFill/>
+          </p:spPr>
+          <p:txBody>
+            <a:bodyPr wrap="square" rtlCol="0">
+              <a:spAutoFit/>
+            </a:bodyPr>
+            <a:lstStyle/>
+            <a:p>
+              <a:r>
+                <a:rPr lang="en-US" sz="1200" b="1" dirty="0" smtClean="0">
+                  <a:solidFill>
+                    <a:schemeClr val="bg1"/>
+                  </a:solidFill>
+                  <a:latin typeface="Lantinghei SC Extralight"/>
+                  <a:cs typeface="Lantinghei SC Extralight"/>
+                </a:rPr>
+                <a:t>15 MARCH 2017 | Imperial College Business School</a:t>
+              </a:r>
+              <a:endParaRPr lang="en-US" sz="1200" b="1" dirty="0">
+                <a:solidFill>
+                  <a:schemeClr val="bg1"/>
+                </a:solidFill>
+                <a:latin typeface="Lantinghei SC Extralight"/>
+                <a:cs typeface="Lantinghei SC Extralight"/>
+              </a:endParaRPr>
+            </a:p>
+          </p:txBody>
+        </p:sp>
+      </p:grpSp>
+      <p:grpSp>
+        <p:nvGrpSpPr>
+          <p:cNvPr id="14" name="Group 13"/>
+          <p:cNvGrpSpPr/>
+          <p:nvPr/>
+        </p:nvGrpSpPr>
+        <p:grpSpPr>
+          <a:xfrm>
+            <a:off x="376272" y="165266"/>
+            <a:ext cx="8356198" cy="369332"/>
+            <a:chOff x="266526" y="165266"/>
+            <a:chExt cx="8356198" cy="369332"/>
+          </a:xfrm>
+        </p:grpSpPr>
+        <p:sp>
+          <p:nvSpPr>
+            <p:cNvPr id="15" name="TextBox 14"/>
+            <p:cNvSpPr txBox="1"/>
+            <p:nvPr/>
+          </p:nvSpPr>
+          <p:spPr>
+            <a:xfrm>
+              <a:off x="266526" y="165266"/>
+              <a:ext cx="8324842" cy="369332"/>
+            </a:xfrm>
+            <a:prstGeom prst="rect">
+              <a:avLst/>
+            </a:prstGeom>
+            <a:noFill/>
+          </p:spPr>
+          <p:style>
+            <a:lnRef idx="2">
+              <a:schemeClr val="accent1"/>
+            </a:lnRef>
+            <a:fillRef idx="1">
+              <a:schemeClr val="lt1"/>
+            </a:fillRef>
+            <a:effectRef idx="0">
+              <a:schemeClr val="accent1"/>
+            </a:effectRef>
+            <a:fontRef idx="minor">
+              <a:schemeClr val="dk1"/>
+            </a:fontRef>
+          </p:style>
+          <p:txBody>
+            <a:bodyPr wrap="square" rtlCol="0">
+              <a:spAutoFit/>
+            </a:bodyPr>
+            <a:lstStyle/>
+            <a:p>
+              <a:endParaRPr lang="en-US" dirty="0"/>
+            </a:p>
+          </p:txBody>
+        </p:sp>
+        <p:sp>
+          <p:nvSpPr>
+            <p:cNvPr id="16" name="TextBox 15"/>
+            <p:cNvSpPr txBox="1"/>
+            <p:nvPr/>
+          </p:nvSpPr>
+          <p:spPr>
+            <a:xfrm>
+              <a:off x="297882" y="196626"/>
+              <a:ext cx="8324842" cy="276999"/>
+            </a:xfrm>
+            <a:prstGeom prst="rect">
+              <a:avLst/>
+            </a:prstGeom>
+            <a:noFill/>
+          </p:spPr>
+          <p:txBody>
+            <a:bodyPr wrap="square" rtlCol="0">
+              <a:spAutoFit/>
+            </a:bodyPr>
+            <a:lstStyle/>
+            <a:p>
+              <a:r>
+                <a:rPr lang="en-US" sz="1200" dirty="0" smtClean="0">
+                  <a:solidFill>
+                    <a:srgbClr val="FFFFFF"/>
+                  </a:solidFill>
+                  <a:latin typeface="Lantinghei SC Extralight"/>
+                  <a:cs typeface="Lantinghei SC Extralight"/>
+                </a:rPr>
+                <a:t>ASSIGNMENT 2 PRESENTATION</a:t>
+              </a:r>
+              <a:endParaRPr lang="en-US" sz="1200" dirty="0">
+                <a:solidFill>
+                  <a:srgbClr val="FFFFFF"/>
+                </a:solidFill>
+                <a:latin typeface="Lantinghei SC Extralight"/>
+                <a:cs typeface="Lantinghei SC Extralight"/>
+              </a:endParaRPr>
+            </a:p>
+          </p:txBody>
+        </p:sp>
+      </p:grpSp>
+      <p:sp>
+        <p:nvSpPr>
+          <p:cNvPr id="17" name="Rectangle 16"/>
+          <p:cNvSpPr/>
+          <p:nvPr/>
+        </p:nvSpPr>
+        <p:spPr>
+          <a:xfrm>
+            <a:off x="235169" y="1991348"/>
+            <a:ext cx="8654831" cy="3982697"/>
+          </a:xfrm>
+          <a:prstGeom prst="rect">
+            <a:avLst/>
+          </a:prstGeom>
+          <a:gradFill flip="none" rotWithShape="1">
+            <a:gsLst>
+              <a:gs pos="0">
+                <a:schemeClr val="accent1">
+                  <a:shade val="70000"/>
+                  <a:satMod val="150000"/>
+                  <a:alpha val="86000"/>
+                </a:schemeClr>
+              </a:gs>
+              <a:gs pos="34000">
+                <a:schemeClr val="accent1">
+                  <a:shade val="70000"/>
+                  <a:satMod val="140000"/>
+                  <a:alpha val="86000"/>
+                </a:schemeClr>
+              </a:gs>
+              <a:gs pos="70000">
+                <a:schemeClr val="accent1">
+                  <a:tint val="100000"/>
+                  <a:shade val="90000"/>
+                  <a:satMod val="140000"/>
+                  <a:alpha val="86000"/>
+                </a:schemeClr>
+              </a:gs>
+              <a:gs pos="100000">
+                <a:schemeClr val="accent1">
+                  <a:tint val="100000"/>
+                  <a:shade val="100000"/>
+                  <a:satMod val="100000"/>
+                  <a:alpha val="86000"/>
+                </a:schemeClr>
+              </a:gs>
+            </a:gsLst>
+            <a:path path="circle">
+              <a:fillToRect l="100000" t="100000" r="100000" b="100000"/>
+            </a:path>
+            <a:tileRect/>
+          </a:gradFill>
+          <a:ln>
+            <a:noFill/>
+          </a:ln>
+          <a:effectLst/>
+        </p:spPr>
+        <p:style>
+          <a:lnRef idx="1">
+            <a:schemeClr val="accent1"/>
+          </a:lnRef>
+          <a:fillRef idx="3">
+            <a:schemeClr val="accent1"/>
+          </a:fillRef>
+          <a:effectRef idx="2">
+            <a:schemeClr val="accent1"/>
+          </a:effectRef>
+          <a:fontRef idx="minor">
+            <a:schemeClr val="lt1"/>
+          </a:fontRef>
+        </p:style>
+        <p:txBody>
+          <a:bodyPr rtlCol="0" anchor="ctr"/>
+          <a:lstStyle/>
+          <a:p>
+            <a:pPr algn="ctr"/>
+            <a:endParaRPr lang="en-US" dirty="0" smtClean="0"/>
+          </a:p>
+        </p:txBody>
+      </p:sp>
+      <p:cxnSp>
+        <p:nvCxnSpPr>
+          <p:cNvPr id="18" name="Straight Connector 17"/>
+          <p:cNvCxnSpPr/>
+          <p:nvPr/>
+        </p:nvCxnSpPr>
+        <p:spPr>
+          <a:xfrm>
+            <a:off x="501677" y="3088939"/>
+            <a:ext cx="2978757" cy="0"/>
+          </a:xfrm>
+          <a:prstGeom prst="line">
+            <a:avLst/>
+          </a:prstGeom>
+          <a:ln>
+            <a:solidFill>
+              <a:srgbClr val="FFFFFF"/>
+            </a:solidFill>
+          </a:ln>
+        </p:spPr>
+        <p:style>
+          <a:lnRef idx="2">
+            <a:schemeClr val="accent1"/>
+          </a:lnRef>
+          <a:fillRef idx="0">
+            <a:schemeClr val="accent1"/>
+          </a:fillRef>
+          <a:effectRef idx="1">
+            <a:schemeClr val="accent1"/>
+          </a:effectRef>
+          <a:fontRef idx="minor">
+            <a:schemeClr val="tx1"/>
+          </a:fontRef>
+        </p:style>
+      </p:cxnSp>
+      <p:sp>
+        <p:nvSpPr>
+          <p:cNvPr id="19" name="TextBox 18"/>
+          <p:cNvSpPr txBox="1"/>
+          <p:nvPr/>
+        </p:nvSpPr>
+        <p:spPr>
+          <a:xfrm>
+            <a:off x="316098" y="2099034"/>
+            <a:ext cx="8416372" cy="830997"/>
+          </a:xfrm>
+          <a:prstGeom prst="rect">
+            <a:avLst/>
+          </a:prstGeom>
+          <a:noFill/>
+        </p:spPr>
+        <p:txBody>
+          <a:bodyPr wrap="square" rtlCol="0">
+            <a:spAutoFit/>
+          </a:bodyPr>
+          <a:lstStyle/>
+          <a:p>
+            <a:r>
+              <a:rPr lang="en-US" sz="4800" b="1" spc="300" dirty="0" smtClean="0">
+                <a:solidFill>
+                  <a:srgbClr val="F2F2F2"/>
+                </a:solidFill>
+                <a:latin typeface="Arial Black"/>
+                <a:cs typeface="Arial Black"/>
+              </a:rPr>
+              <a:t>SANK YOUUUUU</a:t>
+            </a:r>
+            <a:endParaRPr lang="en-US" sz="4000" b="1" spc="300" dirty="0">
+              <a:solidFill>
+                <a:srgbClr val="F2F2F2"/>
+              </a:solidFill>
+              <a:latin typeface="Arial Black"/>
+              <a:cs typeface="Arial Black"/>
+            </a:endParaRPr>
+          </a:p>
+        </p:txBody>
+      </p:sp>
+      <p:sp>
+        <p:nvSpPr>
+          <p:cNvPr id="20" name="TextBox 19"/>
+          <p:cNvSpPr txBox="1"/>
+          <p:nvPr/>
+        </p:nvSpPr>
+        <p:spPr>
+          <a:xfrm>
+            <a:off x="454643" y="3292781"/>
+            <a:ext cx="5800743" cy="923330"/>
+          </a:xfrm>
+          <a:prstGeom prst="rect">
+            <a:avLst/>
+          </a:prstGeom>
+          <a:noFill/>
+        </p:spPr>
+        <p:txBody>
+          <a:bodyPr wrap="square" rtlCol="0">
+            <a:spAutoFit/>
+          </a:bodyPr>
+          <a:lstStyle/>
+          <a:p>
+            <a:r>
+              <a:rPr lang="en-US" dirty="0" err="1" smtClean="0">
+                <a:solidFill>
+                  <a:srgbClr val="000000"/>
+                </a:solidFill>
+                <a:latin typeface="Lantinghei SC Extralight"/>
+                <a:cs typeface="Lantinghei SC Extralight"/>
+              </a:rPr>
+              <a:t>BLAh</a:t>
+            </a:r>
+            <a:endParaRPr lang="en-US" dirty="0" smtClean="0">
+              <a:solidFill>
+                <a:srgbClr val="000000"/>
+              </a:solidFill>
+              <a:latin typeface="Lantinghei SC Extralight"/>
+              <a:cs typeface="Lantinghei SC Extralight"/>
+            </a:endParaRPr>
+          </a:p>
+          <a:p>
+            <a:r>
+              <a:rPr lang="en-US" dirty="0" smtClean="0">
+                <a:solidFill>
+                  <a:srgbClr val="000000"/>
+                </a:solidFill>
+                <a:latin typeface="Lantinghei SC Extralight"/>
+                <a:cs typeface="Lantinghei SC Extralight"/>
+              </a:rPr>
+              <a:t>Blah </a:t>
+            </a:r>
+          </a:p>
+          <a:p>
+            <a:r>
+              <a:rPr lang="en-US" dirty="0" smtClean="0">
+                <a:solidFill>
+                  <a:srgbClr val="000000"/>
+                </a:solidFill>
+                <a:latin typeface="Lantinghei SC Extralight"/>
+                <a:cs typeface="Lantinghei SC Extralight"/>
+              </a:rPr>
+              <a:t>And more blah</a:t>
+            </a:r>
+            <a:endParaRPr lang="en-US" dirty="0">
+              <a:solidFill>
+                <a:srgbClr val="000000"/>
+              </a:solidFill>
+              <a:latin typeface="Lantinghei SC Extralight"/>
+              <a:cs typeface="Lantinghei SC Extralight"/>
+            </a:endParaRPr>
+          </a:p>
+        </p:txBody>
+      </p:sp>
+    </p:spTree>
+    <p:extLst>
+      <p:ext uri="{BB962C8B-B14F-4D97-AF65-F5344CB8AC3E}">
+        <p14:creationId xmlns:p14="http://schemas.microsoft.com/office/powerpoint/2010/main" val="239463962"/>
       </p:ext>
     </p:extLst>
   </p:cSld>
@@ -3979,13 +4991,13 @@
         </p:nvPicPr>
         <p:blipFill rotWithShape="1">
           <a:blip r:embed="rId2"/>
-          <a:srcRect r="18755" b="1934"/>
+          <a:srcRect l="965" r="18754" b="1934"/>
           <a:stretch/>
         </p:blipFill>
         <p:spPr>
           <a:xfrm>
-            <a:off x="-109746" y="1"/>
-            <a:ext cx="9253745" cy="6858000"/>
+            <a:off x="0" y="1"/>
+            <a:ext cx="9143999" cy="6858000"/>
           </a:xfrm>
           <a:prstGeom prst="rect">
             <a:avLst/>
@@ -4008,7 +5020,7 @@
           </a:prstGeom>
           <a:solidFill>
             <a:srgbClr val="FFFFFF">
-              <a:alpha val="24000"/>
+              <a:alpha val="61000"/>
             </a:srgbClr>
           </a:solidFill>
           <a:ln>
@@ -4116,22 +5128,12 @@
             <a:p>
               <a:r>
                 <a:rPr lang="en-US" sz="1200" dirty="0" smtClean="0">
-                  <a:solidFill>
-                    <a:schemeClr val="bg1">
-                      <a:lumMod val="95000"/>
-                    </a:schemeClr>
-                  </a:solidFill>
                   <a:latin typeface="Lantinghei SC Extralight"/>
                   <a:cs typeface="Lantinghei SC Extralight"/>
                 </a:rPr>
                 <a:t>ASSIGNMENT 2 PRESENTATION</a:t>
               </a:r>
               <a:endParaRPr lang="en-US" sz="1200" dirty="0">
-                <a:solidFill>
-                  <a:schemeClr val="bg1">
-                    <a:lumMod val="95000"/>
-                  </a:schemeClr>
-                </a:solidFill>
                 <a:latin typeface="Lantinghei SC Extralight"/>
                 <a:cs typeface="Lantinghei SC Extralight"/>
               </a:endParaRPr>
@@ -4148,7 +5150,7 @@
         <p:spPr>
           <a:xfrm>
             <a:off x="235169" y="1991348"/>
-            <a:ext cx="6634193" cy="3982697"/>
+            <a:ext cx="8634511" cy="4175772"/>
           </a:xfrm>
           <a:prstGeom prst="rect">
             <a:avLst/>
@@ -4227,7 +5229,7 @@
         </p:nvCxnSpPr>
         <p:spPr>
           <a:xfrm>
-            <a:off x="501677" y="3088939"/>
+            <a:off x="501677" y="2580939"/>
             <a:ext cx="2978757" cy="0"/>
           </a:xfrm>
           <a:prstGeom prst="line">
@@ -4262,8 +5264,8 @@
         </p:nvSpPr>
         <p:spPr>
           <a:xfrm>
-            <a:off x="316098" y="2099034"/>
-            <a:ext cx="6553265" cy="830997"/>
+            <a:off x="316098" y="1966954"/>
+            <a:ext cx="8306626" cy="584776"/>
           </a:xfrm>
           <a:prstGeom prst="rect">
             <a:avLst/>
@@ -4277,16 +5279,26 @@
           <a:lstStyle/>
           <a:p>
             <a:r>
-              <a:rPr lang="en-US" sz="4800" b="1" spc="300" dirty="0" smtClean="0">
+              <a:rPr lang="en-US" sz="3200" b="1" spc="300" dirty="0" smtClean="0">
                 <a:solidFill>
                   <a:srgbClr val="F2F2F2"/>
                 </a:solidFill>
                 <a:latin typeface="Arial Black"/>
                 <a:cs typeface="Arial Black"/>
               </a:rPr>
-              <a:t>CONSTRUCTION</a:t>
-            </a:r>
-            <a:endParaRPr lang="en-US" sz="4000" b="1" spc="300" dirty="0">
+              <a:t>VARIABLE </a:t>
+            </a:r>
+            <a:r>
+              <a:rPr lang="en-US" sz="3200" b="1" spc="300" dirty="0" smtClean="0">
+                <a:solidFill>
+                  <a:srgbClr val="F2F2F2"/>
+                </a:solidFill>
+                <a:latin typeface="Arial Black"/>
+                <a:cs typeface="Arial Black"/>
+              </a:rPr>
+              <a:t>RELATIONSHIPS</a:t>
+            </a:r>
+            <a:endParaRPr lang="en-US" sz="2400" b="1" spc="300" dirty="0">
               <a:solidFill>
                 <a:srgbClr val="F2F2F2"/>
               </a:solidFill>
@@ -4304,7 +5316,7 @@
         </p:nvSpPr>
         <p:spPr>
           <a:xfrm>
-            <a:off x="438984" y="1520629"/>
+            <a:off x="297882" y="1520629"/>
             <a:ext cx="8324842" cy="400110"/>
           </a:xfrm>
           <a:prstGeom prst="rect">
@@ -4328,7 +5340,7 @@
                 <a:latin typeface="Arial Black"/>
                 <a:cs typeface="Arial Black"/>
               </a:rPr>
-              <a:t>VARIABLE</a:t>
+              <a:t>CONTEMPORANEOUS</a:t>
             </a:r>
             <a:endParaRPr lang="en-US" sz="1200" b="1" spc="300" dirty="0">
               <a:solidFill>
@@ -4350,8 +5362,8 @@
         </p:nvSpPr>
         <p:spPr>
           <a:xfrm>
-            <a:off x="454643" y="3292781"/>
-            <a:ext cx="5800743" cy="923330"/>
+            <a:off x="332722" y="2693341"/>
+            <a:ext cx="8258646" cy="3298339"/>
           </a:xfrm>
           <a:prstGeom prst="rect">
             <a:avLst/>
@@ -4364,50 +5376,727 @@
           </a:bodyPr>
           <a:lstStyle/>
           <a:p>
-            <a:r>
-              <a:rPr lang="en-US" dirty="0" err="1" smtClean="0">
-                <a:solidFill>
-                  <a:srgbClr val="F2F2F2"/>
+            <a:pPr>
+              <a:lnSpc>
+                <a:spcPct val="150000"/>
+              </a:lnSpc>
+            </a:pPr>
+            <a:r>
+              <a:rPr lang="en-US" sz="1400" b="1" u="sng" dirty="0" smtClean="0">
+                <a:solidFill>
+                  <a:schemeClr val="tx1">
+                    <a:lumMod val="75000"/>
+                    <a:lumOff val="25000"/>
+                  </a:schemeClr>
                 </a:solidFill>
                 <a:latin typeface="Lantinghei SC Extralight"/>
                 <a:cs typeface="Lantinghei SC Extralight"/>
               </a:rPr>
-              <a:t>BLAh</a:t>
-            </a:r>
-            <a:endParaRPr lang="en-US" dirty="0" smtClean="0">
+              <a:t>Direct relationship (positive correlation):</a:t>
+            </a:r>
+            <a:endParaRPr lang="en-US" sz="2000" b="1" u="sng" dirty="0" smtClean="0">
               <a:solidFill>
-                <a:srgbClr val="F2F2F2"/>
+                <a:schemeClr val="tx1">
+                  <a:lumMod val="75000"/>
+                  <a:lumOff val="25000"/>
+                </a:schemeClr>
               </a:solidFill>
               <a:latin typeface="Lantinghei SC Extralight"/>
               <a:cs typeface="Lantinghei SC Extralight"/>
             </a:endParaRPr>
           </a:p>
           <a:p>
-            <a:r>
-              <a:rPr lang="en-US" dirty="0" smtClean="0">
-                <a:solidFill>
-                  <a:srgbClr val="F2F2F2"/>
+            <a:pPr marL="171450" indent="-171450">
+              <a:lnSpc>
+                <a:spcPct val="150000"/>
+              </a:lnSpc>
+              <a:buFont typeface="Arial"/>
+              <a:buChar char="•"/>
+            </a:pPr>
+            <a:r>
+              <a:rPr lang="en-US" sz="2000" b="1" dirty="0" smtClean="0">
+                <a:solidFill>
+                  <a:schemeClr val="tx1">
+                    <a:lumMod val="75000"/>
+                    <a:lumOff val="25000"/>
+                  </a:schemeClr>
                 </a:solidFill>
                 <a:latin typeface="Lantinghei SC Extralight"/>
                 <a:cs typeface="Lantinghei SC Extralight"/>
               </a:rPr>
-              <a:t>Blah </a:t>
-            </a:r>
-          </a:p>
-          <a:p>
-            <a:r>
-              <a:rPr lang="en-US" dirty="0" smtClean="0">
-                <a:solidFill>
-                  <a:srgbClr val="F2F2F2"/>
+              <a:t>  Interest differential 	</a:t>
+            </a:r>
+            <a:r>
+              <a:rPr lang="en-US" sz="1200" b="1" dirty="0" smtClean="0">
+                <a:solidFill>
+                  <a:schemeClr val="tx1">
+                    <a:lumMod val="75000"/>
+                    <a:lumOff val="25000"/>
+                  </a:schemeClr>
                 </a:solidFill>
                 <a:latin typeface="Lantinghei SC Extralight"/>
                 <a:cs typeface="Lantinghei SC Extralight"/>
               </a:rPr>
-              <a:t>And more blah</a:t>
-            </a:r>
-            <a:endParaRPr lang="en-US" dirty="0">
+              <a:t>- </a:t>
+            </a:r>
+            <a:r>
+              <a:rPr lang="en-US" sz="1200" b="1" dirty="0" smtClean="0">
+                <a:solidFill>
+                  <a:schemeClr val="tx1">
+                    <a:lumMod val="75000"/>
+                    <a:lumOff val="25000"/>
+                  </a:schemeClr>
+                </a:solidFill>
+                <a:latin typeface="Wingdings"/>
+                <a:ea typeface="Wingdings"/>
+                <a:cs typeface="Wingdings"/>
+                <a:sym typeface="Wingdings"/>
+              </a:rPr>
+              <a:t></a:t>
+            </a:r>
+            <a:r>
+              <a:rPr lang="en-US" sz="1200" b="1" dirty="0" smtClean="0">
+                <a:solidFill>
+                  <a:schemeClr val="tx1">
+                    <a:lumMod val="75000"/>
+                    <a:lumOff val="25000"/>
+                  </a:schemeClr>
+                </a:solidFill>
+                <a:latin typeface="Lantinghei TC Extralight"/>
+                <a:ea typeface="Wingdings"/>
+                <a:cs typeface="Lantinghei TC Extralight"/>
+                <a:sym typeface="Wingdings"/>
+              </a:rPr>
+              <a:t> </a:t>
+            </a:r>
+            <a:r>
+              <a:rPr lang="en-US" sz="1200" b="1" dirty="0" smtClean="0">
+                <a:solidFill>
+                  <a:schemeClr val="tx1">
+                    <a:lumMod val="75000"/>
+                    <a:lumOff val="25000"/>
+                  </a:schemeClr>
+                </a:solidFill>
+                <a:latin typeface="Lantinghei SC Extralight"/>
+                <a:cs typeface="Lantinghei SC Extralight"/>
+              </a:rPr>
+              <a:t>forward exchange rate =  </a:t>
+            </a:r>
+            <a:r>
+              <a:rPr lang="en-US" sz="1200" b="1" dirty="0" smtClean="0">
+                <a:solidFill>
+                  <a:schemeClr val="tx1">
+                    <a:lumMod val="75000"/>
+                    <a:lumOff val="25000"/>
+                  </a:schemeClr>
+                </a:solidFill>
+                <a:latin typeface="Wingdings"/>
+                <a:ea typeface="Wingdings"/>
+                <a:cs typeface="Wingdings"/>
+                <a:sym typeface="Wingdings"/>
+              </a:rPr>
+              <a:t></a:t>
+            </a:r>
+            <a:r>
+              <a:rPr lang="en-US" sz="1200" b="1" dirty="0" smtClean="0">
+                <a:solidFill>
+                  <a:schemeClr val="tx1">
+                    <a:lumMod val="75000"/>
+                    <a:lumOff val="25000"/>
+                  </a:schemeClr>
+                </a:solidFill>
+                <a:latin typeface="Lantinghei SC Demibold"/>
+                <a:ea typeface="Wingdings"/>
+                <a:cs typeface="Lantinghei SC Demibold"/>
+                <a:sym typeface="Wingdings"/>
+              </a:rPr>
+              <a:t> </a:t>
+            </a:r>
+            <a:r>
+              <a:rPr lang="en-US" sz="1200" b="1" dirty="0" smtClean="0">
+                <a:solidFill>
+                  <a:schemeClr val="tx1">
+                    <a:lumMod val="75000"/>
+                    <a:lumOff val="25000"/>
+                  </a:schemeClr>
+                </a:solidFill>
+                <a:latin typeface="Lantinghei SC Extralight"/>
+                <a:cs typeface="Lantinghei SC Extralight"/>
+              </a:rPr>
+              <a:t>future spot rate</a:t>
+            </a:r>
+          </a:p>
+          <a:p>
+            <a:pPr>
+              <a:lnSpc>
+                <a:spcPct val="150000"/>
+              </a:lnSpc>
+            </a:pPr>
+            <a:r>
+              <a:rPr lang="en-US" sz="1200" b="1" dirty="0" smtClean="0">
+                <a:solidFill>
+                  <a:schemeClr val="tx1">
+                    <a:lumMod val="75000"/>
+                    <a:lumOff val="25000"/>
+                  </a:schemeClr>
+                </a:solidFill>
+                <a:latin typeface="Lantinghei SC Extralight"/>
+                <a:cs typeface="Lantinghei SC Extralight"/>
+              </a:rPr>
+              <a:t>		       	- more attractive to save money in currency with higher interest rate</a:t>
+            </a:r>
+            <a:endParaRPr lang="en-US" b="1" dirty="0" smtClean="0">
               <a:solidFill>
-                <a:srgbClr val="F2F2F2"/>
+                <a:schemeClr val="tx1">
+                  <a:lumMod val="75000"/>
+                  <a:lumOff val="25000"/>
+                </a:schemeClr>
+              </a:solidFill>
+              <a:latin typeface="Lantinghei SC Extralight"/>
+              <a:cs typeface="Lantinghei SC Extralight"/>
+            </a:endParaRPr>
+          </a:p>
+          <a:p>
+            <a:pPr marL="285750" indent="-285750">
+              <a:lnSpc>
+                <a:spcPct val="150000"/>
+              </a:lnSpc>
+              <a:buFont typeface="Arial"/>
+              <a:buChar char="•"/>
+            </a:pPr>
+            <a:r>
+              <a:rPr lang="en-US" sz="2000" b="1" dirty="0" smtClean="0">
+                <a:solidFill>
+                  <a:schemeClr val="tx1">
+                    <a:lumMod val="75000"/>
+                    <a:lumOff val="25000"/>
+                  </a:schemeClr>
+                </a:solidFill>
+                <a:latin typeface="Lantinghei SC Extralight"/>
+                <a:cs typeface="Lantinghei SC Extralight"/>
+              </a:rPr>
+              <a:t>IP differential	</a:t>
+            </a:r>
+            <a:r>
+              <a:rPr lang="en-US" sz="1200" b="1" dirty="0" smtClean="0">
+                <a:solidFill>
+                  <a:schemeClr val="tx1">
+                    <a:lumMod val="75000"/>
+                    <a:lumOff val="25000"/>
+                  </a:schemeClr>
+                </a:solidFill>
+                <a:latin typeface="Lantinghei SC Extralight"/>
+                <a:cs typeface="Lantinghei SC Extralight"/>
+              </a:rPr>
+              <a:t>–</a:t>
+            </a:r>
+            <a:r>
+              <a:rPr lang="en-US" sz="1200" b="1" dirty="0" smtClean="0">
+                <a:solidFill>
+                  <a:schemeClr val="tx1">
+                    <a:lumMod val="75000"/>
+                    <a:lumOff val="25000"/>
+                  </a:schemeClr>
+                </a:solidFill>
+                <a:latin typeface="Wingdings"/>
+                <a:ea typeface="Wingdings"/>
+                <a:cs typeface="Wingdings"/>
+                <a:sym typeface="Wingdings"/>
+              </a:rPr>
+              <a:t></a:t>
+            </a:r>
+            <a:r>
+              <a:rPr lang="en-US" sz="1200" b="1" dirty="0" smtClean="0">
+                <a:solidFill>
+                  <a:schemeClr val="tx1">
+                    <a:lumMod val="75000"/>
+                    <a:lumOff val="25000"/>
+                  </a:schemeClr>
+                </a:solidFill>
+                <a:latin typeface="Lantinghei TC Extralight"/>
+                <a:ea typeface="Wingdings"/>
+                <a:cs typeface="Lantinghei TC Extralight"/>
+                <a:sym typeface="Wingdings"/>
+              </a:rPr>
+              <a:t> </a:t>
+            </a:r>
+            <a:r>
+              <a:rPr lang="en-US" sz="1200" b="1" dirty="0" smtClean="0">
+                <a:solidFill>
+                  <a:schemeClr val="tx1">
+                    <a:lumMod val="75000"/>
+                    <a:lumOff val="25000"/>
+                  </a:schemeClr>
+                </a:solidFill>
+                <a:latin typeface="Lantinghei SC Extralight"/>
+                <a:cs typeface="Lantinghei SC Extralight"/>
+              </a:rPr>
+              <a:t>production = </a:t>
+            </a:r>
+            <a:r>
+              <a:rPr lang="en-US" sz="1200" b="1" dirty="0" smtClean="0">
+                <a:solidFill>
+                  <a:schemeClr val="tx1">
+                    <a:lumMod val="75000"/>
+                    <a:lumOff val="25000"/>
+                  </a:schemeClr>
+                </a:solidFill>
+                <a:latin typeface="Lantinghei TC Extralight"/>
+                <a:ea typeface="Wingdings"/>
+                <a:cs typeface="Lantinghei TC Extralight"/>
+                <a:sym typeface="Wingdings"/>
+              </a:rPr>
+              <a:t>stronger </a:t>
+            </a:r>
+            <a:r>
+              <a:rPr lang="en-US" sz="1200" b="1" dirty="0" smtClean="0">
+                <a:solidFill>
+                  <a:schemeClr val="tx1">
+                    <a:lumMod val="75000"/>
+                    <a:lumOff val="25000"/>
+                  </a:schemeClr>
+                </a:solidFill>
+                <a:latin typeface="Lantinghei SC Extralight"/>
+                <a:cs typeface="Lantinghei SC Extralight"/>
+              </a:rPr>
+              <a:t>economy =  </a:t>
+            </a:r>
+            <a:r>
+              <a:rPr lang="en-US" sz="1200" b="1" dirty="0" smtClean="0">
+                <a:solidFill>
+                  <a:schemeClr val="tx1">
+                    <a:lumMod val="75000"/>
+                    <a:lumOff val="25000"/>
+                  </a:schemeClr>
+                </a:solidFill>
+                <a:latin typeface="Wingdings"/>
+                <a:ea typeface="Wingdings"/>
+                <a:cs typeface="Wingdings"/>
+                <a:sym typeface="Wingdings"/>
+              </a:rPr>
+              <a:t></a:t>
+            </a:r>
+            <a:r>
+              <a:rPr lang="en-US" sz="1200" b="1" dirty="0" smtClean="0">
+                <a:solidFill>
+                  <a:schemeClr val="tx1">
+                    <a:lumMod val="75000"/>
+                    <a:lumOff val="25000"/>
+                  </a:schemeClr>
+                </a:solidFill>
+                <a:latin typeface="Lantinghei TC Extralight"/>
+                <a:ea typeface="Wingdings"/>
+                <a:cs typeface="Lantinghei TC Extralight"/>
+                <a:sym typeface="Wingdings"/>
+              </a:rPr>
+              <a:t> </a:t>
+            </a:r>
+            <a:r>
+              <a:rPr lang="en-US" sz="1200" b="1" dirty="0" smtClean="0">
+                <a:solidFill>
+                  <a:schemeClr val="tx1">
+                    <a:lumMod val="75000"/>
+                    <a:lumOff val="25000"/>
+                  </a:schemeClr>
+                </a:solidFill>
+                <a:latin typeface="Lantinghei SC Extralight"/>
+                <a:cs typeface="Lantinghei SC Extralight"/>
+              </a:rPr>
+              <a:t>value of currency</a:t>
+            </a:r>
+          </a:p>
+          <a:p>
+            <a:pPr>
+              <a:lnSpc>
+                <a:spcPct val="150000"/>
+              </a:lnSpc>
+            </a:pPr>
+            <a:endParaRPr lang="en-US" sz="2000" b="1" dirty="0" smtClean="0">
+              <a:solidFill>
+                <a:schemeClr val="tx1">
+                  <a:lumMod val="75000"/>
+                  <a:lumOff val="25000"/>
+                </a:schemeClr>
+              </a:solidFill>
+              <a:latin typeface="Lantinghei SC Extralight"/>
+              <a:cs typeface="Lantinghei SC Extralight"/>
+            </a:endParaRPr>
+          </a:p>
+          <a:p>
+            <a:pPr>
+              <a:lnSpc>
+                <a:spcPct val="150000"/>
+              </a:lnSpc>
+            </a:pPr>
+            <a:r>
+              <a:rPr lang="en-US" sz="1400" b="1" u="sng" dirty="0" smtClean="0">
+                <a:solidFill>
+                  <a:schemeClr val="tx1">
+                    <a:lumMod val="75000"/>
+                    <a:lumOff val="25000"/>
+                  </a:schemeClr>
+                </a:solidFill>
+                <a:latin typeface="Lantinghei SC Extralight"/>
+                <a:cs typeface="Lantinghei SC Extralight"/>
+              </a:rPr>
+              <a:t>Indirect relationship (negative correlation):</a:t>
+            </a:r>
+          </a:p>
+          <a:p>
+            <a:pPr marL="285750" indent="-285750">
+              <a:lnSpc>
+                <a:spcPct val="150000"/>
+              </a:lnSpc>
+              <a:buFont typeface="Arial"/>
+              <a:buChar char="•"/>
+            </a:pPr>
+            <a:r>
+              <a:rPr lang="en-US" sz="2000" b="1" dirty="0" smtClean="0">
+                <a:solidFill>
+                  <a:schemeClr val="tx1">
+                    <a:lumMod val="75000"/>
+                    <a:lumOff val="25000"/>
+                  </a:schemeClr>
+                </a:solidFill>
+                <a:latin typeface="Lantinghei SC Extralight"/>
+                <a:cs typeface="Lantinghei SC Extralight"/>
+              </a:rPr>
+              <a:t>Inflation differential	</a:t>
+            </a:r>
+            <a:r>
+              <a:rPr lang="en-US" sz="1200" b="1" dirty="0" smtClean="0">
+                <a:solidFill>
+                  <a:schemeClr val="tx1">
+                    <a:lumMod val="75000"/>
+                    <a:lumOff val="25000"/>
+                  </a:schemeClr>
+                </a:solidFill>
+                <a:latin typeface="Lantinghei SC Extralight"/>
+                <a:cs typeface="Lantinghei SC Extralight"/>
+              </a:rPr>
+              <a:t>–</a:t>
+            </a:r>
+            <a:r>
+              <a:rPr lang="en-US" sz="1200" b="1" dirty="0" smtClean="0">
+                <a:solidFill>
+                  <a:schemeClr val="tx1">
+                    <a:lumMod val="75000"/>
+                    <a:lumOff val="25000"/>
+                  </a:schemeClr>
+                </a:solidFill>
+                <a:latin typeface="Wingdings"/>
+                <a:ea typeface="Wingdings"/>
+                <a:cs typeface="Wingdings"/>
+                <a:sym typeface="Wingdings"/>
+              </a:rPr>
+              <a:t></a:t>
+            </a:r>
+            <a:r>
+              <a:rPr lang="en-US" sz="1200" b="1" dirty="0" smtClean="0">
+                <a:solidFill>
+                  <a:schemeClr val="tx1">
+                    <a:lumMod val="75000"/>
+                    <a:lumOff val="25000"/>
+                  </a:schemeClr>
+                </a:solidFill>
+                <a:latin typeface="Lantinghei SC Extralight"/>
+                <a:cs typeface="Lantinghei SC Extralight"/>
+              </a:rPr>
+              <a:t> inflation = </a:t>
+            </a:r>
+            <a:r>
+              <a:rPr lang="en-US" sz="1200" b="1" dirty="0" smtClean="0">
+                <a:solidFill>
+                  <a:schemeClr val="tx1">
+                    <a:lumMod val="75000"/>
+                    <a:lumOff val="25000"/>
+                  </a:schemeClr>
+                </a:solidFill>
+                <a:latin typeface="Wingdings"/>
+                <a:ea typeface="Wingdings"/>
+                <a:cs typeface="Wingdings"/>
+                <a:sym typeface="Wingdings"/>
+              </a:rPr>
+              <a:t></a:t>
+            </a:r>
+            <a:r>
+              <a:rPr lang="en-US" sz="1200" b="1" dirty="0" smtClean="0">
+                <a:solidFill>
+                  <a:schemeClr val="tx1">
+                    <a:lumMod val="75000"/>
+                    <a:lumOff val="25000"/>
+                  </a:schemeClr>
+                </a:solidFill>
+                <a:latin typeface="Lantinghei SC Extralight"/>
+                <a:cs typeface="Lantinghei SC Extralight"/>
+              </a:rPr>
+              <a:t> </a:t>
+            </a:r>
+            <a:r>
+              <a:rPr lang="en-US" sz="1200" b="1" dirty="0">
+                <a:solidFill>
+                  <a:schemeClr val="tx1">
+                    <a:lumMod val="75000"/>
+                    <a:lumOff val="25000"/>
+                  </a:schemeClr>
+                </a:solidFill>
+                <a:latin typeface="Lantinghei SC Extralight"/>
+                <a:cs typeface="Lantinghei SC Extralight"/>
+              </a:rPr>
+              <a:t>exports </a:t>
+            </a:r>
+            <a:r>
+              <a:rPr lang="en-US" sz="1200" b="1" dirty="0" smtClean="0">
+                <a:solidFill>
+                  <a:schemeClr val="tx1">
+                    <a:lumMod val="75000"/>
+                    <a:lumOff val="25000"/>
+                  </a:schemeClr>
+                </a:solidFill>
+                <a:latin typeface="Lantinghei SC Extralight"/>
+                <a:cs typeface="Lantinghei SC Extralight"/>
+              </a:rPr>
+              <a:t>&amp; </a:t>
+            </a:r>
+            <a:r>
+              <a:rPr lang="en-US" sz="1200" b="1" dirty="0" smtClean="0">
+                <a:solidFill>
+                  <a:schemeClr val="tx1">
+                    <a:lumMod val="75000"/>
+                    <a:lumOff val="25000"/>
+                  </a:schemeClr>
+                </a:solidFill>
+                <a:latin typeface="Wingdings"/>
+                <a:ea typeface="Wingdings"/>
+                <a:cs typeface="Wingdings"/>
+                <a:sym typeface="Wingdings"/>
+              </a:rPr>
+              <a:t></a:t>
+            </a:r>
+            <a:r>
+              <a:rPr lang="en-US" sz="1200" b="1" dirty="0" smtClean="0">
+                <a:solidFill>
+                  <a:schemeClr val="tx1">
+                    <a:lumMod val="75000"/>
+                    <a:lumOff val="25000"/>
+                  </a:schemeClr>
+                </a:solidFill>
+                <a:latin typeface="Lantinghei TC Extralight"/>
+                <a:ea typeface="Wingdings"/>
+                <a:cs typeface="Lantinghei TC Extralight"/>
+                <a:sym typeface="Wingdings"/>
+              </a:rPr>
+              <a:t> </a:t>
+            </a:r>
+            <a:r>
+              <a:rPr lang="en-US" sz="1200" b="1" dirty="0" smtClean="0">
+                <a:solidFill>
+                  <a:schemeClr val="tx1">
+                    <a:lumMod val="75000"/>
+                    <a:lumOff val="25000"/>
+                  </a:schemeClr>
+                </a:solidFill>
+                <a:latin typeface="Lantinghei SC Extralight"/>
+                <a:cs typeface="Lantinghei SC Extralight"/>
+              </a:rPr>
+              <a:t>imports = </a:t>
+            </a:r>
+            <a:r>
+              <a:rPr lang="en-US" sz="1200" b="1" dirty="0" smtClean="0">
+                <a:solidFill>
+                  <a:schemeClr val="tx1">
+                    <a:lumMod val="75000"/>
+                    <a:lumOff val="25000"/>
+                  </a:schemeClr>
+                </a:solidFill>
+                <a:latin typeface="Wingdings"/>
+                <a:ea typeface="Wingdings"/>
+                <a:cs typeface="Wingdings"/>
+                <a:sym typeface="Wingdings"/>
+              </a:rPr>
+              <a:t></a:t>
+            </a:r>
+            <a:r>
+              <a:rPr lang="en-US" sz="1200" b="1" dirty="0" smtClean="0">
+                <a:solidFill>
+                  <a:schemeClr val="tx1">
+                    <a:lumMod val="75000"/>
+                    <a:lumOff val="25000"/>
+                  </a:schemeClr>
+                </a:solidFill>
+                <a:latin typeface="Lantinghei TC Extralight"/>
+                <a:ea typeface="Wingdings"/>
+                <a:cs typeface="Lantinghei TC Extralight"/>
+                <a:sym typeface="Wingdings"/>
+              </a:rPr>
+              <a:t> </a:t>
+            </a:r>
+            <a:r>
+              <a:rPr lang="en-US" sz="1200" b="1" dirty="0" smtClean="0">
+                <a:solidFill>
+                  <a:schemeClr val="tx1">
+                    <a:lumMod val="75000"/>
+                    <a:lumOff val="25000"/>
+                  </a:schemeClr>
+                </a:solidFill>
+                <a:latin typeface="Lantinghei SC Extralight"/>
+                <a:cs typeface="Lantinghei SC Extralight"/>
+              </a:rPr>
+              <a:t>value of currency</a:t>
+            </a:r>
+          </a:p>
+          <a:p>
+            <a:pPr marL="285750" indent="-285750">
+              <a:lnSpc>
+                <a:spcPct val="150000"/>
+              </a:lnSpc>
+              <a:buFont typeface="Arial"/>
+              <a:buChar char="•"/>
+            </a:pPr>
+            <a:r>
+              <a:rPr lang="en-US" sz="2000" b="1" dirty="0">
+                <a:solidFill>
+                  <a:schemeClr val="tx1">
+                    <a:lumMod val="75000"/>
+                    <a:lumOff val="25000"/>
+                  </a:schemeClr>
+                </a:solidFill>
+                <a:latin typeface="Lantinghei SC Extralight"/>
+                <a:cs typeface="Lantinghei SC Extralight"/>
+              </a:rPr>
+              <a:t>MS </a:t>
+            </a:r>
+            <a:r>
+              <a:rPr lang="en-US" sz="2000" b="1" dirty="0" smtClean="0">
+                <a:solidFill>
+                  <a:schemeClr val="tx1">
+                    <a:lumMod val="75000"/>
+                    <a:lumOff val="25000"/>
+                  </a:schemeClr>
+                </a:solidFill>
+                <a:latin typeface="Lantinghei SC Extralight"/>
+                <a:cs typeface="Lantinghei SC Extralight"/>
+              </a:rPr>
+              <a:t>differential 	</a:t>
+            </a:r>
+            <a:r>
+              <a:rPr lang="en-US" sz="1200" b="1" dirty="0" smtClean="0">
+                <a:solidFill>
+                  <a:schemeClr val="tx1">
+                    <a:lumMod val="75000"/>
+                    <a:lumOff val="25000"/>
+                  </a:schemeClr>
+                </a:solidFill>
+                <a:latin typeface="Lantinghei SC Extralight"/>
+                <a:cs typeface="Lantinghei SC Extralight"/>
+              </a:rPr>
+              <a:t>- all else equal, </a:t>
+            </a:r>
+            <a:r>
+              <a:rPr lang="en-US" sz="1200" b="1" dirty="0" smtClean="0">
+                <a:solidFill>
+                  <a:schemeClr val="tx1">
+                    <a:lumMod val="75000"/>
+                    <a:lumOff val="25000"/>
+                  </a:schemeClr>
+                </a:solidFill>
+                <a:latin typeface="Wingdings"/>
+                <a:ea typeface="Wingdings"/>
+                <a:cs typeface="Wingdings"/>
+                <a:sym typeface="Wingdings"/>
+              </a:rPr>
+              <a:t></a:t>
+            </a:r>
+            <a:r>
+              <a:rPr lang="en-US" sz="1200" b="1" dirty="0" smtClean="0">
+                <a:solidFill>
+                  <a:schemeClr val="tx1">
+                    <a:lumMod val="75000"/>
+                    <a:lumOff val="25000"/>
+                  </a:schemeClr>
+                </a:solidFill>
+                <a:latin typeface="Lantinghei TC Extralight"/>
+                <a:ea typeface="Wingdings"/>
+                <a:cs typeface="Lantinghei TC Extralight"/>
+                <a:sym typeface="Wingdings"/>
+              </a:rPr>
+              <a:t> </a:t>
+            </a:r>
+            <a:r>
+              <a:rPr lang="en-US" sz="1200" b="1" dirty="0" smtClean="0">
+                <a:solidFill>
+                  <a:schemeClr val="tx1">
+                    <a:lumMod val="75000"/>
+                    <a:lumOff val="25000"/>
+                  </a:schemeClr>
+                </a:solidFill>
+                <a:latin typeface="Lantinghei SC Extralight"/>
+                <a:cs typeface="Lantinghei SC Extralight"/>
+              </a:rPr>
+              <a:t>supply with </a:t>
+            </a:r>
+            <a:r>
+              <a:rPr lang="en-US" sz="1200" b="1" dirty="0" smtClean="0">
+                <a:solidFill>
+                  <a:schemeClr val="tx1">
+                    <a:lumMod val="75000"/>
+                    <a:lumOff val="25000"/>
+                  </a:schemeClr>
+                </a:solidFill>
+                <a:latin typeface="Wingdings"/>
+                <a:ea typeface="Wingdings"/>
+                <a:cs typeface="Wingdings"/>
+                <a:sym typeface="Wingdings"/>
+              </a:rPr>
+              <a:t></a:t>
+            </a:r>
+            <a:r>
+              <a:rPr lang="en-US" sz="1200" b="1" dirty="0" smtClean="0">
+                <a:solidFill>
+                  <a:schemeClr val="tx1">
+                    <a:lumMod val="75000"/>
+                    <a:lumOff val="25000"/>
+                  </a:schemeClr>
+                </a:solidFill>
+                <a:latin typeface="Lantinghei SC Extralight"/>
+                <a:cs typeface="Lantinghei SC Extralight"/>
+              </a:rPr>
+              <a:t>  demand = </a:t>
+            </a:r>
+            <a:r>
+              <a:rPr lang="en-US" sz="1200" b="1" dirty="0" smtClean="0">
+                <a:solidFill>
+                  <a:schemeClr val="tx1">
+                    <a:lumMod val="75000"/>
+                    <a:lumOff val="25000"/>
+                  </a:schemeClr>
+                </a:solidFill>
+                <a:latin typeface="Wingdings"/>
+                <a:ea typeface="Wingdings"/>
+                <a:cs typeface="Wingdings"/>
+                <a:sym typeface="Wingdings"/>
+              </a:rPr>
+              <a:t></a:t>
+            </a:r>
+            <a:r>
+              <a:rPr lang="en-US" sz="1200" b="1" dirty="0" smtClean="0">
+                <a:solidFill>
+                  <a:schemeClr val="tx1">
+                    <a:lumMod val="75000"/>
+                    <a:lumOff val="25000"/>
+                  </a:schemeClr>
+                </a:solidFill>
+                <a:latin typeface="Lantinghei SC Extralight"/>
+                <a:cs typeface="Lantinghei SC Extralight"/>
+              </a:rPr>
+              <a:t> spot rate</a:t>
+            </a:r>
+            <a:endParaRPr lang="en-US" sz="1200" b="1" dirty="0">
+              <a:solidFill>
+                <a:schemeClr val="tx1">
+                  <a:lumMod val="75000"/>
+                  <a:lumOff val="25000"/>
+                </a:schemeClr>
               </a:solidFill>
               <a:latin typeface="Lantinghei SC Extralight"/>
               <a:cs typeface="Lantinghei SC Extralight"/>
@@ -4647,7 +6336,7 @@
                 <a:latin typeface="Arial Black"/>
                 <a:cs typeface="Arial Black"/>
               </a:rPr>
-              <a:t>PREDIC-</a:t>
+              <a:t>PARA-</a:t>
             </a:r>
           </a:p>
           <a:p>
@@ -4659,7 +6348,7 @@
                 <a:latin typeface="Arial Black"/>
                 <a:cs typeface="Arial Black"/>
               </a:rPr>
-              <a:t>TION</a:t>
+              <a:t>METERS</a:t>
             </a:r>
             <a:endParaRPr lang="en-US" sz="4000" b="1" spc="300" dirty="0">
               <a:solidFill>
@@ -5031,8 +6720,15 @@
                   </a:schemeClr>
                 </a:solidFill>
               </a:rPr>
-              <a:t>LINEAR REGRESSION</a:t>
-            </a:r>
+              <a:t>WINDOW SIZE</a:t>
+            </a:r>
+            <a:endParaRPr lang="en-US" b="1" spc="300" dirty="0" smtClean="0">
+              <a:solidFill>
+                <a:schemeClr val="bg1">
+                  <a:lumMod val="95000"/>
+                </a:schemeClr>
+              </a:solidFill>
+            </a:endParaRPr>
           </a:p>
           <a:p>
             <a:endParaRPr lang="en-US" b="1" dirty="0">
@@ -5337,8 +7033,8 @@
         </p:nvSpPr>
         <p:spPr>
           <a:xfrm>
-            <a:off x="6427863" y="1050553"/>
-            <a:ext cx="2069452" cy="369332"/>
+            <a:off x="5598160" y="1050553"/>
+            <a:ext cx="2899155" cy="369332"/>
           </a:xfrm>
           <a:prstGeom prst="rect">
             <a:avLst/>
@@ -5357,7 +7053,7 @@
                 <a:latin typeface="Lantinghei SC Extralight"/>
                 <a:cs typeface="Lantinghei SC Extralight"/>
               </a:rPr>
-              <a:t>VARIABLE</a:t>
+              <a:t>PERFORMANCE</a:t>
             </a:r>
             <a:endParaRPr lang="en-US" b="1" spc="300" dirty="0">
               <a:latin typeface="Lantinghei SC Extralight"/>
@@ -5374,8 +7070,8 @@
         </p:nvSpPr>
         <p:spPr>
           <a:xfrm>
-            <a:off x="1144471" y="1466820"/>
-            <a:ext cx="7399860" cy="830997"/>
+            <a:off x="376272" y="1466820"/>
+            <a:ext cx="8168059" cy="830997"/>
           </a:xfrm>
           <a:prstGeom prst="rect">
             <a:avLst/>
@@ -5397,7 +7093,7 @@
                 <a:latin typeface="Arial Black"/>
                 <a:cs typeface="Arial Black"/>
               </a:rPr>
-              <a:t>CONSTRUCTION</a:t>
+              <a:t>LINEAR REGRESSION</a:t>
             </a:r>
             <a:endParaRPr lang="en-US" sz="4000" b="1" spc="300" dirty="0">
               <a:solidFill>
@@ -5709,7 +7405,7 @@
         </p:nvSpPr>
         <p:spPr>
           <a:xfrm>
-            <a:off x="4974064" y="2554731"/>
+            <a:off x="544304" y="5260991"/>
             <a:ext cx="3355026" cy="1200329"/>
           </a:xfrm>
           <a:prstGeom prst="rect">
@@ -5766,7 +7462,7 @@
       </p:sp>
       <p:pic>
         <p:nvPicPr>
-          <p:cNvPr id="20" name="Picture 19"/>
+          <p:cNvPr id="18" name="Picture 17"/>
           <p:cNvPicPr>
             <a:picLocks noChangeAspect="1"/>
           </p:cNvPicPr>
@@ -5774,13 +7470,36 @@
         </p:nvPicPr>
         <p:blipFill rotWithShape="1">
           <a:blip r:embed="rId2"/>
-          <a:srcRect l="15009" r="14950"/>
+          <a:srcRect r="3175"/>
           <a:stretch/>
         </p:blipFill>
         <p:spPr>
           <a:xfrm>
-            <a:off x="454650" y="2641030"/>
-            <a:ext cx="3038163" cy="3207577"/>
+            <a:off x="4564206" y="2297816"/>
+            <a:ext cx="4004229" cy="2599303"/>
+          </a:xfrm>
+          <a:prstGeom prst="rect">
+            <a:avLst/>
+          </a:prstGeom>
+        </p:spPr>
+      </p:pic>
+      <p:pic>
+        <p:nvPicPr>
+          <p:cNvPr id="19" name="Picture 18"/>
+          <p:cNvPicPr>
+            <a:picLocks noChangeAspect="1"/>
+          </p:cNvPicPr>
+          <p:nvPr/>
+        </p:nvPicPr>
+        <p:blipFill rotWithShape="1">
+          <a:blip r:embed="rId2"/>
+          <a:srcRect r="3261"/>
+          <a:stretch/>
+        </p:blipFill>
+        <p:spPr>
+          <a:xfrm>
+            <a:off x="540846" y="2297816"/>
+            <a:ext cx="4000674" cy="2599303"/>
           </a:xfrm>
           <a:prstGeom prst="rect">
             <a:avLst/>
@@ -5832,7 +7551,7 @@
         </p:nvCxnSpPr>
         <p:spPr>
           <a:xfrm>
-            <a:off x="3159047" y="2477421"/>
+            <a:off x="5518539" y="878075"/>
             <a:ext cx="2978757" cy="0"/>
           </a:xfrm>
           <a:prstGeom prst="line">
@@ -5862,8 +7581,8 @@
         </p:nvSpPr>
         <p:spPr>
           <a:xfrm>
-            <a:off x="3033616" y="984339"/>
-            <a:ext cx="3229618" cy="369332"/>
+            <a:off x="5598160" y="1050553"/>
+            <a:ext cx="2899155" cy="369332"/>
           </a:xfrm>
           <a:prstGeom prst="rect">
             <a:avLst/>
@@ -5876,13 +7595,13 @@
           </a:bodyPr>
           <a:lstStyle/>
           <a:p>
-            <a:pPr algn="ctr"/>
+            <a:pPr algn="r"/>
             <a:r>
               <a:rPr lang="en-US" b="1" spc="300" dirty="0" smtClean="0">
                 <a:latin typeface="Lantinghei SC Extralight"/>
                 <a:cs typeface="Lantinghei SC Extralight"/>
               </a:rPr>
-              <a:t>UNDERSTANDING </a:t>
+              <a:t>PERFORMANCE</a:t>
             </a:r>
             <a:endParaRPr lang="en-US" b="1" spc="300" dirty="0">
               <a:latin typeface="Lantinghei SC Extralight"/>
@@ -5899,8 +7618,8 @@
         </p:nvSpPr>
         <p:spPr>
           <a:xfrm>
-            <a:off x="1081759" y="1357060"/>
-            <a:ext cx="7133333" cy="923330"/>
+            <a:off x="376272" y="1466820"/>
+            <a:ext cx="8168059" cy="830997"/>
           </a:xfrm>
           <a:prstGeom prst="rect">
             <a:avLst/>
@@ -5913,18 +7632,18 @@
           </a:bodyPr>
           <a:lstStyle/>
           <a:p>
-            <a:pPr algn="ctr"/>
-            <a:r>
-              <a:rPr lang="en-US" sz="5400" b="1" spc="300" dirty="0" smtClean="0">
+            <a:pPr algn="r"/>
+            <a:r>
+              <a:rPr lang="en-US" sz="4800" b="1" spc="300" dirty="0" smtClean="0">
                 <a:solidFill>
                   <a:srgbClr val="F2BB2F"/>
                 </a:solidFill>
                 <a:latin typeface="Arial Black"/>
                 <a:cs typeface="Arial Black"/>
               </a:rPr>
-              <a:t>PERFORMANCE</a:t>
-            </a:r>
-            <a:endParaRPr lang="en-US" sz="4400" b="1" spc="300" dirty="0">
+              <a:t>RIDGE REGRESSION</a:t>
+            </a:r>
+            <a:endParaRPr lang="en-US" sz="4000" b="1" spc="300" dirty="0">
               <a:solidFill>
                 <a:srgbClr val="F2BB2F"/>
               </a:solidFill>
@@ -5934,266 +7653,16 @@
           </a:p>
         </p:txBody>
       </p:sp>
-      <p:grpSp>
-        <p:nvGrpSpPr>
-          <p:cNvPr id="7" name="Group 6"/>
-          <p:cNvGrpSpPr/>
-          <p:nvPr/>
-        </p:nvGrpSpPr>
-        <p:grpSpPr>
-          <a:xfrm>
-            <a:off x="-188131" y="6287643"/>
-            <a:ext cx="9379165" cy="617398"/>
-            <a:chOff x="-219487" y="6381723"/>
-            <a:chExt cx="9379165" cy="617398"/>
-          </a:xfrm>
-        </p:grpSpPr>
-        <p:sp>
-          <p:nvSpPr>
-            <p:cNvPr id="8" name="Rectangle 7"/>
-            <p:cNvSpPr/>
-            <p:nvPr/>
-          </p:nvSpPr>
-          <p:spPr>
-            <a:xfrm>
-              <a:off x="-219487" y="6381723"/>
-              <a:ext cx="9379165" cy="617398"/>
-            </a:xfrm>
-            <a:prstGeom prst="rect">
-              <a:avLst/>
-            </a:prstGeom>
-            <a:ln>
-              <a:noFill/>
-            </a:ln>
-            <a:effectLst/>
-          </p:spPr>
-          <p:style>
-            <a:lnRef idx="1">
-              <a:schemeClr val="accent1"/>
-            </a:lnRef>
-            <a:fillRef idx="3">
-              <a:schemeClr val="accent1"/>
-            </a:fillRef>
-            <a:effectRef idx="2">
-              <a:schemeClr val="accent1"/>
-            </a:effectRef>
-            <a:fontRef idx="minor">
-              <a:schemeClr val="lt1"/>
-            </a:fontRef>
-          </p:style>
-          <p:txBody>
-            <a:bodyPr rtlCol="0" anchor="ctr"/>
-            <a:lstStyle/>
-            <a:p>
-              <a:pPr algn="ctr"/>
-              <a:endParaRPr lang="en-US"/>
-            </a:p>
-          </p:txBody>
-        </p:sp>
-        <p:sp>
-          <p:nvSpPr>
-            <p:cNvPr id="9" name="TextBox 8"/>
-            <p:cNvSpPr txBox="1"/>
-            <p:nvPr/>
-          </p:nvSpPr>
-          <p:spPr>
-            <a:xfrm>
-              <a:off x="235170" y="6555400"/>
-              <a:ext cx="4707538" cy="276999"/>
-            </a:xfrm>
-            <a:prstGeom prst="rect">
-              <a:avLst/>
-            </a:prstGeom>
-            <a:noFill/>
-          </p:spPr>
-          <p:txBody>
-            <a:bodyPr wrap="square" rtlCol="0">
-              <a:spAutoFit/>
-            </a:bodyPr>
-            <a:lstStyle/>
-            <a:p>
-              <a:r>
-                <a:rPr lang="en-US" sz="1200" b="1" dirty="0" smtClean="0">
-                  <a:solidFill>
-                    <a:schemeClr val="bg1"/>
-                  </a:solidFill>
-                  <a:latin typeface="Lantinghei SC Extralight"/>
-                  <a:cs typeface="Lantinghei SC Extralight"/>
-                </a:rPr>
-                <a:t>15 MARCH 2017 | Imperial College Business School</a:t>
-              </a:r>
-              <a:endParaRPr lang="en-US" sz="1200" b="1" dirty="0">
-                <a:solidFill>
-                  <a:schemeClr val="bg1"/>
-                </a:solidFill>
-                <a:latin typeface="Lantinghei SC Extralight"/>
-                <a:cs typeface="Lantinghei SC Extralight"/>
-              </a:endParaRPr>
-            </a:p>
-          </p:txBody>
-        </p:sp>
-      </p:grpSp>
-      <p:grpSp>
-        <p:nvGrpSpPr>
-          <p:cNvPr id="10" name="Group 9"/>
-          <p:cNvGrpSpPr/>
-          <p:nvPr/>
-        </p:nvGrpSpPr>
-        <p:grpSpPr>
-          <a:xfrm>
-            <a:off x="-35731" y="-50"/>
-            <a:ext cx="9379165" cy="617398"/>
-            <a:chOff x="-35731" y="-50"/>
-            <a:chExt cx="9379165" cy="617398"/>
-          </a:xfrm>
-        </p:grpSpPr>
-        <p:sp>
-          <p:nvSpPr>
-            <p:cNvPr id="11" name="Rectangle 10"/>
-            <p:cNvSpPr/>
-            <p:nvPr/>
-          </p:nvSpPr>
-          <p:spPr>
-            <a:xfrm>
-              <a:off x="-35731" y="-50"/>
-              <a:ext cx="9379165" cy="617398"/>
-            </a:xfrm>
-            <a:prstGeom prst="rect">
-              <a:avLst/>
-            </a:prstGeom>
-            <a:solidFill>
-              <a:srgbClr val="FFFFFF"/>
-            </a:solidFill>
-            <a:ln>
-              <a:noFill/>
-            </a:ln>
-            <a:effectLst/>
-          </p:spPr>
-          <p:style>
-            <a:lnRef idx="1">
-              <a:schemeClr val="accent1"/>
-            </a:lnRef>
-            <a:fillRef idx="3">
-              <a:schemeClr val="accent1"/>
-            </a:fillRef>
-            <a:effectRef idx="2">
-              <a:schemeClr val="accent1"/>
-            </a:effectRef>
-            <a:fontRef idx="minor">
-              <a:schemeClr val="lt1"/>
-            </a:fontRef>
-          </p:style>
-          <p:txBody>
-            <a:bodyPr rtlCol="0" anchor="ctr"/>
-            <a:lstStyle/>
-            <a:p>
-              <a:pPr algn="ctr"/>
-              <a:endParaRPr lang="en-US"/>
-            </a:p>
-          </p:txBody>
-        </p:sp>
-        <p:grpSp>
-          <p:nvGrpSpPr>
-            <p:cNvPr id="12" name="Group 11"/>
-            <p:cNvGrpSpPr/>
-            <p:nvPr/>
-          </p:nvGrpSpPr>
-          <p:grpSpPr>
-            <a:xfrm>
-              <a:off x="376272" y="165266"/>
-              <a:ext cx="8356198" cy="369332"/>
-              <a:chOff x="266526" y="165266"/>
-              <a:chExt cx="8356198" cy="369332"/>
-            </a:xfrm>
-          </p:grpSpPr>
-          <p:sp>
-            <p:nvSpPr>
-              <p:cNvPr id="13" name="TextBox 12"/>
-              <p:cNvSpPr txBox="1"/>
-              <p:nvPr/>
-            </p:nvSpPr>
-            <p:spPr>
-              <a:xfrm>
-                <a:off x="266526" y="165266"/>
-                <a:ext cx="8324842" cy="369332"/>
-              </a:xfrm>
-              <a:prstGeom prst="rect">
-                <a:avLst/>
-              </a:prstGeom>
-              <a:noFill/>
-            </p:spPr>
-            <p:style>
-              <a:lnRef idx="2">
-                <a:schemeClr val="accent1"/>
-              </a:lnRef>
-              <a:fillRef idx="1">
-                <a:schemeClr val="lt1"/>
-              </a:fillRef>
-              <a:effectRef idx="0">
-                <a:schemeClr val="accent1"/>
-              </a:effectRef>
-              <a:fontRef idx="minor">
-                <a:schemeClr val="dk1"/>
-              </a:fontRef>
-            </p:style>
-            <p:txBody>
-              <a:bodyPr wrap="square" rtlCol="0">
-                <a:spAutoFit/>
-              </a:bodyPr>
-              <a:lstStyle/>
-              <a:p>
-                <a:endParaRPr lang="en-US" dirty="0"/>
-              </a:p>
-            </p:txBody>
-          </p:sp>
-          <p:sp>
-            <p:nvSpPr>
-              <p:cNvPr id="14" name="TextBox 13"/>
-              <p:cNvSpPr txBox="1"/>
-              <p:nvPr/>
-            </p:nvSpPr>
-            <p:spPr>
-              <a:xfrm>
-                <a:off x="297882" y="196626"/>
-                <a:ext cx="8324842" cy="276999"/>
-              </a:xfrm>
-              <a:prstGeom prst="rect">
-                <a:avLst/>
-              </a:prstGeom>
-              <a:noFill/>
-            </p:spPr>
-            <p:txBody>
-              <a:bodyPr wrap="square" rtlCol="0">
-                <a:spAutoFit/>
-              </a:bodyPr>
-              <a:lstStyle/>
-              <a:p>
-                <a:r>
-                  <a:rPr lang="en-US" sz="1200" dirty="0" smtClean="0">
-                    <a:latin typeface="Lantinghei SC Extralight"/>
-                    <a:cs typeface="Lantinghei SC Extralight"/>
-                  </a:rPr>
-                  <a:t>ASSIGNMENT 2 PRESENTATION</a:t>
-                </a:r>
-                <a:endParaRPr lang="en-US" sz="1200" dirty="0">
-                  <a:latin typeface="Lantinghei SC Extralight"/>
-                  <a:cs typeface="Lantinghei SC Extralight"/>
-                </a:endParaRPr>
-              </a:p>
-            </p:txBody>
-          </p:sp>
-        </p:grpSp>
-      </p:grpSp>
-      <p:sp>
-        <p:nvSpPr>
-          <p:cNvPr id="15" name="TextBox 14"/>
+      <p:sp>
+        <p:nvSpPr>
+          <p:cNvPr id="7" name="TextBox 6"/>
           <p:cNvSpPr txBox="1"/>
           <p:nvPr/>
         </p:nvSpPr>
         <p:spPr>
           <a:xfrm>
-            <a:off x="2445716" y="2728304"/>
-            <a:ext cx="4530846" cy="1200329"/>
+            <a:off x="438972" y="47039"/>
+            <a:ext cx="4707538" cy="261610"/>
           </a:xfrm>
           <a:prstGeom prst="rect">
             <a:avLst/>
@@ -6206,1141 +7675,23 @@
           </a:bodyPr>
           <a:lstStyle/>
           <a:p>
-            <a:pPr algn="ctr"/>
-            <a:r>
-              <a:rPr lang="en-US" dirty="0" smtClean="0">
+            <a:r>
+              <a:rPr lang="en-US" sz="1100" b="1" dirty="0" smtClean="0">
+                <a:solidFill>
+                  <a:schemeClr val="bg1"/>
+                </a:solidFill>
                 <a:latin typeface="Lantinghei SC Extralight"/>
                 <a:cs typeface="Lantinghei SC Extralight"/>
               </a:rPr>
-              <a:t>Blah</a:t>
-            </a:r>
-          </a:p>
-          <a:p>
-            <a:pPr algn="ctr"/>
-            <a:r>
-              <a:rPr lang="en-US" dirty="0" smtClean="0">
-                <a:latin typeface="Lantinghei SC Extralight"/>
-                <a:cs typeface="Lantinghei SC Extralight"/>
-              </a:rPr>
-              <a:t>Blah</a:t>
-            </a:r>
-          </a:p>
-          <a:p>
-            <a:pPr algn="ctr"/>
-            <a:r>
-              <a:rPr lang="en-US" dirty="0" smtClean="0">
-                <a:latin typeface="Lantinghei SC Extralight"/>
-                <a:cs typeface="Lantinghei SC Extralight"/>
-              </a:rPr>
-              <a:t>...</a:t>
-            </a:r>
-          </a:p>
-          <a:p>
-            <a:pPr algn="ctr"/>
-            <a:r>
-              <a:rPr lang="en-US" dirty="0" smtClean="0">
-                <a:latin typeface="Lantinghei SC Extralight"/>
-                <a:cs typeface="Lantinghei SC Extralight"/>
-              </a:rPr>
-              <a:t>blah</a:t>
-            </a:r>
-          </a:p>
-        </p:txBody>
-      </p:sp>
-    </p:spTree>
-    <p:extLst>
-      <p:ext uri="{BB962C8B-B14F-4D97-AF65-F5344CB8AC3E}">
-        <p14:creationId xmlns:p14="http://schemas.microsoft.com/office/powerpoint/2010/main" val="421533380"/>
-      </p:ext>
-    </p:extLst>
-  </p:cSld>
-  <p:clrMapOvr>
-    <a:masterClrMapping/>
-  </p:clrMapOvr>
-  <p:timing>
-    <p:tnLst>
-      <p:par>
-        <p:cTn xmlns:p14="http://schemas.microsoft.com/office/powerpoint/2010/main" id="1" dur="indefinite" restart="never" nodeType="tmRoot"/>
-      </p:par>
-    </p:tnLst>
-  </p:timing>
-</p:sld>
-</file>
-
-<file path=ppt/slides/slide6.xml><?xml version="1.0" encoding="utf-8"?>
-<p:sld xmlns:a="http://schemas.openxmlformats.org/drawingml/2006/main" xmlns:r="http://schemas.openxmlformats.org/officeDocument/2006/relationships" xmlns:p="http://schemas.openxmlformats.org/presentationml/2006/main">
-  <p:cSld>
-    <p:spTree>
-      <p:nvGrpSpPr>
-        <p:cNvPr id="1" name=""/>
-        <p:cNvGrpSpPr/>
-        <p:nvPr/>
-      </p:nvGrpSpPr>
-      <p:grpSpPr>
-        <a:xfrm>
-          <a:off x="0" y="0"/>
-          <a:ext cx="0" cy="0"/>
-          <a:chOff x="0" y="0"/>
-          <a:chExt cx="0" cy="0"/>
-        </a:xfrm>
-      </p:grpSpPr>
-      <p:pic>
-        <p:nvPicPr>
-          <p:cNvPr id="4" name="Picture 3"/>
-          <p:cNvPicPr>
-            <a:picLocks noChangeAspect="1"/>
-          </p:cNvPicPr>
-          <p:nvPr/>
-        </p:nvPicPr>
-        <p:blipFill rotWithShape="1">
-          <a:blip r:embed="rId2"/>
-          <a:srcRect r="11198"/>
-          <a:stretch/>
-        </p:blipFill>
-        <p:spPr>
-          <a:xfrm>
-            <a:off x="0" y="0"/>
-            <a:ext cx="9159678" cy="6858000"/>
-          </a:xfrm>
-          <a:prstGeom prst="rect">
-            <a:avLst/>
-          </a:prstGeom>
-        </p:spPr>
-      </p:pic>
-      <p:sp>
-        <p:nvSpPr>
-          <p:cNvPr id="11" name="Rectangle 10"/>
-          <p:cNvSpPr/>
-          <p:nvPr/>
-        </p:nvSpPr>
-        <p:spPr>
-          <a:xfrm>
-            <a:off x="0" y="-21160"/>
-            <a:ext cx="9144000" cy="6912255"/>
-          </a:xfrm>
-          <a:prstGeom prst="rect">
-            <a:avLst/>
-          </a:prstGeom>
-          <a:solidFill>
-            <a:srgbClr val="FFFFFF">
-              <a:alpha val="60000"/>
-            </a:srgbClr>
-          </a:solidFill>
-          <a:ln>
-            <a:noFill/>
-          </a:ln>
-        </p:spPr>
-        <p:style>
-          <a:lnRef idx="1">
-            <a:schemeClr val="accent1"/>
-          </a:lnRef>
-          <a:fillRef idx="3">
-            <a:schemeClr val="accent1"/>
-          </a:fillRef>
-          <a:effectRef idx="2">
-            <a:schemeClr val="accent1"/>
-          </a:effectRef>
-          <a:fontRef idx="minor">
-            <a:schemeClr val="lt1"/>
-          </a:fontRef>
-        </p:style>
-        <p:txBody>
-          <a:bodyPr rtlCol="0" anchor="ctr"/>
-          <a:lstStyle/>
-          <a:p>
-            <a:pPr algn="ctr"/>
-            <a:endParaRPr lang="en-US"/>
-          </a:p>
-        </p:txBody>
-      </p:sp>
-      <p:grpSp>
-        <p:nvGrpSpPr>
-          <p:cNvPr id="5" name="Group 4"/>
-          <p:cNvGrpSpPr/>
-          <p:nvPr/>
-        </p:nvGrpSpPr>
-        <p:grpSpPr>
-          <a:xfrm>
-            <a:off x="376272" y="165266"/>
-            <a:ext cx="8356198" cy="369332"/>
-            <a:chOff x="266526" y="165266"/>
-            <a:chExt cx="8356198" cy="369332"/>
-          </a:xfrm>
-        </p:grpSpPr>
-        <p:sp>
-          <p:nvSpPr>
-            <p:cNvPr id="6" name="TextBox 5"/>
-            <p:cNvSpPr txBox="1"/>
-            <p:nvPr/>
-          </p:nvSpPr>
-          <p:spPr>
-            <a:xfrm>
-              <a:off x="266526" y="165266"/>
-              <a:ext cx="8324842" cy="369332"/>
-            </a:xfrm>
-            <a:prstGeom prst="rect">
-              <a:avLst/>
-            </a:prstGeom>
-            <a:noFill/>
-          </p:spPr>
-          <p:style>
-            <a:lnRef idx="2">
-              <a:schemeClr val="accent1"/>
-            </a:lnRef>
-            <a:fillRef idx="1">
-              <a:schemeClr val="lt1"/>
-            </a:fillRef>
-            <a:effectRef idx="0">
-              <a:schemeClr val="accent1"/>
-            </a:effectRef>
-            <a:fontRef idx="minor">
-              <a:schemeClr val="dk1"/>
-            </a:fontRef>
-          </p:style>
-          <p:txBody>
-            <a:bodyPr wrap="square" rtlCol="0">
-              <a:spAutoFit/>
-            </a:bodyPr>
-            <a:lstStyle/>
-            <a:p>
-              <a:endParaRPr lang="en-US" dirty="0"/>
-            </a:p>
-          </p:txBody>
-        </p:sp>
-        <p:sp>
-          <p:nvSpPr>
-            <p:cNvPr id="7" name="TextBox 6"/>
-            <p:cNvSpPr txBox="1"/>
-            <p:nvPr/>
-          </p:nvSpPr>
-          <p:spPr>
-            <a:xfrm>
-              <a:off x="297882" y="196626"/>
-              <a:ext cx="8324842" cy="276999"/>
-            </a:xfrm>
-            <a:prstGeom prst="rect">
-              <a:avLst/>
-            </a:prstGeom>
-            <a:noFill/>
-          </p:spPr>
-          <p:txBody>
-            <a:bodyPr wrap="square" rtlCol="0">
-              <a:spAutoFit/>
-            </a:bodyPr>
-            <a:lstStyle/>
-            <a:p>
-              <a:r>
-                <a:rPr lang="en-US" sz="1200" dirty="0" smtClean="0">
-                  <a:solidFill>
-                    <a:srgbClr val="FFFFFF"/>
-                  </a:solidFill>
-                  <a:latin typeface="Lantinghei SC Extralight"/>
-                  <a:cs typeface="Lantinghei SC Extralight"/>
-                </a:rPr>
-                <a:t>ASSIGNMENT 2 PRESENTATION</a:t>
-              </a:r>
-              <a:endParaRPr lang="en-US" sz="1200" dirty="0">
-                <a:solidFill>
-                  <a:srgbClr val="FFFFFF"/>
-                </a:solidFill>
-                <a:latin typeface="Lantinghei SC Extralight"/>
-                <a:cs typeface="Lantinghei SC Extralight"/>
-              </a:endParaRPr>
-            </a:p>
-          </p:txBody>
-        </p:sp>
-      </p:grpSp>
-      <p:sp>
-        <p:nvSpPr>
-          <p:cNvPr id="8" name="TextBox 7"/>
-          <p:cNvSpPr txBox="1"/>
-          <p:nvPr/>
-        </p:nvSpPr>
-        <p:spPr>
-          <a:xfrm>
-            <a:off x="3033616" y="984339"/>
-            <a:ext cx="3229618" cy="369332"/>
-          </a:xfrm>
-          <a:prstGeom prst="rect">
-            <a:avLst/>
-          </a:prstGeom>
-          <a:noFill/>
-        </p:spPr>
-        <p:txBody>
-          <a:bodyPr wrap="square" rtlCol="0">
-            <a:spAutoFit/>
-          </a:bodyPr>
-          <a:lstStyle/>
-          <a:p>
-            <a:pPr algn="ctr"/>
-            <a:r>
-              <a:rPr lang="en-US" b="1" spc="300" dirty="0" smtClean="0">
-                <a:solidFill>
-                  <a:srgbClr val="FFFFFF"/>
-                </a:solidFill>
-                <a:latin typeface="Lantinghei SC Extralight"/>
-                <a:cs typeface="Lantinghei SC Extralight"/>
-              </a:rPr>
-              <a:t>UNDERSTANDING</a:t>
-            </a:r>
-            <a:r>
-              <a:rPr lang="en-US" b="1" spc="300" dirty="0" smtClean="0">
-                <a:latin typeface="Lantinghei SC Extralight"/>
-                <a:cs typeface="Lantinghei SC Extralight"/>
-              </a:rPr>
-              <a:t> </a:t>
-            </a:r>
-            <a:endParaRPr lang="en-US" b="1" spc="300" dirty="0">
-              <a:latin typeface="Lantinghei SC Extralight"/>
-              <a:cs typeface="Lantinghei SC Extralight"/>
-            </a:endParaRPr>
-          </a:p>
-        </p:txBody>
-      </p:sp>
-      <p:sp>
-        <p:nvSpPr>
-          <p:cNvPr id="9" name="TextBox 8"/>
-          <p:cNvSpPr txBox="1"/>
-          <p:nvPr/>
-        </p:nvSpPr>
-        <p:spPr>
-          <a:xfrm>
-            <a:off x="1081759" y="1357060"/>
-            <a:ext cx="7133333" cy="923330"/>
-          </a:xfrm>
-          <a:prstGeom prst="rect">
-            <a:avLst/>
-          </a:prstGeom>
-          <a:noFill/>
-        </p:spPr>
-        <p:txBody>
-          <a:bodyPr wrap="square" rtlCol="0">
-            <a:spAutoFit/>
-          </a:bodyPr>
-          <a:lstStyle/>
-          <a:p>
-            <a:pPr algn="ctr"/>
-            <a:r>
-              <a:rPr lang="en-US" sz="5400" b="1" spc="300" dirty="0" smtClean="0">
-                <a:solidFill>
-                  <a:srgbClr val="F2BB2F"/>
-                </a:solidFill>
-                <a:latin typeface="Arial Black"/>
-                <a:cs typeface="Arial Black"/>
-              </a:rPr>
-              <a:t>PERFORMANCE</a:t>
-            </a:r>
-            <a:endParaRPr lang="en-US" sz="4400" b="1" spc="300" dirty="0">
-              <a:solidFill>
-                <a:srgbClr val="F2BB2F"/>
-              </a:solidFill>
-              <a:latin typeface="Arial Black"/>
-              <a:cs typeface="Arial Black"/>
-            </a:endParaRPr>
-          </a:p>
-        </p:txBody>
-      </p:sp>
-      <p:cxnSp>
-        <p:nvCxnSpPr>
-          <p:cNvPr id="10" name="Straight Connector 9"/>
-          <p:cNvCxnSpPr/>
-          <p:nvPr/>
-        </p:nvCxnSpPr>
-        <p:spPr>
-          <a:xfrm>
-            <a:off x="3311447" y="2629821"/>
-            <a:ext cx="2978757" cy="0"/>
-          </a:xfrm>
-          <a:prstGeom prst="line">
-            <a:avLst/>
-          </a:prstGeom>
-          <a:ln>
-            <a:solidFill>
-              <a:srgbClr val="FFFFFF"/>
-            </a:solidFill>
-          </a:ln>
-        </p:spPr>
-        <p:style>
-          <a:lnRef idx="2">
-            <a:schemeClr val="accent1"/>
-          </a:lnRef>
-          <a:fillRef idx="0">
-            <a:schemeClr val="accent1"/>
-          </a:fillRef>
-          <a:effectRef idx="1">
-            <a:schemeClr val="accent1"/>
-          </a:effectRef>
-          <a:fontRef idx="minor">
-            <a:schemeClr val="tx1"/>
-          </a:fontRef>
-        </p:style>
-      </p:cxnSp>
-      <p:grpSp>
-        <p:nvGrpSpPr>
-          <p:cNvPr id="12" name="Group 11"/>
-          <p:cNvGrpSpPr/>
-          <p:nvPr/>
-        </p:nvGrpSpPr>
-        <p:grpSpPr>
-          <a:xfrm>
-            <a:off x="-192511" y="6298923"/>
-            <a:ext cx="9379165" cy="617398"/>
-            <a:chOff x="-235165" y="6381723"/>
-            <a:chExt cx="9379165" cy="617398"/>
-          </a:xfrm>
-        </p:grpSpPr>
-        <p:sp>
-          <p:nvSpPr>
-            <p:cNvPr id="13" name="Rectangle 12"/>
-            <p:cNvSpPr/>
-            <p:nvPr/>
-          </p:nvSpPr>
-          <p:spPr>
-            <a:xfrm>
-              <a:off x="-235165" y="6381723"/>
-              <a:ext cx="9379165" cy="617398"/>
-            </a:xfrm>
-            <a:prstGeom prst="rect">
-              <a:avLst/>
-            </a:prstGeom>
-            <a:solidFill>
-              <a:srgbClr val="FFFFFF"/>
-            </a:solidFill>
-            <a:ln>
-              <a:noFill/>
-            </a:ln>
-            <a:effectLst/>
-          </p:spPr>
-          <p:style>
-            <a:lnRef idx="1">
-              <a:schemeClr val="accent1"/>
-            </a:lnRef>
-            <a:fillRef idx="3">
-              <a:schemeClr val="accent1"/>
-            </a:fillRef>
-            <a:effectRef idx="2">
-              <a:schemeClr val="accent1"/>
-            </a:effectRef>
-            <a:fontRef idx="minor">
-              <a:schemeClr val="lt1"/>
-            </a:fontRef>
-          </p:style>
-          <p:txBody>
-            <a:bodyPr rtlCol="0" anchor="ctr"/>
-            <a:lstStyle/>
-            <a:p>
-              <a:pPr algn="ctr"/>
-              <a:endParaRPr lang="en-US"/>
-            </a:p>
-          </p:txBody>
-        </p:sp>
-        <p:sp>
-          <p:nvSpPr>
-            <p:cNvPr id="14" name="TextBox 13"/>
-            <p:cNvSpPr txBox="1"/>
-            <p:nvPr/>
-          </p:nvSpPr>
-          <p:spPr>
-            <a:xfrm>
-              <a:off x="235170" y="6555400"/>
-              <a:ext cx="4707538" cy="276999"/>
-            </a:xfrm>
-            <a:prstGeom prst="rect">
-              <a:avLst/>
-            </a:prstGeom>
-            <a:noFill/>
-          </p:spPr>
-          <p:txBody>
-            <a:bodyPr wrap="square" rtlCol="0">
-              <a:spAutoFit/>
-            </a:bodyPr>
-            <a:lstStyle/>
-            <a:p>
-              <a:r>
-                <a:rPr lang="en-US" sz="1200" b="1" dirty="0" smtClean="0">
-                  <a:solidFill>
-                    <a:srgbClr val="F2BB2F"/>
-                  </a:solidFill>
-                  <a:latin typeface="Lantinghei SC Extralight"/>
-                  <a:cs typeface="Lantinghei SC Extralight"/>
-                </a:rPr>
-                <a:t>15 MARCH 2017 | Imperial College Business School</a:t>
-              </a:r>
-              <a:endParaRPr lang="en-US" sz="1200" b="1" dirty="0">
-                <a:solidFill>
-                  <a:srgbClr val="F2BB2F"/>
-                </a:solidFill>
-                <a:latin typeface="Lantinghei SC Extralight"/>
-                <a:cs typeface="Lantinghei SC Extralight"/>
-              </a:endParaRPr>
-            </a:p>
-          </p:txBody>
-        </p:sp>
-      </p:grpSp>
-      <p:sp>
-        <p:nvSpPr>
-          <p:cNvPr id="15" name="TextBox 14"/>
-          <p:cNvSpPr txBox="1"/>
-          <p:nvPr/>
-        </p:nvSpPr>
-        <p:spPr>
-          <a:xfrm>
-            <a:off x="2445716" y="2728304"/>
-            <a:ext cx="4530846" cy="1200329"/>
-          </a:xfrm>
-          <a:prstGeom prst="rect">
-            <a:avLst/>
-          </a:prstGeom>
-          <a:noFill/>
-        </p:spPr>
-        <p:txBody>
-          <a:bodyPr wrap="square" rtlCol="0">
-            <a:spAutoFit/>
-          </a:bodyPr>
-          <a:lstStyle/>
-          <a:p>
-            <a:pPr algn="ctr"/>
-            <a:r>
-              <a:rPr lang="en-US" dirty="0" smtClean="0">
-                <a:latin typeface="Lantinghei SC Extralight"/>
-                <a:cs typeface="Lantinghei SC Extralight"/>
-              </a:rPr>
-              <a:t>Blah</a:t>
-            </a:r>
-          </a:p>
-          <a:p>
-            <a:pPr algn="ctr"/>
-            <a:r>
-              <a:rPr lang="en-US" dirty="0" smtClean="0">
-                <a:latin typeface="Lantinghei SC Extralight"/>
-                <a:cs typeface="Lantinghei SC Extralight"/>
-              </a:rPr>
-              <a:t>Blah</a:t>
-            </a:r>
-          </a:p>
-          <a:p>
-            <a:pPr algn="ctr"/>
-            <a:r>
-              <a:rPr lang="en-US" dirty="0" smtClean="0">
-                <a:latin typeface="Lantinghei SC Extralight"/>
-                <a:cs typeface="Lantinghei SC Extralight"/>
-              </a:rPr>
-              <a:t>...</a:t>
-            </a:r>
-          </a:p>
-          <a:p>
-            <a:pPr algn="ctr"/>
-            <a:r>
-              <a:rPr lang="en-US" dirty="0" smtClean="0">
-                <a:latin typeface="Lantinghei SC Extralight"/>
-                <a:cs typeface="Lantinghei SC Extralight"/>
-              </a:rPr>
-              <a:t>blah</a:t>
-            </a:r>
-          </a:p>
-        </p:txBody>
-      </p:sp>
-    </p:spTree>
-    <p:extLst>
-      <p:ext uri="{BB962C8B-B14F-4D97-AF65-F5344CB8AC3E}">
-        <p14:creationId xmlns:p14="http://schemas.microsoft.com/office/powerpoint/2010/main" val="3989792564"/>
-      </p:ext>
-    </p:extLst>
-  </p:cSld>
-  <p:clrMapOvr>
-    <a:masterClrMapping/>
-  </p:clrMapOvr>
-  <p:timing>
-    <p:tnLst>
-      <p:par>
-        <p:cTn xmlns:p14="http://schemas.microsoft.com/office/powerpoint/2010/main" id="1" dur="indefinite" restart="never" nodeType="tmRoot"/>
-      </p:par>
-    </p:tnLst>
-  </p:timing>
-</p:sld>
-</file>
-
-<file path=ppt/slides/slide7.xml><?xml version="1.0" encoding="utf-8"?>
-<p:sld xmlns:a="http://schemas.openxmlformats.org/drawingml/2006/main" xmlns:r="http://schemas.openxmlformats.org/officeDocument/2006/relationships" xmlns:p="http://schemas.openxmlformats.org/presentationml/2006/main">
-  <p:cSld>
-    <p:spTree>
-      <p:nvGrpSpPr>
-        <p:cNvPr id="1" name=""/>
-        <p:cNvGrpSpPr/>
-        <p:nvPr/>
-      </p:nvGrpSpPr>
-      <p:grpSpPr>
-        <a:xfrm>
-          <a:off x="0" y="0"/>
-          <a:ext cx="0" cy="0"/>
-          <a:chOff x="0" y="0"/>
-          <a:chExt cx="0" cy="0"/>
-        </a:xfrm>
-      </p:grpSpPr>
-      <p:sp>
-        <p:nvSpPr>
-          <p:cNvPr id="2" name="Title 1"/>
-          <p:cNvSpPr>
-            <a:spLocks noGrp="1"/>
-          </p:cNvSpPr>
-          <p:nvPr>
-            <p:ph type="title"/>
-          </p:nvPr>
-        </p:nvSpPr>
-        <p:spPr/>
-        <p:txBody>
-          <a:bodyPr/>
-          <a:lstStyle/>
-          <a:p>
-            <a:endParaRPr lang="en-US"/>
-          </a:p>
-        </p:txBody>
-      </p:sp>
-      <p:sp>
-        <p:nvSpPr>
-          <p:cNvPr id="3" name="Content Placeholder 2"/>
-          <p:cNvSpPr>
-            <a:spLocks noGrp="1"/>
-          </p:cNvSpPr>
-          <p:nvPr>
-            <p:ph idx="1"/>
-          </p:nvPr>
-        </p:nvSpPr>
-        <p:spPr/>
-        <p:txBody>
-          <a:bodyPr/>
-          <a:lstStyle/>
-          <a:p>
-            <a:endParaRPr lang="en-US"/>
-          </a:p>
-        </p:txBody>
-      </p:sp>
-    </p:spTree>
-    <p:extLst>
-      <p:ext uri="{BB962C8B-B14F-4D97-AF65-F5344CB8AC3E}">
-        <p14:creationId xmlns:p14="http://schemas.microsoft.com/office/powerpoint/2010/main" val="3296458926"/>
-      </p:ext>
-    </p:extLst>
-  </p:cSld>
-  <p:clrMapOvr>
-    <a:masterClrMapping/>
-  </p:clrMapOvr>
-  <p:timing>
-    <p:tnLst>
-      <p:par>
-        <p:cTn xmlns:p14="http://schemas.microsoft.com/office/powerpoint/2010/main" id="1" dur="indefinite" restart="never" nodeType="tmRoot"/>
-      </p:par>
-    </p:tnLst>
-  </p:timing>
-</p:sld>
-</file>
-
-<file path=ppt/slides/slide8.xml><?xml version="1.0" encoding="utf-8"?>
-<p:sld xmlns:a="http://schemas.openxmlformats.org/drawingml/2006/main" xmlns:r="http://schemas.openxmlformats.org/officeDocument/2006/relationships" xmlns:p="http://schemas.openxmlformats.org/presentationml/2006/main">
-  <p:cSld>
-    <p:spTree>
-      <p:nvGrpSpPr>
-        <p:cNvPr id="1" name=""/>
-        <p:cNvGrpSpPr/>
-        <p:nvPr/>
-      </p:nvGrpSpPr>
-      <p:grpSpPr>
-        <a:xfrm>
-          <a:off x="0" y="0"/>
-          <a:ext cx="0" cy="0"/>
-          <a:chOff x="0" y="0"/>
-          <a:chExt cx="0" cy="0"/>
-        </a:xfrm>
-      </p:grpSpPr>
-      <p:sp>
-        <p:nvSpPr>
-          <p:cNvPr id="8" name="Rectangle 7"/>
-          <p:cNvSpPr/>
-          <p:nvPr/>
-        </p:nvSpPr>
-        <p:spPr>
-          <a:xfrm>
-            <a:off x="-188131" y="0"/>
-            <a:ext cx="9379165" cy="6905041"/>
-          </a:xfrm>
-          <a:prstGeom prst="rect">
-            <a:avLst/>
-          </a:prstGeom>
-          <a:ln>
-            <a:noFill/>
-          </a:ln>
-          <a:effectLst/>
-        </p:spPr>
-        <p:style>
-          <a:lnRef idx="1">
-            <a:schemeClr val="accent1"/>
-          </a:lnRef>
-          <a:fillRef idx="3">
-            <a:schemeClr val="accent1"/>
-          </a:fillRef>
-          <a:effectRef idx="2">
-            <a:schemeClr val="accent1"/>
-          </a:effectRef>
-          <a:fontRef idx="minor">
-            <a:schemeClr val="lt1"/>
-          </a:fontRef>
-        </p:style>
-        <p:txBody>
-          <a:bodyPr rtlCol="0" anchor="ctr"/>
-          <a:lstStyle/>
-          <a:p>
-            <a:pPr algn="ctr"/>
-            <a:endParaRPr lang="en-US"/>
-          </a:p>
-        </p:txBody>
-      </p:sp>
-      <p:grpSp>
-        <p:nvGrpSpPr>
-          <p:cNvPr id="10" name="Group 9"/>
-          <p:cNvGrpSpPr/>
-          <p:nvPr/>
-        </p:nvGrpSpPr>
-        <p:grpSpPr>
-          <a:xfrm>
-            <a:off x="-192511" y="6298923"/>
-            <a:ext cx="9379165" cy="617398"/>
-            <a:chOff x="-235165" y="6381723"/>
-            <a:chExt cx="9379165" cy="617398"/>
-          </a:xfrm>
-        </p:grpSpPr>
-        <p:sp>
-          <p:nvSpPr>
-            <p:cNvPr id="11" name="Rectangle 10"/>
-            <p:cNvSpPr/>
-            <p:nvPr/>
-          </p:nvSpPr>
-          <p:spPr>
-            <a:xfrm>
-              <a:off x="-235165" y="6381723"/>
-              <a:ext cx="9379165" cy="617398"/>
-            </a:xfrm>
-            <a:prstGeom prst="rect">
-              <a:avLst/>
-            </a:prstGeom>
-            <a:solidFill>
-              <a:srgbClr val="FFFFFF"/>
-            </a:solidFill>
-            <a:ln>
-              <a:noFill/>
-            </a:ln>
-            <a:effectLst/>
-          </p:spPr>
-          <p:style>
-            <a:lnRef idx="1">
-              <a:schemeClr val="accent1"/>
-            </a:lnRef>
-            <a:fillRef idx="3">
-              <a:schemeClr val="accent1"/>
-            </a:fillRef>
-            <a:effectRef idx="2">
-              <a:schemeClr val="accent1"/>
-            </a:effectRef>
-            <a:fontRef idx="minor">
-              <a:schemeClr val="lt1"/>
-            </a:fontRef>
-          </p:style>
-          <p:txBody>
-            <a:bodyPr rtlCol="0" anchor="ctr"/>
-            <a:lstStyle/>
-            <a:p>
-              <a:pPr algn="ctr"/>
-              <a:endParaRPr lang="en-US"/>
-            </a:p>
-          </p:txBody>
-        </p:sp>
-        <p:sp>
-          <p:nvSpPr>
-            <p:cNvPr id="12" name="TextBox 11"/>
-            <p:cNvSpPr txBox="1"/>
-            <p:nvPr/>
-          </p:nvSpPr>
-          <p:spPr>
-            <a:xfrm>
-              <a:off x="235170" y="6555400"/>
-              <a:ext cx="4707538" cy="276999"/>
-            </a:xfrm>
-            <a:prstGeom prst="rect">
-              <a:avLst/>
-            </a:prstGeom>
-            <a:noFill/>
-          </p:spPr>
-          <p:txBody>
-            <a:bodyPr wrap="square" rtlCol="0">
-              <a:spAutoFit/>
-            </a:bodyPr>
-            <a:lstStyle/>
-            <a:p>
-              <a:r>
-                <a:rPr lang="en-US" sz="1200" b="1" dirty="0" smtClean="0">
-                  <a:solidFill>
-                    <a:srgbClr val="F2BB2F"/>
-                  </a:solidFill>
-                  <a:latin typeface="Lantinghei SC Extralight"/>
-                  <a:cs typeface="Lantinghei SC Extralight"/>
-                </a:rPr>
-                <a:t>15 MARCH 2017 | Imperial College Business School</a:t>
-              </a:r>
-              <a:endParaRPr lang="en-US" sz="1200" b="1" dirty="0">
-                <a:solidFill>
-                  <a:srgbClr val="F2BB2F"/>
-                </a:solidFill>
-                <a:latin typeface="Lantinghei SC Extralight"/>
-                <a:cs typeface="Lantinghei SC Extralight"/>
-              </a:endParaRPr>
-            </a:p>
-          </p:txBody>
-        </p:sp>
-      </p:grpSp>
-      <p:cxnSp>
-        <p:nvCxnSpPr>
-          <p:cNvPr id="13" name="Straight Connector 12"/>
-          <p:cNvCxnSpPr/>
-          <p:nvPr/>
-        </p:nvCxnSpPr>
-        <p:spPr>
-          <a:xfrm>
-            <a:off x="3159047" y="2477421"/>
-            <a:ext cx="2978757" cy="0"/>
-          </a:xfrm>
-          <a:prstGeom prst="line">
-            <a:avLst/>
-          </a:prstGeom>
-        </p:spPr>
-        <p:style>
-          <a:lnRef idx="2">
-            <a:schemeClr val="accent1"/>
-          </a:lnRef>
-          <a:fillRef idx="0">
-            <a:schemeClr val="accent1"/>
-          </a:fillRef>
-          <a:effectRef idx="1">
-            <a:schemeClr val="accent1"/>
-          </a:effectRef>
-          <a:fontRef idx="minor">
-            <a:schemeClr val="tx1"/>
-          </a:fontRef>
-        </p:style>
-      </p:cxnSp>
-      <p:sp>
-        <p:nvSpPr>
-          <p:cNvPr id="14" name="TextBox 13"/>
-          <p:cNvSpPr txBox="1"/>
-          <p:nvPr/>
-        </p:nvSpPr>
-        <p:spPr>
-          <a:xfrm>
-            <a:off x="3033616" y="984339"/>
-            <a:ext cx="3229618" cy="369332"/>
-          </a:xfrm>
-          <a:prstGeom prst="rect">
-            <a:avLst/>
-          </a:prstGeom>
-          <a:noFill/>
-        </p:spPr>
-        <p:txBody>
-          <a:bodyPr wrap="square" rtlCol="0">
-            <a:spAutoFit/>
-          </a:bodyPr>
-          <a:lstStyle/>
-          <a:p>
-            <a:pPr algn="ctr"/>
-            <a:r>
-              <a:rPr lang="en-US" b="1" spc="300" dirty="0" smtClean="0">
-                <a:solidFill>
-                  <a:srgbClr val="FFFFFF"/>
-                </a:solidFill>
-                <a:latin typeface="Lantinghei SC Extralight"/>
-                <a:cs typeface="Lantinghei SC Extralight"/>
-              </a:rPr>
-              <a:t>UNDERSTANDING</a:t>
-            </a:r>
-            <a:r>
-              <a:rPr lang="en-US" b="1" spc="300" dirty="0" smtClean="0">
-                <a:latin typeface="Lantinghei SC Extralight"/>
-                <a:cs typeface="Lantinghei SC Extralight"/>
-              </a:rPr>
-              <a:t> </a:t>
-            </a:r>
-            <a:endParaRPr lang="en-US" b="1" spc="300" dirty="0">
-              <a:latin typeface="Lantinghei SC Extralight"/>
-              <a:cs typeface="Lantinghei SC Extralight"/>
-            </a:endParaRPr>
-          </a:p>
-        </p:txBody>
-      </p:sp>
-      <p:sp>
-        <p:nvSpPr>
-          <p:cNvPr id="15" name="TextBox 14"/>
-          <p:cNvSpPr txBox="1"/>
-          <p:nvPr/>
-        </p:nvSpPr>
-        <p:spPr>
-          <a:xfrm>
-            <a:off x="1081759" y="1357060"/>
-            <a:ext cx="7133333" cy="923330"/>
-          </a:xfrm>
-          <a:prstGeom prst="rect">
-            <a:avLst/>
-          </a:prstGeom>
-          <a:noFill/>
-        </p:spPr>
-        <p:txBody>
-          <a:bodyPr wrap="square" rtlCol="0">
-            <a:spAutoFit/>
-          </a:bodyPr>
-          <a:lstStyle/>
-          <a:p>
-            <a:pPr algn="ctr"/>
-            <a:r>
-              <a:rPr lang="en-US" sz="5400" b="1" spc="300" dirty="0" smtClean="0">
-                <a:solidFill>
-                  <a:schemeClr val="bg1"/>
-                </a:solidFill>
-                <a:latin typeface="Arial Black"/>
-                <a:cs typeface="Arial Black"/>
-              </a:rPr>
-              <a:t>PERFORMANCE</a:t>
-            </a:r>
-            <a:endParaRPr lang="en-US" sz="4400" b="1" spc="300" dirty="0">
+              <a:t>15 MARCH 2017 | Imperial College Business School</a:t>
+            </a:r>
+            <a:endParaRPr lang="en-US" sz="1100" b="1" dirty="0">
               <a:solidFill>
                 <a:schemeClr val="bg1"/>
-              </a:solidFill>
-              <a:latin typeface="Arial Black"/>
-              <a:cs typeface="Arial Black"/>
-            </a:endParaRPr>
-          </a:p>
-        </p:txBody>
-      </p:sp>
-      <p:cxnSp>
-        <p:nvCxnSpPr>
-          <p:cNvPr id="16" name="Straight Connector 15"/>
-          <p:cNvCxnSpPr/>
-          <p:nvPr/>
-        </p:nvCxnSpPr>
-        <p:spPr>
-          <a:xfrm>
-            <a:off x="3311447" y="2629821"/>
-            <a:ext cx="2978757" cy="0"/>
-          </a:xfrm>
-          <a:prstGeom prst="line">
-            <a:avLst/>
-          </a:prstGeom>
-          <a:ln>
-            <a:solidFill>
-              <a:srgbClr val="FFFFFF"/>
-            </a:solidFill>
-          </a:ln>
-        </p:spPr>
-        <p:style>
-          <a:lnRef idx="2">
-            <a:schemeClr val="accent1"/>
-          </a:lnRef>
-          <a:fillRef idx="0">
-            <a:schemeClr val="accent1"/>
-          </a:fillRef>
-          <a:effectRef idx="1">
-            <a:schemeClr val="accent1"/>
-          </a:effectRef>
-          <a:fontRef idx="minor">
-            <a:schemeClr val="tx1"/>
-          </a:fontRef>
-        </p:style>
-      </p:cxnSp>
-      <p:sp>
-        <p:nvSpPr>
-          <p:cNvPr id="18" name="TextBox 17"/>
-          <p:cNvSpPr txBox="1"/>
-          <p:nvPr/>
-        </p:nvSpPr>
-        <p:spPr>
-          <a:xfrm>
-            <a:off x="376272" y="165266"/>
-            <a:ext cx="8324842" cy="369332"/>
-          </a:xfrm>
-          <a:prstGeom prst="rect">
-            <a:avLst/>
-          </a:prstGeom>
-          <a:noFill/>
-          <a:ln>
-            <a:solidFill>
-              <a:srgbClr val="FFFFFF"/>
-            </a:solidFill>
-          </a:ln>
-        </p:spPr>
-        <p:style>
-          <a:lnRef idx="2">
-            <a:schemeClr val="accent1"/>
-          </a:lnRef>
-          <a:fillRef idx="1">
-            <a:schemeClr val="lt1"/>
-          </a:fillRef>
-          <a:effectRef idx="0">
-            <a:schemeClr val="accent1"/>
-          </a:effectRef>
-          <a:fontRef idx="minor">
-            <a:schemeClr val="dk1"/>
-          </a:fontRef>
-        </p:style>
-        <p:txBody>
-          <a:bodyPr wrap="square" rtlCol="0">
-            <a:spAutoFit/>
-          </a:bodyPr>
-          <a:lstStyle/>
-          <a:p>
-            <a:endParaRPr lang="en-US" dirty="0"/>
-          </a:p>
-        </p:txBody>
-      </p:sp>
-      <p:sp>
-        <p:nvSpPr>
-          <p:cNvPr id="19" name="TextBox 18"/>
-          <p:cNvSpPr txBox="1"/>
-          <p:nvPr/>
-        </p:nvSpPr>
-        <p:spPr>
-          <a:xfrm>
-            <a:off x="407628" y="196626"/>
-            <a:ext cx="8324842" cy="276999"/>
-          </a:xfrm>
-          <a:prstGeom prst="rect">
-            <a:avLst/>
-          </a:prstGeom>
-          <a:noFill/>
-        </p:spPr>
-        <p:txBody>
-          <a:bodyPr wrap="square" rtlCol="0">
-            <a:spAutoFit/>
-          </a:bodyPr>
-          <a:lstStyle/>
-          <a:p>
-            <a:r>
-              <a:rPr lang="en-US" sz="1200" dirty="0" smtClean="0">
-                <a:solidFill>
-                  <a:srgbClr val="FFFFFF"/>
-                </a:solidFill>
-                <a:latin typeface="Lantinghei SC Extralight"/>
-                <a:cs typeface="Lantinghei SC Extralight"/>
-              </a:rPr>
-              <a:t>ASSIGNMENT 2 PRESENTATION</a:t>
-            </a:r>
-            <a:endParaRPr lang="en-US" sz="1200" dirty="0">
-              <a:solidFill>
-                <a:srgbClr val="FFFFFF"/>
               </a:solidFill>
               <a:latin typeface="Lantinghei SC Extralight"/>
               <a:cs typeface="Lantinghei SC Extralight"/>
             </a:endParaRPr>
-          </a:p>
-        </p:txBody>
-      </p:sp>
-    </p:spTree>
-    <p:extLst>
-      <p:ext uri="{BB962C8B-B14F-4D97-AF65-F5344CB8AC3E}">
-        <p14:creationId xmlns:p14="http://schemas.microsoft.com/office/powerpoint/2010/main" val="1947984569"/>
-      </p:ext>
-    </p:extLst>
-  </p:cSld>
-  <p:clrMapOvr>
-    <a:masterClrMapping/>
-  </p:clrMapOvr>
-  <p:timing>
-    <p:tnLst>
-      <p:par>
-        <p:cTn xmlns:p14="http://schemas.microsoft.com/office/powerpoint/2010/main" id="1" dur="indefinite" restart="never" nodeType="tmRoot"/>
-      </p:par>
-    </p:tnLst>
-  </p:timing>
-</p:sld>
-</file>
-
-<file path=ppt/slides/slide9.xml><?xml version="1.0" encoding="utf-8"?>
-<p:sld xmlns:a="http://schemas.openxmlformats.org/drawingml/2006/main" xmlns:r="http://schemas.openxmlformats.org/officeDocument/2006/relationships" xmlns:p="http://schemas.openxmlformats.org/presentationml/2006/main">
-  <p:cSld>
-    <p:spTree>
-      <p:nvGrpSpPr>
-        <p:cNvPr id="1" name=""/>
-        <p:cNvGrpSpPr/>
-        <p:nvPr/>
-      </p:nvGrpSpPr>
-      <p:grpSpPr>
-        <a:xfrm>
-          <a:off x="0" y="0"/>
-          <a:ext cx="0" cy="0"/>
-          <a:chOff x="0" y="0"/>
-          <a:chExt cx="0" cy="0"/>
-        </a:xfrm>
-      </p:grpSpPr>
-      <p:pic>
-        <p:nvPicPr>
-          <p:cNvPr id="4" name="Picture 3"/>
-          <p:cNvPicPr>
-            <a:picLocks noChangeAspect="1"/>
-          </p:cNvPicPr>
-          <p:nvPr/>
-        </p:nvPicPr>
-        <p:blipFill rotWithShape="1">
-          <a:blip r:embed="rId2"/>
-          <a:srcRect l="11765"/>
-          <a:stretch/>
-        </p:blipFill>
-        <p:spPr>
-          <a:xfrm>
-            <a:off x="1" y="-21160"/>
-            <a:ext cx="9144000" cy="6912255"/>
-          </a:xfrm>
-          <a:prstGeom prst="rect">
-            <a:avLst/>
-          </a:prstGeom>
-        </p:spPr>
-      </p:pic>
-      <p:sp>
-        <p:nvSpPr>
-          <p:cNvPr id="5" name="Rectangle 4"/>
-          <p:cNvSpPr/>
-          <p:nvPr/>
-        </p:nvSpPr>
-        <p:spPr>
-          <a:xfrm>
-            <a:off x="0" y="-21160"/>
-            <a:ext cx="9144000" cy="6912255"/>
-          </a:xfrm>
-          <a:prstGeom prst="rect">
-            <a:avLst/>
-          </a:prstGeom>
-          <a:solidFill>
-            <a:srgbClr val="FFFFFF">
-              <a:alpha val="24000"/>
-            </a:srgbClr>
-          </a:solidFill>
-          <a:ln>
-            <a:noFill/>
-          </a:ln>
-        </p:spPr>
-        <p:style>
-          <a:lnRef idx="1">
-            <a:schemeClr val="accent1"/>
-          </a:lnRef>
-          <a:fillRef idx="3">
-            <a:schemeClr val="accent1"/>
-          </a:fillRef>
-          <a:effectRef idx="2">
-            <a:schemeClr val="accent1"/>
-          </a:effectRef>
-          <a:fontRef idx="minor">
-            <a:schemeClr val="lt1"/>
-          </a:fontRef>
-        </p:style>
-        <p:txBody>
-          <a:bodyPr rtlCol="0" anchor="ctr"/>
-          <a:lstStyle/>
-          <a:p>
-            <a:pPr algn="ctr"/>
-            <a:endParaRPr lang="en-US"/>
           </a:p>
         </p:txBody>
       </p:sp>
@@ -7445,200 +7796,315 @@
       </p:grpSp>
       <p:grpSp>
         <p:nvGrpSpPr>
-          <p:cNvPr id="14" name="Group 13"/>
+          <p:cNvPr id="16" name="Group 15"/>
           <p:cNvGrpSpPr/>
           <p:nvPr/>
         </p:nvGrpSpPr>
         <p:grpSpPr>
           <a:xfrm>
-            <a:off x="376272" y="165266"/>
-            <a:ext cx="8356198" cy="369332"/>
-            <a:chOff x="266526" y="165266"/>
-            <a:chExt cx="8356198" cy="369332"/>
+            <a:off x="-35731" y="-50"/>
+            <a:ext cx="9379165" cy="617398"/>
+            <a:chOff x="-35731" y="-50"/>
+            <a:chExt cx="9379165" cy="617398"/>
           </a:xfrm>
         </p:grpSpPr>
         <p:sp>
           <p:nvSpPr>
-            <p:cNvPr id="15" name="TextBox 14"/>
-            <p:cNvSpPr txBox="1"/>
+            <p:cNvPr id="12" name="Rectangle 11"/>
+            <p:cNvSpPr/>
             <p:nvPr/>
           </p:nvSpPr>
           <p:spPr>
             <a:xfrm>
-              <a:off x="266526" y="165266"/>
-              <a:ext cx="8324842" cy="369332"/>
+              <a:off x="-35731" y="-50"/>
+              <a:ext cx="9379165" cy="617398"/>
             </a:xfrm>
             <a:prstGeom prst="rect">
               <a:avLst/>
             </a:prstGeom>
-            <a:noFill/>
+            <a:solidFill>
+              <a:srgbClr val="FFFFFF"/>
+            </a:solidFill>
+            <a:ln>
+              <a:noFill/>
+            </a:ln>
+            <a:effectLst/>
           </p:spPr>
           <p:style>
-            <a:lnRef idx="2">
+            <a:lnRef idx="1">
               <a:schemeClr val="accent1"/>
             </a:lnRef>
-            <a:fillRef idx="1">
-              <a:schemeClr val="lt1"/>
+            <a:fillRef idx="3">
+              <a:schemeClr val="accent1"/>
             </a:fillRef>
-            <a:effectRef idx="0">
+            <a:effectRef idx="2">
               <a:schemeClr val="accent1"/>
             </a:effectRef>
             <a:fontRef idx="minor">
-              <a:schemeClr val="dk1"/>
+              <a:schemeClr val="lt1"/>
             </a:fontRef>
           </p:style>
           <p:txBody>
-            <a:bodyPr wrap="square" rtlCol="0">
-              <a:spAutoFit/>
-            </a:bodyPr>
+            <a:bodyPr rtlCol="0" anchor="ctr"/>
             <a:lstStyle/>
             <a:p>
-              <a:endParaRPr lang="en-US" dirty="0"/>
+              <a:pPr algn="ctr"/>
+              <a:endParaRPr lang="en-US"/>
             </a:p>
           </p:txBody>
         </p:sp>
-        <p:sp>
-          <p:nvSpPr>
-            <p:cNvPr id="16" name="TextBox 15"/>
-            <p:cNvSpPr txBox="1"/>
+        <p:grpSp>
+          <p:nvGrpSpPr>
+            <p:cNvPr id="13" name="Group 12"/>
+            <p:cNvGrpSpPr/>
             <p:nvPr/>
-          </p:nvSpPr>
-          <p:spPr>
+          </p:nvGrpSpPr>
+          <p:grpSpPr>
             <a:xfrm>
-              <a:off x="297882" y="196626"/>
-              <a:ext cx="8324842" cy="276999"/>
+              <a:off x="376272" y="165266"/>
+              <a:ext cx="8356198" cy="369332"/>
+              <a:chOff x="266526" y="165266"/>
+              <a:chExt cx="8356198" cy="369332"/>
             </a:xfrm>
-            <a:prstGeom prst="rect">
-              <a:avLst/>
-            </a:prstGeom>
-            <a:noFill/>
-          </p:spPr>
-          <p:txBody>
-            <a:bodyPr wrap="square" rtlCol="0">
-              <a:spAutoFit/>
-            </a:bodyPr>
-            <a:lstStyle/>
-            <a:p>
-              <a:r>
-                <a:rPr lang="en-US" sz="1200" dirty="0" smtClean="0">
-                  <a:solidFill>
-                    <a:srgbClr val="FFFFFF"/>
-                  </a:solidFill>
+          </p:grpSpPr>
+          <p:sp>
+            <p:nvSpPr>
+              <p:cNvPr id="14" name="TextBox 13"/>
+              <p:cNvSpPr txBox="1"/>
+              <p:nvPr/>
+            </p:nvSpPr>
+            <p:spPr>
+              <a:xfrm>
+                <a:off x="266526" y="165266"/>
+                <a:ext cx="8324842" cy="369332"/>
+              </a:xfrm>
+              <a:prstGeom prst="rect">
+                <a:avLst/>
+              </a:prstGeom>
+              <a:noFill/>
+            </p:spPr>
+            <p:style>
+              <a:lnRef idx="2">
+                <a:schemeClr val="accent1"/>
+              </a:lnRef>
+              <a:fillRef idx="1">
+                <a:schemeClr val="lt1"/>
+              </a:fillRef>
+              <a:effectRef idx="0">
+                <a:schemeClr val="accent1"/>
+              </a:effectRef>
+              <a:fontRef idx="minor">
+                <a:schemeClr val="dk1"/>
+              </a:fontRef>
+            </p:style>
+            <p:txBody>
+              <a:bodyPr wrap="square" rtlCol="0">
+                <a:spAutoFit/>
+              </a:bodyPr>
+              <a:lstStyle/>
+              <a:p>
+                <a:endParaRPr lang="en-US" dirty="0"/>
+              </a:p>
+            </p:txBody>
+          </p:sp>
+          <p:sp>
+            <p:nvSpPr>
+              <p:cNvPr id="15" name="TextBox 14"/>
+              <p:cNvSpPr txBox="1"/>
+              <p:nvPr/>
+            </p:nvSpPr>
+            <p:spPr>
+              <a:xfrm>
+                <a:off x="297882" y="196626"/>
+                <a:ext cx="8324842" cy="276999"/>
+              </a:xfrm>
+              <a:prstGeom prst="rect">
+                <a:avLst/>
+              </a:prstGeom>
+              <a:noFill/>
+            </p:spPr>
+            <p:txBody>
+              <a:bodyPr wrap="square" rtlCol="0">
+                <a:spAutoFit/>
+              </a:bodyPr>
+              <a:lstStyle/>
+              <a:p>
+                <a:r>
+                  <a:rPr lang="en-US" sz="1200" dirty="0" smtClean="0">
+                    <a:latin typeface="Lantinghei SC Extralight"/>
+                    <a:cs typeface="Lantinghei SC Extralight"/>
+                  </a:rPr>
+                  <a:t>ASSIGNMENT 2 PRESENTATION</a:t>
+                </a:r>
+                <a:endParaRPr lang="en-US" sz="1200" dirty="0">
                   <a:latin typeface="Lantinghei SC Extralight"/>
                   <a:cs typeface="Lantinghei SC Extralight"/>
-                </a:rPr>
-                <a:t>ASSIGNMENT 2 PRESENTATION</a:t>
-              </a:r>
-              <a:endParaRPr lang="en-US" sz="1200" dirty="0">
-                <a:solidFill>
-                  <a:srgbClr val="FFFFFF"/>
-                </a:solidFill>
-                <a:latin typeface="Lantinghei SC Extralight"/>
-                <a:cs typeface="Lantinghei SC Extralight"/>
-              </a:endParaRPr>
-            </a:p>
-          </p:txBody>
-        </p:sp>
+                </a:endParaRPr>
+              </a:p>
+            </p:txBody>
+          </p:sp>
+        </p:grpSp>
       </p:grpSp>
       <p:sp>
         <p:nvSpPr>
-          <p:cNvPr id="17" name="Rectangle 16"/>
-          <p:cNvSpPr/>
+          <p:cNvPr id="17" name="TextBox 16"/>
+          <p:cNvSpPr txBox="1"/>
           <p:nvPr/>
         </p:nvSpPr>
         <p:spPr>
           <a:xfrm>
-            <a:off x="235169" y="1991348"/>
-            <a:ext cx="6634193" cy="3982697"/>
+            <a:off x="544304" y="5260991"/>
+            <a:ext cx="3355026" cy="1200329"/>
           </a:xfrm>
           <a:prstGeom prst="rect">
             <a:avLst/>
           </a:prstGeom>
-          <a:gradFill flip="none" rotWithShape="1">
-            <a:gsLst>
-              <a:gs pos="0">
-                <a:schemeClr val="accent1">
-                  <a:shade val="70000"/>
-                  <a:satMod val="150000"/>
-                  <a:alpha val="86000"/>
-                </a:schemeClr>
-              </a:gs>
-              <a:gs pos="34000">
-                <a:schemeClr val="accent1">
-                  <a:shade val="70000"/>
-                  <a:satMod val="140000"/>
-                  <a:alpha val="86000"/>
-                </a:schemeClr>
-              </a:gs>
-              <a:gs pos="70000">
-                <a:schemeClr val="accent1">
-                  <a:tint val="100000"/>
-                  <a:shade val="90000"/>
-                  <a:satMod val="140000"/>
-                  <a:alpha val="86000"/>
-                </a:schemeClr>
-              </a:gs>
-              <a:gs pos="100000">
-                <a:schemeClr val="accent1">
-                  <a:tint val="100000"/>
-                  <a:shade val="100000"/>
-                  <a:satMod val="100000"/>
-                  <a:alpha val="86000"/>
-                </a:schemeClr>
-              </a:gs>
-            </a:gsLst>
-            <a:path path="circle">
-              <a:fillToRect l="100000" t="100000" r="100000" b="100000"/>
-            </a:path>
-            <a:tileRect/>
-          </a:gradFill>
-          <a:ln>
-            <a:noFill/>
-          </a:ln>
-          <a:effectLst/>
+          <a:noFill/>
         </p:spPr>
-        <p:style>
-          <a:lnRef idx="1">
-            <a:schemeClr val="accent1"/>
-          </a:lnRef>
-          <a:fillRef idx="3">
-            <a:schemeClr val="accent1"/>
-          </a:fillRef>
-          <a:effectRef idx="2">
-            <a:schemeClr val="accent1"/>
-          </a:effectRef>
-          <a:fontRef idx="minor">
-            <a:schemeClr val="lt1"/>
-          </a:fontRef>
-        </p:style>
-        <p:txBody>
-          <a:bodyPr rtlCol="0" anchor="ctr"/>
+        <p:txBody>
+          <a:bodyPr wrap="square" rtlCol="0">
+            <a:spAutoFit/>
+          </a:bodyPr>
           <a:lstStyle/>
           <a:p>
-            <a:pPr algn="ctr"/>
-            <a:endParaRPr lang="en-US" dirty="0" smtClean="0"/>
-          </a:p>
-        </p:txBody>
-      </p:sp>
+            <a:pPr algn="r"/>
+            <a:r>
+              <a:rPr lang="en-US" dirty="0" smtClean="0">
+                <a:latin typeface="Lantinghei SC Extralight"/>
+                <a:cs typeface="Lantinghei SC Extralight"/>
+              </a:rPr>
+              <a:t>Blah</a:t>
+            </a:r>
+          </a:p>
+          <a:p>
+            <a:pPr algn="r"/>
+            <a:r>
+              <a:rPr lang="en-US" dirty="0" smtClean="0">
+                <a:latin typeface="Lantinghei SC Extralight"/>
+                <a:cs typeface="Lantinghei SC Extralight"/>
+              </a:rPr>
+              <a:t>Blah</a:t>
+            </a:r>
+          </a:p>
+          <a:p>
+            <a:pPr algn="r"/>
+            <a:r>
+              <a:rPr lang="en-US" dirty="0" smtClean="0">
+                <a:latin typeface="Lantinghei SC Extralight"/>
+                <a:cs typeface="Lantinghei SC Extralight"/>
+              </a:rPr>
+              <a:t>...</a:t>
+            </a:r>
+          </a:p>
+          <a:p>
+            <a:pPr algn="r"/>
+            <a:r>
+              <a:rPr lang="en-US" dirty="0" smtClean="0">
+                <a:latin typeface="Lantinghei SC Extralight"/>
+                <a:cs typeface="Lantinghei SC Extralight"/>
+              </a:rPr>
+              <a:t>blah</a:t>
+            </a:r>
+          </a:p>
+        </p:txBody>
+      </p:sp>
+      <p:pic>
+        <p:nvPicPr>
+          <p:cNvPr id="18" name="Picture 17"/>
+          <p:cNvPicPr>
+            <a:picLocks noChangeAspect="1"/>
+          </p:cNvPicPr>
+          <p:nvPr/>
+        </p:nvPicPr>
+        <p:blipFill rotWithShape="1">
+          <a:blip r:embed="rId2"/>
+          <a:srcRect r="3175"/>
+          <a:stretch/>
+        </p:blipFill>
+        <p:spPr>
+          <a:xfrm>
+            <a:off x="4564206" y="2297816"/>
+            <a:ext cx="4004229" cy="2599303"/>
+          </a:xfrm>
+          <a:prstGeom prst="rect">
+            <a:avLst/>
+          </a:prstGeom>
+        </p:spPr>
+      </p:pic>
+      <p:pic>
+        <p:nvPicPr>
+          <p:cNvPr id="19" name="Picture 18"/>
+          <p:cNvPicPr>
+            <a:picLocks noChangeAspect="1"/>
+          </p:cNvPicPr>
+          <p:nvPr/>
+        </p:nvPicPr>
+        <p:blipFill rotWithShape="1">
+          <a:blip r:embed="rId2"/>
+          <a:srcRect r="3261"/>
+          <a:stretch/>
+        </p:blipFill>
+        <p:spPr>
+          <a:xfrm>
+            <a:off x="540846" y="2297816"/>
+            <a:ext cx="4000674" cy="2599303"/>
+          </a:xfrm>
+          <a:prstGeom prst="rect">
+            <a:avLst/>
+          </a:prstGeom>
+        </p:spPr>
+      </p:pic>
+    </p:spTree>
+    <p:extLst>
+      <p:ext uri="{BB962C8B-B14F-4D97-AF65-F5344CB8AC3E}">
+        <p14:creationId xmlns:p14="http://schemas.microsoft.com/office/powerpoint/2010/main" val="522885760"/>
+      </p:ext>
+    </p:extLst>
+  </p:cSld>
+  <p:clrMapOvr>
+    <a:masterClrMapping/>
+  </p:clrMapOvr>
+  <p:timing>
+    <p:tnLst>
+      <p:par>
+        <p:cTn xmlns:p14="http://schemas.microsoft.com/office/powerpoint/2010/main" id="1" dur="indefinite" restart="never" nodeType="tmRoot"/>
+      </p:par>
+    </p:tnLst>
+  </p:timing>
+</p:sld>
+</file>
+
+<file path=ppt/slides/slide6.xml><?xml version="1.0" encoding="utf-8"?>
+<p:sld xmlns:a="http://schemas.openxmlformats.org/drawingml/2006/main" xmlns:r="http://schemas.openxmlformats.org/officeDocument/2006/relationships" xmlns:p="http://schemas.openxmlformats.org/presentationml/2006/main">
+  <p:cSld>
+    <p:spTree>
+      <p:nvGrpSpPr>
+        <p:cNvPr id="1" name=""/>
+        <p:cNvGrpSpPr/>
+        <p:nvPr/>
+      </p:nvGrpSpPr>
+      <p:grpSpPr>
+        <a:xfrm>
+          <a:off x="0" y="0"/>
+          <a:ext cx="0" cy="0"/>
+          <a:chOff x="0" y="0"/>
+          <a:chExt cx="0" cy="0"/>
+        </a:xfrm>
+      </p:grpSpPr>
       <p:cxnSp>
         <p:nvCxnSpPr>
-          <p:cNvPr id="18" name="Straight Connector 17"/>
+          <p:cNvPr id="4" name="Straight Connector 3"/>
           <p:cNvCxnSpPr/>
           <p:nvPr/>
         </p:nvCxnSpPr>
         <p:spPr>
           <a:xfrm>
-            <a:off x="501677" y="3088939"/>
+            <a:off x="5518539" y="878075"/>
             <a:ext cx="2978757" cy="0"/>
           </a:xfrm>
           <a:prstGeom prst="line">
             <a:avLst/>
           </a:prstGeom>
-          <a:ln>
-            <a:solidFill>
-              <a:srgbClr val="FFFFFF"/>
-            </a:solidFill>
-          </a:ln>
         </p:spPr>
         <p:style>
           <a:lnRef idx="2">
@@ -7657,14 +8123,14 @@
       </p:cxnSp>
       <p:sp>
         <p:nvSpPr>
-          <p:cNvPr id="19" name="TextBox 18"/>
+          <p:cNvPr id="5" name="TextBox 4"/>
           <p:cNvSpPr txBox="1"/>
           <p:nvPr/>
         </p:nvSpPr>
         <p:spPr>
           <a:xfrm>
-            <a:off x="316098" y="2099034"/>
-            <a:ext cx="6553265" cy="830997"/>
+            <a:off x="5598160" y="1050553"/>
+            <a:ext cx="2899155" cy="369332"/>
           </a:xfrm>
           <a:prstGeom prst="rect">
             <a:avLst/>
@@ -7677,36 +8143,31 @@
           </a:bodyPr>
           <a:lstStyle/>
           <a:p>
-            <a:r>
-              <a:rPr lang="en-US" sz="4800" b="1" spc="300" dirty="0" smtClean="0">
-                <a:solidFill>
-                  <a:srgbClr val="F2F2F2"/>
-                </a:solidFill>
-                <a:latin typeface="Arial Black"/>
-                <a:cs typeface="Arial Black"/>
-              </a:rPr>
-              <a:t>CONSTRUCTION</a:t>
-            </a:r>
-            <a:endParaRPr lang="en-US" sz="4000" b="1" spc="300" dirty="0">
-              <a:solidFill>
-                <a:srgbClr val="F2F2F2"/>
-              </a:solidFill>
-              <a:latin typeface="Arial Black"/>
-              <a:cs typeface="Arial Black"/>
+            <a:pPr algn="r"/>
+            <a:r>
+              <a:rPr lang="en-US" b="1" spc="300" dirty="0" smtClean="0">
+                <a:latin typeface="Lantinghei SC Extralight"/>
+                <a:cs typeface="Lantinghei SC Extralight"/>
+              </a:rPr>
+              <a:t>PERFORMANCE</a:t>
+            </a:r>
+            <a:endParaRPr lang="en-US" b="1" spc="300" dirty="0">
+              <a:latin typeface="Lantinghei SC Extralight"/>
+              <a:cs typeface="Lantinghei SC Extralight"/>
             </a:endParaRPr>
           </a:p>
         </p:txBody>
       </p:sp>
       <p:sp>
         <p:nvSpPr>
-          <p:cNvPr id="20" name="TextBox 19"/>
+          <p:cNvPr id="6" name="TextBox 5"/>
           <p:cNvSpPr txBox="1"/>
           <p:nvPr/>
         </p:nvSpPr>
         <p:spPr>
           <a:xfrm>
-            <a:off x="454643" y="3292781"/>
-            <a:ext cx="5800743" cy="923330"/>
+            <a:off x="376272" y="1466820"/>
+            <a:ext cx="8168059" cy="830997"/>
           </a:xfrm>
           <a:prstGeom prst="rect">
             <a:avLst/>
@@ -7719,50 +8180,610 @@
           </a:bodyPr>
           <a:lstStyle/>
           <a:p>
-            <a:r>
-              <a:rPr lang="en-US" dirty="0" err="1" smtClean="0">
-                <a:solidFill>
-                  <a:srgbClr val="F2F2F2"/>
+            <a:pPr algn="r"/>
+            <a:r>
+              <a:rPr lang="en-US" sz="4800" b="1" spc="300" dirty="0" smtClean="0">
+                <a:solidFill>
+                  <a:srgbClr val="F2BB2F"/>
+                </a:solidFill>
+                <a:latin typeface="Arial Black"/>
+                <a:cs typeface="Arial Black"/>
+              </a:rPr>
+              <a:t>LASSO REGRESSION</a:t>
+            </a:r>
+            <a:endParaRPr lang="en-US" sz="4000" b="1" spc="300" dirty="0">
+              <a:solidFill>
+                <a:srgbClr val="F2BB2F"/>
+              </a:solidFill>
+              <a:latin typeface="Arial Black"/>
+              <a:cs typeface="Arial Black"/>
+            </a:endParaRPr>
+          </a:p>
+        </p:txBody>
+      </p:sp>
+      <p:sp>
+        <p:nvSpPr>
+          <p:cNvPr id="7" name="TextBox 6"/>
+          <p:cNvSpPr txBox="1"/>
+          <p:nvPr/>
+        </p:nvSpPr>
+        <p:spPr>
+          <a:xfrm>
+            <a:off x="438972" y="47039"/>
+            <a:ext cx="4707538" cy="261610"/>
+          </a:xfrm>
+          <a:prstGeom prst="rect">
+            <a:avLst/>
+          </a:prstGeom>
+          <a:noFill/>
+        </p:spPr>
+        <p:txBody>
+          <a:bodyPr wrap="square" rtlCol="0">
+            <a:spAutoFit/>
+          </a:bodyPr>
+          <a:lstStyle/>
+          <a:p>
+            <a:r>
+              <a:rPr lang="en-US" sz="1100" b="1" dirty="0" smtClean="0">
+                <a:solidFill>
+                  <a:schemeClr val="bg1"/>
                 </a:solidFill>
                 <a:latin typeface="Lantinghei SC Extralight"/>
                 <a:cs typeface="Lantinghei SC Extralight"/>
               </a:rPr>
-              <a:t>BLAh</a:t>
-            </a:r>
-            <a:endParaRPr lang="en-US" dirty="0" smtClean="0">
+              <a:t>15 MARCH 2017 | Imperial College Business School</a:t>
+            </a:r>
+            <a:endParaRPr lang="en-US" sz="1100" b="1" dirty="0">
               <a:solidFill>
-                <a:srgbClr val="F2F2F2"/>
+                <a:schemeClr val="bg1"/>
               </a:solidFill>
               <a:latin typeface="Lantinghei SC Extralight"/>
               <a:cs typeface="Lantinghei SC Extralight"/>
             </a:endParaRPr>
           </a:p>
-          <a:p>
-            <a:r>
-              <a:rPr lang="en-US" dirty="0" smtClean="0">
-                <a:solidFill>
-                  <a:srgbClr val="F2F2F2"/>
+        </p:txBody>
+      </p:sp>
+      <p:grpSp>
+        <p:nvGrpSpPr>
+          <p:cNvPr id="9" name="Group 8"/>
+          <p:cNvGrpSpPr/>
+          <p:nvPr/>
+        </p:nvGrpSpPr>
+        <p:grpSpPr>
+          <a:xfrm>
+            <a:off x="-188131" y="6287643"/>
+            <a:ext cx="9379165" cy="617398"/>
+            <a:chOff x="-219487" y="6381723"/>
+            <a:chExt cx="9379165" cy="617398"/>
+          </a:xfrm>
+        </p:grpSpPr>
+        <p:sp>
+          <p:nvSpPr>
+            <p:cNvPr id="10" name="Rectangle 9"/>
+            <p:cNvSpPr/>
+            <p:nvPr/>
+          </p:nvSpPr>
+          <p:spPr>
+            <a:xfrm>
+              <a:off x="-219487" y="6381723"/>
+              <a:ext cx="9379165" cy="617398"/>
+            </a:xfrm>
+            <a:prstGeom prst="rect">
+              <a:avLst/>
+            </a:prstGeom>
+            <a:ln>
+              <a:noFill/>
+            </a:ln>
+            <a:effectLst/>
+          </p:spPr>
+          <p:style>
+            <a:lnRef idx="1">
+              <a:schemeClr val="accent1"/>
+            </a:lnRef>
+            <a:fillRef idx="3">
+              <a:schemeClr val="accent1"/>
+            </a:fillRef>
+            <a:effectRef idx="2">
+              <a:schemeClr val="accent1"/>
+            </a:effectRef>
+            <a:fontRef idx="minor">
+              <a:schemeClr val="lt1"/>
+            </a:fontRef>
+          </p:style>
+          <p:txBody>
+            <a:bodyPr rtlCol="0" anchor="ctr"/>
+            <a:lstStyle/>
+            <a:p>
+              <a:pPr algn="ctr"/>
+              <a:endParaRPr lang="en-US"/>
+            </a:p>
+          </p:txBody>
+        </p:sp>
+        <p:sp>
+          <p:nvSpPr>
+            <p:cNvPr id="11" name="TextBox 10"/>
+            <p:cNvSpPr txBox="1"/>
+            <p:nvPr/>
+          </p:nvSpPr>
+          <p:spPr>
+            <a:xfrm>
+              <a:off x="235170" y="6555400"/>
+              <a:ext cx="4707538" cy="276999"/>
+            </a:xfrm>
+            <a:prstGeom prst="rect">
+              <a:avLst/>
+            </a:prstGeom>
+            <a:noFill/>
+          </p:spPr>
+          <p:txBody>
+            <a:bodyPr wrap="square" rtlCol="0">
+              <a:spAutoFit/>
+            </a:bodyPr>
+            <a:lstStyle/>
+            <a:p>
+              <a:r>
+                <a:rPr lang="en-US" sz="1200" b="1" dirty="0" smtClean="0">
+                  <a:solidFill>
+                    <a:schemeClr val="bg1"/>
+                  </a:solidFill>
+                  <a:latin typeface="Lantinghei SC Extralight"/>
+                  <a:cs typeface="Lantinghei SC Extralight"/>
+                </a:rPr>
+                <a:t>15 MARCH 2017 | Imperial College Business School</a:t>
+              </a:r>
+              <a:endParaRPr lang="en-US" sz="1200" b="1" dirty="0">
+                <a:solidFill>
+                  <a:schemeClr val="bg1"/>
                 </a:solidFill>
                 <a:latin typeface="Lantinghei SC Extralight"/>
                 <a:cs typeface="Lantinghei SC Extralight"/>
-              </a:rPr>
-              <a:t>Blah </a:t>
-            </a:r>
-          </a:p>
-          <a:p>
+              </a:endParaRPr>
+            </a:p>
+          </p:txBody>
+        </p:sp>
+      </p:grpSp>
+      <p:grpSp>
+        <p:nvGrpSpPr>
+          <p:cNvPr id="16" name="Group 15"/>
+          <p:cNvGrpSpPr/>
+          <p:nvPr/>
+        </p:nvGrpSpPr>
+        <p:grpSpPr>
+          <a:xfrm>
+            <a:off x="-35731" y="-50"/>
+            <a:ext cx="9379165" cy="617398"/>
+            <a:chOff x="-35731" y="-50"/>
+            <a:chExt cx="9379165" cy="617398"/>
+          </a:xfrm>
+        </p:grpSpPr>
+        <p:sp>
+          <p:nvSpPr>
+            <p:cNvPr id="12" name="Rectangle 11"/>
+            <p:cNvSpPr/>
+            <p:nvPr/>
+          </p:nvSpPr>
+          <p:spPr>
+            <a:xfrm>
+              <a:off x="-35731" y="-50"/>
+              <a:ext cx="9379165" cy="617398"/>
+            </a:xfrm>
+            <a:prstGeom prst="rect">
+              <a:avLst/>
+            </a:prstGeom>
+            <a:solidFill>
+              <a:srgbClr val="FFFFFF"/>
+            </a:solidFill>
+            <a:ln>
+              <a:noFill/>
+            </a:ln>
+            <a:effectLst/>
+          </p:spPr>
+          <p:style>
+            <a:lnRef idx="1">
+              <a:schemeClr val="accent1"/>
+            </a:lnRef>
+            <a:fillRef idx="3">
+              <a:schemeClr val="accent1"/>
+            </a:fillRef>
+            <a:effectRef idx="2">
+              <a:schemeClr val="accent1"/>
+            </a:effectRef>
+            <a:fontRef idx="minor">
+              <a:schemeClr val="lt1"/>
+            </a:fontRef>
+          </p:style>
+          <p:txBody>
+            <a:bodyPr rtlCol="0" anchor="ctr"/>
+            <a:lstStyle/>
+            <a:p>
+              <a:pPr algn="ctr"/>
+              <a:endParaRPr lang="en-US"/>
+            </a:p>
+          </p:txBody>
+        </p:sp>
+        <p:grpSp>
+          <p:nvGrpSpPr>
+            <p:cNvPr id="13" name="Group 12"/>
+            <p:cNvGrpSpPr/>
+            <p:nvPr/>
+          </p:nvGrpSpPr>
+          <p:grpSpPr>
+            <a:xfrm>
+              <a:off x="376272" y="165266"/>
+              <a:ext cx="8356198" cy="369332"/>
+              <a:chOff x="266526" y="165266"/>
+              <a:chExt cx="8356198" cy="369332"/>
+            </a:xfrm>
+          </p:grpSpPr>
+          <p:sp>
+            <p:nvSpPr>
+              <p:cNvPr id="14" name="TextBox 13"/>
+              <p:cNvSpPr txBox="1"/>
+              <p:nvPr/>
+            </p:nvSpPr>
+            <p:spPr>
+              <a:xfrm>
+                <a:off x="266526" y="165266"/>
+                <a:ext cx="8324842" cy="369332"/>
+              </a:xfrm>
+              <a:prstGeom prst="rect">
+                <a:avLst/>
+              </a:prstGeom>
+              <a:noFill/>
+            </p:spPr>
+            <p:style>
+              <a:lnRef idx="2">
+                <a:schemeClr val="accent1"/>
+              </a:lnRef>
+              <a:fillRef idx="1">
+                <a:schemeClr val="lt1"/>
+              </a:fillRef>
+              <a:effectRef idx="0">
+                <a:schemeClr val="accent1"/>
+              </a:effectRef>
+              <a:fontRef idx="minor">
+                <a:schemeClr val="dk1"/>
+              </a:fontRef>
+            </p:style>
+            <p:txBody>
+              <a:bodyPr wrap="square" rtlCol="0">
+                <a:spAutoFit/>
+              </a:bodyPr>
+              <a:lstStyle/>
+              <a:p>
+                <a:endParaRPr lang="en-US" dirty="0"/>
+              </a:p>
+            </p:txBody>
+          </p:sp>
+          <p:sp>
+            <p:nvSpPr>
+              <p:cNvPr id="15" name="TextBox 14"/>
+              <p:cNvSpPr txBox="1"/>
+              <p:nvPr/>
+            </p:nvSpPr>
+            <p:spPr>
+              <a:xfrm>
+                <a:off x="297882" y="196626"/>
+                <a:ext cx="8324842" cy="276999"/>
+              </a:xfrm>
+              <a:prstGeom prst="rect">
+                <a:avLst/>
+              </a:prstGeom>
+              <a:noFill/>
+            </p:spPr>
+            <p:txBody>
+              <a:bodyPr wrap="square" rtlCol="0">
+                <a:spAutoFit/>
+              </a:bodyPr>
+              <a:lstStyle/>
+              <a:p>
+                <a:r>
+                  <a:rPr lang="en-US" sz="1200" dirty="0" smtClean="0">
+                    <a:latin typeface="Lantinghei SC Extralight"/>
+                    <a:cs typeface="Lantinghei SC Extralight"/>
+                  </a:rPr>
+                  <a:t>ASSIGNMENT 2 PRESENTATION</a:t>
+                </a:r>
+                <a:endParaRPr lang="en-US" sz="1200" dirty="0">
+                  <a:latin typeface="Lantinghei SC Extralight"/>
+                  <a:cs typeface="Lantinghei SC Extralight"/>
+                </a:endParaRPr>
+              </a:p>
+            </p:txBody>
+          </p:sp>
+        </p:grpSp>
+      </p:grpSp>
+      <p:sp>
+        <p:nvSpPr>
+          <p:cNvPr id="17" name="TextBox 16"/>
+          <p:cNvSpPr txBox="1"/>
+          <p:nvPr/>
+        </p:nvSpPr>
+        <p:spPr>
+          <a:xfrm>
+            <a:off x="544304" y="5260991"/>
+            <a:ext cx="3355026" cy="1200329"/>
+          </a:xfrm>
+          <a:prstGeom prst="rect">
+            <a:avLst/>
+          </a:prstGeom>
+          <a:noFill/>
+        </p:spPr>
+        <p:txBody>
+          <a:bodyPr wrap="square" rtlCol="0">
+            <a:spAutoFit/>
+          </a:bodyPr>
+          <a:lstStyle/>
+          <a:p>
+            <a:pPr algn="r"/>
             <a:r>
               <a:rPr lang="en-US" dirty="0" smtClean="0">
-                <a:solidFill>
-                  <a:srgbClr val="F2F2F2"/>
-                </a:solidFill>
                 <a:latin typeface="Lantinghei SC Extralight"/>
                 <a:cs typeface="Lantinghei SC Extralight"/>
               </a:rPr>
-              <a:t>And more blah</a:t>
-            </a:r>
-            <a:endParaRPr lang="en-US" dirty="0">
+              <a:t>Blah</a:t>
+            </a:r>
+          </a:p>
+          <a:p>
+            <a:pPr algn="r"/>
+            <a:r>
+              <a:rPr lang="en-US" dirty="0" smtClean="0">
+                <a:latin typeface="Lantinghei SC Extralight"/>
+                <a:cs typeface="Lantinghei SC Extralight"/>
+              </a:rPr>
+              <a:t>Blah</a:t>
+            </a:r>
+          </a:p>
+          <a:p>
+            <a:pPr algn="r"/>
+            <a:r>
+              <a:rPr lang="en-US" dirty="0" smtClean="0">
+                <a:latin typeface="Lantinghei SC Extralight"/>
+                <a:cs typeface="Lantinghei SC Extralight"/>
+              </a:rPr>
+              <a:t>...</a:t>
+            </a:r>
+          </a:p>
+          <a:p>
+            <a:pPr algn="r"/>
+            <a:r>
+              <a:rPr lang="en-US" dirty="0" smtClean="0">
+                <a:latin typeface="Lantinghei SC Extralight"/>
+                <a:cs typeface="Lantinghei SC Extralight"/>
+              </a:rPr>
+              <a:t>blah</a:t>
+            </a:r>
+          </a:p>
+        </p:txBody>
+      </p:sp>
+      <p:pic>
+        <p:nvPicPr>
+          <p:cNvPr id="18" name="Picture 17"/>
+          <p:cNvPicPr>
+            <a:picLocks noChangeAspect="1"/>
+          </p:cNvPicPr>
+          <p:nvPr/>
+        </p:nvPicPr>
+        <p:blipFill rotWithShape="1">
+          <a:blip r:embed="rId2"/>
+          <a:srcRect r="3175"/>
+          <a:stretch/>
+        </p:blipFill>
+        <p:spPr>
+          <a:xfrm>
+            <a:off x="4564206" y="2297816"/>
+            <a:ext cx="4004229" cy="2599303"/>
+          </a:xfrm>
+          <a:prstGeom prst="rect">
+            <a:avLst/>
+          </a:prstGeom>
+        </p:spPr>
+      </p:pic>
+      <p:pic>
+        <p:nvPicPr>
+          <p:cNvPr id="19" name="Picture 18"/>
+          <p:cNvPicPr>
+            <a:picLocks noChangeAspect="1"/>
+          </p:cNvPicPr>
+          <p:nvPr/>
+        </p:nvPicPr>
+        <p:blipFill rotWithShape="1">
+          <a:blip r:embed="rId2"/>
+          <a:srcRect r="3261"/>
+          <a:stretch/>
+        </p:blipFill>
+        <p:spPr>
+          <a:xfrm>
+            <a:off x="540846" y="2297816"/>
+            <a:ext cx="4000674" cy="2599303"/>
+          </a:xfrm>
+          <a:prstGeom prst="rect">
+            <a:avLst/>
+          </a:prstGeom>
+        </p:spPr>
+      </p:pic>
+    </p:spTree>
+    <p:extLst>
+      <p:ext uri="{BB962C8B-B14F-4D97-AF65-F5344CB8AC3E}">
+        <p14:creationId xmlns:p14="http://schemas.microsoft.com/office/powerpoint/2010/main" val="2425370168"/>
+      </p:ext>
+    </p:extLst>
+  </p:cSld>
+  <p:clrMapOvr>
+    <a:masterClrMapping/>
+  </p:clrMapOvr>
+  <p:timing>
+    <p:tnLst>
+      <p:par>
+        <p:cTn xmlns:p14="http://schemas.microsoft.com/office/powerpoint/2010/main" id="1" dur="indefinite" restart="never" nodeType="tmRoot"/>
+      </p:par>
+    </p:tnLst>
+  </p:timing>
+</p:sld>
+</file>
+
+<file path=ppt/slides/slide7.xml><?xml version="1.0" encoding="utf-8"?>
+<p:sld xmlns:a="http://schemas.openxmlformats.org/drawingml/2006/main" xmlns:r="http://schemas.openxmlformats.org/officeDocument/2006/relationships" xmlns:p="http://schemas.openxmlformats.org/presentationml/2006/main">
+  <p:cSld>
+    <p:spTree>
+      <p:nvGrpSpPr>
+        <p:cNvPr id="1" name=""/>
+        <p:cNvGrpSpPr/>
+        <p:nvPr/>
+      </p:nvGrpSpPr>
+      <p:grpSpPr>
+        <a:xfrm>
+          <a:off x="0" y="0"/>
+          <a:ext cx="0" cy="0"/>
+          <a:chOff x="0" y="0"/>
+          <a:chExt cx="0" cy="0"/>
+        </a:xfrm>
+      </p:grpSpPr>
+      <p:cxnSp>
+        <p:nvCxnSpPr>
+          <p:cNvPr id="4" name="Straight Connector 3"/>
+          <p:cNvCxnSpPr/>
+          <p:nvPr/>
+        </p:nvCxnSpPr>
+        <p:spPr>
+          <a:xfrm>
+            <a:off x="5518539" y="878075"/>
+            <a:ext cx="2978757" cy="0"/>
+          </a:xfrm>
+          <a:prstGeom prst="line">
+            <a:avLst/>
+          </a:prstGeom>
+        </p:spPr>
+        <p:style>
+          <a:lnRef idx="2">
+            <a:schemeClr val="accent1"/>
+          </a:lnRef>
+          <a:fillRef idx="0">
+            <a:schemeClr val="accent1"/>
+          </a:fillRef>
+          <a:effectRef idx="1">
+            <a:schemeClr val="accent1"/>
+          </a:effectRef>
+          <a:fontRef idx="minor">
+            <a:schemeClr val="tx1"/>
+          </a:fontRef>
+        </p:style>
+      </p:cxnSp>
+      <p:sp>
+        <p:nvSpPr>
+          <p:cNvPr id="5" name="TextBox 4"/>
+          <p:cNvSpPr txBox="1"/>
+          <p:nvPr/>
+        </p:nvSpPr>
+        <p:spPr>
+          <a:xfrm>
+            <a:off x="5598160" y="1050553"/>
+            <a:ext cx="2899155" cy="369332"/>
+          </a:xfrm>
+          <a:prstGeom prst="rect">
+            <a:avLst/>
+          </a:prstGeom>
+          <a:noFill/>
+        </p:spPr>
+        <p:txBody>
+          <a:bodyPr wrap="square" rtlCol="0">
+            <a:spAutoFit/>
+          </a:bodyPr>
+          <a:lstStyle/>
+          <a:p>
+            <a:pPr algn="r"/>
+            <a:r>
+              <a:rPr lang="en-US" b="1" spc="300" dirty="0" smtClean="0">
+                <a:latin typeface="Lantinghei SC Extralight"/>
+                <a:cs typeface="Lantinghei SC Extralight"/>
+              </a:rPr>
+              <a:t>PERFORMANCE</a:t>
+            </a:r>
+            <a:endParaRPr lang="en-US" b="1" spc="300" dirty="0">
+              <a:latin typeface="Lantinghei SC Extralight"/>
+              <a:cs typeface="Lantinghei SC Extralight"/>
+            </a:endParaRPr>
+          </a:p>
+        </p:txBody>
+      </p:sp>
+      <p:sp>
+        <p:nvSpPr>
+          <p:cNvPr id="6" name="TextBox 5"/>
+          <p:cNvSpPr txBox="1"/>
+          <p:nvPr/>
+        </p:nvSpPr>
+        <p:spPr>
+          <a:xfrm>
+            <a:off x="376272" y="1466820"/>
+            <a:ext cx="8168059" cy="830997"/>
+          </a:xfrm>
+          <a:prstGeom prst="rect">
+            <a:avLst/>
+          </a:prstGeom>
+          <a:noFill/>
+        </p:spPr>
+        <p:txBody>
+          <a:bodyPr wrap="square" rtlCol="0">
+            <a:spAutoFit/>
+          </a:bodyPr>
+          <a:lstStyle/>
+          <a:p>
+            <a:pPr algn="r"/>
+            <a:r>
+              <a:rPr lang="en-US" sz="4800" b="1" spc="300" dirty="0" smtClean="0">
+                <a:solidFill>
+                  <a:srgbClr val="F2BB2F"/>
+                </a:solidFill>
+                <a:latin typeface="Arial Black"/>
+                <a:cs typeface="Arial Black"/>
+              </a:rPr>
+              <a:t>ELASTIC NET </a:t>
+            </a:r>
+            <a:endParaRPr lang="en-US" sz="4000" b="1" spc="300" dirty="0">
               <a:solidFill>
-                <a:srgbClr val="F2F2F2"/>
+                <a:srgbClr val="F2BB2F"/>
+              </a:solidFill>
+              <a:latin typeface="Arial Black"/>
+              <a:cs typeface="Arial Black"/>
+            </a:endParaRPr>
+          </a:p>
+        </p:txBody>
+      </p:sp>
+      <p:sp>
+        <p:nvSpPr>
+          <p:cNvPr id="7" name="TextBox 6"/>
+          <p:cNvSpPr txBox="1"/>
+          <p:nvPr/>
+        </p:nvSpPr>
+        <p:spPr>
+          <a:xfrm>
+            <a:off x="438972" y="47039"/>
+            <a:ext cx="4707538" cy="261610"/>
+          </a:xfrm>
+          <a:prstGeom prst="rect">
+            <a:avLst/>
+          </a:prstGeom>
+          <a:noFill/>
+        </p:spPr>
+        <p:txBody>
+          <a:bodyPr wrap="square" rtlCol="0">
+            <a:spAutoFit/>
+          </a:bodyPr>
+          <a:lstStyle/>
+          <a:p>
+            <a:r>
+              <a:rPr lang="en-US" sz="1100" b="1" dirty="0" smtClean="0">
+                <a:solidFill>
+                  <a:schemeClr val="bg1"/>
+                </a:solidFill>
+                <a:latin typeface="Lantinghei SC Extralight"/>
+                <a:cs typeface="Lantinghei SC Extralight"/>
+              </a:rPr>
+              <a:t>15 MARCH 2017 | Imperial College Business School</a:t>
+            </a:r>
+            <a:endParaRPr lang="en-US" sz="1100" b="1" dirty="0">
+              <a:solidFill>
+                <a:schemeClr val="bg1"/>
               </a:solidFill>
               <a:latin typeface="Lantinghei SC Extralight"/>
               <a:cs typeface="Lantinghei SC Extralight"/>
@@ -7770,10 +8791,1485 @@
           </a:p>
         </p:txBody>
       </p:sp>
+      <p:grpSp>
+        <p:nvGrpSpPr>
+          <p:cNvPr id="9" name="Group 8"/>
+          <p:cNvGrpSpPr/>
+          <p:nvPr/>
+        </p:nvGrpSpPr>
+        <p:grpSpPr>
+          <a:xfrm>
+            <a:off x="-188131" y="6287643"/>
+            <a:ext cx="9379165" cy="617398"/>
+            <a:chOff x="-219487" y="6381723"/>
+            <a:chExt cx="9379165" cy="617398"/>
+          </a:xfrm>
+        </p:grpSpPr>
+        <p:sp>
+          <p:nvSpPr>
+            <p:cNvPr id="10" name="Rectangle 9"/>
+            <p:cNvSpPr/>
+            <p:nvPr/>
+          </p:nvSpPr>
+          <p:spPr>
+            <a:xfrm>
+              <a:off x="-219487" y="6381723"/>
+              <a:ext cx="9379165" cy="617398"/>
+            </a:xfrm>
+            <a:prstGeom prst="rect">
+              <a:avLst/>
+            </a:prstGeom>
+            <a:ln>
+              <a:noFill/>
+            </a:ln>
+            <a:effectLst/>
+          </p:spPr>
+          <p:style>
+            <a:lnRef idx="1">
+              <a:schemeClr val="accent1"/>
+            </a:lnRef>
+            <a:fillRef idx="3">
+              <a:schemeClr val="accent1"/>
+            </a:fillRef>
+            <a:effectRef idx="2">
+              <a:schemeClr val="accent1"/>
+            </a:effectRef>
+            <a:fontRef idx="minor">
+              <a:schemeClr val="lt1"/>
+            </a:fontRef>
+          </p:style>
+          <p:txBody>
+            <a:bodyPr rtlCol="0" anchor="ctr"/>
+            <a:lstStyle/>
+            <a:p>
+              <a:pPr algn="ctr"/>
+              <a:endParaRPr lang="en-US"/>
+            </a:p>
+          </p:txBody>
+        </p:sp>
+        <p:sp>
+          <p:nvSpPr>
+            <p:cNvPr id="11" name="TextBox 10"/>
+            <p:cNvSpPr txBox="1"/>
+            <p:nvPr/>
+          </p:nvSpPr>
+          <p:spPr>
+            <a:xfrm>
+              <a:off x="235170" y="6555400"/>
+              <a:ext cx="4707538" cy="276999"/>
+            </a:xfrm>
+            <a:prstGeom prst="rect">
+              <a:avLst/>
+            </a:prstGeom>
+            <a:noFill/>
+          </p:spPr>
+          <p:txBody>
+            <a:bodyPr wrap="square" rtlCol="0">
+              <a:spAutoFit/>
+            </a:bodyPr>
+            <a:lstStyle/>
+            <a:p>
+              <a:r>
+                <a:rPr lang="en-US" sz="1200" b="1" dirty="0" smtClean="0">
+                  <a:solidFill>
+                    <a:schemeClr val="bg1"/>
+                  </a:solidFill>
+                  <a:latin typeface="Lantinghei SC Extralight"/>
+                  <a:cs typeface="Lantinghei SC Extralight"/>
+                </a:rPr>
+                <a:t>15 MARCH 2017 | Imperial College Business School</a:t>
+              </a:r>
+              <a:endParaRPr lang="en-US" sz="1200" b="1" dirty="0">
+                <a:solidFill>
+                  <a:schemeClr val="bg1"/>
+                </a:solidFill>
+                <a:latin typeface="Lantinghei SC Extralight"/>
+                <a:cs typeface="Lantinghei SC Extralight"/>
+              </a:endParaRPr>
+            </a:p>
+          </p:txBody>
+        </p:sp>
+      </p:grpSp>
+      <p:grpSp>
+        <p:nvGrpSpPr>
+          <p:cNvPr id="16" name="Group 15"/>
+          <p:cNvGrpSpPr/>
+          <p:nvPr/>
+        </p:nvGrpSpPr>
+        <p:grpSpPr>
+          <a:xfrm>
+            <a:off x="-35731" y="-50"/>
+            <a:ext cx="9379165" cy="617398"/>
+            <a:chOff x="-35731" y="-50"/>
+            <a:chExt cx="9379165" cy="617398"/>
+          </a:xfrm>
+        </p:grpSpPr>
+        <p:sp>
+          <p:nvSpPr>
+            <p:cNvPr id="12" name="Rectangle 11"/>
+            <p:cNvSpPr/>
+            <p:nvPr/>
+          </p:nvSpPr>
+          <p:spPr>
+            <a:xfrm>
+              <a:off x="-35731" y="-50"/>
+              <a:ext cx="9379165" cy="617398"/>
+            </a:xfrm>
+            <a:prstGeom prst="rect">
+              <a:avLst/>
+            </a:prstGeom>
+            <a:solidFill>
+              <a:srgbClr val="FFFFFF"/>
+            </a:solidFill>
+            <a:ln>
+              <a:noFill/>
+            </a:ln>
+            <a:effectLst/>
+          </p:spPr>
+          <p:style>
+            <a:lnRef idx="1">
+              <a:schemeClr val="accent1"/>
+            </a:lnRef>
+            <a:fillRef idx="3">
+              <a:schemeClr val="accent1"/>
+            </a:fillRef>
+            <a:effectRef idx="2">
+              <a:schemeClr val="accent1"/>
+            </a:effectRef>
+            <a:fontRef idx="minor">
+              <a:schemeClr val="lt1"/>
+            </a:fontRef>
+          </p:style>
+          <p:txBody>
+            <a:bodyPr rtlCol="0" anchor="ctr"/>
+            <a:lstStyle/>
+            <a:p>
+              <a:pPr algn="ctr"/>
+              <a:endParaRPr lang="en-US"/>
+            </a:p>
+          </p:txBody>
+        </p:sp>
+        <p:grpSp>
+          <p:nvGrpSpPr>
+            <p:cNvPr id="13" name="Group 12"/>
+            <p:cNvGrpSpPr/>
+            <p:nvPr/>
+          </p:nvGrpSpPr>
+          <p:grpSpPr>
+            <a:xfrm>
+              <a:off x="376272" y="165266"/>
+              <a:ext cx="8356198" cy="369332"/>
+              <a:chOff x="266526" y="165266"/>
+              <a:chExt cx="8356198" cy="369332"/>
+            </a:xfrm>
+          </p:grpSpPr>
+          <p:sp>
+            <p:nvSpPr>
+              <p:cNvPr id="14" name="TextBox 13"/>
+              <p:cNvSpPr txBox="1"/>
+              <p:nvPr/>
+            </p:nvSpPr>
+            <p:spPr>
+              <a:xfrm>
+                <a:off x="266526" y="165266"/>
+                <a:ext cx="8324842" cy="369332"/>
+              </a:xfrm>
+              <a:prstGeom prst="rect">
+                <a:avLst/>
+              </a:prstGeom>
+              <a:noFill/>
+            </p:spPr>
+            <p:style>
+              <a:lnRef idx="2">
+                <a:schemeClr val="accent1"/>
+              </a:lnRef>
+              <a:fillRef idx="1">
+                <a:schemeClr val="lt1"/>
+              </a:fillRef>
+              <a:effectRef idx="0">
+                <a:schemeClr val="accent1"/>
+              </a:effectRef>
+              <a:fontRef idx="minor">
+                <a:schemeClr val="dk1"/>
+              </a:fontRef>
+            </p:style>
+            <p:txBody>
+              <a:bodyPr wrap="square" rtlCol="0">
+                <a:spAutoFit/>
+              </a:bodyPr>
+              <a:lstStyle/>
+              <a:p>
+                <a:endParaRPr lang="en-US" dirty="0"/>
+              </a:p>
+            </p:txBody>
+          </p:sp>
+          <p:sp>
+            <p:nvSpPr>
+              <p:cNvPr id="15" name="TextBox 14"/>
+              <p:cNvSpPr txBox="1"/>
+              <p:nvPr/>
+            </p:nvSpPr>
+            <p:spPr>
+              <a:xfrm>
+                <a:off x="297882" y="196626"/>
+                <a:ext cx="8324842" cy="276999"/>
+              </a:xfrm>
+              <a:prstGeom prst="rect">
+                <a:avLst/>
+              </a:prstGeom>
+              <a:noFill/>
+            </p:spPr>
+            <p:txBody>
+              <a:bodyPr wrap="square" rtlCol="0">
+                <a:spAutoFit/>
+              </a:bodyPr>
+              <a:lstStyle/>
+              <a:p>
+                <a:r>
+                  <a:rPr lang="en-US" sz="1200" dirty="0" smtClean="0">
+                    <a:latin typeface="Lantinghei SC Extralight"/>
+                    <a:cs typeface="Lantinghei SC Extralight"/>
+                  </a:rPr>
+                  <a:t>ASSIGNMENT 2 PRESENTATION</a:t>
+                </a:r>
+                <a:endParaRPr lang="en-US" sz="1200" dirty="0">
+                  <a:latin typeface="Lantinghei SC Extralight"/>
+                  <a:cs typeface="Lantinghei SC Extralight"/>
+                </a:endParaRPr>
+              </a:p>
+            </p:txBody>
+          </p:sp>
+        </p:grpSp>
+      </p:grpSp>
+      <p:sp>
+        <p:nvSpPr>
+          <p:cNvPr id="17" name="TextBox 16"/>
+          <p:cNvSpPr txBox="1"/>
+          <p:nvPr/>
+        </p:nvSpPr>
+        <p:spPr>
+          <a:xfrm>
+            <a:off x="544304" y="5260991"/>
+            <a:ext cx="3355026" cy="1200329"/>
+          </a:xfrm>
+          <a:prstGeom prst="rect">
+            <a:avLst/>
+          </a:prstGeom>
+          <a:noFill/>
+        </p:spPr>
+        <p:txBody>
+          <a:bodyPr wrap="square" rtlCol="0">
+            <a:spAutoFit/>
+          </a:bodyPr>
+          <a:lstStyle/>
+          <a:p>
+            <a:pPr algn="r"/>
+            <a:r>
+              <a:rPr lang="en-US" dirty="0" smtClean="0">
+                <a:latin typeface="Lantinghei SC Extralight"/>
+                <a:cs typeface="Lantinghei SC Extralight"/>
+              </a:rPr>
+              <a:t>Blah</a:t>
+            </a:r>
+          </a:p>
+          <a:p>
+            <a:pPr algn="r"/>
+            <a:r>
+              <a:rPr lang="en-US" dirty="0" smtClean="0">
+                <a:latin typeface="Lantinghei SC Extralight"/>
+                <a:cs typeface="Lantinghei SC Extralight"/>
+              </a:rPr>
+              <a:t>Blah</a:t>
+            </a:r>
+          </a:p>
+          <a:p>
+            <a:pPr algn="r"/>
+            <a:r>
+              <a:rPr lang="en-US" dirty="0" smtClean="0">
+                <a:latin typeface="Lantinghei SC Extralight"/>
+                <a:cs typeface="Lantinghei SC Extralight"/>
+              </a:rPr>
+              <a:t>...</a:t>
+            </a:r>
+          </a:p>
+          <a:p>
+            <a:pPr algn="r"/>
+            <a:r>
+              <a:rPr lang="en-US" dirty="0" smtClean="0">
+                <a:latin typeface="Lantinghei SC Extralight"/>
+                <a:cs typeface="Lantinghei SC Extralight"/>
+              </a:rPr>
+              <a:t>blah</a:t>
+            </a:r>
+          </a:p>
+        </p:txBody>
+      </p:sp>
+      <p:pic>
+        <p:nvPicPr>
+          <p:cNvPr id="18" name="Picture 17"/>
+          <p:cNvPicPr>
+            <a:picLocks noChangeAspect="1"/>
+          </p:cNvPicPr>
+          <p:nvPr/>
+        </p:nvPicPr>
+        <p:blipFill rotWithShape="1">
+          <a:blip r:embed="rId2"/>
+          <a:srcRect r="3175"/>
+          <a:stretch/>
+        </p:blipFill>
+        <p:spPr>
+          <a:xfrm>
+            <a:off x="4564206" y="2297816"/>
+            <a:ext cx="4004229" cy="2599303"/>
+          </a:xfrm>
+          <a:prstGeom prst="rect">
+            <a:avLst/>
+          </a:prstGeom>
+        </p:spPr>
+      </p:pic>
+      <p:pic>
+        <p:nvPicPr>
+          <p:cNvPr id="19" name="Picture 18"/>
+          <p:cNvPicPr>
+            <a:picLocks noChangeAspect="1"/>
+          </p:cNvPicPr>
+          <p:nvPr/>
+        </p:nvPicPr>
+        <p:blipFill rotWithShape="1">
+          <a:blip r:embed="rId2"/>
+          <a:srcRect r="3261"/>
+          <a:stretch/>
+        </p:blipFill>
+        <p:spPr>
+          <a:xfrm>
+            <a:off x="540846" y="2297816"/>
+            <a:ext cx="4000674" cy="2599303"/>
+          </a:xfrm>
+          <a:prstGeom prst="rect">
+            <a:avLst/>
+          </a:prstGeom>
+        </p:spPr>
+      </p:pic>
     </p:spTree>
     <p:extLst>
       <p:ext uri="{BB962C8B-B14F-4D97-AF65-F5344CB8AC3E}">
-        <p14:creationId xmlns:p14="http://schemas.microsoft.com/office/powerpoint/2010/main" val="503916647"/>
+        <p14:creationId xmlns:p14="http://schemas.microsoft.com/office/powerpoint/2010/main" val="2956983236"/>
+      </p:ext>
+    </p:extLst>
+  </p:cSld>
+  <p:clrMapOvr>
+    <a:masterClrMapping/>
+  </p:clrMapOvr>
+  <p:timing>
+    <p:tnLst>
+      <p:par>
+        <p:cTn xmlns:p14="http://schemas.microsoft.com/office/powerpoint/2010/main" id="1" dur="indefinite" restart="never" nodeType="tmRoot"/>
+      </p:par>
+    </p:tnLst>
+  </p:timing>
+</p:sld>
+</file>
+
+<file path=ppt/slides/slide8.xml><?xml version="1.0" encoding="utf-8"?>
+<p:sld xmlns:a="http://schemas.openxmlformats.org/drawingml/2006/main" xmlns:r="http://schemas.openxmlformats.org/officeDocument/2006/relationships" xmlns:p="http://schemas.openxmlformats.org/presentationml/2006/main">
+  <p:cSld>
+    <p:spTree>
+      <p:nvGrpSpPr>
+        <p:cNvPr id="1" name=""/>
+        <p:cNvGrpSpPr/>
+        <p:nvPr/>
+      </p:nvGrpSpPr>
+      <p:grpSpPr>
+        <a:xfrm>
+          <a:off x="0" y="0"/>
+          <a:ext cx="0" cy="0"/>
+          <a:chOff x="0" y="0"/>
+          <a:chExt cx="0" cy="0"/>
+        </a:xfrm>
+      </p:grpSpPr>
+      <p:cxnSp>
+        <p:nvCxnSpPr>
+          <p:cNvPr id="4" name="Straight Connector 3"/>
+          <p:cNvCxnSpPr/>
+          <p:nvPr/>
+        </p:nvCxnSpPr>
+        <p:spPr>
+          <a:xfrm>
+            <a:off x="5518539" y="878075"/>
+            <a:ext cx="2978757" cy="0"/>
+          </a:xfrm>
+          <a:prstGeom prst="line">
+            <a:avLst/>
+          </a:prstGeom>
+        </p:spPr>
+        <p:style>
+          <a:lnRef idx="2">
+            <a:schemeClr val="accent1"/>
+          </a:lnRef>
+          <a:fillRef idx="0">
+            <a:schemeClr val="accent1"/>
+          </a:fillRef>
+          <a:effectRef idx="1">
+            <a:schemeClr val="accent1"/>
+          </a:effectRef>
+          <a:fontRef idx="minor">
+            <a:schemeClr val="tx1"/>
+          </a:fontRef>
+        </p:style>
+      </p:cxnSp>
+      <p:sp>
+        <p:nvSpPr>
+          <p:cNvPr id="5" name="TextBox 4"/>
+          <p:cNvSpPr txBox="1"/>
+          <p:nvPr/>
+        </p:nvSpPr>
+        <p:spPr>
+          <a:xfrm>
+            <a:off x="5598160" y="1050553"/>
+            <a:ext cx="2899155" cy="369332"/>
+          </a:xfrm>
+          <a:prstGeom prst="rect">
+            <a:avLst/>
+          </a:prstGeom>
+          <a:noFill/>
+        </p:spPr>
+        <p:txBody>
+          <a:bodyPr wrap="square" rtlCol="0">
+            <a:spAutoFit/>
+          </a:bodyPr>
+          <a:lstStyle/>
+          <a:p>
+            <a:pPr algn="r"/>
+            <a:r>
+              <a:rPr lang="en-US" b="1" spc="300" dirty="0" smtClean="0">
+                <a:latin typeface="Lantinghei SC Extralight"/>
+                <a:cs typeface="Lantinghei SC Extralight"/>
+              </a:rPr>
+              <a:t>PERFORMANCE</a:t>
+            </a:r>
+            <a:endParaRPr lang="en-US" b="1" spc="300" dirty="0">
+              <a:latin typeface="Lantinghei SC Extralight"/>
+              <a:cs typeface="Lantinghei SC Extralight"/>
+            </a:endParaRPr>
+          </a:p>
+        </p:txBody>
+      </p:sp>
+      <p:sp>
+        <p:nvSpPr>
+          <p:cNvPr id="6" name="TextBox 5"/>
+          <p:cNvSpPr txBox="1"/>
+          <p:nvPr/>
+        </p:nvSpPr>
+        <p:spPr>
+          <a:xfrm>
+            <a:off x="376272" y="1466820"/>
+            <a:ext cx="8168059" cy="830997"/>
+          </a:xfrm>
+          <a:prstGeom prst="rect">
+            <a:avLst/>
+          </a:prstGeom>
+          <a:noFill/>
+        </p:spPr>
+        <p:txBody>
+          <a:bodyPr wrap="square" rtlCol="0">
+            <a:spAutoFit/>
+          </a:bodyPr>
+          <a:lstStyle/>
+          <a:p>
+            <a:pPr algn="r"/>
+            <a:r>
+              <a:rPr lang="en-US" sz="4800" b="1" spc="300" dirty="0" smtClean="0">
+                <a:solidFill>
+                  <a:srgbClr val="F2BB2F"/>
+                </a:solidFill>
+                <a:latin typeface="Arial Black"/>
+                <a:cs typeface="Arial Black"/>
+              </a:rPr>
+              <a:t>RANDOM FOREST</a:t>
+            </a:r>
+            <a:endParaRPr lang="en-US" sz="4000" b="1" spc="300" dirty="0">
+              <a:solidFill>
+                <a:srgbClr val="F2BB2F"/>
+              </a:solidFill>
+              <a:latin typeface="Arial Black"/>
+              <a:cs typeface="Arial Black"/>
+            </a:endParaRPr>
+          </a:p>
+        </p:txBody>
+      </p:sp>
+      <p:sp>
+        <p:nvSpPr>
+          <p:cNvPr id="7" name="TextBox 6"/>
+          <p:cNvSpPr txBox="1"/>
+          <p:nvPr/>
+        </p:nvSpPr>
+        <p:spPr>
+          <a:xfrm>
+            <a:off x="438972" y="47039"/>
+            <a:ext cx="4707538" cy="261610"/>
+          </a:xfrm>
+          <a:prstGeom prst="rect">
+            <a:avLst/>
+          </a:prstGeom>
+          <a:noFill/>
+        </p:spPr>
+        <p:txBody>
+          <a:bodyPr wrap="square" rtlCol="0">
+            <a:spAutoFit/>
+          </a:bodyPr>
+          <a:lstStyle/>
+          <a:p>
+            <a:r>
+              <a:rPr lang="en-US" sz="1100" b="1" dirty="0" smtClean="0">
+                <a:solidFill>
+                  <a:schemeClr val="bg1"/>
+                </a:solidFill>
+                <a:latin typeface="Lantinghei SC Extralight"/>
+                <a:cs typeface="Lantinghei SC Extralight"/>
+              </a:rPr>
+              <a:t>15 MARCH 2017 | Imperial College Business School</a:t>
+            </a:r>
+            <a:endParaRPr lang="en-US" sz="1100" b="1" dirty="0">
+              <a:solidFill>
+                <a:schemeClr val="bg1"/>
+              </a:solidFill>
+              <a:latin typeface="Lantinghei SC Extralight"/>
+              <a:cs typeface="Lantinghei SC Extralight"/>
+            </a:endParaRPr>
+          </a:p>
+        </p:txBody>
+      </p:sp>
+      <p:grpSp>
+        <p:nvGrpSpPr>
+          <p:cNvPr id="9" name="Group 8"/>
+          <p:cNvGrpSpPr/>
+          <p:nvPr/>
+        </p:nvGrpSpPr>
+        <p:grpSpPr>
+          <a:xfrm>
+            <a:off x="-188131" y="6287643"/>
+            <a:ext cx="9379165" cy="617398"/>
+            <a:chOff x="-219487" y="6381723"/>
+            <a:chExt cx="9379165" cy="617398"/>
+          </a:xfrm>
+        </p:grpSpPr>
+        <p:sp>
+          <p:nvSpPr>
+            <p:cNvPr id="10" name="Rectangle 9"/>
+            <p:cNvSpPr/>
+            <p:nvPr/>
+          </p:nvSpPr>
+          <p:spPr>
+            <a:xfrm>
+              <a:off x="-219487" y="6381723"/>
+              <a:ext cx="9379165" cy="617398"/>
+            </a:xfrm>
+            <a:prstGeom prst="rect">
+              <a:avLst/>
+            </a:prstGeom>
+            <a:ln>
+              <a:noFill/>
+            </a:ln>
+            <a:effectLst/>
+          </p:spPr>
+          <p:style>
+            <a:lnRef idx="1">
+              <a:schemeClr val="accent1"/>
+            </a:lnRef>
+            <a:fillRef idx="3">
+              <a:schemeClr val="accent1"/>
+            </a:fillRef>
+            <a:effectRef idx="2">
+              <a:schemeClr val="accent1"/>
+            </a:effectRef>
+            <a:fontRef idx="minor">
+              <a:schemeClr val="lt1"/>
+            </a:fontRef>
+          </p:style>
+          <p:txBody>
+            <a:bodyPr rtlCol="0" anchor="ctr"/>
+            <a:lstStyle/>
+            <a:p>
+              <a:pPr algn="ctr"/>
+              <a:endParaRPr lang="en-US"/>
+            </a:p>
+          </p:txBody>
+        </p:sp>
+        <p:sp>
+          <p:nvSpPr>
+            <p:cNvPr id="11" name="TextBox 10"/>
+            <p:cNvSpPr txBox="1"/>
+            <p:nvPr/>
+          </p:nvSpPr>
+          <p:spPr>
+            <a:xfrm>
+              <a:off x="235170" y="6555400"/>
+              <a:ext cx="4707538" cy="276999"/>
+            </a:xfrm>
+            <a:prstGeom prst="rect">
+              <a:avLst/>
+            </a:prstGeom>
+            <a:noFill/>
+          </p:spPr>
+          <p:txBody>
+            <a:bodyPr wrap="square" rtlCol="0">
+              <a:spAutoFit/>
+            </a:bodyPr>
+            <a:lstStyle/>
+            <a:p>
+              <a:r>
+                <a:rPr lang="en-US" sz="1200" b="1" dirty="0" smtClean="0">
+                  <a:solidFill>
+                    <a:schemeClr val="bg1"/>
+                  </a:solidFill>
+                  <a:latin typeface="Lantinghei SC Extralight"/>
+                  <a:cs typeface="Lantinghei SC Extralight"/>
+                </a:rPr>
+                <a:t>15 MARCH 2017 | Imperial College Business School</a:t>
+              </a:r>
+              <a:endParaRPr lang="en-US" sz="1200" b="1" dirty="0">
+                <a:solidFill>
+                  <a:schemeClr val="bg1"/>
+                </a:solidFill>
+                <a:latin typeface="Lantinghei SC Extralight"/>
+                <a:cs typeface="Lantinghei SC Extralight"/>
+              </a:endParaRPr>
+            </a:p>
+          </p:txBody>
+        </p:sp>
+      </p:grpSp>
+      <p:grpSp>
+        <p:nvGrpSpPr>
+          <p:cNvPr id="16" name="Group 15"/>
+          <p:cNvGrpSpPr/>
+          <p:nvPr/>
+        </p:nvGrpSpPr>
+        <p:grpSpPr>
+          <a:xfrm>
+            <a:off x="-35731" y="-50"/>
+            <a:ext cx="9379165" cy="617398"/>
+            <a:chOff x="-35731" y="-50"/>
+            <a:chExt cx="9379165" cy="617398"/>
+          </a:xfrm>
+        </p:grpSpPr>
+        <p:sp>
+          <p:nvSpPr>
+            <p:cNvPr id="12" name="Rectangle 11"/>
+            <p:cNvSpPr/>
+            <p:nvPr/>
+          </p:nvSpPr>
+          <p:spPr>
+            <a:xfrm>
+              <a:off x="-35731" y="-50"/>
+              <a:ext cx="9379165" cy="617398"/>
+            </a:xfrm>
+            <a:prstGeom prst="rect">
+              <a:avLst/>
+            </a:prstGeom>
+            <a:solidFill>
+              <a:srgbClr val="FFFFFF"/>
+            </a:solidFill>
+            <a:ln>
+              <a:noFill/>
+            </a:ln>
+            <a:effectLst/>
+          </p:spPr>
+          <p:style>
+            <a:lnRef idx="1">
+              <a:schemeClr val="accent1"/>
+            </a:lnRef>
+            <a:fillRef idx="3">
+              <a:schemeClr val="accent1"/>
+            </a:fillRef>
+            <a:effectRef idx="2">
+              <a:schemeClr val="accent1"/>
+            </a:effectRef>
+            <a:fontRef idx="minor">
+              <a:schemeClr val="lt1"/>
+            </a:fontRef>
+          </p:style>
+          <p:txBody>
+            <a:bodyPr rtlCol="0" anchor="ctr"/>
+            <a:lstStyle/>
+            <a:p>
+              <a:pPr algn="ctr"/>
+              <a:endParaRPr lang="en-US"/>
+            </a:p>
+          </p:txBody>
+        </p:sp>
+        <p:grpSp>
+          <p:nvGrpSpPr>
+            <p:cNvPr id="13" name="Group 12"/>
+            <p:cNvGrpSpPr/>
+            <p:nvPr/>
+          </p:nvGrpSpPr>
+          <p:grpSpPr>
+            <a:xfrm>
+              <a:off x="376272" y="165266"/>
+              <a:ext cx="8356198" cy="369332"/>
+              <a:chOff x="266526" y="165266"/>
+              <a:chExt cx="8356198" cy="369332"/>
+            </a:xfrm>
+          </p:grpSpPr>
+          <p:sp>
+            <p:nvSpPr>
+              <p:cNvPr id="14" name="TextBox 13"/>
+              <p:cNvSpPr txBox="1"/>
+              <p:nvPr/>
+            </p:nvSpPr>
+            <p:spPr>
+              <a:xfrm>
+                <a:off x="266526" y="165266"/>
+                <a:ext cx="8324842" cy="369332"/>
+              </a:xfrm>
+              <a:prstGeom prst="rect">
+                <a:avLst/>
+              </a:prstGeom>
+              <a:noFill/>
+            </p:spPr>
+            <p:style>
+              <a:lnRef idx="2">
+                <a:schemeClr val="accent1"/>
+              </a:lnRef>
+              <a:fillRef idx="1">
+                <a:schemeClr val="lt1"/>
+              </a:fillRef>
+              <a:effectRef idx="0">
+                <a:schemeClr val="accent1"/>
+              </a:effectRef>
+              <a:fontRef idx="minor">
+                <a:schemeClr val="dk1"/>
+              </a:fontRef>
+            </p:style>
+            <p:txBody>
+              <a:bodyPr wrap="square" rtlCol="0">
+                <a:spAutoFit/>
+              </a:bodyPr>
+              <a:lstStyle/>
+              <a:p>
+                <a:endParaRPr lang="en-US" dirty="0"/>
+              </a:p>
+            </p:txBody>
+          </p:sp>
+          <p:sp>
+            <p:nvSpPr>
+              <p:cNvPr id="15" name="TextBox 14"/>
+              <p:cNvSpPr txBox="1"/>
+              <p:nvPr/>
+            </p:nvSpPr>
+            <p:spPr>
+              <a:xfrm>
+                <a:off x="297882" y="196626"/>
+                <a:ext cx="8324842" cy="276999"/>
+              </a:xfrm>
+              <a:prstGeom prst="rect">
+                <a:avLst/>
+              </a:prstGeom>
+              <a:noFill/>
+            </p:spPr>
+            <p:txBody>
+              <a:bodyPr wrap="square" rtlCol="0">
+                <a:spAutoFit/>
+              </a:bodyPr>
+              <a:lstStyle/>
+              <a:p>
+                <a:r>
+                  <a:rPr lang="en-US" sz="1200" dirty="0" smtClean="0">
+                    <a:latin typeface="Lantinghei SC Extralight"/>
+                    <a:cs typeface="Lantinghei SC Extralight"/>
+                  </a:rPr>
+                  <a:t>ASSIGNMENT 2 PRESENTATION</a:t>
+                </a:r>
+                <a:endParaRPr lang="en-US" sz="1200" dirty="0">
+                  <a:latin typeface="Lantinghei SC Extralight"/>
+                  <a:cs typeface="Lantinghei SC Extralight"/>
+                </a:endParaRPr>
+              </a:p>
+            </p:txBody>
+          </p:sp>
+        </p:grpSp>
+      </p:grpSp>
+      <p:sp>
+        <p:nvSpPr>
+          <p:cNvPr id="17" name="TextBox 16"/>
+          <p:cNvSpPr txBox="1"/>
+          <p:nvPr/>
+        </p:nvSpPr>
+        <p:spPr>
+          <a:xfrm>
+            <a:off x="544304" y="4931711"/>
+            <a:ext cx="3355026" cy="1200329"/>
+          </a:xfrm>
+          <a:prstGeom prst="rect">
+            <a:avLst/>
+          </a:prstGeom>
+          <a:noFill/>
+        </p:spPr>
+        <p:txBody>
+          <a:bodyPr wrap="square" rtlCol="0">
+            <a:spAutoFit/>
+          </a:bodyPr>
+          <a:lstStyle/>
+          <a:p>
+            <a:pPr algn="r"/>
+            <a:r>
+              <a:rPr lang="en-US" dirty="0" smtClean="0">
+                <a:latin typeface="Lantinghei SC Extralight"/>
+                <a:cs typeface="Lantinghei SC Extralight"/>
+              </a:rPr>
+              <a:t>Blah</a:t>
+            </a:r>
+          </a:p>
+          <a:p>
+            <a:pPr algn="r"/>
+            <a:r>
+              <a:rPr lang="en-US" dirty="0" smtClean="0">
+                <a:latin typeface="Lantinghei SC Extralight"/>
+                <a:cs typeface="Lantinghei SC Extralight"/>
+              </a:rPr>
+              <a:t>Blah</a:t>
+            </a:r>
+          </a:p>
+          <a:p>
+            <a:pPr algn="r"/>
+            <a:r>
+              <a:rPr lang="en-US" dirty="0" smtClean="0">
+                <a:latin typeface="Lantinghei SC Extralight"/>
+                <a:cs typeface="Lantinghei SC Extralight"/>
+              </a:rPr>
+              <a:t>...</a:t>
+            </a:r>
+          </a:p>
+          <a:p>
+            <a:pPr algn="r"/>
+            <a:r>
+              <a:rPr lang="en-US" dirty="0" smtClean="0">
+                <a:latin typeface="Lantinghei SC Extralight"/>
+                <a:cs typeface="Lantinghei SC Extralight"/>
+              </a:rPr>
+              <a:t>blah</a:t>
+            </a:r>
+          </a:p>
+        </p:txBody>
+      </p:sp>
+      <p:pic>
+        <p:nvPicPr>
+          <p:cNvPr id="18" name="Picture 17"/>
+          <p:cNvPicPr>
+            <a:picLocks noChangeAspect="1"/>
+          </p:cNvPicPr>
+          <p:nvPr/>
+        </p:nvPicPr>
+        <p:blipFill rotWithShape="1">
+          <a:blip r:embed="rId2"/>
+          <a:srcRect r="3175"/>
+          <a:stretch/>
+        </p:blipFill>
+        <p:spPr>
+          <a:xfrm>
+            <a:off x="4564206" y="2297816"/>
+            <a:ext cx="4004229" cy="2599303"/>
+          </a:xfrm>
+          <a:prstGeom prst="rect">
+            <a:avLst/>
+          </a:prstGeom>
+        </p:spPr>
+      </p:pic>
+      <p:pic>
+        <p:nvPicPr>
+          <p:cNvPr id="19" name="Picture 18"/>
+          <p:cNvPicPr>
+            <a:picLocks noChangeAspect="1"/>
+          </p:cNvPicPr>
+          <p:nvPr/>
+        </p:nvPicPr>
+        <p:blipFill rotWithShape="1">
+          <a:blip r:embed="rId2"/>
+          <a:srcRect r="3261"/>
+          <a:stretch/>
+        </p:blipFill>
+        <p:spPr>
+          <a:xfrm>
+            <a:off x="540846" y="2297816"/>
+            <a:ext cx="4000674" cy="2599303"/>
+          </a:xfrm>
+          <a:prstGeom prst="rect">
+            <a:avLst/>
+          </a:prstGeom>
+        </p:spPr>
+      </p:pic>
+    </p:spTree>
+    <p:extLst>
+      <p:ext uri="{BB962C8B-B14F-4D97-AF65-F5344CB8AC3E}">
+        <p14:creationId xmlns:p14="http://schemas.microsoft.com/office/powerpoint/2010/main" val="522885760"/>
+      </p:ext>
+    </p:extLst>
+  </p:cSld>
+  <p:clrMapOvr>
+    <a:masterClrMapping/>
+  </p:clrMapOvr>
+  <p:timing>
+    <p:tnLst>
+      <p:par>
+        <p:cTn xmlns:p14="http://schemas.microsoft.com/office/powerpoint/2010/main" id="1" dur="indefinite" restart="never" nodeType="tmRoot"/>
+      </p:par>
+    </p:tnLst>
+  </p:timing>
+</p:sld>
+</file>
+
+<file path=ppt/slides/slide9.xml><?xml version="1.0" encoding="utf-8"?>
+<p:sld xmlns:a="http://schemas.openxmlformats.org/drawingml/2006/main" xmlns:r="http://schemas.openxmlformats.org/officeDocument/2006/relationships" xmlns:p="http://schemas.openxmlformats.org/presentationml/2006/main">
+  <p:cSld>
+    <p:spTree>
+      <p:nvGrpSpPr>
+        <p:cNvPr id="1" name=""/>
+        <p:cNvGrpSpPr/>
+        <p:nvPr/>
+      </p:nvGrpSpPr>
+      <p:grpSpPr>
+        <a:xfrm>
+          <a:off x="0" y="0"/>
+          <a:ext cx="0" cy="0"/>
+          <a:chOff x="0" y="0"/>
+          <a:chExt cx="0" cy="0"/>
+        </a:xfrm>
+      </p:grpSpPr>
+      <p:cxnSp>
+        <p:nvCxnSpPr>
+          <p:cNvPr id="4" name="Straight Connector 3"/>
+          <p:cNvCxnSpPr/>
+          <p:nvPr/>
+        </p:nvCxnSpPr>
+        <p:spPr>
+          <a:xfrm>
+            <a:off x="5518539" y="878075"/>
+            <a:ext cx="2978757" cy="0"/>
+          </a:xfrm>
+          <a:prstGeom prst="line">
+            <a:avLst/>
+          </a:prstGeom>
+        </p:spPr>
+        <p:style>
+          <a:lnRef idx="2">
+            <a:schemeClr val="accent1"/>
+          </a:lnRef>
+          <a:fillRef idx="0">
+            <a:schemeClr val="accent1"/>
+          </a:fillRef>
+          <a:effectRef idx="1">
+            <a:schemeClr val="accent1"/>
+          </a:effectRef>
+          <a:fontRef idx="minor">
+            <a:schemeClr val="tx1"/>
+          </a:fontRef>
+        </p:style>
+      </p:cxnSp>
+      <p:sp>
+        <p:nvSpPr>
+          <p:cNvPr id="5" name="TextBox 4"/>
+          <p:cNvSpPr txBox="1"/>
+          <p:nvPr/>
+        </p:nvSpPr>
+        <p:spPr>
+          <a:xfrm>
+            <a:off x="5598160" y="1050553"/>
+            <a:ext cx="2899155" cy="369332"/>
+          </a:xfrm>
+          <a:prstGeom prst="rect">
+            <a:avLst/>
+          </a:prstGeom>
+          <a:noFill/>
+        </p:spPr>
+        <p:txBody>
+          <a:bodyPr wrap="square" rtlCol="0">
+            <a:spAutoFit/>
+          </a:bodyPr>
+          <a:lstStyle/>
+          <a:p>
+            <a:pPr algn="r"/>
+            <a:r>
+              <a:rPr lang="en-US" b="1" spc="300" dirty="0" smtClean="0">
+                <a:latin typeface="Lantinghei SC Extralight"/>
+                <a:cs typeface="Lantinghei SC Extralight"/>
+              </a:rPr>
+              <a:t>PERFORMANCE</a:t>
+            </a:r>
+            <a:endParaRPr lang="en-US" b="1" spc="300" dirty="0">
+              <a:latin typeface="Lantinghei SC Extralight"/>
+              <a:cs typeface="Lantinghei SC Extralight"/>
+            </a:endParaRPr>
+          </a:p>
+        </p:txBody>
+      </p:sp>
+      <p:sp>
+        <p:nvSpPr>
+          <p:cNvPr id="6" name="TextBox 5"/>
+          <p:cNvSpPr txBox="1"/>
+          <p:nvPr/>
+        </p:nvSpPr>
+        <p:spPr>
+          <a:xfrm>
+            <a:off x="376272" y="1466820"/>
+            <a:ext cx="8168059" cy="1569660"/>
+          </a:xfrm>
+          <a:prstGeom prst="rect">
+            <a:avLst/>
+          </a:prstGeom>
+          <a:noFill/>
+        </p:spPr>
+        <p:txBody>
+          <a:bodyPr wrap="square" rtlCol="0">
+            <a:spAutoFit/>
+          </a:bodyPr>
+          <a:lstStyle/>
+          <a:p>
+            <a:pPr algn="r"/>
+            <a:r>
+              <a:rPr lang="en-US" sz="4800" b="1" spc="300" dirty="0" smtClean="0">
+                <a:solidFill>
+                  <a:srgbClr val="F2BB2F"/>
+                </a:solidFill>
+                <a:latin typeface="Arial Black"/>
+                <a:cs typeface="Arial Black"/>
+              </a:rPr>
+              <a:t>RANDOM FOREST </a:t>
+            </a:r>
+            <a:r>
+              <a:rPr lang="en-US" sz="2000" b="1" spc="300" dirty="0" smtClean="0">
+                <a:solidFill>
+                  <a:srgbClr val="F2BB2F"/>
+                </a:solidFill>
+                <a:latin typeface="Arial Black"/>
+                <a:cs typeface="Arial Black"/>
+              </a:rPr>
+              <a:t>WITH </a:t>
+            </a:r>
+            <a:r>
+              <a:rPr lang="en-US" sz="4800" b="1" spc="300" dirty="0" smtClean="0">
+                <a:solidFill>
+                  <a:srgbClr val="F2BB2F"/>
+                </a:solidFill>
+                <a:latin typeface="Arial Black"/>
+                <a:cs typeface="Arial Black"/>
+              </a:rPr>
+              <a:t>LASSO</a:t>
+            </a:r>
+            <a:endParaRPr lang="en-US" sz="4000" b="1" spc="300" dirty="0">
+              <a:solidFill>
+                <a:srgbClr val="F2BB2F"/>
+              </a:solidFill>
+              <a:latin typeface="Arial Black"/>
+              <a:cs typeface="Arial Black"/>
+            </a:endParaRPr>
+          </a:p>
+        </p:txBody>
+      </p:sp>
+      <p:sp>
+        <p:nvSpPr>
+          <p:cNvPr id="7" name="TextBox 6"/>
+          <p:cNvSpPr txBox="1"/>
+          <p:nvPr/>
+        </p:nvSpPr>
+        <p:spPr>
+          <a:xfrm>
+            <a:off x="438972" y="47039"/>
+            <a:ext cx="4707538" cy="261610"/>
+          </a:xfrm>
+          <a:prstGeom prst="rect">
+            <a:avLst/>
+          </a:prstGeom>
+          <a:noFill/>
+        </p:spPr>
+        <p:txBody>
+          <a:bodyPr wrap="square" rtlCol="0">
+            <a:spAutoFit/>
+          </a:bodyPr>
+          <a:lstStyle/>
+          <a:p>
+            <a:r>
+              <a:rPr lang="en-US" sz="1100" b="1" dirty="0" smtClean="0">
+                <a:solidFill>
+                  <a:schemeClr val="bg1"/>
+                </a:solidFill>
+                <a:latin typeface="Lantinghei SC Extralight"/>
+                <a:cs typeface="Lantinghei SC Extralight"/>
+              </a:rPr>
+              <a:t>15 MARCH 2017 | Imperial College Business School</a:t>
+            </a:r>
+            <a:endParaRPr lang="en-US" sz="1100" b="1" dirty="0">
+              <a:solidFill>
+                <a:schemeClr val="bg1"/>
+              </a:solidFill>
+              <a:latin typeface="Lantinghei SC Extralight"/>
+              <a:cs typeface="Lantinghei SC Extralight"/>
+            </a:endParaRPr>
+          </a:p>
+        </p:txBody>
+      </p:sp>
+      <p:grpSp>
+        <p:nvGrpSpPr>
+          <p:cNvPr id="9" name="Group 8"/>
+          <p:cNvGrpSpPr/>
+          <p:nvPr/>
+        </p:nvGrpSpPr>
+        <p:grpSpPr>
+          <a:xfrm>
+            <a:off x="-188131" y="6287643"/>
+            <a:ext cx="9379165" cy="617398"/>
+            <a:chOff x="-219487" y="6381723"/>
+            <a:chExt cx="9379165" cy="617398"/>
+          </a:xfrm>
+        </p:grpSpPr>
+        <p:sp>
+          <p:nvSpPr>
+            <p:cNvPr id="10" name="Rectangle 9"/>
+            <p:cNvSpPr/>
+            <p:nvPr/>
+          </p:nvSpPr>
+          <p:spPr>
+            <a:xfrm>
+              <a:off x="-219487" y="6381723"/>
+              <a:ext cx="9379165" cy="617398"/>
+            </a:xfrm>
+            <a:prstGeom prst="rect">
+              <a:avLst/>
+            </a:prstGeom>
+            <a:ln>
+              <a:noFill/>
+            </a:ln>
+            <a:effectLst/>
+          </p:spPr>
+          <p:style>
+            <a:lnRef idx="1">
+              <a:schemeClr val="accent1"/>
+            </a:lnRef>
+            <a:fillRef idx="3">
+              <a:schemeClr val="accent1"/>
+            </a:fillRef>
+            <a:effectRef idx="2">
+              <a:schemeClr val="accent1"/>
+            </a:effectRef>
+            <a:fontRef idx="minor">
+              <a:schemeClr val="lt1"/>
+            </a:fontRef>
+          </p:style>
+          <p:txBody>
+            <a:bodyPr rtlCol="0" anchor="ctr"/>
+            <a:lstStyle/>
+            <a:p>
+              <a:pPr algn="ctr"/>
+              <a:endParaRPr lang="en-US"/>
+            </a:p>
+          </p:txBody>
+        </p:sp>
+        <p:sp>
+          <p:nvSpPr>
+            <p:cNvPr id="11" name="TextBox 10"/>
+            <p:cNvSpPr txBox="1"/>
+            <p:nvPr/>
+          </p:nvSpPr>
+          <p:spPr>
+            <a:xfrm>
+              <a:off x="235170" y="6555400"/>
+              <a:ext cx="4707538" cy="276999"/>
+            </a:xfrm>
+            <a:prstGeom prst="rect">
+              <a:avLst/>
+            </a:prstGeom>
+            <a:noFill/>
+          </p:spPr>
+          <p:txBody>
+            <a:bodyPr wrap="square" rtlCol="0">
+              <a:spAutoFit/>
+            </a:bodyPr>
+            <a:lstStyle/>
+            <a:p>
+              <a:r>
+                <a:rPr lang="en-US" sz="1200" b="1" dirty="0" smtClean="0">
+                  <a:solidFill>
+                    <a:schemeClr val="bg1"/>
+                  </a:solidFill>
+                  <a:latin typeface="Lantinghei SC Extralight"/>
+                  <a:cs typeface="Lantinghei SC Extralight"/>
+                </a:rPr>
+                <a:t>15 MARCH 2017 | Imperial College Business School</a:t>
+              </a:r>
+              <a:endParaRPr lang="en-US" sz="1200" b="1" dirty="0">
+                <a:solidFill>
+                  <a:schemeClr val="bg1"/>
+                </a:solidFill>
+                <a:latin typeface="Lantinghei SC Extralight"/>
+                <a:cs typeface="Lantinghei SC Extralight"/>
+              </a:endParaRPr>
+            </a:p>
+          </p:txBody>
+        </p:sp>
+      </p:grpSp>
+      <p:grpSp>
+        <p:nvGrpSpPr>
+          <p:cNvPr id="16" name="Group 15"/>
+          <p:cNvGrpSpPr/>
+          <p:nvPr/>
+        </p:nvGrpSpPr>
+        <p:grpSpPr>
+          <a:xfrm>
+            <a:off x="-35731" y="-50"/>
+            <a:ext cx="9379165" cy="617398"/>
+            <a:chOff x="-35731" y="-50"/>
+            <a:chExt cx="9379165" cy="617398"/>
+          </a:xfrm>
+        </p:grpSpPr>
+        <p:sp>
+          <p:nvSpPr>
+            <p:cNvPr id="12" name="Rectangle 11"/>
+            <p:cNvSpPr/>
+            <p:nvPr/>
+          </p:nvSpPr>
+          <p:spPr>
+            <a:xfrm>
+              <a:off x="-35731" y="-50"/>
+              <a:ext cx="9379165" cy="617398"/>
+            </a:xfrm>
+            <a:prstGeom prst="rect">
+              <a:avLst/>
+            </a:prstGeom>
+            <a:solidFill>
+              <a:srgbClr val="FFFFFF"/>
+            </a:solidFill>
+            <a:ln>
+              <a:noFill/>
+            </a:ln>
+            <a:effectLst/>
+          </p:spPr>
+          <p:style>
+            <a:lnRef idx="1">
+              <a:schemeClr val="accent1"/>
+            </a:lnRef>
+            <a:fillRef idx="3">
+              <a:schemeClr val="accent1"/>
+            </a:fillRef>
+            <a:effectRef idx="2">
+              <a:schemeClr val="accent1"/>
+            </a:effectRef>
+            <a:fontRef idx="minor">
+              <a:schemeClr val="lt1"/>
+            </a:fontRef>
+          </p:style>
+          <p:txBody>
+            <a:bodyPr rtlCol="0" anchor="ctr"/>
+            <a:lstStyle/>
+            <a:p>
+              <a:pPr algn="ctr"/>
+              <a:endParaRPr lang="en-US"/>
+            </a:p>
+          </p:txBody>
+        </p:sp>
+        <p:grpSp>
+          <p:nvGrpSpPr>
+            <p:cNvPr id="13" name="Group 12"/>
+            <p:cNvGrpSpPr/>
+            <p:nvPr/>
+          </p:nvGrpSpPr>
+          <p:grpSpPr>
+            <a:xfrm>
+              <a:off x="376272" y="165266"/>
+              <a:ext cx="8356198" cy="369332"/>
+              <a:chOff x="266526" y="165266"/>
+              <a:chExt cx="8356198" cy="369332"/>
+            </a:xfrm>
+          </p:grpSpPr>
+          <p:sp>
+            <p:nvSpPr>
+              <p:cNvPr id="14" name="TextBox 13"/>
+              <p:cNvSpPr txBox="1"/>
+              <p:nvPr/>
+            </p:nvSpPr>
+            <p:spPr>
+              <a:xfrm>
+                <a:off x="266526" y="165266"/>
+                <a:ext cx="8324842" cy="369332"/>
+              </a:xfrm>
+              <a:prstGeom prst="rect">
+                <a:avLst/>
+              </a:prstGeom>
+              <a:noFill/>
+            </p:spPr>
+            <p:style>
+              <a:lnRef idx="2">
+                <a:schemeClr val="accent1"/>
+              </a:lnRef>
+              <a:fillRef idx="1">
+                <a:schemeClr val="lt1"/>
+              </a:fillRef>
+              <a:effectRef idx="0">
+                <a:schemeClr val="accent1"/>
+              </a:effectRef>
+              <a:fontRef idx="minor">
+                <a:schemeClr val="dk1"/>
+              </a:fontRef>
+            </p:style>
+            <p:txBody>
+              <a:bodyPr wrap="square" rtlCol="0">
+                <a:spAutoFit/>
+              </a:bodyPr>
+              <a:lstStyle/>
+              <a:p>
+                <a:endParaRPr lang="en-US" dirty="0"/>
+              </a:p>
+            </p:txBody>
+          </p:sp>
+          <p:sp>
+            <p:nvSpPr>
+              <p:cNvPr id="15" name="TextBox 14"/>
+              <p:cNvSpPr txBox="1"/>
+              <p:nvPr/>
+            </p:nvSpPr>
+            <p:spPr>
+              <a:xfrm>
+                <a:off x="297882" y="196626"/>
+                <a:ext cx="8324842" cy="276999"/>
+              </a:xfrm>
+              <a:prstGeom prst="rect">
+                <a:avLst/>
+              </a:prstGeom>
+              <a:noFill/>
+            </p:spPr>
+            <p:txBody>
+              <a:bodyPr wrap="square" rtlCol="0">
+                <a:spAutoFit/>
+              </a:bodyPr>
+              <a:lstStyle/>
+              <a:p>
+                <a:r>
+                  <a:rPr lang="en-US" sz="1200" dirty="0" smtClean="0">
+                    <a:latin typeface="Lantinghei SC Extralight"/>
+                    <a:cs typeface="Lantinghei SC Extralight"/>
+                  </a:rPr>
+                  <a:t>ASSIGNMENT 2 PRESENTATION</a:t>
+                </a:r>
+                <a:endParaRPr lang="en-US" sz="1200" dirty="0">
+                  <a:latin typeface="Lantinghei SC Extralight"/>
+                  <a:cs typeface="Lantinghei SC Extralight"/>
+                </a:endParaRPr>
+              </a:p>
+            </p:txBody>
+          </p:sp>
+        </p:grpSp>
+      </p:grpSp>
+      <p:sp>
+        <p:nvSpPr>
+          <p:cNvPr id="17" name="TextBox 16"/>
+          <p:cNvSpPr txBox="1"/>
+          <p:nvPr/>
+        </p:nvSpPr>
+        <p:spPr>
+          <a:xfrm>
+            <a:off x="544304" y="4931711"/>
+            <a:ext cx="3355026" cy="1200329"/>
+          </a:xfrm>
+          <a:prstGeom prst="rect">
+            <a:avLst/>
+          </a:prstGeom>
+          <a:noFill/>
+        </p:spPr>
+        <p:txBody>
+          <a:bodyPr wrap="square" rtlCol="0">
+            <a:spAutoFit/>
+          </a:bodyPr>
+          <a:lstStyle/>
+          <a:p>
+            <a:pPr algn="r"/>
+            <a:r>
+              <a:rPr lang="en-US" dirty="0" smtClean="0">
+                <a:latin typeface="Lantinghei SC Extralight"/>
+                <a:cs typeface="Lantinghei SC Extralight"/>
+              </a:rPr>
+              <a:t>Blah</a:t>
+            </a:r>
+          </a:p>
+          <a:p>
+            <a:pPr algn="r"/>
+            <a:r>
+              <a:rPr lang="en-US" dirty="0" smtClean="0">
+                <a:latin typeface="Lantinghei SC Extralight"/>
+                <a:cs typeface="Lantinghei SC Extralight"/>
+              </a:rPr>
+              <a:t>Blah</a:t>
+            </a:r>
+          </a:p>
+          <a:p>
+            <a:pPr algn="r"/>
+            <a:r>
+              <a:rPr lang="en-US" dirty="0" smtClean="0">
+                <a:latin typeface="Lantinghei SC Extralight"/>
+                <a:cs typeface="Lantinghei SC Extralight"/>
+              </a:rPr>
+              <a:t>...</a:t>
+            </a:r>
+          </a:p>
+          <a:p>
+            <a:pPr algn="r"/>
+            <a:r>
+              <a:rPr lang="en-US" dirty="0" smtClean="0">
+                <a:latin typeface="Lantinghei SC Extralight"/>
+                <a:cs typeface="Lantinghei SC Extralight"/>
+              </a:rPr>
+              <a:t>blah</a:t>
+            </a:r>
+          </a:p>
+        </p:txBody>
+      </p:sp>
+      <p:pic>
+        <p:nvPicPr>
+          <p:cNvPr id="18" name="Picture 17"/>
+          <p:cNvPicPr>
+            <a:picLocks noChangeAspect="1"/>
+          </p:cNvPicPr>
+          <p:nvPr/>
+        </p:nvPicPr>
+        <p:blipFill rotWithShape="1">
+          <a:blip r:embed="rId2"/>
+          <a:srcRect r="3175"/>
+          <a:stretch/>
+        </p:blipFill>
+        <p:spPr>
+          <a:xfrm>
+            <a:off x="4564206" y="3364056"/>
+            <a:ext cx="4004229" cy="2599303"/>
+          </a:xfrm>
+          <a:prstGeom prst="rect">
+            <a:avLst/>
+          </a:prstGeom>
+        </p:spPr>
+      </p:pic>
+      <p:pic>
+        <p:nvPicPr>
+          <p:cNvPr id="19" name="Picture 18"/>
+          <p:cNvPicPr>
+            <a:picLocks noChangeAspect="1"/>
+          </p:cNvPicPr>
+          <p:nvPr/>
+        </p:nvPicPr>
+        <p:blipFill rotWithShape="1">
+          <a:blip r:embed="rId2"/>
+          <a:srcRect r="3261"/>
+          <a:stretch/>
+        </p:blipFill>
+        <p:spPr>
+          <a:xfrm>
+            <a:off x="540846" y="3364056"/>
+            <a:ext cx="4000674" cy="2599303"/>
+          </a:xfrm>
+          <a:prstGeom prst="rect">
+            <a:avLst/>
+          </a:prstGeom>
+        </p:spPr>
+      </p:pic>
+    </p:spTree>
+    <p:extLst>
+      <p:ext uri="{BB962C8B-B14F-4D97-AF65-F5344CB8AC3E}">
+        <p14:creationId xmlns:p14="http://schemas.microsoft.com/office/powerpoint/2010/main" val="1460141934"/>
       </p:ext>
     </p:extLst>
   </p:cSld>

--- a/Presentation.pptx
+++ b/Presentation.pptx
@@ -9,13 +9,12 @@
     <p:sldId id="260" r:id="rId3"/>
     <p:sldId id="261" r:id="rId4"/>
     <p:sldId id="259" r:id="rId5"/>
-    <p:sldId id="270" r:id="rId6"/>
-    <p:sldId id="272" r:id="rId7"/>
-    <p:sldId id="273" r:id="rId8"/>
-    <p:sldId id="271" r:id="rId9"/>
-    <p:sldId id="274" r:id="rId10"/>
+    <p:sldId id="272" r:id="rId6"/>
+    <p:sldId id="273" r:id="rId7"/>
+    <p:sldId id="271" r:id="rId8"/>
+    <p:sldId id="277" r:id="rId9"/>
+    <p:sldId id="279" r:id="rId10"/>
     <p:sldId id="263" r:id="rId11"/>
-    <p:sldId id="268" r:id="rId12"/>
   </p:sldIdLst>
   <p:sldSz cx="9144000" cy="6858000" type="screen4x3"/>
   <p:notesSz cx="6858000" cy="9144000"/>
@@ -305,7 +304,7 @@
           <a:p>
             <a:fld id="{C8A432C8-69A7-458B-9684-2BFA64B31948}" type="datetime2">
               <a:rPr lang="en-US" smtClean="0"/>
-              <a:t>Monday, 13 March 17</a:t>
+              <a:t>Tuesday, 14 March 17</a:t>
             </a:fld>
             <a:endParaRPr lang="en-US"/>
           </a:p>
@@ -507,7 +506,7 @@
           <a:p>
             <a:fld id="{8CC057FC-95B6-4D89-AFDA-ABA33EE921E5}" type="datetime2">
               <a:rPr lang="en-US" smtClean="0"/>
-              <a:t>Monday, 13 March 17</a:t>
+              <a:t>Tuesday, 14 March 17</a:t>
             </a:fld>
             <a:endParaRPr lang="en-US"/>
           </a:p>
@@ -684,7 +683,7 @@
           <a:p>
             <a:fld id="{EC4549AC-EB31-477F-92A9-B1988E232878}" type="datetime2">
               <a:rPr lang="en-US" smtClean="0"/>
-              <a:t>Monday, 13 March 17</a:t>
+              <a:t>Tuesday, 14 March 17</a:t>
             </a:fld>
             <a:endParaRPr lang="en-US"/>
           </a:p>
@@ -851,7 +850,7 @@
           <a:p>
             <a:fld id="{6396A3A3-94A6-4E5B-AF39-173ACA3E61CC}" type="datetime2">
               <a:rPr lang="en-US" smtClean="0"/>
-              <a:t>Monday, 13 March 17</a:t>
+              <a:t>Tuesday, 14 March 17</a:t>
             </a:fld>
             <a:endParaRPr lang="en-US"/>
           </a:p>
@@ -1101,7 +1100,7 @@
           <a:p>
             <a:fld id="{9933D019-A32C-4EAD-B8E6-DBDA699692FD}" type="datetime2">
               <a:rPr lang="en-US" smtClean="0"/>
-              <a:t>Monday, 13 March 17</a:t>
+              <a:t>Tuesday, 14 March 17</a:t>
             </a:fld>
             <a:endParaRPr lang="en-US"/>
           </a:p>
@@ -1421,7 +1420,7 @@
           <a:p>
             <a:fld id="{CCEBA98F-560C-4997-81C4-81D4D9187EAB}" type="datetime2">
               <a:rPr lang="en-US" smtClean="0"/>
-              <a:t>Monday, 13 March 17</a:t>
+              <a:t>Tuesday, 14 March 17</a:t>
             </a:fld>
             <a:endParaRPr lang="en-US"/>
           </a:p>
@@ -1889,7 +1888,7 @@
           <a:p>
             <a:fld id="{150972B2-CA5C-437D-87D0-8081271A9E4B}" type="datetime2">
               <a:rPr lang="en-US" smtClean="0"/>
-              <a:t>Monday, 13 March 17</a:t>
+              <a:t>Tuesday, 14 March 17</a:t>
             </a:fld>
             <a:endParaRPr lang="en-US"/>
           </a:p>
@@ -2039,7 +2038,7 @@
           <a:p>
             <a:fld id="{79CD4847-11EF-4466-A8AD-85CDB7B49118}" type="datetime2">
               <a:rPr lang="en-US" smtClean="0"/>
-              <a:t>Monday, 13 March 17</a:t>
+              <a:t>Tuesday, 14 March 17</a:t>
             </a:fld>
             <a:endParaRPr lang="en-US"/>
           </a:p>
@@ -2131,7 +2130,7 @@
           <a:p>
             <a:fld id="{F168457A-3AB9-4880-8A0C-9F8524491207}" type="datetime2">
               <a:rPr lang="en-US" smtClean="0"/>
-              <a:t>Monday, 13 March 17</a:t>
+              <a:t>Tuesday, 14 March 17</a:t>
             </a:fld>
             <a:endParaRPr lang="en-US"/>
           </a:p>
@@ -2407,7 +2406,7 @@
           <a:p>
             <a:fld id="{3FE976D3-5B7F-4300-ABED-C91F1B2AE209}" type="datetime2">
               <a:rPr lang="en-US" smtClean="0"/>
-              <a:t>Monday, 13 March 17</a:t>
+              <a:t>Tuesday, 14 March 17</a:t>
             </a:fld>
             <a:endParaRPr lang="en-US"/>
           </a:p>
@@ -2714,7 +2713,7 @@
           <a:p>
             <a:fld id="{EBDC1E59-17DD-41CE-97CA-624A472382D4}" type="datetime2">
               <a:rPr lang="en-US" smtClean="0"/>
-              <a:t>Monday, 13 March 17</a:t>
+              <a:t>Tuesday, 14 March 17</a:t>
             </a:fld>
             <a:endParaRPr lang="en-US"/>
           </a:p>
@@ -3014,7 +3013,7 @@
           <a:p>
             <a:fld id="{A80CB818-7379-467D-8E76-EF9D9074A26C}" type="datetime2">
               <a:rPr lang="en-US" smtClean="0"/>
-              <a:t>Monday, 13 March 17</a:t>
+              <a:t>Tuesday, 14 March 17</a:t>
             </a:fld>
             <a:endParaRPr lang="en-US" dirty="0"/>
           </a:p>
@@ -3441,14 +3440,16 @@
               <a:rPr lang="en-US" sz="6600" cap="none" spc="600" dirty="0" smtClean="0">
                 <a:ln w="12700">
                   <a:solidFill>
-                    <a:schemeClr val="accent1">
-                      <a:lumMod val="75000"/>
+                    <a:schemeClr val="bg2">
+                      <a:lumMod val="50000"/>
                     </a:schemeClr>
                   </a:solidFill>
                   <a:prstDash val="solid"/>
                 </a:ln>
                 <a:solidFill>
-                  <a:srgbClr val="CF9904"/>
+                  <a:schemeClr val="bg2">
+                    <a:lumMod val="50000"/>
+                  </a:schemeClr>
                 </a:solidFill>
                 <a:latin typeface="Arial Black"/>
                 <a:cs typeface="Arial Black"/>
@@ -3461,14 +3462,16 @@
               <a:rPr lang="en-US" sz="6600" cap="none" spc="600" dirty="0" smtClean="0">
                 <a:ln w="12700">
                   <a:solidFill>
-                    <a:schemeClr val="accent1">
-                      <a:lumMod val="75000"/>
+                    <a:schemeClr val="bg2">
+                      <a:lumMod val="50000"/>
                     </a:schemeClr>
                   </a:solidFill>
                   <a:prstDash val="solid"/>
                 </a:ln>
                 <a:solidFill>
-                  <a:srgbClr val="CF9904"/>
+                  <a:schemeClr val="bg2">
+                    <a:lumMod val="50000"/>
+                  </a:schemeClr>
                 </a:solidFill>
                 <a:latin typeface="Arial Black"/>
                 <a:cs typeface="Arial Black"/>
@@ -3478,14 +3481,16 @@
             <a:endParaRPr lang="en-US" sz="6600" cap="none" spc="600" dirty="0">
               <a:ln w="12700">
                 <a:solidFill>
-                  <a:schemeClr val="accent1">
-                    <a:lumMod val="75000"/>
+                  <a:schemeClr val="bg2">
+                    <a:lumMod val="50000"/>
                   </a:schemeClr>
                 </a:solidFill>
                 <a:prstDash val="solid"/>
               </a:ln>
               <a:solidFill>
-                <a:srgbClr val="CF9904"/>
+                <a:schemeClr val="bg2">
+                  <a:lumMod val="50000"/>
+                </a:schemeClr>
               </a:solidFill>
               <a:latin typeface="Arial Black"/>
               <a:cs typeface="Arial Black"/>
@@ -3507,6 +3512,11 @@
           <a:prstGeom prst="line">
             <a:avLst/>
           </a:prstGeom>
+          <a:ln>
+            <a:solidFill>
+              <a:srgbClr val="105CA4"/>
+            </a:solidFill>
+          </a:ln>
         </p:spPr>
         <p:style>
           <a:lnRef idx="2">
@@ -3634,7 +3644,21 @@
                 <a:latin typeface="Lantinghei SC Extralight"/>
                 <a:cs typeface="Lantinghei SC Extralight"/>
               </a:rPr>
-              <a:t> Marnelia Scribante </a:t>
+              <a:t>, </a:t>
+            </a:r>
+            <a:r>
+              <a:rPr lang="en-US" sz="1200" b="1" dirty="0" smtClean="0">
+                <a:latin typeface="Lantinghei SC Extralight"/>
+                <a:cs typeface="Lantinghei SC Extralight"/>
+              </a:rPr>
+              <a:t>Marnelia </a:t>
+            </a:r>
+            <a:r>
+              <a:rPr lang="en-US" sz="1200" b="1" dirty="0" smtClean="0">
+                <a:latin typeface="Lantinghei SC Extralight"/>
+                <a:cs typeface="Lantinghei SC Extralight"/>
+              </a:rPr>
+              <a:t>Scribante, </a:t>
             </a:r>
             <a:r>
               <a:rPr lang="en-US" sz="1200" b="1" dirty="0" err="1" smtClean="0">
@@ -3662,7 +3686,21 @@
                 <a:latin typeface="Lantinghei SC Extralight"/>
                 <a:cs typeface="Lantinghei SC Extralight"/>
               </a:rPr>
-              <a:t> Low Joaquin </a:t>
+              <a:t> </a:t>
+            </a:r>
+            <a:r>
+              <a:rPr lang="en-US" sz="1200" b="1" dirty="0" smtClean="0">
+                <a:latin typeface="Lantinghei SC Extralight"/>
+                <a:cs typeface="Lantinghei SC Extralight"/>
+              </a:rPr>
+              <a:t>Low, </a:t>
+            </a:r>
+            <a:r>
+              <a:rPr lang="en-US" sz="1200" b="1" dirty="0" smtClean="0">
+                <a:latin typeface="Lantinghei SC Extralight"/>
+                <a:cs typeface="Lantinghei SC Extralight"/>
+              </a:rPr>
+              <a:t>Joaquin </a:t>
             </a:r>
             <a:r>
               <a:rPr lang="en-US" sz="1200" b="1" dirty="0" err="1" smtClean="0">
@@ -3705,6 +3743,9 @@
             <a:chOff x="-219487" y="6381723"/>
             <a:chExt cx="9379165" cy="617398"/>
           </a:xfrm>
+          <a:solidFill>
+            <a:srgbClr val="ADD3F7"/>
+          </a:solidFill>
         </p:grpSpPr>
         <p:sp>
           <p:nvSpPr>
@@ -3720,6 +3761,11 @@
             <a:prstGeom prst="rect">
               <a:avLst/>
             </a:prstGeom>
+            <a:solidFill>
+              <a:schemeClr val="bg2">
+                <a:lumMod val="50000"/>
+              </a:schemeClr>
+            </a:solidFill>
             <a:ln>
               <a:noFill/>
             </a:ln>
@@ -3762,7 +3808,9 @@
             <a:prstGeom prst="rect">
               <a:avLst/>
             </a:prstGeom>
-            <a:noFill/>
+            <a:solidFill>
+              <a:srgbClr val="105CA4"/>
+            </a:solidFill>
           </p:spPr>
           <p:txBody>
             <a:bodyPr wrap="square" rtlCol="0">
@@ -3879,6 +3927,13 @@
                 <a:avLst/>
               </a:prstGeom>
               <a:noFill/>
+              <a:ln>
+                <a:solidFill>
+                  <a:schemeClr val="bg2">
+                    <a:lumMod val="50000"/>
+                  </a:schemeClr>
+                </a:solidFill>
+              </a:ln>
             </p:spPr>
             <p:style>
               <a:lnRef idx="2">
@@ -3981,18 +4036,68 @@
       </p:grpSpPr>
       <p:sp>
         <p:nvSpPr>
+          <p:cNvPr id="21" name="Rectangle 20"/>
+          <p:cNvSpPr/>
+          <p:nvPr/>
+        </p:nvSpPr>
+        <p:spPr>
+          <a:xfrm>
+            <a:off x="-192511" y="-112073"/>
+            <a:ext cx="9379165" cy="617398"/>
+          </a:xfrm>
+          <a:prstGeom prst="rect">
+            <a:avLst/>
+          </a:prstGeom>
+          <a:solidFill>
+            <a:srgbClr val="FFFFFF"/>
+          </a:solidFill>
+          <a:ln>
+            <a:noFill/>
+          </a:ln>
+          <a:effectLst/>
+        </p:spPr>
+        <p:style>
+          <a:lnRef idx="1">
+            <a:schemeClr val="accent1"/>
+          </a:lnRef>
+          <a:fillRef idx="3">
+            <a:schemeClr val="accent1"/>
+          </a:fillRef>
+          <a:effectRef idx="2">
+            <a:schemeClr val="accent1"/>
+          </a:effectRef>
+          <a:fontRef idx="minor">
+            <a:schemeClr val="lt1"/>
+          </a:fontRef>
+        </p:style>
+        <p:txBody>
+          <a:bodyPr rtlCol="0" anchor="ctr"/>
+          <a:lstStyle/>
+          <a:p>
+            <a:pPr algn="ctr"/>
+            <a:endParaRPr lang="en-US"/>
+          </a:p>
+        </p:txBody>
+      </p:sp>
+      <p:sp>
+        <p:nvSpPr>
           <p:cNvPr id="8" name="Rectangle 7"/>
           <p:cNvSpPr/>
           <p:nvPr/>
         </p:nvSpPr>
         <p:spPr>
           <a:xfrm>
-            <a:off x="-188131" y="0"/>
-            <a:ext cx="9379165" cy="6905041"/>
+            <a:off x="1" y="-112072"/>
+            <a:ext cx="9144000" cy="7182380"/>
           </a:xfrm>
           <a:prstGeom prst="rect">
             <a:avLst/>
           </a:prstGeom>
+          <a:solidFill>
+            <a:srgbClr val="105CA4">
+              <a:alpha val="66000"/>
+            </a:srgbClr>
+          </a:solidFill>
           <a:ln>
             <a:noFill/>
           </a:ln>
@@ -4105,7 +4210,9 @@
               <a:r>
                 <a:rPr lang="en-US" sz="1200" b="1" dirty="0" smtClean="0">
                   <a:solidFill>
-                    <a:srgbClr val="F2BB2F"/>
+                    <a:schemeClr val="bg2">
+                      <a:lumMod val="50000"/>
+                    </a:schemeClr>
                   </a:solidFill>
                   <a:latin typeface="Lantinghei SC Extralight"/>
                   <a:cs typeface="Lantinghei SC Extralight"/>
@@ -4114,7 +4221,9 @@
               </a:r>
               <a:endParaRPr lang="en-US" sz="1200" b="1" dirty="0">
                 <a:solidFill>
-                  <a:srgbClr val="F2BB2F"/>
+                  <a:schemeClr val="bg2">
+                    <a:lumMod val="50000"/>
+                  </a:schemeClr>
                 </a:solidFill>
                 <a:latin typeface="Lantinghei SC Extralight"/>
                 <a:cs typeface="Lantinghei SC Extralight"/>
@@ -4123,36 +4232,6 @@
           </p:txBody>
         </p:sp>
       </p:grpSp>
-      <p:cxnSp>
-        <p:nvCxnSpPr>
-          <p:cNvPr id="13" name="Straight Connector 12"/>
-          <p:cNvCxnSpPr/>
-          <p:nvPr/>
-        </p:nvCxnSpPr>
-        <p:spPr>
-          <a:xfrm>
-            <a:off x="3159047" y="2477421"/>
-            <a:ext cx="2978757" cy="0"/>
-          </a:xfrm>
-          <a:prstGeom prst="line">
-            <a:avLst/>
-          </a:prstGeom>
-        </p:spPr>
-        <p:style>
-          <a:lnRef idx="2">
-            <a:schemeClr val="accent1"/>
-          </a:lnRef>
-          <a:fillRef idx="0">
-            <a:schemeClr val="accent1"/>
-          </a:fillRef>
-          <a:effectRef idx="1">
-            <a:schemeClr val="accent1"/>
-          </a:effectRef>
-          <a:fontRef idx="minor">
-            <a:schemeClr val="tx1"/>
-          </a:fontRef>
-        </p:style>
-      </p:cxnSp>
       <p:sp>
         <p:nvSpPr>
           <p:cNvPr id="14" name="TextBox 13"/>
@@ -4161,7 +4240,7 @@
         </p:nvSpPr>
         <p:spPr>
           <a:xfrm>
-            <a:off x="3033616" y="984339"/>
+            <a:off x="2955240" y="984339"/>
             <a:ext cx="3229618" cy="369332"/>
           </a:xfrm>
           <a:prstGeom prst="rect">
@@ -4208,7 +4287,7 @@
         </p:nvSpPr>
         <p:spPr>
           <a:xfrm>
-            <a:off x="1081759" y="1357060"/>
+            <a:off x="1003383" y="1357060"/>
             <a:ext cx="7133333" cy="923330"/>
           </a:xfrm>
           <a:prstGeom prst="rect">
@@ -4251,7 +4330,7 @@
         </p:nvCxnSpPr>
         <p:spPr>
           <a:xfrm>
-            <a:off x="3311447" y="2629821"/>
+            <a:off x="3080671" y="2629821"/>
             <a:ext cx="2978757" cy="0"/>
           </a:xfrm>
           <a:prstGeom prst="line">
@@ -4373,8 +4452,8 @@
         </p:nvSpPr>
         <p:spPr>
           <a:xfrm>
-            <a:off x="2445716" y="2728304"/>
-            <a:ext cx="4530846" cy="646331"/>
+            <a:off x="407628" y="2728304"/>
+            <a:ext cx="8324842" cy="3391698"/>
           </a:xfrm>
           <a:prstGeom prst="rect">
             <a:avLst/>
@@ -4387,25 +4466,264 @@
           </a:bodyPr>
           <a:lstStyle/>
           <a:p>
-            <a:pPr algn="ctr"/>
+            <a:pPr algn="ctr">
+              <a:lnSpc>
+                <a:spcPct val="140000"/>
+              </a:lnSpc>
+            </a:pPr>
+            <a:r>
+              <a:rPr lang="en-US" b="1" dirty="0" smtClean="0">
+                <a:solidFill>
+                  <a:schemeClr val="bg1">
+                    <a:lumMod val="85000"/>
+                  </a:schemeClr>
+                </a:solidFill>
+                <a:latin typeface="Lantinghei SC Extralight"/>
+                <a:cs typeface="Lantinghei SC Extralight"/>
+              </a:rPr>
+              <a:t>Consistency</a:t>
+            </a:r>
             <a:r>
               <a:rPr lang="en-US" dirty="0" smtClean="0">
-                <a:latin typeface="Lantinghei SC Extralight"/>
-                <a:cs typeface="Lantinghei SC Extralight"/>
-              </a:rPr>
-              <a:t>Consistent?...</a:t>
-            </a:r>
-          </a:p>
-          <a:p>
-            <a:pPr algn="ctr"/>
-            <a:r>
-              <a:rPr lang="en-US" dirty="0" smtClean="0">
-                <a:latin typeface="Lantinghei SC Extralight"/>
-                <a:cs typeface="Lantinghei SC Extralight"/>
-              </a:rPr>
-              <a:t>Economic forces ...</a:t>
-            </a:r>
+                <a:solidFill>
+                  <a:schemeClr val="bg1">
+                    <a:lumMod val="75000"/>
+                  </a:schemeClr>
+                </a:solidFill>
+                <a:latin typeface="Lantinghei SC Extralight"/>
+                <a:cs typeface="Lantinghei SC Extralight"/>
+              </a:rPr>
+              <a:t>:</a:t>
+            </a:r>
+          </a:p>
+          <a:p>
+            <a:pPr marL="285750" indent="-285750" algn="ctr">
+              <a:lnSpc>
+                <a:spcPct val="140000"/>
+              </a:lnSpc>
+              <a:buFont typeface="Arial"/>
+              <a:buChar char="•"/>
+            </a:pPr>
+            <a:r>
+              <a:rPr lang="en-US" sz="1600" dirty="0" smtClean="0">
+                <a:solidFill>
+                  <a:schemeClr val="bg1"/>
+                </a:solidFill>
+                <a:latin typeface="Lantinghei SC Extralight"/>
+                <a:cs typeface="Lantinghei SC Extralight"/>
+              </a:rPr>
+              <a:t>Consistent performance with limited </a:t>
+            </a:r>
+            <a:r>
+              <a:rPr lang="en-US" sz="1600" dirty="0" smtClean="0">
+                <a:solidFill>
+                  <a:schemeClr val="bg1"/>
+                </a:solidFill>
+                <a:latin typeface="Lantinghei SC Extralight"/>
+                <a:cs typeface="Lantinghei SC Extralight"/>
+              </a:rPr>
+              <a:t>downside risk</a:t>
+            </a:r>
+          </a:p>
+          <a:p>
+            <a:pPr marL="285750" indent="-285750" algn="ctr">
+              <a:lnSpc>
+                <a:spcPct val="140000"/>
+              </a:lnSpc>
+              <a:buFont typeface="Arial"/>
+              <a:buChar char="•"/>
+            </a:pPr>
+            <a:r>
+              <a:rPr lang="en-US" sz="1600" dirty="0" smtClean="0">
+                <a:solidFill>
+                  <a:schemeClr val="bg1"/>
+                </a:solidFill>
+                <a:latin typeface="Lantinghei SC Extralight"/>
+                <a:cs typeface="Lantinghei SC Extralight"/>
+              </a:rPr>
+              <a:t>Long periods of performance similar to the mean </a:t>
+            </a:r>
+            <a:endParaRPr lang="en-US" sz="1600" dirty="0" smtClean="0">
+              <a:solidFill>
+                <a:schemeClr val="bg1"/>
+              </a:solidFill>
+              <a:latin typeface="Lantinghei SC Extralight"/>
+              <a:cs typeface="Lantinghei SC Extralight"/>
+            </a:endParaRPr>
+          </a:p>
+          <a:p>
+            <a:pPr marL="285750" indent="-285750" algn="ctr">
+              <a:lnSpc>
+                <a:spcPct val="140000"/>
+              </a:lnSpc>
+              <a:buFont typeface="Arial"/>
+              <a:buChar char="•"/>
+            </a:pPr>
+            <a:r>
+              <a:rPr lang="en-US" sz="1600" dirty="0" smtClean="0">
+                <a:solidFill>
+                  <a:schemeClr val="bg1"/>
+                </a:solidFill>
+                <a:latin typeface="Lantinghei SC Extralight"/>
+                <a:cs typeface="Lantinghei SC Extralight"/>
+              </a:rPr>
+              <a:t>Short </a:t>
+            </a:r>
+            <a:r>
+              <a:rPr lang="en-US" sz="1600" dirty="0" smtClean="0">
+                <a:solidFill>
+                  <a:schemeClr val="bg1"/>
+                </a:solidFill>
+                <a:latin typeface="Lantinghei SC Extralight"/>
+                <a:cs typeface="Lantinghei SC Extralight"/>
+              </a:rPr>
+              <a:t>bursts when </a:t>
+            </a:r>
+            <a:r>
+              <a:rPr lang="en-US" sz="1600" dirty="0" smtClean="0">
+                <a:solidFill>
+                  <a:schemeClr val="bg1"/>
+                </a:solidFill>
+                <a:latin typeface="Lantinghei SC Extralight"/>
+                <a:cs typeface="Lantinghei SC Extralight"/>
+              </a:rPr>
+              <a:t>model </a:t>
+            </a:r>
+            <a:r>
+              <a:rPr lang="en-US" sz="1600" dirty="0" smtClean="0">
+                <a:solidFill>
+                  <a:schemeClr val="bg1"/>
+                </a:solidFill>
+                <a:latin typeface="Lantinghei SC Extralight"/>
+                <a:cs typeface="Lantinghei SC Extralight"/>
+              </a:rPr>
+              <a:t>outperforms </a:t>
+            </a:r>
+            <a:r>
+              <a:rPr lang="en-US" sz="1600" dirty="0" smtClean="0">
+                <a:solidFill>
+                  <a:schemeClr val="bg1"/>
+                </a:solidFill>
+                <a:latin typeface="Lantinghei SC Extralight"/>
+                <a:cs typeface="Lantinghei SC Extralight"/>
+              </a:rPr>
+              <a:t>and delivers abnormal returns</a:t>
+            </a:r>
+            <a:endParaRPr lang="en-US" sz="1600" dirty="0" smtClean="0">
+              <a:solidFill>
+                <a:schemeClr val="bg1"/>
+              </a:solidFill>
+              <a:latin typeface="Lantinghei SC Extralight"/>
+              <a:cs typeface="Lantinghei SC Extralight"/>
+            </a:endParaRPr>
+          </a:p>
+          <a:p>
+            <a:pPr algn="ctr">
+              <a:lnSpc>
+                <a:spcPct val="140000"/>
+              </a:lnSpc>
+            </a:pPr>
             <a:endParaRPr lang="en-US" dirty="0" smtClean="0">
+              <a:solidFill>
+                <a:schemeClr val="bg1"/>
+              </a:solidFill>
+              <a:latin typeface="Lantinghei SC Extralight"/>
+              <a:cs typeface="Lantinghei SC Extralight"/>
+            </a:endParaRPr>
+          </a:p>
+          <a:p>
+            <a:pPr algn="ctr">
+              <a:lnSpc>
+                <a:spcPct val="140000"/>
+              </a:lnSpc>
+            </a:pPr>
+            <a:r>
+              <a:rPr lang="en-US" b="1" dirty="0" smtClean="0">
+                <a:solidFill>
+                  <a:srgbClr val="D9D9D9"/>
+                </a:solidFill>
+                <a:latin typeface="Lantinghei SC Extralight"/>
+                <a:cs typeface="Lantinghei SC Extralight"/>
+              </a:rPr>
+              <a:t>Economic forces:</a:t>
+            </a:r>
+          </a:p>
+          <a:p>
+            <a:pPr marL="285750" indent="-285750" algn="ctr">
+              <a:lnSpc>
+                <a:spcPct val="140000"/>
+              </a:lnSpc>
+              <a:buFont typeface="Arial"/>
+              <a:buChar char="•"/>
+            </a:pPr>
+            <a:r>
+              <a:rPr lang="en-US" sz="1600" dirty="0" smtClean="0">
+                <a:solidFill>
+                  <a:schemeClr val="bg1"/>
+                </a:solidFill>
+                <a:latin typeface="Lantinghei SC Extralight"/>
+                <a:cs typeface="Lantinghei SC Extralight"/>
+              </a:rPr>
+              <a:t>Structural change in the currency </a:t>
+            </a:r>
+            <a:r>
+              <a:rPr lang="en-US" sz="1600" dirty="0" smtClean="0">
+                <a:solidFill>
+                  <a:schemeClr val="bg1"/>
+                </a:solidFill>
+                <a:latin typeface="Lantinghei SC Extralight"/>
+                <a:cs typeface="Lantinghei SC Extralight"/>
+              </a:rPr>
+              <a:t>itself </a:t>
+            </a:r>
+            <a:r>
+              <a:rPr lang="en-US" sz="1600" dirty="0" smtClean="0">
+                <a:solidFill>
+                  <a:schemeClr val="bg1"/>
+                </a:solidFill>
+                <a:latin typeface="Lantinghei SC Extralight"/>
+                <a:cs typeface="Lantinghei SC Extralight"/>
+              </a:rPr>
+              <a:t>to dislodge Bayesian estimators</a:t>
+            </a:r>
+          </a:p>
+          <a:p>
+            <a:pPr algn="ctr">
+              <a:lnSpc>
+                <a:spcPct val="140000"/>
+              </a:lnSpc>
+            </a:pPr>
+            <a:r>
+              <a:rPr lang="en-US" sz="1600" dirty="0" smtClean="0">
+                <a:solidFill>
+                  <a:schemeClr val="bg1"/>
+                </a:solidFill>
+                <a:latin typeface="Lantinghei SC Extralight"/>
+                <a:cs typeface="Lantinghei SC Extralight"/>
+              </a:rPr>
+              <a:t>(</a:t>
+            </a:r>
+            <a:r>
+              <a:rPr lang="en-US" sz="1600" dirty="0" smtClean="0">
+                <a:solidFill>
+                  <a:schemeClr val="bg1"/>
+                </a:solidFill>
+                <a:latin typeface="Lantinghei SC Extralight"/>
+                <a:cs typeface="Lantinghei SC Extralight"/>
+              </a:rPr>
+              <a:t>monetary policy, inflation, interest rate etc.) </a:t>
+            </a:r>
+          </a:p>
+          <a:p>
+            <a:pPr algn="ctr">
+              <a:lnSpc>
+                <a:spcPct val="140000"/>
+              </a:lnSpc>
+            </a:pPr>
+            <a:endParaRPr lang="en-US" dirty="0" smtClean="0">
+              <a:solidFill>
+                <a:schemeClr val="bg1"/>
+              </a:solidFill>
               <a:latin typeface="Lantinghei SC Extralight"/>
               <a:cs typeface="Lantinghei SC Extralight"/>
             </a:endParaRPr>
@@ -4416,538 +4734,6 @@
     <p:extLst>
       <p:ext uri="{BB962C8B-B14F-4D97-AF65-F5344CB8AC3E}">
         <p14:creationId xmlns:p14="http://schemas.microsoft.com/office/powerpoint/2010/main" val="1947984569"/>
-      </p:ext>
-    </p:extLst>
-  </p:cSld>
-  <p:clrMapOvr>
-    <a:masterClrMapping/>
-  </p:clrMapOvr>
-  <p:timing>
-    <p:tnLst>
-      <p:par>
-        <p:cTn xmlns:p14="http://schemas.microsoft.com/office/powerpoint/2010/main" id="1" dur="indefinite" restart="never" nodeType="tmRoot"/>
-      </p:par>
-    </p:tnLst>
-  </p:timing>
-</p:sld>
-</file>
-
-<file path=ppt/slides/slide11.xml><?xml version="1.0" encoding="utf-8"?>
-<p:sld xmlns:a="http://schemas.openxmlformats.org/drawingml/2006/main" xmlns:r="http://schemas.openxmlformats.org/officeDocument/2006/relationships" xmlns:p="http://schemas.openxmlformats.org/presentationml/2006/main">
-  <p:cSld>
-    <p:spTree>
-      <p:nvGrpSpPr>
-        <p:cNvPr id="1" name=""/>
-        <p:cNvGrpSpPr/>
-        <p:nvPr/>
-      </p:nvGrpSpPr>
-      <p:grpSpPr>
-        <a:xfrm>
-          <a:off x="0" y="0"/>
-          <a:ext cx="0" cy="0"/>
-          <a:chOff x="0" y="0"/>
-          <a:chExt cx="0" cy="0"/>
-        </a:xfrm>
-      </p:grpSpPr>
-      <p:pic>
-        <p:nvPicPr>
-          <p:cNvPr id="4" name="Picture 3"/>
-          <p:cNvPicPr>
-            <a:picLocks noChangeAspect="1"/>
-          </p:cNvPicPr>
-          <p:nvPr/>
-        </p:nvPicPr>
-        <p:blipFill rotWithShape="1">
-          <a:blip r:embed="rId2"/>
-          <a:srcRect l="11765"/>
-          <a:stretch/>
-        </p:blipFill>
-        <p:spPr>
-          <a:xfrm>
-            <a:off x="1" y="-21160"/>
-            <a:ext cx="9144000" cy="6912255"/>
-          </a:xfrm>
-          <a:prstGeom prst="rect">
-            <a:avLst/>
-          </a:prstGeom>
-        </p:spPr>
-      </p:pic>
-      <p:sp>
-        <p:nvSpPr>
-          <p:cNvPr id="5" name="Rectangle 4"/>
-          <p:cNvSpPr/>
-          <p:nvPr/>
-        </p:nvSpPr>
-        <p:spPr>
-          <a:xfrm>
-            <a:off x="0" y="-21160"/>
-            <a:ext cx="9144000" cy="6912255"/>
-          </a:xfrm>
-          <a:prstGeom prst="rect">
-            <a:avLst/>
-          </a:prstGeom>
-          <a:solidFill>
-            <a:srgbClr val="FFFFFF">
-              <a:alpha val="24000"/>
-            </a:srgbClr>
-          </a:solidFill>
-          <a:ln>
-            <a:noFill/>
-          </a:ln>
-        </p:spPr>
-        <p:style>
-          <a:lnRef idx="1">
-            <a:schemeClr val="accent1"/>
-          </a:lnRef>
-          <a:fillRef idx="3">
-            <a:schemeClr val="accent1"/>
-          </a:fillRef>
-          <a:effectRef idx="2">
-            <a:schemeClr val="accent1"/>
-          </a:effectRef>
-          <a:fontRef idx="minor">
-            <a:schemeClr val="lt1"/>
-          </a:fontRef>
-        </p:style>
-        <p:txBody>
-          <a:bodyPr rtlCol="0" anchor="ctr"/>
-          <a:lstStyle/>
-          <a:p>
-            <a:pPr algn="ctr"/>
-            <a:endParaRPr lang="en-US"/>
-          </a:p>
-        </p:txBody>
-      </p:sp>
-      <p:grpSp>
-        <p:nvGrpSpPr>
-          <p:cNvPr id="9" name="Group 8"/>
-          <p:cNvGrpSpPr/>
-          <p:nvPr/>
-        </p:nvGrpSpPr>
-        <p:grpSpPr>
-          <a:xfrm>
-            <a:off x="-188131" y="6287643"/>
-            <a:ext cx="9379165" cy="617398"/>
-            <a:chOff x="-219487" y="6381723"/>
-            <a:chExt cx="9379165" cy="617398"/>
-          </a:xfrm>
-        </p:grpSpPr>
-        <p:sp>
-          <p:nvSpPr>
-            <p:cNvPr id="10" name="Rectangle 9"/>
-            <p:cNvSpPr/>
-            <p:nvPr/>
-          </p:nvSpPr>
-          <p:spPr>
-            <a:xfrm>
-              <a:off x="-219487" y="6381723"/>
-              <a:ext cx="9379165" cy="617398"/>
-            </a:xfrm>
-            <a:prstGeom prst="rect">
-              <a:avLst/>
-            </a:prstGeom>
-            <a:ln>
-              <a:noFill/>
-            </a:ln>
-            <a:effectLst/>
-          </p:spPr>
-          <p:style>
-            <a:lnRef idx="1">
-              <a:schemeClr val="accent1"/>
-            </a:lnRef>
-            <a:fillRef idx="3">
-              <a:schemeClr val="accent1"/>
-            </a:fillRef>
-            <a:effectRef idx="2">
-              <a:schemeClr val="accent1"/>
-            </a:effectRef>
-            <a:fontRef idx="minor">
-              <a:schemeClr val="lt1"/>
-            </a:fontRef>
-          </p:style>
-          <p:txBody>
-            <a:bodyPr rtlCol="0" anchor="ctr"/>
-            <a:lstStyle/>
-            <a:p>
-              <a:pPr algn="ctr"/>
-              <a:endParaRPr lang="en-US"/>
-            </a:p>
-          </p:txBody>
-        </p:sp>
-        <p:sp>
-          <p:nvSpPr>
-            <p:cNvPr id="11" name="TextBox 10"/>
-            <p:cNvSpPr txBox="1"/>
-            <p:nvPr/>
-          </p:nvSpPr>
-          <p:spPr>
-            <a:xfrm>
-              <a:off x="235170" y="6555400"/>
-              <a:ext cx="4707538" cy="276999"/>
-            </a:xfrm>
-            <a:prstGeom prst="rect">
-              <a:avLst/>
-            </a:prstGeom>
-            <a:noFill/>
-          </p:spPr>
-          <p:txBody>
-            <a:bodyPr wrap="square" rtlCol="0">
-              <a:spAutoFit/>
-            </a:bodyPr>
-            <a:lstStyle/>
-            <a:p>
-              <a:r>
-                <a:rPr lang="en-US" sz="1200" b="1" dirty="0" smtClean="0">
-                  <a:solidFill>
-                    <a:schemeClr val="bg1"/>
-                  </a:solidFill>
-                  <a:latin typeface="Lantinghei SC Extralight"/>
-                  <a:cs typeface="Lantinghei SC Extralight"/>
-                </a:rPr>
-                <a:t>15 MARCH 2017 | Imperial College Business School</a:t>
-              </a:r>
-              <a:endParaRPr lang="en-US" sz="1200" b="1" dirty="0">
-                <a:solidFill>
-                  <a:schemeClr val="bg1"/>
-                </a:solidFill>
-                <a:latin typeface="Lantinghei SC Extralight"/>
-                <a:cs typeface="Lantinghei SC Extralight"/>
-              </a:endParaRPr>
-            </a:p>
-          </p:txBody>
-        </p:sp>
-      </p:grpSp>
-      <p:grpSp>
-        <p:nvGrpSpPr>
-          <p:cNvPr id="14" name="Group 13"/>
-          <p:cNvGrpSpPr/>
-          <p:nvPr/>
-        </p:nvGrpSpPr>
-        <p:grpSpPr>
-          <a:xfrm>
-            <a:off x="376272" y="165266"/>
-            <a:ext cx="8356198" cy="369332"/>
-            <a:chOff x="266526" y="165266"/>
-            <a:chExt cx="8356198" cy="369332"/>
-          </a:xfrm>
-        </p:grpSpPr>
-        <p:sp>
-          <p:nvSpPr>
-            <p:cNvPr id="15" name="TextBox 14"/>
-            <p:cNvSpPr txBox="1"/>
-            <p:nvPr/>
-          </p:nvSpPr>
-          <p:spPr>
-            <a:xfrm>
-              <a:off x="266526" y="165266"/>
-              <a:ext cx="8324842" cy="369332"/>
-            </a:xfrm>
-            <a:prstGeom prst="rect">
-              <a:avLst/>
-            </a:prstGeom>
-            <a:noFill/>
-          </p:spPr>
-          <p:style>
-            <a:lnRef idx="2">
-              <a:schemeClr val="accent1"/>
-            </a:lnRef>
-            <a:fillRef idx="1">
-              <a:schemeClr val="lt1"/>
-            </a:fillRef>
-            <a:effectRef idx="0">
-              <a:schemeClr val="accent1"/>
-            </a:effectRef>
-            <a:fontRef idx="minor">
-              <a:schemeClr val="dk1"/>
-            </a:fontRef>
-          </p:style>
-          <p:txBody>
-            <a:bodyPr wrap="square" rtlCol="0">
-              <a:spAutoFit/>
-            </a:bodyPr>
-            <a:lstStyle/>
-            <a:p>
-              <a:endParaRPr lang="en-US" dirty="0"/>
-            </a:p>
-          </p:txBody>
-        </p:sp>
-        <p:sp>
-          <p:nvSpPr>
-            <p:cNvPr id="16" name="TextBox 15"/>
-            <p:cNvSpPr txBox="1"/>
-            <p:nvPr/>
-          </p:nvSpPr>
-          <p:spPr>
-            <a:xfrm>
-              <a:off x="297882" y="196626"/>
-              <a:ext cx="8324842" cy="276999"/>
-            </a:xfrm>
-            <a:prstGeom prst="rect">
-              <a:avLst/>
-            </a:prstGeom>
-            <a:noFill/>
-          </p:spPr>
-          <p:txBody>
-            <a:bodyPr wrap="square" rtlCol="0">
-              <a:spAutoFit/>
-            </a:bodyPr>
-            <a:lstStyle/>
-            <a:p>
-              <a:r>
-                <a:rPr lang="en-US" sz="1200" dirty="0" smtClean="0">
-                  <a:solidFill>
-                    <a:srgbClr val="FFFFFF"/>
-                  </a:solidFill>
-                  <a:latin typeface="Lantinghei SC Extralight"/>
-                  <a:cs typeface="Lantinghei SC Extralight"/>
-                </a:rPr>
-                <a:t>ASSIGNMENT 2 PRESENTATION</a:t>
-              </a:r>
-              <a:endParaRPr lang="en-US" sz="1200" dirty="0">
-                <a:solidFill>
-                  <a:srgbClr val="FFFFFF"/>
-                </a:solidFill>
-                <a:latin typeface="Lantinghei SC Extralight"/>
-                <a:cs typeface="Lantinghei SC Extralight"/>
-              </a:endParaRPr>
-            </a:p>
-          </p:txBody>
-        </p:sp>
-      </p:grpSp>
-      <p:sp>
-        <p:nvSpPr>
-          <p:cNvPr id="17" name="Rectangle 16"/>
-          <p:cNvSpPr/>
-          <p:nvPr/>
-        </p:nvSpPr>
-        <p:spPr>
-          <a:xfrm>
-            <a:off x="235169" y="1991348"/>
-            <a:ext cx="8654831" cy="3982697"/>
-          </a:xfrm>
-          <a:prstGeom prst="rect">
-            <a:avLst/>
-          </a:prstGeom>
-          <a:gradFill flip="none" rotWithShape="1">
-            <a:gsLst>
-              <a:gs pos="0">
-                <a:schemeClr val="accent1">
-                  <a:shade val="70000"/>
-                  <a:satMod val="150000"/>
-                  <a:alpha val="86000"/>
-                </a:schemeClr>
-              </a:gs>
-              <a:gs pos="34000">
-                <a:schemeClr val="accent1">
-                  <a:shade val="70000"/>
-                  <a:satMod val="140000"/>
-                  <a:alpha val="86000"/>
-                </a:schemeClr>
-              </a:gs>
-              <a:gs pos="70000">
-                <a:schemeClr val="accent1">
-                  <a:tint val="100000"/>
-                  <a:shade val="90000"/>
-                  <a:satMod val="140000"/>
-                  <a:alpha val="86000"/>
-                </a:schemeClr>
-              </a:gs>
-              <a:gs pos="100000">
-                <a:schemeClr val="accent1">
-                  <a:tint val="100000"/>
-                  <a:shade val="100000"/>
-                  <a:satMod val="100000"/>
-                  <a:alpha val="86000"/>
-                </a:schemeClr>
-              </a:gs>
-            </a:gsLst>
-            <a:path path="circle">
-              <a:fillToRect l="100000" t="100000" r="100000" b="100000"/>
-            </a:path>
-            <a:tileRect/>
-          </a:gradFill>
-          <a:ln>
-            <a:noFill/>
-          </a:ln>
-          <a:effectLst/>
-        </p:spPr>
-        <p:style>
-          <a:lnRef idx="1">
-            <a:schemeClr val="accent1"/>
-          </a:lnRef>
-          <a:fillRef idx="3">
-            <a:schemeClr val="accent1"/>
-          </a:fillRef>
-          <a:effectRef idx="2">
-            <a:schemeClr val="accent1"/>
-          </a:effectRef>
-          <a:fontRef idx="minor">
-            <a:schemeClr val="lt1"/>
-          </a:fontRef>
-        </p:style>
-        <p:txBody>
-          <a:bodyPr rtlCol="0" anchor="ctr"/>
-          <a:lstStyle/>
-          <a:p>
-            <a:pPr algn="ctr"/>
-            <a:endParaRPr lang="en-US" dirty="0" smtClean="0"/>
-          </a:p>
-        </p:txBody>
-      </p:sp>
-      <p:cxnSp>
-        <p:nvCxnSpPr>
-          <p:cNvPr id="18" name="Straight Connector 17"/>
-          <p:cNvCxnSpPr/>
-          <p:nvPr/>
-        </p:nvCxnSpPr>
-        <p:spPr>
-          <a:xfrm>
-            <a:off x="501677" y="3088939"/>
-            <a:ext cx="2978757" cy="0"/>
-          </a:xfrm>
-          <a:prstGeom prst="line">
-            <a:avLst/>
-          </a:prstGeom>
-          <a:ln>
-            <a:solidFill>
-              <a:srgbClr val="FFFFFF"/>
-            </a:solidFill>
-          </a:ln>
-        </p:spPr>
-        <p:style>
-          <a:lnRef idx="2">
-            <a:schemeClr val="accent1"/>
-          </a:lnRef>
-          <a:fillRef idx="0">
-            <a:schemeClr val="accent1"/>
-          </a:fillRef>
-          <a:effectRef idx="1">
-            <a:schemeClr val="accent1"/>
-          </a:effectRef>
-          <a:fontRef idx="minor">
-            <a:schemeClr val="tx1"/>
-          </a:fontRef>
-        </p:style>
-      </p:cxnSp>
-      <p:sp>
-        <p:nvSpPr>
-          <p:cNvPr id="19" name="TextBox 18"/>
-          <p:cNvSpPr txBox="1"/>
-          <p:nvPr/>
-        </p:nvSpPr>
-        <p:spPr>
-          <a:xfrm>
-            <a:off x="316098" y="2099034"/>
-            <a:ext cx="8416372" cy="830997"/>
-          </a:xfrm>
-          <a:prstGeom prst="rect">
-            <a:avLst/>
-          </a:prstGeom>
-          <a:noFill/>
-        </p:spPr>
-        <p:txBody>
-          <a:bodyPr wrap="square" rtlCol="0">
-            <a:spAutoFit/>
-          </a:bodyPr>
-          <a:lstStyle/>
-          <a:p>
-            <a:r>
-              <a:rPr lang="en-US" sz="4800" b="1" spc="300" dirty="0" smtClean="0">
-                <a:solidFill>
-                  <a:srgbClr val="F2F2F2"/>
-                </a:solidFill>
-                <a:latin typeface="Arial Black"/>
-                <a:cs typeface="Arial Black"/>
-              </a:rPr>
-              <a:t>SANK YOUUUUU</a:t>
-            </a:r>
-            <a:endParaRPr lang="en-US" sz="4000" b="1" spc="300" dirty="0">
-              <a:solidFill>
-                <a:srgbClr val="F2F2F2"/>
-              </a:solidFill>
-              <a:latin typeface="Arial Black"/>
-              <a:cs typeface="Arial Black"/>
-            </a:endParaRPr>
-          </a:p>
-        </p:txBody>
-      </p:sp>
-      <p:sp>
-        <p:nvSpPr>
-          <p:cNvPr id="20" name="TextBox 19"/>
-          <p:cNvSpPr txBox="1"/>
-          <p:nvPr/>
-        </p:nvSpPr>
-        <p:spPr>
-          <a:xfrm>
-            <a:off x="454643" y="3292781"/>
-            <a:ext cx="5800743" cy="923330"/>
-          </a:xfrm>
-          <a:prstGeom prst="rect">
-            <a:avLst/>
-          </a:prstGeom>
-          <a:noFill/>
-        </p:spPr>
-        <p:txBody>
-          <a:bodyPr wrap="square" rtlCol="0">
-            <a:spAutoFit/>
-          </a:bodyPr>
-          <a:lstStyle/>
-          <a:p>
-            <a:r>
-              <a:rPr lang="en-US" dirty="0" err="1" smtClean="0">
-                <a:solidFill>
-                  <a:srgbClr val="000000"/>
-                </a:solidFill>
-                <a:latin typeface="Lantinghei SC Extralight"/>
-                <a:cs typeface="Lantinghei SC Extralight"/>
-              </a:rPr>
-              <a:t>BLAh</a:t>
-            </a:r>
-            <a:endParaRPr lang="en-US" dirty="0" smtClean="0">
-              <a:solidFill>
-                <a:srgbClr val="000000"/>
-              </a:solidFill>
-              <a:latin typeface="Lantinghei SC Extralight"/>
-              <a:cs typeface="Lantinghei SC Extralight"/>
-            </a:endParaRPr>
-          </a:p>
-          <a:p>
-            <a:r>
-              <a:rPr lang="en-US" dirty="0" smtClean="0">
-                <a:solidFill>
-                  <a:srgbClr val="000000"/>
-                </a:solidFill>
-                <a:latin typeface="Lantinghei SC Extralight"/>
-                <a:cs typeface="Lantinghei SC Extralight"/>
-              </a:rPr>
-              <a:t>Blah </a:t>
-            </a:r>
-          </a:p>
-          <a:p>
-            <a:r>
-              <a:rPr lang="en-US" dirty="0" smtClean="0">
-                <a:solidFill>
-                  <a:srgbClr val="000000"/>
-                </a:solidFill>
-                <a:latin typeface="Lantinghei SC Extralight"/>
-                <a:cs typeface="Lantinghei SC Extralight"/>
-              </a:rPr>
-              <a:t>And more blah</a:t>
-            </a:r>
-            <a:endParaRPr lang="en-US" dirty="0">
-              <a:solidFill>
-                <a:srgbClr val="000000"/>
-              </a:solidFill>
-              <a:latin typeface="Lantinghei SC Extralight"/>
-              <a:cs typeface="Lantinghei SC Extralight"/>
-            </a:endParaRPr>
-          </a:p>
-        </p:txBody>
-      </p:sp>
-    </p:spTree>
-    <p:extLst>
-      <p:ext uri="{BB962C8B-B14F-4D97-AF65-F5344CB8AC3E}">
-        <p14:creationId xmlns:p14="http://schemas.microsoft.com/office/powerpoint/2010/main" val="239463962"/>
       </p:ext>
     </p:extLst>
   </p:cSld>
@@ -5020,7 +4806,7 @@
           </a:prstGeom>
           <a:solidFill>
             <a:srgbClr val="FFFFFF">
-              <a:alpha val="61000"/>
+              <a:alpha val="80000"/>
             </a:srgbClr>
           </a:solidFill>
           <a:ln>
@@ -5079,6 +4865,11 @@
               <a:avLst/>
             </a:prstGeom>
             <a:noFill/>
+            <a:ln>
+              <a:solidFill>
+                <a:srgbClr val="105CA4"/>
+              </a:solidFill>
+            </a:ln>
           </p:spPr>
           <p:style>
             <a:lnRef idx="2">
@@ -5149,50 +4940,17 @@
         </p:nvSpPr>
         <p:spPr>
           <a:xfrm>
-            <a:off x="235169" y="1991348"/>
-            <a:ext cx="8634511" cy="4175772"/>
+            <a:off x="235169" y="1552307"/>
+            <a:ext cx="8634511" cy="4515817"/>
           </a:xfrm>
           <a:prstGeom prst="rect">
             <a:avLst/>
           </a:prstGeom>
-          <a:gradFill flip="none" rotWithShape="1">
-            <a:gsLst>
-              <a:gs pos="0">
-                <a:schemeClr val="accent1">
-                  <a:shade val="70000"/>
-                  <a:satMod val="150000"/>
-                  <a:alpha val="86000"/>
-                </a:schemeClr>
-              </a:gs>
-              <a:gs pos="34000">
-                <a:schemeClr val="accent1">
-                  <a:shade val="70000"/>
-                  <a:satMod val="140000"/>
-                  <a:alpha val="86000"/>
-                </a:schemeClr>
-              </a:gs>
-              <a:gs pos="70000">
-                <a:schemeClr val="accent1">
-                  <a:tint val="100000"/>
-                  <a:shade val="90000"/>
-                  <a:satMod val="140000"/>
-                  <a:alpha val="86000"/>
-                </a:schemeClr>
-              </a:gs>
-              <a:gs pos="100000">
-                <a:schemeClr val="accent1">
-                  <a:tint val="100000"/>
-                  <a:shade val="100000"/>
-                  <a:satMod val="100000"/>
-                  <a:alpha val="86000"/>
-                </a:schemeClr>
-              </a:gs>
-            </a:gsLst>
-            <a:path path="circle">
-              <a:fillToRect l="100000" t="100000" r="100000" b="100000"/>
-            </a:path>
-            <a:tileRect/>
-          </a:gradFill>
+          <a:solidFill>
+            <a:srgbClr val="105CA4">
+              <a:alpha val="66000"/>
+            </a:srgbClr>
+          </a:solidFill>
           <a:ln>
             <a:noFill/>
           </a:ln>
@@ -5229,7 +4987,7 @@
         </p:nvCxnSpPr>
         <p:spPr>
           <a:xfrm>
-            <a:off x="501677" y="2580939"/>
+            <a:off x="501677" y="2141899"/>
             <a:ext cx="2978757" cy="0"/>
           </a:xfrm>
           <a:prstGeom prst="line">
@@ -5264,7 +5022,7 @@
         </p:nvSpPr>
         <p:spPr>
           <a:xfrm>
-            <a:off x="316098" y="1966954"/>
+            <a:off x="316098" y="1527914"/>
             <a:ext cx="8306626" cy="584776"/>
           </a:xfrm>
           <a:prstGeom prst="rect">
@@ -5286,17 +5044,7 @@
                 <a:latin typeface="Arial Black"/>
                 <a:cs typeface="Arial Black"/>
               </a:rPr>
-              <a:t>VARIABLE </a:t>
-            </a:r>
-            <a:r>
-              <a:rPr lang="en-US" sz="3200" b="1" spc="300" dirty="0" smtClean="0">
-                <a:solidFill>
-                  <a:srgbClr val="F2F2F2"/>
-                </a:solidFill>
-                <a:latin typeface="Arial Black"/>
-                <a:cs typeface="Arial Black"/>
-              </a:rPr>
-              <a:t>RELATIONSHIPS</a:t>
+              <a:t>VARIABLE RELATIONSHIPS</a:t>
             </a:r>
             <a:endParaRPr lang="en-US" sz="2400" b="1" spc="300" dirty="0">
               <a:solidFill>
@@ -5316,7 +5064,7 @@
         </p:nvSpPr>
         <p:spPr>
           <a:xfrm>
-            <a:off x="297882" y="1520629"/>
+            <a:off x="297882" y="1081589"/>
             <a:ext cx="8324842" cy="400110"/>
           </a:xfrm>
           <a:prstGeom prst="rect">
@@ -5332,22 +5080,12 @@
           <a:p>
             <a:r>
               <a:rPr lang="en-US" sz="2000" b="1" spc="300" dirty="0" smtClean="0">
-                <a:solidFill>
-                  <a:schemeClr val="bg1">
-                    <a:lumMod val="95000"/>
-                  </a:schemeClr>
-                </a:solidFill>
                 <a:latin typeface="Arial Black"/>
                 <a:cs typeface="Arial Black"/>
               </a:rPr>
               <a:t>CONTEMPORANEOUS</a:t>
             </a:r>
             <a:endParaRPr lang="en-US" sz="1200" b="1" spc="300" dirty="0">
-              <a:solidFill>
-                <a:schemeClr val="bg1">
-                  <a:lumMod val="95000"/>
-                </a:schemeClr>
-              </a:solidFill>
               <a:latin typeface="Arial Black"/>
               <a:cs typeface="Arial Black"/>
             </a:endParaRPr>
@@ -5362,8 +5100,8 @@
         </p:nvSpPr>
         <p:spPr>
           <a:xfrm>
-            <a:off x="332722" y="2693341"/>
-            <a:ext cx="8258646" cy="3298339"/>
+            <a:off x="332722" y="2379741"/>
+            <a:ext cx="8258646" cy="1590179"/>
           </a:xfrm>
           <a:prstGeom prst="rect">
             <a:avLst/>
@@ -5382,23 +5120,21 @@
               </a:lnSpc>
             </a:pPr>
             <a:r>
-              <a:rPr lang="en-US" sz="1400" b="1" u="sng" dirty="0" smtClean="0">
-                <a:solidFill>
-                  <a:schemeClr val="tx1">
-                    <a:lumMod val="75000"/>
-                    <a:lumOff val="25000"/>
+              <a:rPr lang="en-US" sz="1400" b="1" dirty="0" smtClean="0">
+                <a:solidFill>
+                  <a:schemeClr val="bg1">
+                    <a:lumMod val="85000"/>
                   </a:schemeClr>
                 </a:solidFill>
                 <a:latin typeface="Lantinghei SC Extralight"/>
                 <a:cs typeface="Lantinghei SC Extralight"/>
               </a:rPr>
-              <a:t>Direct relationship (positive correlation):</a:t>
-            </a:r>
-            <a:endParaRPr lang="en-US" sz="2000" b="1" u="sng" dirty="0" smtClean="0">
+              <a:t>Direct relationship (positive (+) correlation):</a:t>
+            </a:r>
+            <a:endParaRPr lang="en-US" sz="2000" b="1" dirty="0" smtClean="0">
               <a:solidFill>
-                <a:schemeClr val="tx1">
-                  <a:lumMod val="75000"/>
-                  <a:lumOff val="25000"/>
+                <a:schemeClr val="bg1">
+                  <a:lumMod val="85000"/>
                 </a:schemeClr>
               </a:solidFill>
               <a:latin typeface="Lantinghei SC Extralight"/>
@@ -5416,10 +5152,7 @@
             <a:r>
               <a:rPr lang="en-US" sz="2000" b="1" dirty="0" smtClean="0">
                 <a:solidFill>
-                  <a:schemeClr val="tx1">
-                    <a:lumMod val="75000"/>
-                    <a:lumOff val="25000"/>
-                  </a:schemeClr>
+                  <a:schemeClr val="bg1"/>
                 </a:solidFill>
                 <a:latin typeface="Lantinghei SC Extralight"/>
                 <a:cs typeface="Lantinghei SC Extralight"/>
@@ -5429,10 +5162,7 @@
             <a:r>
               <a:rPr lang="en-US" sz="1200" b="1" dirty="0" smtClean="0">
                 <a:solidFill>
-                  <a:schemeClr val="tx1">
-                    <a:lumMod val="75000"/>
-                    <a:lumOff val="25000"/>
-                  </a:schemeClr>
+                  <a:schemeClr val="bg1"/>
                 </a:solidFill>
                 <a:latin typeface="Lantinghei SC Extralight"/>
                 <a:cs typeface="Lantinghei SC Extralight"/>
@@ -5442,10 +5172,7 @@
             <a:r>
               <a:rPr lang="en-US" sz="1200" b="1" dirty="0" smtClean="0">
                 <a:solidFill>
-                  <a:schemeClr val="tx1">
-                    <a:lumMod val="75000"/>
-                    <a:lumOff val="25000"/>
-                  </a:schemeClr>
+                  <a:schemeClr val="bg1"/>
                 </a:solidFill>
                 <a:latin typeface="Wingdings"/>
                 <a:ea typeface="Wingdings"/>
@@ -5457,10 +5184,7 @@
             <a:r>
               <a:rPr lang="en-US" sz="1200" b="1" dirty="0" smtClean="0">
                 <a:solidFill>
-                  <a:schemeClr val="tx1">
-                    <a:lumMod val="75000"/>
-                    <a:lumOff val="25000"/>
-                  </a:schemeClr>
+                  <a:schemeClr val="bg1"/>
                 </a:solidFill>
                 <a:latin typeface="Lantinghei TC Extralight"/>
                 <a:ea typeface="Wingdings"/>
@@ -5472,10 +5196,7 @@
             <a:r>
               <a:rPr lang="en-US" sz="1200" b="1" dirty="0" smtClean="0">
                 <a:solidFill>
-                  <a:schemeClr val="tx1">
-                    <a:lumMod val="75000"/>
-                    <a:lumOff val="25000"/>
-                  </a:schemeClr>
+                  <a:schemeClr val="bg1"/>
                 </a:solidFill>
                 <a:latin typeface="Lantinghei SC Extralight"/>
                 <a:cs typeface="Lantinghei SC Extralight"/>
@@ -5485,10 +5206,7 @@
             <a:r>
               <a:rPr lang="en-US" sz="1200" b="1" dirty="0" smtClean="0">
                 <a:solidFill>
-                  <a:schemeClr val="tx1">
-                    <a:lumMod val="75000"/>
-                    <a:lumOff val="25000"/>
-                  </a:schemeClr>
+                  <a:schemeClr val="bg1"/>
                 </a:solidFill>
                 <a:latin typeface="Wingdings"/>
                 <a:ea typeface="Wingdings"/>
@@ -5500,10 +5218,7 @@
             <a:r>
               <a:rPr lang="en-US" sz="1200" b="1" dirty="0" smtClean="0">
                 <a:solidFill>
-                  <a:schemeClr val="tx1">
-                    <a:lumMod val="75000"/>
-                    <a:lumOff val="25000"/>
-                  </a:schemeClr>
+                  <a:schemeClr val="bg1"/>
                 </a:solidFill>
                 <a:latin typeface="Lantinghei SC Demibold"/>
                 <a:ea typeface="Wingdings"/>
@@ -5515,10 +5230,7 @@
             <a:r>
               <a:rPr lang="en-US" sz="1200" b="1" dirty="0" smtClean="0">
                 <a:solidFill>
-                  <a:schemeClr val="tx1">
-                    <a:lumMod val="75000"/>
-                    <a:lumOff val="25000"/>
-                  </a:schemeClr>
+                  <a:schemeClr val="bg1"/>
                 </a:solidFill>
                 <a:latin typeface="Lantinghei SC Extralight"/>
                 <a:cs typeface="Lantinghei SC Extralight"/>
@@ -5535,10 +5247,7 @@
             <a:r>
               <a:rPr lang="en-US" sz="1200" b="1" dirty="0" smtClean="0">
                 <a:solidFill>
-                  <a:schemeClr val="tx1">
-                    <a:lumMod val="75000"/>
-                    <a:lumOff val="25000"/>
-                  </a:schemeClr>
+                  <a:schemeClr val="bg1"/>
                 </a:solidFill>
                 <a:latin typeface="Lantinghei SC Extralight"/>
                 <a:cs typeface="Lantinghei SC Extralight"/>
@@ -5547,10 +5256,7 @@
             </a:r>
             <a:endParaRPr lang="en-US" b="1" dirty="0" smtClean="0">
               <a:solidFill>
-                <a:schemeClr val="tx1">
-                  <a:lumMod val="75000"/>
-                  <a:lumOff val="25000"/>
-                </a:schemeClr>
+                <a:schemeClr val="bg1"/>
               </a:solidFill>
               <a:latin typeface="Lantinghei SC Extralight"/>
               <a:cs typeface="Lantinghei SC Extralight"/>
@@ -5567,10 +5273,7 @@
             <a:r>
               <a:rPr lang="en-US" sz="2000" b="1" dirty="0" smtClean="0">
                 <a:solidFill>
-                  <a:schemeClr val="tx1">
-                    <a:lumMod val="75000"/>
-                    <a:lumOff val="25000"/>
-                  </a:schemeClr>
+                  <a:schemeClr val="bg1"/>
                 </a:solidFill>
                 <a:latin typeface="Lantinghei SC Extralight"/>
                 <a:cs typeface="Lantinghei SC Extralight"/>
@@ -5580,10 +5283,7 @@
             <a:r>
               <a:rPr lang="en-US" sz="1200" b="1" dirty="0" smtClean="0">
                 <a:solidFill>
-                  <a:schemeClr val="tx1">
-                    <a:lumMod val="75000"/>
-                    <a:lumOff val="25000"/>
-                  </a:schemeClr>
+                  <a:schemeClr val="bg1"/>
                 </a:solidFill>
                 <a:latin typeface="Lantinghei SC Extralight"/>
                 <a:cs typeface="Lantinghei SC Extralight"/>
@@ -5593,10 +5293,7 @@
             <a:r>
               <a:rPr lang="en-US" sz="1200" b="1" dirty="0" smtClean="0">
                 <a:solidFill>
-                  <a:schemeClr val="tx1">
-                    <a:lumMod val="75000"/>
-                    <a:lumOff val="25000"/>
-                  </a:schemeClr>
+                  <a:schemeClr val="bg1"/>
                 </a:solidFill>
                 <a:latin typeface="Wingdings"/>
                 <a:ea typeface="Wingdings"/>
@@ -5608,10 +5305,7 @@
             <a:r>
               <a:rPr lang="en-US" sz="1200" b="1" dirty="0" smtClean="0">
                 <a:solidFill>
-                  <a:schemeClr val="tx1">
-                    <a:lumMod val="75000"/>
-                    <a:lumOff val="25000"/>
-                  </a:schemeClr>
+                  <a:schemeClr val="bg1"/>
                 </a:solidFill>
                 <a:latin typeface="Lantinghei TC Extralight"/>
                 <a:ea typeface="Wingdings"/>
@@ -5623,10 +5317,7 @@
             <a:r>
               <a:rPr lang="en-US" sz="1200" b="1" dirty="0" smtClean="0">
                 <a:solidFill>
-                  <a:schemeClr val="tx1">
-                    <a:lumMod val="75000"/>
-                    <a:lumOff val="25000"/>
-                  </a:schemeClr>
+                  <a:schemeClr val="bg1"/>
                 </a:solidFill>
                 <a:latin typeface="Lantinghei SC Extralight"/>
                 <a:cs typeface="Lantinghei SC Extralight"/>
@@ -5636,10 +5327,7 @@
             <a:r>
               <a:rPr lang="en-US" sz="1200" b="1" dirty="0" smtClean="0">
                 <a:solidFill>
-                  <a:schemeClr val="tx1">
-                    <a:lumMod val="75000"/>
-                    <a:lumOff val="25000"/>
-                  </a:schemeClr>
+                  <a:schemeClr val="bg1"/>
                 </a:solidFill>
                 <a:latin typeface="Lantinghei TC Extralight"/>
                 <a:ea typeface="Wingdings"/>
@@ -5651,10 +5339,7 @@
             <a:r>
               <a:rPr lang="en-US" sz="1200" b="1" dirty="0" smtClean="0">
                 <a:solidFill>
-                  <a:schemeClr val="tx1">
-                    <a:lumMod val="75000"/>
-                    <a:lumOff val="25000"/>
-                  </a:schemeClr>
+                  <a:schemeClr val="bg1"/>
                 </a:solidFill>
                 <a:latin typeface="Lantinghei SC Extralight"/>
                 <a:cs typeface="Lantinghei SC Extralight"/>
@@ -5664,10 +5349,7 @@
             <a:r>
               <a:rPr lang="en-US" sz="1200" b="1" dirty="0" smtClean="0">
                 <a:solidFill>
-                  <a:schemeClr val="tx1">
-                    <a:lumMod val="75000"/>
-                    <a:lumOff val="25000"/>
-                  </a:schemeClr>
+                  <a:schemeClr val="bg1"/>
                 </a:solidFill>
                 <a:latin typeface="Wingdings"/>
                 <a:ea typeface="Wingdings"/>
@@ -5679,10 +5361,7 @@
             <a:r>
               <a:rPr lang="en-US" sz="1200" b="1" dirty="0" smtClean="0">
                 <a:solidFill>
-                  <a:schemeClr val="tx1">
-                    <a:lumMod val="75000"/>
-                    <a:lumOff val="25000"/>
-                  </a:schemeClr>
+                  <a:schemeClr val="bg1"/>
                 </a:solidFill>
                 <a:latin typeface="Lantinghei TC Extralight"/>
                 <a:ea typeface="Wingdings"/>
@@ -5694,409 +5373,26 @@
             <a:r>
               <a:rPr lang="en-US" sz="1200" b="1" dirty="0" smtClean="0">
                 <a:solidFill>
-                  <a:schemeClr val="tx1">
-                    <a:lumMod val="75000"/>
-                    <a:lumOff val="25000"/>
-                  </a:schemeClr>
-                </a:solidFill>
-                <a:latin typeface="Lantinghei SC Extralight"/>
-                <a:cs typeface="Lantinghei SC Extralight"/>
-              </a:rPr>
-              <a:t>value of currency</a:t>
-            </a:r>
-          </a:p>
-          <a:p>
-            <a:pPr>
-              <a:lnSpc>
-                <a:spcPct val="150000"/>
-              </a:lnSpc>
-            </a:pPr>
-            <a:endParaRPr lang="en-US" sz="2000" b="1" dirty="0" smtClean="0">
+                  <a:schemeClr val="bg1"/>
+                </a:solidFill>
+                <a:latin typeface="Lantinghei SC Extralight"/>
+                <a:cs typeface="Lantinghei SC Extralight"/>
+              </a:rPr>
+              <a:t>value of </a:t>
+            </a:r>
+            <a:r>
+              <a:rPr lang="en-US" sz="1200" b="1" dirty="0" smtClean="0">
+                <a:solidFill>
+                  <a:schemeClr val="bg1"/>
+                </a:solidFill>
+                <a:latin typeface="Lantinghei SC Extralight"/>
+                <a:cs typeface="Lantinghei SC Extralight"/>
+              </a:rPr>
+              <a:t>currency</a:t>
+            </a:r>
+            <a:endParaRPr lang="en-US" sz="1200" b="1" dirty="0" smtClean="0">
               <a:solidFill>
-                <a:schemeClr val="tx1">
-                  <a:lumMod val="75000"/>
-                  <a:lumOff val="25000"/>
-                </a:schemeClr>
-              </a:solidFill>
-              <a:latin typeface="Lantinghei SC Extralight"/>
-              <a:cs typeface="Lantinghei SC Extralight"/>
-            </a:endParaRPr>
-          </a:p>
-          <a:p>
-            <a:pPr>
-              <a:lnSpc>
-                <a:spcPct val="150000"/>
-              </a:lnSpc>
-            </a:pPr>
-            <a:r>
-              <a:rPr lang="en-US" sz="1400" b="1" u="sng" dirty="0" smtClean="0">
-                <a:solidFill>
-                  <a:schemeClr val="tx1">
-                    <a:lumMod val="75000"/>
-                    <a:lumOff val="25000"/>
-                  </a:schemeClr>
-                </a:solidFill>
-                <a:latin typeface="Lantinghei SC Extralight"/>
-                <a:cs typeface="Lantinghei SC Extralight"/>
-              </a:rPr>
-              <a:t>Indirect relationship (negative correlation):</a:t>
-            </a:r>
-          </a:p>
-          <a:p>
-            <a:pPr marL="285750" indent="-285750">
-              <a:lnSpc>
-                <a:spcPct val="150000"/>
-              </a:lnSpc>
-              <a:buFont typeface="Arial"/>
-              <a:buChar char="•"/>
-            </a:pPr>
-            <a:r>
-              <a:rPr lang="en-US" sz="2000" b="1" dirty="0" smtClean="0">
-                <a:solidFill>
-                  <a:schemeClr val="tx1">
-                    <a:lumMod val="75000"/>
-                    <a:lumOff val="25000"/>
-                  </a:schemeClr>
-                </a:solidFill>
-                <a:latin typeface="Lantinghei SC Extralight"/>
-                <a:cs typeface="Lantinghei SC Extralight"/>
-              </a:rPr>
-              <a:t>Inflation differential	</a:t>
-            </a:r>
-            <a:r>
-              <a:rPr lang="en-US" sz="1200" b="1" dirty="0" smtClean="0">
-                <a:solidFill>
-                  <a:schemeClr val="tx1">
-                    <a:lumMod val="75000"/>
-                    <a:lumOff val="25000"/>
-                  </a:schemeClr>
-                </a:solidFill>
-                <a:latin typeface="Lantinghei SC Extralight"/>
-                <a:cs typeface="Lantinghei SC Extralight"/>
-              </a:rPr>
-              <a:t>–</a:t>
-            </a:r>
-            <a:r>
-              <a:rPr lang="en-US" sz="1200" b="1" dirty="0" smtClean="0">
-                <a:solidFill>
-                  <a:schemeClr val="tx1">
-                    <a:lumMod val="75000"/>
-                    <a:lumOff val="25000"/>
-                  </a:schemeClr>
-                </a:solidFill>
-                <a:latin typeface="Wingdings"/>
-                <a:ea typeface="Wingdings"/>
-                <a:cs typeface="Wingdings"/>
-                <a:sym typeface="Wingdings"/>
-              </a:rPr>
-              <a:t></a:t>
-            </a:r>
-            <a:r>
-              <a:rPr lang="en-US" sz="1200" b="1" dirty="0" smtClean="0">
-                <a:solidFill>
-                  <a:schemeClr val="tx1">
-                    <a:lumMod val="75000"/>
-                    <a:lumOff val="25000"/>
-                  </a:schemeClr>
-                </a:solidFill>
-                <a:latin typeface="Lantinghei SC Extralight"/>
-                <a:cs typeface="Lantinghei SC Extralight"/>
-              </a:rPr>
-              <a:t> inflation = </a:t>
-            </a:r>
-            <a:r>
-              <a:rPr lang="en-US" sz="1200" b="1" dirty="0" smtClean="0">
-                <a:solidFill>
-                  <a:schemeClr val="tx1">
-                    <a:lumMod val="75000"/>
-                    <a:lumOff val="25000"/>
-                  </a:schemeClr>
-                </a:solidFill>
-                <a:latin typeface="Wingdings"/>
-                <a:ea typeface="Wingdings"/>
-                <a:cs typeface="Wingdings"/>
-                <a:sym typeface="Wingdings"/>
-              </a:rPr>
-              <a:t></a:t>
-            </a:r>
-            <a:r>
-              <a:rPr lang="en-US" sz="1200" b="1" dirty="0" smtClean="0">
-                <a:solidFill>
-                  <a:schemeClr val="tx1">
-                    <a:lumMod val="75000"/>
-                    <a:lumOff val="25000"/>
-                  </a:schemeClr>
-                </a:solidFill>
-                <a:latin typeface="Lantinghei SC Extralight"/>
-                <a:cs typeface="Lantinghei SC Extralight"/>
-              </a:rPr>
-              <a:t> </a:t>
-            </a:r>
-            <a:r>
-              <a:rPr lang="en-US" sz="1200" b="1" dirty="0">
-                <a:solidFill>
-                  <a:schemeClr val="tx1">
-                    <a:lumMod val="75000"/>
-                    <a:lumOff val="25000"/>
-                  </a:schemeClr>
-                </a:solidFill>
-                <a:latin typeface="Lantinghei SC Extralight"/>
-                <a:cs typeface="Lantinghei SC Extralight"/>
-              </a:rPr>
-              <a:t>exports </a:t>
-            </a:r>
-            <a:r>
-              <a:rPr lang="en-US" sz="1200" b="1" dirty="0" smtClean="0">
-                <a:solidFill>
-                  <a:schemeClr val="tx1">
-                    <a:lumMod val="75000"/>
-                    <a:lumOff val="25000"/>
-                  </a:schemeClr>
-                </a:solidFill>
-                <a:latin typeface="Lantinghei SC Extralight"/>
-                <a:cs typeface="Lantinghei SC Extralight"/>
-              </a:rPr>
-              <a:t>&amp; </a:t>
-            </a:r>
-            <a:r>
-              <a:rPr lang="en-US" sz="1200" b="1" dirty="0" smtClean="0">
-                <a:solidFill>
-                  <a:schemeClr val="tx1">
-                    <a:lumMod val="75000"/>
-                    <a:lumOff val="25000"/>
-                  </a:schemeClr>
-                </a:solidFill>
-                <a:latin typeface="Wingdings"/>
-                <a:ea typeface="Wingdings"/>
-                <a:cs typeface="Wingdings"/>
-                <a:sym typeface="Wingdings"/>
-              </a:rPr>
-              <a:t></a:t>
-            </a:r>
-            <a:r>
-              <a:rPr lang="en-US" sz="1200" b="1" dirty="0" smtClean="0">
-                <a:solidFill>
-                  <a:schemeClr val="tx1">
-                    <a:lumMod val="75000"/>
-                    <a:lumOff val="25000"/>
-                  </a:schemeClr>
-                </a:solidFill>
-                <a:latin typeface="Lantinghei TC Extralight"/>
-                <a:ea typeface="Wingdings"/>
-                <a:cs typeface="Lantinghei TC Extralight"/>
-                <a:sym typeface="Wingdings"/>
-              </a:rPr>
-              <a:t> </a:t>
-            </a:r>
-            <a:r>
-              <a:rPr lang="en-US" sz="1200" b="1" dirty="0" smtClean="0">
-                <a:solidFill>
-                  <a:schemeClr val="tx1">
-                    <a:lumMod val="75000"/>
-                    <a:lumOff val="25000"/>
-                  </a:schemeClr>
-                </a:solidFill>
-                <a:latin typeface="Lantinghei SC Extralight"/>
-                <a:cs typeface="Lantinghei SC Extralight"/>
-              </a:rPr>
-              <a:t>imports = </a:t>
-            </a:r>
-            <a:r>
-              <a:rPr lang="en-US" sz="1200" b="1" dirty="0" smtClean="0">
-                <a:solidFill>
-                  <a:schemeClr val="tx1">
-                    <a:lumMod val="75000"/>
-                    <a:lumOff val="25000"/>
-                  </a:schemeClr>
-                </a:solidFill>
-                <a:latin typeface="Wingdings"/>
-                <a:ea typeface="Wingdings"/>
-                <a:cs typeface="Wingdings"/>
-                <a:sym typeface="Wingdings"/>
-              </a:rPr>
-              <a:t></a:t>
-            </a:r>
-            <a:r>
-              <a:rPr lang="en-US" sz="1200" b="1" dirty="0" smtClean="0">
-                <a:solidFill>
-                  <a:schemeClr val="tx1">
-                    <a:lumMod val="75000"/>
-                    <a:lumOff val="25000"/>
-                  </a:schemeClr>
-                </a:solidFill>
-                <a:latin typeface="Lantinghei TC Extralight"/>
-                <a:ea typeface="Wingdings"/>
-                <a:cs typeface="Lantinghei TC Extralight"/>
-                <a:sym typeface="Wingdings"/>
-              </a:rPr>
-              <a:t> </a:t>
-            </a:r>
-            <a:r>
-              <a:rPr lang="en-US" sz="1200" b="1" dirty="0" smtClean="0">
-                <a:solidFill>
-                  <a:schemeClr val="tx1">
-                    <a:lumMod val="75000"/>
-                    <a:lumOff val="25000"/>
-                  </a:schemeClr>
-                </a:solidFill>
-                <a:latin typeface="Lantinghei SC Extralight"/>
-                <a:cs typeface="Lantinghei SC Extralight"/>
-              </a:rPr>
-              <a:t>value of currency</a:t>
-            </a:r>
-          </a:p>
-          <a:p>
-            <a:pPr marL="285750" indent="-285750">
-              <a:lnSpc>
-                <a:spcPct val="150000"/>
-              </a:lnSpc>
-              <a:buFont typeface="Arial"/>
-              <a:buChar char="•"/>
-            </a:pPr>
-            <a:r>
-              <a:rPr lang="en-US" sz="2000" b="1" dirty="0">
-                <a:solidFill>
-                  <a:schemeClr val="tx1">
-                    <a:lumMod val="75000"/>
-                    <a:lumOff val="25000"/>
-                  </a:schemeClr>
-                </a:solidFill>
-                <a:latin typeface="Lantinghei SC Extralight"/>
-                <a:cs typeface="Lantinghei SC Extralight"/>
-              </a:rPr>
-              <a:t>MS </a:t>
-            </a:r>
-            <a:r>
-              <a:rPr lang="en-US" sz="2000" b="1" dirty="0" smtClean="0">
-                <a:solidFill>
-                  <a:schemeClr val="tx1">
-                    <a:lumMod val="75000"/>
-                    <a:lumOff val="25000"/>
-                  </a:schemeClr>
-                </a:solidFill>
-                <a:latin typeface="Lantinghei SC Extralight"/>
-                <a:cs typeface="Lantinghei SC Extralight"/>
-              </a:rPr>
-              <a:t>differential 	</a:t>
-            </a:r>
-            <a:r>
-              <a:rPr lang="en-US" sz="1200" b="1" dirty="0" smtClean="0">
-                <a:solidFill>
-                  <a:schemeClr val="tx1">
-                    <a:lumMod val="75000"/>
-                    <a:lumOff val="25000"/>
-                  </a:schemeClr>
-                </a:solidFill>
-                <a:latin typeface="Lantinghei SC Extralight"/>
-                <a:cs typeface="Lantinghei SC Extralight"/>
-              </a:rPr>
-              <a:t>- all else equal, </a:t>
-            </a:r>
-            <a:r>
-              <a:rPr lang="en-US" sz="1200" b="1" dirty="0" smtClean="0">
-                <a:solidFill>
-                  <a:schemeClr val="tx1">
-                    <a:lumMod val="75000"/>
-                    <a:lumOff val="25000"/>
-                  </a:schemeClr>
-                </a:solidFill>
-                <a:latin typeface="Wingdings"/>
-                <a:ea typeface="Wingdings"/>
-                <a:cs typeface="Wingdings"/>
-                <a:sym typeface="Wingdings"/>
-              </a:rPr>
-              <a:t></a:t>
-            </a:r>
-            <a:r>
-              <a:rPr lang="en-US" sz="1200" b="1" dirty="0" smtClean="0">
-                <a:solidFill>
-                  <a:schemeClr val="tx1">
-                    <a:lumMod val="75000"/>
-                    <a:lumOff val="25000"/>
-                  </a:schemeClr>
-                </a:solidFill>
-                <a:latin typeface="Lantinghei TC Extralight"/>
-                <a:ea typeface="Wingdings"/>
-                <a:cs typeface="Lantinghei TC Extralight"/>
-                <a:sym typeface="Wingdings"/>
-              </a:rPr>
-              <a:t> </a:t>
-            </a:r>
-            <a:r>
-              <a:rPr lang="en-US" sz="1200" b="1" dirty="0" smtClean="0">
-                <a:solidFill>
-                  <a:schemeClr val="tx1">
-                    <a:lumMod val="75000"/>
-                    <a:lumOff val="25000"/>
-                  </a:schemeClr>
-                </a:solidFill>
-                <a:latin typeface="Lantinghei SC Extralight"/>
-                <a:cs typeface="Lantinghei SC Extralight"/>
-              </a:rPr>
-              <a:t>supply with </a:t>
-            </a:r>
-            <a:r>
-              <a:rPr lang="en-US" sz="1200" b="1" dirty="0" smtClean="0">
-                <a:solidFill>
-                  <a:schemeClr val="tx1">
-                    <a:lumMod val="75000"/>
-                    <a:lumOff val="25000"/>
-                  </a:schemeClr>
-                </a:solidFill>
-                <a:latin typeface="Wingdings"/>
-                <a:ea typeface="Wingdings"/>
-                <a:cs typeface="Wingdings"/>
-                <a:sym typeface="Wingdings"/>
-              </a:rPr>
-              <a:t></a:t>
-            </a:r>
-            <a:r>
-              <a:rPr lang="en-US" sz="1200" b="1" dirty="0" smtClean="0">
-                <a:solidFill>
-                  <a:schemeClr val="tx1">
-                    <a:lumMod val="75000"/>
-                    <a:lumOff val="25000"/>
-                  </a:schemeClr>
-                </a:solidFill>
-                <a:latin typeface="Lantinghei SC Extralight"/>
-                <a:cs typeface="Lantinghei SC Extralight"/>
-              </a:rPr>
-              <a:t>  demand = </a:t>
-            </a:r>
-            <a:r>
-              <a:rPr lang="en-US" sz="1200" b="1" dirty="0" smtClean="0">
-                <a:solidFill>
-                  <a:schemeClr val="tx1">
-                    <a:lumMod val="75000"/>
-                    <a:lumOff val="25000"/>
-                  </a:schemeClr>
-                </a:solidFill>
-                <a:latin typeface="Wingdings"/>
-                <a:ea typeface="Wingdings"/>
-                <a:cs typeface="Wingdings"/>
-                <a:sym typeface="Wingdings"/>
-              </a:rPr>
-              <a:t></a:t>
-            </a:r>
-            <a:r>
-              <a:rPr lang="en-US" sz="1200" b="1" dirty="0" smtClean="0">
-                <a:solidFill>
-                  <a:schemeClr val="tx1">
-                    <a:lumMod val="75000"/>
-                    <a:lumOff val="25000"/>
-                  </a:schemeClr>
-                </a:solidFill>
-                <a:latin typeface="Lantinghei SC Extralight"/>
-                <a:cs typeface="Lantinghei SC Extralight"/>
-              </a:rPr>
-              <a:t> spot rate</a:t>
-            </a:r>
-            <a:endParaRPr lang="en-US" sz="1200" b="1" dirty="0">
-              <a:solidFill>
-                <a:schemeClr val="tx1">
-                  <a:lumMod val="75000"/>
-                  <a:lumOff val="25000"/>
-                </a:schemeClr>
+                <a:schemeClr val="bg1"/>
               </a:solidFill>
               <a:latin typeface="Lantinghei SC Extralight"/>
               <a:cs typeface="Lantinghei SC Extralight"/>
@@ -6117,6 +5413,9 @@
             <a:chOff x="-219487" y="6381723"/>
             <a:chExt cx="9379165" cy="617398"/>
           </a:xfrm>
+          <a:solidFill>
+            <a:srgbClr val="105CA4"/>
+          </a:solidFill>
         </p:grpSpPr>
         <p:sp>
           <p:nvSpPr>
@@ -6132,6 +5431,7 @@
             <a:prstGeom prst="rect">
               <a:avLst/>
             </a:prstGeom>
+            <a:grpFill/>
             <a:ln>
               <a:noFill/>
             </a:ln>
@@ -6174,7 +5474,7 @@
             <a:prstGeom prst="rect">
               <a:avLst/>
             </a:prstGeom>
-            <a:noFill/>
+            <a:grpFill/>
           </p:spPr>
           <p:txBody>
             <a:bodyPr wrap="square" rtlCol="0">
@@ -6203,6 +5503,362 @@
           </p:txBody>
         </p:sp>
       </p:grpSp>
+      <p:sp>
+        <p:nvSpPr>
+          <p:cNvPr id="21" name="TextBox 20"/>
+          <p:cNvSpPr txBox="1"/>
+          <p:nvPr/>
+        </p:nvSpPr>
+        <p:spPr>
+          <a:xfrm>
+            <a:off x="332722" y="4337283"/>
+            <a:ext cx="8258646" cy="1313180"/>
+          </a:xfrm>
+          <a:prstGeom prst="rect">
+            <a:avLst/>
+          </a:prstGeom>
+          <a:noFill/>
+        </p:spPr>
+        <p:txBody>
+          <a:bodyPr wrap="square" rtlCol="0">
+            <a:spAutoFit/>
+          </a:bodyPr>
+          <a:lstStyle/>
+          <a:p>
+            <a:pPr>
+              <a:lnSpc>
+                <a:spcPct val="150000"/>
+              </a:lnSpc>
+            </a:pPr>
+            <a:r>
+              <a:rPr lang="en-US" sz="1400" b="1" dirty="0" smtClean="0">
+                <a:solidFill>
+                  <a:srgbClr val="D9D9D9"/>
+                </a:solidFill>
+                <a:latin typeface="Lantinghei SC Extralight"/>
+                <a:cs typeface="Lantinghei SC Extralight"/>
+              </a:rPr>
+              <a:t>Indirect </a:t>
+            </a:r>
+            <a:r>
+              <a:rPr lang="en-US" sz="1400" b="1" dirty="0" smtClean="0">
+                <a:solidFill>
+                  <a:srgbClr val="D9D9D9"/>
+                </a:solidFill>
+                <a:latin typeface="Lantinghei SC Extralight"/>
+                <a:cs typeface="Lantinghei SC Extralight"/>
+              </a:rPr>
+              <a:t>relationship (negative (</a:t>
+            </a:r>
+            <a:r>
+              <a:rPr lang="en-US" sz="1400" b="1" dirty="0" smtClean="0">
+                <a:solidFill>
+                  <a:srgbClr val="D9D9D9"/>
+                </a:solidFill>
+                <a:latin typeface="ＭＳ ゴシック"/>
+                <a:ea typeface="ＭＳ ゴシック"/>
+                <a:cs typeface="ＭＳ ゴシック"/>
+              </a:rPr>
+              <a:t>−)</a:t>
+            </a:r>
+            <a:r>
+              <a:rPr lang="en-US" sz="1400" b="1" dirty="0" smtClean="0">
+                <a:solidFill>
+                  <a:srgbClr val="D9D9D9"/>
+                </a:solidFill>
+                <a:latin typeface="Lantinghei SC Extralight"/>
+                <a:cs typeface="Lantinghei SC Extralight"/>
+              </a:rPr>
+              <a:t> correlation):</a:t>
+            </a:r>
+          </a:p>
+          <a:p>
+            <a:pPr marL="285750" indent="-285750">
+              <a:lnSpc>
+                <a:spcPct val="150000"/>
+              </a:lnSpc>
+              <a:buFont typeface="Arial"/>
+              <a:buChar char="•"/>
+            </a:pPr>
+            <a:r>
+              <a:rPr lang="en-US" sz="2000" b="1" dirty="0" smtClean="0">
+                <a:solidFill>
+                  <a:schemeClr val="bg1"/>
+                </a:solidFill>
+                <a:latin typeface="Lantinghei SC Extralight"/>
+                <a:cs typeface="Lantinghei SC Extralight"/>
+              </a:rPr>
+              <a:t>Inflation differential	</a:t>
+            </a:r>
+            <a:r>
+              <a:rPr lang="en-US" sz="1200" b="1" dirty="0" smtClean="0">
+                <a:solidFill>
+                  <a:schemeClr val="bg1"/>
+                </a:solidFill>
+                <a:latin typeface="Lantinghei SC Extralight"/>
+                <a:cs typeface="Lantinghei SC Extralight"/>
+              </a:rPr>
+              <a:t>–</a:t>
+            </a:r>
+            <a:r>
+              <a:rPr lang="en-US" sz="1200" b="1" dirty="0" smtClean="0">
+                <a:solidFill>
+                  <a:schemeClr val="bg1"/>
+                </a:solidFill>
+                <a:latin typeface="Wingdings"/>
+                <a:ea typeface="Wingdings"/>
+                <a:cs typeface="Wingdings"/>
+                <a:sym typeface="Wingdings"/>
+              </a:rPr>
+              <a:t></a:t>
+            </a:r>
+            <a:r>
+              <a:rPr lang="en-US" sz="1200" b="1" dirty="0" smtClean="0">
+                <a:solidFill>
+                  <a:schemeClr val="bg1"/>
+                </a:solidFill>
+                <a:latin typeface="Lantinghei SC Extralight"/>
+                <a:cs typeface="Lantinghei SC Extralight"/>
+              </a:rPr>
+              <a:t> inflation = </a:t>
+            </a:r>
+            <a:r>
+              <a:rPr lang="en-US" sz="1200" b="1" dirty="0" smtClean="0">
+                <a:solidFill>
+                  <a:schemeClr val="bg1"/>
+                </a:solidFill>
+                <a:latin typeface="Wingdings"/>
+                <a:ea typeface="Wingdings"/>
+                <a:cs typeface="Wingdings"/>
+                <a:sym typeface="Wingdings"/>
+              </a:rPr>
+              <a:t></a:t>
+            </a:r>
+            <a:r>
+              <a:rPr lang="en-US" sz="1200" b="1" dirty="0" smtClean="0">
+                <a:solidFill>
+                  <a:schemeClr val="bg1"/>
+                </a:solidFill>
+                <a:latin typeface="Lantinghei SC Extralight"/>
+                <a:cs typeface="Lantinghei SC Extralight"/>
+              </a:rPr>
+              <a:t> </a:t>
+            </a:r>
+            <a:r>
+              <a:rPr lang="en-US" sz="1200" b="1" dirty="0">
+                <a:solidFill>
+                  <a:schemeClr val="bg1"/>
+                </a:solidFill>
+                <a:latin typeface="Lantinghei SC Extralight"/>
+                <a:cs typeface="Lantinghei SC Extralight"/>
+              </a:rPr>
+              <a:t>exports </a:t>
+            </a:r>
+            <a:r>
+              <a:rPr lang="en-US" sz="1200" b="1" dirty="0" smtClean="0">
+                <a:solidFill>
+                  <a:schemeClr val="bg1"/>
+                </a:solidFill>
+                <a:latin typeface="Lantinghei SC Extralight"/>
+                <a:cs typeface="Lantinghei SC Extralight"/>
+              </a:rPr>
+              <a:t>&amp; </a:t>
+            </a:r>
+            <a:r>
+              <a:rPr lang="en-US" sz="1200" b="1" dirty="0" smtClean="0">
+                <a:solidFill>
+                  <a:schemeClr val="bg1"/>
+                </a:solidFill>
+                <a:latin typeface="Wingdings"/>
+                <a:ea typeface="Wingdings"/>
+                <a:cs typeface="Wingdings"/>
+                <a:sym typeface="Wingdings"/>
+              </a:rPr>
+              <a:t></a:t>
+            </a:r>
+            <a:r>
+              <a:rPr lang="en-US" sz="1200" b="1" dirty="0" smtClean="0">
+                <a:solidFill>
+                  <a:schemeClr val="bg1"/>
+                </a:solidFill>
+                <a:latin typeface="Lantinghei TC Extralight"/>
+                <a:ea typeface="Wingdings"/>
+                <a:cs typeface="Lantinghei TC Extralight"/>
+                <a:sym typeface="Wingdings"/>
+              </a:rPr>
+              <a:t> </a:t>
+            </a:r>
+            <a:r>
+              <a:rPr lang="en-US" sz="1200" b="1" dirty="0" smtClean="0">
+                <a:solidFill>
+                  <a:schemeClr val="bg1"/>
+                </a:solidFill>
+                <a:latin typeface="Lantinghei SC Extralight"/>
+                <a:cs typeface="Lantinghei SC Extralight"/>
+              </a:rPr>
+              <a:t>imports = </a:t>
+            </a:r>
+            <a:r>
+              <a:rPr lang="en-US" sz="1200" b="1" dirty="0" smtClean="0">
+                <a:solidFill>
+                  <a:schemeClr val="bg1"/>
+                </a:solidFill>
+                <a:latin typeface="Wingdings"/>
+                <a:ea typeface="Wingdings"/>
+                <a:cs typeface="Wingdings"/>
+                <a:sym typeface="Wingdings"/>
+              </a:rPr>
+              <a:t></a:t>
+            </a:r>
+            <a:r>
+              <a:rPr lang="en-US" sz="1200" b="1" dirty="0" smtClean="0">
+                <a:solidFill>
+                  <a:schemeClr val="bg1"/>
+                </a:solidFill>
+                <a:latin typeface="Lantinghei TC Extralight"/>
+                <a:ea typeface="Wingdings"/>
+                <a:cs typeface="Lantinghei TC Extralight"/>
+                <a:sym typeface="Wingdings"/>
+              </a:rPr>
+              <a:t> </a:t>
+            </a:r>
+            <a:r>
+              <a:rPr lang="en-US" sz="1200" b="1" dirty="0" smtClean="0">
+                <a:solidFill>
+                  <a:schemeClr val="bg1"/>
+                </a:solidFill>
+                <a:latin typeface="Lantinghei SC Extralight"/>
+                <a:cs typeface="Lantinghei SC Extralight"/>
+              </a:rPr>
+              <a:t>value of currency</a:t>
+            </a:r>
+          </a:p>
+          <a:p>
+            <a:pPr marL="285750" indent="-285750">
+              <a:lnSpc>
+                <a:spcPct val="150000"/>
+              </a:lnSpc>
+              <a:buFont typeface="Arial"/>
+              <a:buChar char="•"/>
+            </a:pPr>
+            <a:r>
+              <a:rPr lang="en-US" sz="2000" b="1" dirty="0">
+                <a:solidFill>
+                  <a:schemeClr val="bg1"/>
+                </a:solidFill>
+                <a:latin typeface="Lantinghei SC Extralight"/>
+                <a:cs typeface="Lantinghei SC Extralight"/>
+              </a:rPr>
+              <a:t>MS </a:t>
+            </a:r>
+            <a:r>
+              <a:rPr lang="en-US" sz="2000" b="1" dirty="0" smtClean="0">
+                <a:solidFill>
+                  <a:schemeClr val="bg1"/>
+                </a:solidFill>
+                <a:latin typeface="Lantinghei SC Extralight"/>
+                <a:cs typeface="Lantinghei SC Extralight"/>
+              </a:rPr>
+              <a:t>differential 	</a:t>
+            </a:r>
+            <a:r>
+              <a:rPr lang="en-US" sz="1200" b="1" dirty="0" smtClean="0">
+                <a:solidFill>
+                  <a:schemeClr val="bg1"/>
+                </a:solidFill>
+                <a:latin typeface="Lantinghei SC Extralight"/>
+                <a:cs typeface="Lantinghei SC Extralight"/>
+              </a:rPr>
+              <a:t>- all else equal, </a:t>
+            </a:r>
+            <a:r>
+              <a:rPr lang="en-US" sz="1200" b="1" dirty="0" smtClean="0">
+                <a:solidFill>
+                  <a:schemeClr val="bg1"/>
+                </a:solidFill>
+                <a:latin typeface="Wingdings"/>
+                <a:ea typeface="Wingdings"/>
+                <a:cs typeface="Wingdings"/>
+                <a:sym typeface="Wingdings"/>
+              </a:rPr>
+              <a:t></a:t>
+            </a:r>
+            <a:r>
+              <a:rPr lang="en-US" sz="1200" b="1" dirty="0" smtClean="0">
+                <a:solidFill>
+                  <a:schemeClr val="bg1"/>
+                </a:solidFill>
+                <a:latin typeface="Lantinghei TC Extralight"/>
+                <a:ea typeface="Wingdings"/>
+                <a:cs typeface="Lantinghei TC Extralight"/>
+                <a:sym typeface="Wingdings"/>
+              </a:rPr>
+              <a:t> </a:t>
+            </a:r>
+            <a:r>
+              <a:rPr lang="en-US" sz="1200" b="1" dirty="0" smtClean="0">
+                <a:solidFill>
+                  <a:schemeClr val="bg1"/>
+                </a:solidFill>
+                <a:latin typeface="Lantinghei SC Extralight"/>
+                <a:cs typeface="Lantinghei SC Extralight"/>
+              </a:rPr>
+              <a:t>supply with </a:t>
+            </a:r>
+            <a:r>
+              <a:rPr lang="en-US" sz="1200" b="1" dirty="0" smtClean="0">
+                <a:solidFill>
+                  <a:schemeClr val="bg1"/>
+                </a:solidFill>
+                <a:latin typeface="Wingdings"/>
+                <a:ea typeface="Wingdings"/>
+                <a:cs typeface="Wingdings"/>
+                <a:sym typeface="Wingdings"/>
+              </a:rPr>
+              <a:t></a:t>
+            </a:r>
+            <a:r>
+              <a:rPr lang="en-US" sz="1200" b="1" dirty="0" smtClean="0">
+                <a:solidFill>
+                  <a:schemeClr val="bg1"/>
+                </a:solidFill>
+                <a:latin typeface="Lantinghei SC Extralight"/>
+                <a:cs typeface="Lantinghei SC Extralight"/>
+              </a:rPr>
+              <a:t>  demand = </a:t>
+            </a:r>
+            <a:r>
+              <a:rPr lang="en-US" sz="1200" b="1" dirty="0" smtClean="0">
+                <a:solidFill>
+                  <a:schemeClr val="bg1"/>
+                </a:solidFill>
+                <a:latin typeface="Wingdings"/>
+                <a:ea typeface="Wingdings"/>
+                <a:cs typeface="Wingdings"/>
+                <a:sym typeface="Wingdings"/>
+              </a:rPr>
+              <a:t></a:t>
+            </a:r>
+            <a:r>
+              <a:rPr lang="en-US" sz="1200" b="1" dirty="0" smtClean="0">
+                <a:solidFill>
+                  <a:schemeClr val="bg1"/>
+                </a:solidFill>
+                <a:latin typeface="Lantinghei SC Extralight"/>
+                <a:cs typeface="Lantinghei SC Extralight"/>
+              </a:rPr>
+              <a:t> spot rate</a:t>
+            </a:r>
+            <a:endParaRPr lang="en-US" sz="1200" b="1" dirty="0">
+              <a:solidFill>
+                <a:schemeClr val="bg1"/>
+              </a:solidFill>
+              <a:latin typeface="Lantinghei SC Extralight"/>
+              <a:cs typeface="Lantinghei SC Extralight"/>
+            </a:endParaRPr>
+          </a:p>
+        </p:txBody>
+      </p:sp>
     </p:spTree>
     <p:extLst>
       <p:ext uri="{BB962C8B-B14F-4D97-AF65-F5344CB8AC3E}">
@@ -6216,9 +5872,80 @@
   <p:timing>
     <p:tnLst>
       <p:par>
-        <p:cTn xmlns:p14="http://schemas.microsoft.com/office/powerpoint/2010/main" id="1" dur="indefinite" restart="never" nodeType="tmRoot"/>
+        <p:cTn xmlns:p14="http://schemas.microsoft.com/office/powerpoint/2010/main" id="1" dur="indefinite" restart="never" nodeType="tmRoot">
+          <p:childTnLst>
+            <p:seq concurrent="1" nextAc="seek">
+              <p:cTn id="2" dur="indefinite" nodeType="mainSeq">
+                <p:childTnLst>
+                  <p:par>
+                    <p:cTn id="3" fill="hold">
+                      <p:stCondLst>
+                        <p:cond delay="indefinite"/>
+                      </p:stCondLst>
+                      <p:childTnLst>
+                        <p:par>
+                          <p:cTn id="4" fill="hold">
+                            <p:stCondLst>
+                              <p:cond delay="0"/>
+                            </p:stCondLst>
+                            <p:childTnLst>
+                              <p:par>
+                                <p:cTn id="5" presetID="1" presetClass="entr" presetSubtype="0" fill="hold" grpId="0" nodeType="clickEffect">
+                                  <p:stCondLst>
+                                    <p:cond delay="0"/>
+                                  </p:stCondLst>
+                                  <p:childTnLst>
+                                    <p:set>
+                                      <p:cBhvr>
+                                        <p:cTn id="6" dur="1" fill="hold">
+                                          <p:stCondLst>
+                                            <p:cond delay="0"/>
+                                          </p:stCondLst>
+                                        </p:cTn>
+                                        <p:tgtEl>
+                                          <p:spTgt spid="21"/>
+                                        </p:tgtEl>
+                                        <p:attrNameLst>
+                                          <p:attrName>style.visibility</p:attrName>
+                                        </p:attrNameLst>
+                                      </p:cBhvr>
+                                      <p:to>
+                                        <p:strVal val="visible"/>
+                                      </p:to>
+                                    </p:set>
+                                  </p:childTnLst>
+                                </p:cTn>
+                              </p:par>
+                            </p:childTnLst>
+                          </p:cTn>
+                        </p:par>
+                      </p:childTnLst>
+                    </p:cTn>
+                  </p:par>
+                </p:childTnLst>
+              </p:cTn>
+              <p:prevCondLst>
+                <p:cond evt="onPrev" delay="0">
+                  <p:tgtEl>
+                    <p:sldTgt/>
+                  </p:tgtEl>
+                </p:cond>
+              </p:prevCondLst>
+              <p:nextCondLst>
+                <p:cond evt="onNext" delay="0">
+                  <p:tgtEl>
+                    <p:sldTgt/>
+                  </p:tgtEl>
+                </p:cond>
+              </p:nextCondLst>
+            </p:seq>
+          </p:childTnLst>
+        </p:cTn>
       </p:par>
     </p:tnLst>
+    <p:bldLst>
+      <p:bldP spid="21" grpId="0"/>
+    </p:bldLst>
   </p:timing>
 </p:sld>
 </file>
@@ -6254,6 +5981,11 @@
           <a:prstGeom prst="line">
             <a:avLst/>
           </a:prstGeom>
+          <a:ln>
+            <a:solidFill>
+              <a:srgbClr val="105CA4"/>
+            </a:solidFill>
+          </a:ln>
         </p:spPr>
         <p:style>
           <a:lnRef idx="2">
@@ -6331,7 +6063,7 @@
             <a:r>
               <a:rPr lang="en-US" sz="4800" b="1" spc="300" dirty="0" smtClean="0">
                 <a:solidFill>
-                  <a:srgbClr val="F2BB2F"/>
+                  <a:srgbClr val="105CA4"/>
                 </a:solidFill>
                 <a:latin typeface="Arial Black"/>
                 <a:cs typeface="Arial Black"/>
@@ -6343,7 +6075,7 @@
             <a:r>
               <a:rPr lang="en-US" sz="4800" b="1" spc="300" dirty="0" smtClean="0">
                 <a:solidFill>
-                  <a:srgbClr val="F2BB2F"/>
+                  <a:srgbClr val="105CA4"/>
                 </a:solidFill>
                 <a:latin typeface="Arial Black"/>
                 <a:cs typeface="Arial Black"/>
@@ -6352,7 +6084,7 @@
             </a:r>
             <a:endParaRPr lang="en-US" sz="4000" b="1" spc="300" dirty="0">
               <a:solidFill>
-                <a:srgbClr val="F2BB2F"/>
+                <a:srgbClr val="105CA4"/>
               </a:solidFill>
               <a:latin typeface="Arial Black"/>
               <a:cs typeface="Arial Black"/>
@@ -6373,6 +6105,9 @@
             <a:chOff x="-219487" y="6381723"/>
             <a:chExt cx="9379165" cy="617398"/>
           </a:xfrm>
+          <a:solidFill>
+            <a:srgbClr val="105CA4"/>
+          </a:solidFill>
         </p:grpSpPr>
         <p:sp>
           <p:nvSpPr>
@@ -6388,6 +6123,7 @@
             <a:prstGeom prst="rect">
               <a:avLst/>
             </a:prstGeom>
+            <a:grpFill/>
             <a:ln>
               <a:noFill/>
             </a:ln>
@@ -6430,7 +6166,7 @@
             <a:prstGeom prst="rect">
               <a:avLst/>
             </a:prstGeom>
-            <a:noFill/>
+            <a:grpFill/>
           </p:spPr>
           <p:txBody>
             <a:bodyPr wrap="square" rtlCol="0">
@@ -6547,6 +6283,11 @@
                 <a:avLst/>
               </a:prstGeom>
               <a:noFill/>
+              <a:ln>
+                <a:solidFill>
+                  <a:srgbClr val="105CA4"/>
+                </a:solidFill>
+              </a:ln>
             </p:spPr>
             <p:style>
               <a:lnRef idx="2">
@@ -6618,50 +6359,17 @@
         </p:nvSpPr>
         <p:spPr>
           <a:xfrm>
-            <a:off x="4499491" y="878076"/>
-            <a:ext cx="4138908" cy="4970530"/>
+            <a:off x="5252019" y="878076"/>
+            <a:ext cx="3543163" cy="4970530"/>
           </a:xfrm>
           <a:prstGeom prst="rect">
             <a:avLst/>
           </a:prstGeom>
-          <a:gradFill flip="none" rotWithShape="1">
-            <a:gsLst>
-              <a:gs pos="0">
-                <a:schemeClr val="accent1">
-                  <a:shade val="70000"/>
-                  <a:satMod val="150000"/>
-                  <a:alpha val="86000"/>
-                </a:schemeClr>
-              </a:gs>
-              <a:gs pos="34000">
-                <a:schemeClr val="accent1">
-                  <a:shade val="70000"/>
-                  <a:satMod val="140000"/>
-                  <a:alpha val="86000"/>
-                </a:schemeClr>
-              </a:gs>
-              <a:gs pos="70000">
-                <a:schemeClr val="accent1">
-                  <a:tint val="100000"/>
-                  <a:shade val="90000"/>
-                  <a:satMod val="140000"/>
-                  <a:alpha val="86000"/>
-                </a:schemeClr>
-              </a:gs>
-              <a:gs pos="100000">
-                <a:schemeClr val="accent1">
-                  <a:tint val="100000"/>
-                  <a:shade val="100000"/>
-                  <a:satMod val="100000"/>
-                  <a:alpha val="86000"/>
-                </a:schemeClr>
-              </a:gs>
-            </a:gsLst>
-            <a:path path="circle">
-              <a:fillToRect l="100000" t="100000" r="100000" b="100000"/>
-            </a:path>
-            <a:tileRect/>
-          </a:gradFill>
+          <a:solidFill>
+            <a:srgbClr val="105CA4">
+              <a:alpha val="67000"/>
+            </a:srgbClr>
+          </a:solidFill>
           <a:ln>
             <a:noFill/>
           </a:ln>
@@ -6698,8 +6406,8 @@
         </p:nvSpPr>
         <p:spPr>
           <a:xfrm>
-            <a:off x="4750333" y="1270073"/>
-            <a:ext cx="3558831" cy="4524316"/>
+            <a:off x="5393131" y="1270073"/>
+            <a:ext cx="3307983" cy="4813626"/>
           </a:xfrm>
           <a:prstGeom prst="rect">
             <a:avLst/>
@@ -6712,6 +6420,11 @@
           </a:bodyPr>
           <a:lstStyle/>
           <a:p>
+            <a:pPr>
+              <a:lnSpc>
+                <a:spcPct val="140000"/>
+              </a:lnSpc>
+            </a:pPr>
             <a:r>
               <a:rPr lang="en-US" b="1" spc="300" dirty="0" smtClean="0">
                 <a:solidFill>
@@ -6722,15 +6435,74 @@
               </a:rPr>
               <a:t>WINDOW SIZE</a:t>
             </a:r>
-            <a:endParaRPr lang="en-US" b="1" spc="300" dirty="0" smtClean="0">
-              <a:solidFill>
-                <a:schemeClr val="bg1">
-                  <a:lumMod val="95000"/>
-                </a:schemeClr>
-              </a:solidFill>
-            </a:endParaRPr>
-          </a:p>
-          <a:p>
+          </a:p>
+          <a:p>
+            <a:pPr>
+              <a:lnSpc>
+                <a:spcPct val="140000"/>
+              </a:lnSpc>
+            </a:pPr>
+            <a:r>
+              <a:rPr lang="en-US" sz="1600" b="1" dirty="0" smtClean="0">
+                <a:solidFill>
+                  <a:schemeClr val="bg1">
+                    <a:lumMod val="95000"/>
+                  </a:schemeClr>
+                </a:solidFill>
+                <a:latin typeface="Lantinghei SC Extralight"/>
+                <a:cs typeface="Lantinghei SC Extralight"/>
+              </a:rPr>
+              <a:t>60 months (5 years)</a:t>
+            </a:r>
+          </a:p>
+          <a:p>
+            <a:pPr marL="285750" indent="-285750">
+              <a:lnSpc>
+                <a:spcPct val="140000"/>
+              </a:lnSpc>
+              <a:buFont typeface="Arial"/>
+              <a:buChar char="•"/>
+            </a:pPr>
+            <a:r>
+              <a:rPr lang="en-US" sz="1600" b="1" dirty="0" smtClean="0">
+                <a:solidFill>
+                  <a:schemeClr val="bg1">
+                    <a:lumMod val="95000"/>
+                  </a:schemeClr>
+                </a:solidFill>
+                <a:latin typeface="Lantinghei SC Extralight"/>
+                <a:cs typeface="Lantinghei SC Extralight"/>
+              </a:rPr>
+              <a:t>Long enough to avoid over-sensitivity to recent events</a:t>
+            </a:r>
+          </a:p>
+          <a:p>
+            <a:pPr marL="285750" indent="-285750">
+              <a:lnSpc>
+                <a:spcPct val="140000"/>
+              </a:lnSpc>
+              <a:buFont typeface="Arial"/>
+              <a:buChar char="•"/>
+            </a:pPr>
+            <a:r>
+              <a:rPr lang="en-US" sz="1600" b="1" dirty="0" smtClean="0">
+                <a:solidFill>
+                  <a:schemeClr val="bg1">
+                    <a:lumMod val="95000"/>
+                  </a:schemeClr>
+                </a:solidFill>
+                <a:latin typeface="Lantinghei SC Extralight"/>
+                <a:cs typeface="Lantinghei SC Extralight"/>
+              </a:rPr>
+              <a:t>Short enough to contain relevant information</a:t>
+            </a:r>
+          </a:p>
+          <a:p>
+            <a:pPr>
+              <a:lnSpc>
+                <a:spcPct val="140000"/>
+              </a:lnSpc>
+            </a:pPr>
             <a:endParaRPr lang="en-US" b="1" dirty="0">
               <a:solidFill>
                 <a:schemeClr val="bg1">
@@ -6742,6 +6514,11 @@
             </a:endParaRPr>
           </a:p>
           <a:p>
+            <a:pPr>
+              <a:lnSpc>
+                <a:spcPct val="140000"/>
+              </a:lnSpc>
+            </a:pPr>
             <a:endParaRPr lang="en-US" b="1" dirty="0" smtClean="0">
               <a:solidFill>
                 <a:schemeClr val="bg1">
@@ -6753,6 +6530,88 @@
             </a:endParaRPr>
           </a:p>
           <a:p>
+            <a:pPr>
+              <a:lnSpc>
+                <a:spcPct val="140000"/>
+              </a:lnSpc>
+            </a:pPr>
+            <a:r>
+              <a:rPr lang="en-US" b="1" spc="300" dirty="0" smtClean="0">
+                <a:solidFill>
+                  <a:schemeClr val="bg1">
+                    <a:lumMod val="95000"/>
+                  </a:schemeClr>
+                </a:solidFill>
+              </a:rPr>
+              <a:t>COEFFICIENTS</a:t>
+            </a:r>
+            <a:endParaRPr lang="en-US" b="1" dirty="0" smtClean="0">
+              <a:solidFill>
+                <a:schemeClr val="bg1">
+                  <a:lumMod val="95000"/>
+                </a:schemeClr>
+              </a:solidFill>
+              <a:latin typeface="Lantinghei SC Extralight"/>
+              <a:cs typeface="Lantinghei SC Extralight"/>
+            </a:endParaRPr>
+          </a:p>
+          <a:p>
+            <a:pPr marL="285750" indent="-285750">
+              <a:lnSpc>
+                <a:spcPct val="140000"/>
+              </a:lnSpc>
+              <a:buFont typeface="Arial"/>
+              <a:buChar char="•"/>
+            </a:pPr>
+            <a:r>
+              <a:rPr lang="en-US" sz="1600" b="1" dirty="0" smtClean="0">
+                <a:solidFill>
+                  <a:schemeClr val="bg1">
+                    <a:lumMod val="95000"/>
+                  </a:schemeClr>
+                </a:solidFill>
+                <a:latin typeface="Lantinghei SC Extralight"/>
+                <a:cs typeface="Lantinghei SC Extralight"/>
+              </a:rPr>
+              <a:t>Change according to model</a:t>
+            </a:r>
+            <a:endParaRPr lang="en-US" sz="1600" b="1" dirty="0">
+              <a:solidFill>
+                <a:schemeClr val="bg1">
+                  <a:lumMod val="95000"/>
+                </a:schemeClr>
+              </a:solidFill>
+              <a:latin typeface="Lantinghei SC Extralight"/>
+              <a:cs typeface="Lantinghei SC Extralight"/>
+            </a:endParaRPr>
+          </a:p>
+          <a:p>
+            <a:pPr marL="285750" indent="-285750">
+              <a:lnSpc>
+                <a:spcPct val="140000"/>
+              </a:lnSpc>
+              <a:buFont typeface="Arial"/>
+              <a:buChar char="•"/>
+            </a:pPr>
+            <a:r>
+              <a:rPr lang="en-US" sz="1600" b="1" dirty="0" smtClean="0">
+                <a:solidFill>
+                  <a:schemeClr val="bg1">
+                    <a:lumMod val="95000"/>
+                  </a:schemeClr>
+                </a:solidFill>
+                <a:latin typeface="Lantinghei SC Extralight"/>
+                <a:cs typeface="Lantinghei SC Extralight"/>
+              </a:rPr>
+              <a:t>Changes with every iteration</a:t>
+            </a:r>
+          </a:p>
+          <a:p>
+            <a:pPr>
+              <a:lnSpc>
+                <a:spcPct val="140000"/>
+              </a:lnSpc>
+            </a:pPr>
             <a:endParaRPr lang="en-US" b="1" dirty="0">
               <a:solidFill>
                 <a:schemeClr val="bg1">
@@ -6764,129 +6623,11 @@
             </a:endParaRPr>
           </a:p>
           <a:p>
-            <a:endParaRPr lang="en-US" b="1" dirty="0" smtClean="0">
-              <a:solidFill>
-                <a:schemeClr val="bg1">
-                  <a:lumMod val="95000"/>
-                </a:schemeClr>
-              </a:solidFill>
-              <a:latin typeface="Lantinghei SC Extralight"/>
-              <a:cs typeface="Lantinghei SC Extralight"/>
-            </a:endParaRPr>
-          </a:p>
-          <a:p>
-            <a:r>
-              <a:rPr lang="en-US" b="1" spc="300" dirty="0" smtClean="0">
-                <a:solidFill>
-                  <a:schemeClr val="bg1">
-                    <a:lumMod val="95000"/>
-                  </a:schemeClr>
-                </a:solidFill>
-              </a:rPr>
-              <a:t>LASSO REGRESSION</a:t>
-            </a:r>
-          </a:p>
-          <a:p>
-            <a:endParaRPr lang="en-US" b="1" dirty="0">
-              <a:solidFill>
-                <a:schemeClr val="bg1">
-                  <a:lumMod val="95000"/>
-                </a:schemeClr>
-              </a:solidFill>
-              <a:latin typeface="Lantinghei SC Extralight"/>
-              <a:cs typeface="Lantinghei SC Extralight"/>
-            </a:endParaRPr>
-          </a:p>
-          <a:p>
-            <a:endParaRPr lang="en-US" b="1" dirty="0" smtClean="0">
-              <a:solidFill>
-                <a:schemeClr val="bg1">
-                  <a:lumMod val="95000"/>
-                </a:schemeClr>
-              </a:solidFill>
-              <a:latin typeface="Lantinghei SC Extralight"/>
-              <a:cs typeface="Lantinghei SC Extralight"/>
-            </a:endParaRPr>
-          </a:p>
-          <a:p>
-            <a:endParaRPr lang="en-US" b="1" dirty="0">
-              <a:solidFill>
-                <a:schemeClr val="bg1">
-                  <a:lumMod val="95000"/>
-                </a:schemeClr>
-              </a:solidFill>
-              <a:latin typeface="Lantinghei SC Extralight"/>
-              <a:cs typeface="Lantinghei SC Extralight"/>
-            </a:endParaRPr>
-          </a:p>
-          <a:p>
-            <a:endParaRPr lang="en-US" b="1" dirty="0" smtClean="0">
-              <a:solidFill>
-                <a:schemeClr val="bg1">
-                  <a:lumMod val="95000"/>
-                </a:schemeClr>
-              </a:solidFill>
-              <a:latin typeface="Lantinghei SC Extralight"/>
-              <a:cs typeface="Lantinghei SC Extralight"/>
-            </a:endParaRPr>
-          </a:p>
-          <a:p>
-            <a:r>
-              <a:rPr lang="en-US" b="1" spc="300" dirty="0" smtClean="0">
-                <a:solidFill>
-                  <a:schemeClr val="bg1">
-                    <a:lumMod val="95000"/>
-                  </a:schemeClr>
-                </a:solidFill>
-              </a:rPr>
-              <a:t>RANDOM FORREST</a:t>
-            </a:r>
-          </a:p>
-          <a:p>
-            <a:endParaRPr lang="en-US" b="1" dirty="0" smtClean="0">
-              <a:solidFill>
-                <a:schemeClr val="bg1">
-                  <a:lumMod val="95000"/>
-                </a:schemeClr>
-              </a:solidFill>
-              <a:latin typeface="Lantinghei SC Extralight"/>
-              <a:cs typeface="Lantinghei SC Extralight"/>
-            </a:endParaRPr>
-          </a:p>
-          <a:p>
-            <a:endParaRPr lang="en-US" b="1" dirty="0">
-              <a:solidFill>
-                <a:schemeClr val="bg1">
-                  <a:lumMod val="95000"/>
-                </a:schemeClr>
-              </a:solidFill>
-              <a:latin typeface="Lantinghei SC Extralight"/>
-              <a:cs typeface="Lantinghei SC Extralight"/>
-            </a:endParaRPr>
-          </a:p>
-          <a:p>
-            <a:endParaRPr lang="en-US" b="1" dirty="0" smtClean="0">
-              <a:solidFill>
-                <a:schemeClr val="bg1">
-                  <a:lumMod val="95000"/>
-                </a:schemeClr>
-              </a:solidFill>
-              <a:latin typeface="Lantinghei SC Extralight"/>
-              <a:cs typeface="Lantinghei SC Extralight"/>
-            </a:endParaRPr>
-          </a:p>
-          <a:p>
-            <a:endParaRPr lang="en-US" b="1" dirty="0">
-              <a:solidFill>
-                <a:schemeClr val="bg1">
-                  <a:lumMod val="95000"/>
-                </a:schemeClr>
-              </a:solidFill>
-              <a:latin typeface="Lantinghei SC Extralight"/>
-              <a:cs typeface="Lantinghei SC Extralight"/>
-            </a:endParaRPr>
-          </a:p>
-          <a:p>
+            <a:pPr>
+              <a:lnSpc>
+                <a:spcPct val="140000"/>
+              </a:lnSpc>
+            </a:pPr>
             <a:endParaRPr lang="en-US" b="1" dirty="0">
               <a:solidFill>
                 <a:schemeClr val="bg1">
@@ -6907,8 +6648,8 @@
         </p:nvSpPr>
         <p:spPr>
           <a:xfrm>
-            <a:off x="470325" y="3154896"/>
-            <a:ext cx="3355026" cy="1200329"/>
+            <a:off x="391950" y="3401504"/>
+            <a:ext cx="4707537" cy="1454757"/>
           </a:xfrm>
           <a:prstGeom prst="rect">
             <a:avLst/>
@@ -6921,40 +6662,159 @@
           </a:bodyPr>
           <a:lstStyle/>
           <a:p>
-            <a:r>
-              <a:rPr lang="en-US" dirty="0" smtClean="0">
-                <a:latin typeface="Lantinghei SC Extralight"/>
-                <a:cs typeface="Lantinghei SC Extralight"/>
-              </a:rPr>
-              <a:t>Blah</a:t>
-            </a:r>
-          </a:p>
-          <a:p>
-            <a:r>
-              <a:rPr lang="en-US" dirty="0" smtClean="0">
-                <a:latin typeface="Lantinghei SC Extralight"/>
-                <a:cs typeface="Lantinghei SC Extralight"/>
-              </a:rPr>
-              <a:t>Blah</a:t>
-            </a:r>
-          </a:p>
-          <a:p>
-            <a:r>
-              <a:rPr lang="en-US" dirty="0" smtClean="0">
-                <a:latin typeface="Lantinghei SC Extralight"/>
-                <a:cs typeface="Lantinghei SC Extralight"/>
-              </a:rPr>
-              <a:t>...</a:t>
-            </a:r>
-          </a:p>
-          <a:p>
-            <a:r>
-              <a:rPr lang="en-US" dirty="0" smtClean="0">
-                <a:latin typeface="Lantinghei SC Extralight"/>
-                <a:cs typeface="Lantinghei SC Extralight"/>
-              </a:rPr>
-              <a:t>blah</a:t>
-            </a:r>
+            <a:pPr>
+              <a:lnSpc>
+                <a:spcPct val="140000"/>
+              </a:lnSpc>
+            </a:pPr>
+            <a:r>
+              <a:rPr lang="en-US" sz="1600" b="1" dirty="0" smtClean="0">
+                <a:latin typeface="Lantinghei SC Extralight"/>
+                <a:cs typeface="Lantinghei SC Extralight"/>
+              </a:rPr>
+              <a:t>Hyper-parameters </a:t>
+            </a:r>
+            <a:r>
+              <a:rPr lang="en-US" sz="1600" dirty="0" smtClean="0">
+                <a:latin typeface="Lantinghei SC Extralight"/>
+                <a:cs typeface="Lantinghei SC Extralight"/>
+              </a:rPr>
+              <a:t>tuned </a:t>
+            </a:r>
+            <a:r>
+              <a:rPr lang="en-US" sz="1600" dirty="0" smtClean="0">
+                <a:latin typeface="Lantinghei SC Extralight"/>
+                <a:cs typeface="Lantinghei SC Extralight"/>
+              </a:rPr>
+              <a:t>via cross-validation</a:t>
+            </a:r>
+            <a:endParaRPr lang="en-US" sz="1600" dirty="0" smtClean="0">
+              <a:latin typeface="Lantinghei SC Extralight"/>
+              <a:cs typeface="Lantinghei SC Extralight"/>
+            </a:endParaRPr>
+          </a:p>
+          <a:p>
+            <a:pPr marL="285750" indent="-285750">
+              <a:lnSpc>
+                <a:spcPct val="140000"/>
+              </a:lnSpc>
+              <a:buFont typeface="Arial"/>
+              <a:buChar char="•"/>
+            </a:pPr>
+            <a:r>
+              <a:rPr lang="en-US" sz="1600" b="1" dirty="0" smtClean="0">
+                <a:latin typeface="Lantinghei SC Extralight"/>
+                <a:cs typeface="Lantinghei SC Extralight"/>
+              </a:rPr>
+              <a:t>Random forest</a:t>
+            </a:r>
+            <a:r>
+              <a:rPr lang="en-US" sz="1600" dirty="0" smtClean="0">
+                <a:latin typeface="Lantinghei SC Extralight"/>
+                <a:cs typeface="Lantinghei SC Extralight"/>
+              </a:rPr>
+              <a:t>: minimum </a:t>
+            </a:r>
+            <a:r>
+              <a:rPr lang="en-US" sz="1600" dirty="0" smtClean="0">
+                <a:latin typeface="Lantinghei SC Extralight"/>
+                <a:cs typeface="Lantinghei SC Extralight"/>
+              </a:rPr>
+              <a:t>leaf </a:t>
+            </a:r>
+            <a:r>
+              <a:rPr lang="en-US" sz="1600" dirty="0" smtClean="0">
+                <a:latin typeface="Lantinghei SC Extralight"/>
+                <a:cs typeface="Lantinghei SC Extralight"/>
+              </a:rPr>
+              <a:t>size</a:t>
+            </a:r>
+            <a:endParaRPr lang="en-US" sz="1600" dirty="0" smtClean="0">
+              <a:latin typeface="Lantinghei SC Extralight"/>
+              <a:cs typeface="Lantinghei SC Extralight"/>
+            </a:endParaRPr>
+          </a:p>
+          <a:p>
+            <a:pPr marL="285750" indent="-285750">
+              <a:lnSpc>
+                <a:spcPct val="140000"/>
+              </a:lnSpc>
+              <a:buFont typeface="Arial"/>
+              <a:buChar char="•"/>
+            </a:pPr>
+            <a:r>
+              <a:rPr lang="en-US" sz="1600" b="1" dirty="0" smtClean="0">
+                <a:latin typeface="Lantinghei SC Extralight"/>
+                <a:cs typeface="Lantinghei SC Extralight"/>
+              </a:rPr>
+              <a:t>Bayesian </a:t>
+            </a:r>
+            <a:r>
+              <a:rPr lang="en-US" sz="1600" b="1" dirty="0">
+                <a:latin typeface="Lantinghei SC Extralight"/>
+                <a:cs typeface="Lantinghei SC Extralight"/>
+              </a:rPr>
+              <a:t>r</a:t>
+            </a:r>
+            <a:r>
+              <a:rPr lang="en-US" sz="1600" b="1" dirty="0" smtClean="0">
+                <a:latin typeface="Lantinghei SC Extralight"/>
+                <a:cs typeface="Lantinghei SC Extralight"/>
+              </a:rPr>
+              <a:t>idge regression</a:t>
+            </a:r>
+            <a:r>
+              <a:rPr lang="en-US" sz="1600" dirty="0" smtClean="0">
+                <a:latin typeface="Lantinghei SC Extralight"/>
+                <a:cs typeface="Lantinghei SC Extralight"/>
+              </a:rPr>
+              <a:t>: lambda</a:t>
+            </a:r>
+            <a:endParaRPr lang="en-US" sz="1600" dirty="0" smtClean="0">
+              <a:latin typeface="Lantinghei SC Extralight"/>
+              <a:cs typeface="Lantinghei SC Extralight"/>
+            </a:endParaRPr>
+          </a:p>
+          <a:p>
+            <a:pPr marL="285750" indent="-285750">
+              <a:lnSpc>
+                <a:spcPct val="140000"/>
+              </a:lnSpc>
+              <a:buFont typeface="Arial"/>
+              <a:buChar char="•"/>
+            </a:pPr>
+            <a:r>
+              <a:rPr lang="en-US" sz="1600" b="1" dirty="0" smtClean="0">
+                <a:latin typeface="Lantinghei SC Extralight"/>
+                <a:cs typeface="Lantinghei SC Extralight"/>
+              </a:rPr>
+              <a:t>Elastic net</a:t>
+            </a:r>
+            <a:r>
+              <a:rPr lang="en-US" sz="1600" dirty="0" smtClean="0">
+                <a:latin typeface="Lantinghei SC Extralight"/>
+                <a:cs typeface="Lantinghei SC Extralight"/>
+              </a:rPr>
+              <a:t>: L1 </a:t>
+            </a:r>
+            <a:r>
+              <a:rPr lang="en-US" sz="1600" dirty="0" smtClean="0">
+                <a:latin typeface="Lantinghei SC Extralight"/>
+                <a:cs typeface="Lantinghei SC Extralight"/>
+              </a:rPr>
+              <a:t>ratio and </a:t>
+            </a:r>
+            <a:r>
+              <a:rPr lang="en-US" sz="1600" dirty="0" smtClean="0">
+                <a:latin typeface="Lantinghei SC Extralight"/>
+                <a:cs typeface="Lantinghei SC Extralight"/>
+              </a:rPr>
+              <a:t>alpha </a:t>
+            </a:r>
+            <a:endParaRPr lang="en-US" sz="1600" dirty="0" smtClean="0">
+              <a:latin typeface="Lantinghei SC Extralight"/>
+              <a:cs typeface="Lantinghei SC Extralight"/>
+            </a:endParaRPr>
           </a:p>
         </p:txBody>
       </p:sp>
@@ -6971,9 +6831,80 @@
   <p:timing>
     <p:tnLst>
       <p:par>
-        <p:cTn xmlns:p14="http://schemas.microsoft.com/office/powerpoint/2010/main" id="1" dur="indefinite" restart="never" nodeType="tmRoot"/>
+        <p:cTn xmlns:p14="http://schemas.microsoft.com/office/powerpoint/2010/main" id="1" dur="indefinite" restart="never" nodeType="tmRoot">
+          <p:childTnLst>
+            <p:seq concurrent="1" nextAc="seek">
+              <p:cTn id="2" dur="indefinite" nodeType="mainSeq">
+                <p:childTnLst>
+                  <p:par>
+                    <p:cTn id="3" fill="hold">
+                      <p:stCondLst>
+                        <p:cond delay="indefinite"/>
+                      </p:stCondLst>
+                      <p:childTnLst>
+                        <p:par>
+                          <p:cTn id="4" fill="hold">
+                            <p:stCondLst>
+                              <p:cond delay="0"/>
+                            </p:stCondLst>
+                            <p:childTnLst>
+                              <p:par>
+                                <p:cTn id="5" presetID="1" presetClass="entr" presetSubtype="0" fill="hold" grpId="0" nodeType="clickEffect">
+                                  <p:stCondLst>
+                                    <p:cond delay="0"/>
+                                  </p:stCondLst>
+                                  <p:childTnLst>
+                                    <p:set>
+                                      <p:cBhvr>
+                                        <p:cTn id="6" dur="1" fill="hold">
+                                          <p:stCondLst>
+                                            <p:cond delay="0"/>
+                                          </p:stCondLst>
+                                        </p:cTn>
+                                        <p:tgtEl>
+                                          <p:spTgt spid="17"/>
+                                        </p:tgtEl>
+                                        <p:attrNameLst>
+                                          <p:attrName>style.visibility</p:attrName>
+                                        </p:attrNameLst>
+                                      </p:cBhvr>
+                                      <p:to>
+                                        <p:strVal val="visible"/>
+                                      </p:to>
+                                    </p:set>
+                                  </p:childTnLst>
+                                </p:cTn>
+                              </p:par>
+                            </p:childTnLst>
+                          </p:cTn>
+                        </p:par>
+                      </p:childTnLst>
+                    </p:cTn>
+                  </p:par>
+                </p:childTnLst>
+              </p:cTn>
+              <p:prevCondLst>
+                <p:cond evt="onPrev" delay="0">
+                  <p:tgtEl>
+                    <p:sldTgt/>
+                  </p:tgtEl>
+                </p:cond>
+              </p:prevCondLst>
+              <p:nextCondLst>
+                <p:cond evt="onNext" delay="0">
+                  <p:tgtEl>
+                    <p:sldTgt/>
+                  </p:tgtEl>
+                </p:cond>
+              </p:nextCondLst>
+            </p:seq>
+          </p:childTnLst>
+        </p:cTn>
       </p:par>
     </p:tnLst>
+    <p:bldLst>
+      <p:bldP spid="17" grpId="0"/>
+    </p:bldLst>
   </p:timing>
 </p:sld>
 </file>
@@ -7009,6 +6940,11 @@
           <a:prstGeom prst="line">
             <a:avLst/>
           </a:prstGeom>
+          <a:ln>
+            <a:solidFill>
+              <a:srgbClr val="105CA4"/>
+            </a:solidFill>
+          </a:ln>
         </p:spPr>
         <p:style>
           <a:lnRef idx="2">
@@ -7088,7 +7024,7 @@
             <a:r>
               <a:rPr lang="en-US" sz="4800" b="1" spc="300" dirty="0" smtClean="0">
                 <a:solidFill>
-                  <a:srgbClr val="F2BB2F"/>
+                  <a:srgbClr val="105CA4"/>
                 </a:solidFill>
                 <a:latin typeface="Arial Black"/>
                 <a:cs typeface="Arial Black"/>
@@ -7097,7 +7033,7 @@
             </a:r>
             <a:endParaRPr lang="en-US" sz="4000" b="1" spc="300" dirty="0">
               <a:solidFill>
-                <a:srgbClr val="F2BB2F"/>
+                <a:srgbClr val="105CA4"/>
               </a:solidFill>
               <a:latin typeface="Arial Black"/>
               <a:cs typeface="Arial Black"/>
@@ -7160,6 +7096,9 @@
             <a:chOff x="-219487" y="6381723"/>
             <a:chExt cx="9379165" cy="617398"/>
           </a:xfrm>
+          <a:solidFill>
+            <a:srgbClr val="105CA4"/>
+          </a:solidFill>
         </p:grpSpPr>
         <p:sp>
           <p:nvSpPr>
@@ -7175,6 +7114,7 @@
             <a:prstGeom prst="rect">
               <a:avLst/>
             </a:prstGeom>
+            <a:grpFill/>
             <a:ln>
               <a:noFill/>
             </a:ln>
@@ -7217,7 +7157,7 @@
             <a:prstGeom prst="rect">
               <a:avLst/>
             </a:prstGeom>
-            <a:noFill/>
+            <a:grpFill/>
           </p:spPr>
           <p:txBody>
             <a:bodyPr wrap="square" rtlCol="0">
@@ -7334,6 +7274,11 @@
                 <a:avLst/>
               </a:prstGeom>
               <a:noFill/>
+              <a:ln>
+                <a:solidFill>
+                  <a:srgbClr val="105CA4"/>
+                </a:solidFill>
+              </a:ln>
             </p:spPr>
             <p:style>
               <a:lnRef idx="2">
@@ -7399,14 +7344,14 @@
       </p:grpSp>
       <p:sp>
         <p:nvSpPr>
-          <p:cNvPr id="17" name="TextBox 16"/>
+          <p:cNvPr id="20" name="TextBox 19"/>
           <p:cNvSpPr txBox="1"/>
           <p:nvPr/>
         </p:nvSpPr>
         <p:spPr>
           <a:xfrm>
-            <a:off x="544304" y="5260991"/>
-            <a:ext cx="3355026" cy="1200329"/>
+            <a:off x="621263" y="2432492"/>
+            <a:ext cx="3596029" cy="3570208"/>
           </a:xfrm>
           <a:prstGeom prst="rect">
             <a:avLst/>
@@ -7419,91 +7364,340 @@
           </a:bodyPr>
           <a:lstStyle/>
           <a:p>
-            <a:pPr algn="r"/>
-            <a:r>
-              <a:rPr lang="en-US" dirty="0" smtClean="0">
-                <a:latin typeface="Lantinghei SC Extralight"/>
-                <a:cs typeface="Lantinghei SC Extralight"/>
-              </a:rPr>
-              <a:t>Blah</a:t>
-            </a:r>
-          </a:p>
-          <a:p>
-            <a:pPr algn="r"/>
-            <a:r>
-              <a:rPr lang="en-US" dirty="0" smtClean="0">
-                <a:latin typeface="Lantinghei SC Extralight"/>
-                <a:cs typeface="Lantinghei SC Extralight"/>
-              </a:rPr>
-              <a:t>Blah</a:t>
-            </a:r>
-          </a:p>
-          <a:p>
-            <a:pPr algn="r"/>
-            <a:r>
-              <a:rPr lang="en-US" dirty="0" smtClean="0">
-                <a:latin typeface="Lantinghei SC Extralight"/>
-                <a:cs typeface="Lantinghei SC Extralight"/>
-              </a:rPr>
-              <a:t>...</a:t>
-            </a:r>
-          </a:p>
-          <a:p>
-            <a:pPr algn="r"/>
-            <a:r>
-              <a:rPr lang="en-US" dirty="0" smtClean="0">
-                <a:latin typeface="Lantinghei SC Extralight"/>
-                <a:cs typeface="Lantinghei SC Extralight"/>
-              </a:rPr>
-              <a:t>blah</a:t>
+            <a:r>
+              <a:rPr lang="en-US" sz="1400" dirty="0" smtClean="0">
+                <a:latin typeface="Lantinghei SC Extralight"/>
+                <a:cs typeface="Lantinghei SC Extralight"/>
+              </a:rPr>
+              <a:t>Maximum drawdown</a:t>
+            </a:r>
+          </a:p>
+          <a:p>
+            <a:pPr marL="285750" indent="-285750">
+              <a:buFont typeface="Arial"/>
+              <a:buChar char="•"/>
+            </a:pPr>
+            <a:r>
+              <a:rPr lang="en-US" sz="1400" dirty="0" smtClean="0">
+                <a:latin typeface="Lantinghei SC Extralight"/>
+                <a:cs typeface="Lantinghei SC Extralight"/>
+              </a:rPr>
+              <a:t>AUD: </a:t>
+            </a:r>
+            <a:r>
+              <a:rPr lang="en-US" sz="1400" b="1" dirty="0" smtClean="0">
+                <a:latin typeface="Lantinghei SC Extralight"/>
+                <a:cs typeface="Lantinghei SC Extralight"/>
+              </a:rPr>
+              <a:t>0.593</a:t>
+            </a:r>
+          </a:p>
+          <a:p>
+            <a:pPr marL="285750" indent="-285750">
+              <a:buFont typeface="Arial"/>
+              <a:buChar char="•"/>
+            </a:pPr>
+            <a:r>
+              <a:rPr lang="en-US" sz="1400" dirty="0" smtClean="0">
+                <a:latin typeface="Lantinghei SC Extralight"/>
+                <a:cs typeface="Lantinghei SC Extralight"/>
+              </a:rPr>
+              <a:t>CAD: </a:t>
+            </a:r>
+            <a:r>
+              <a:rPr lang="en-US" sz="1400" b="1" dirty="0" smtClean="0">
+                <a:latin typeface="Lantinghei SC Extralight"/>
+                <a:cs typeface="Lantinghei SC Extralight"/>
+              </a:rPr>
+              <a:t>0.605</a:t>
+            </a:r>
+          </a:p>
+          <a:p>
+            <a:pPr marL="285750" indent="-285750">
+              <a:buFont typeface="Arial"/>
+              <a:buChar char="•"/>
+            </a:pPr>
+            <a:r>
+              <a:rPr lang="en-US" sz="1400" dirty="0" smtClean="0">
+                <a:latin typeface="Lantinghei SC Extralight"/>
+                <a:cs typeface="Lantinghei SC Extralight"/>
+              </a:rPr>
+              <a:t>CHF: </a:t>
+            </a:r>
+            <a:r>
+              <a:rPr lang="en-US" sz="1400" b="1" dirty="0" smtClean="0">
+                <a:latin typeface="Lantinghei SC Extralight"/>
+                <a:cs typeface="Lantinghei SC Extralight"/>
+              </a:rPr>
+              <a:t>0.584</a:t>
+            </a:r>
+          </a:p>
+          <a:p>
+            <a:pPr marL="285750" indent="-285750">
+              <a:buFont typeface="Arial"/>
+              <a:buChar char="•"/>
+            </a:pPr>
+            <a:r>
+              <a:rPr lang="en-US" sz="1400" dirty="0" smtClean="0">
+                <a:latin typeface="Lantinghei SC Extralight"/>
+                <a:cs typeface="Lantinghei SC Extralight"/>
+              </a:rPr>
+              <a:t>EUR: </a:t>
+            </a:r>
+            <a:r>
+              <a:rPr lang="en-US" sz="1400" b="1" dirty="0" smtClean="0">
+                <a:latin typeface="Lantinghei SC Extralight"/>
+                <a:cs typeface="Lantinghei SC Extralight"/>
+              </a:rPr>
+              <a:t>0.770</a:t>
+            </a:r>
+          </a:p>
+          <a:p>
+            <a:pPr marL="285750" indent="-285750">
+              <a:buFont typeface="Arial"/>
+              <a:buChar char="•"/>
+            </a:pPr>
+            <a:r>
+              <a:rPr lang="en-US" sz="1400" dirty="0" smtClean="0">
+                <a:latin typeface="Lantinghei SC Extralight"/>
+                <a:cs typeface="Lantinghei SC Extralight"/>
+              </a:rPr>
+              <a:t>GBP: </a:t>
+            </a:r>
+            <a:r>
+              <a:rPr lang="en-US" sz="1400" b="1" dirty="0" smtClean="0">
+                <a:latin typeface="Lantinghei SC Extralight"/>
+                <a:cs typeface="Lantinghei SC Extralight"/>
+              </a:rPr>
+              <a:t>0.599</a:t>
+            </a:r>
+          </a:p>
+          <a:p>
+            <a:pPr marL="285750" indent="-285750">
+              <a:buFont typeface="Arial"/>
+              <a:buChar char="•"/>
+            </a:pPr>
+            <a:r>
+              <a:rPr lang="en-US" sz="1400" dirty="0" smtClean="0">
+                <a:latin typeface="Lantinghei SC Extralight"/>
+                <a:cs typeface="Lantinghei SC Extralight"/>
+              </a:rPr>
+              <a:t>JPY: </a:t>
+            </a:r>
+            <a:r>
+              <a:rPr lang="en-US" sz="1400" b="1" dirty="0" smtClean="0">
+                <a:latin typeface="Lantinghei SC Extralight"/>
+                <a:cs typeface="Lantinghei SC Extralight"/>
+              </a:rPr>
+              <a:t>0.773</a:t>
+            </a:r>
+          </a:p>
+          <a:p>
+            <a:pPr marL="285750" indent="-285750">
+              <a:buFont typeface="Arial"/>
+              <a:buChar char="•"/>
+            </a:pPr>
+            <a:r>
+              <a:rPr lang="en-US" sz="1400" dirty="0" smtClean="0">
+                <a:latin typeface="Lantinghei SC Extralight"/>
+                <a:cs typeface="Lantinghei SC Extralight"/>
+              </a:rPr>
+              <a:t>NOK: </a:t>
+            </a:r>
+            <a:r>
+              <a:rPr lang="en-US" sz="1400" b="1" dirty="0" smtClean="0">
+                <a:latin typeface="Lantinghei SC Extralight"/>
+                <a:cs typeface="Lantinghei SC Extralight"/>
+              </a:rPr>
+              <a:t>0.386</a:t>
+            </a:r>
+          </a:p>
+          <a:p>
+            <a:pPr marL="285750" indent="-285750">
+              <a:buFont typeface="Arial"/>
+              <a:buChar char="•"/>
+            </a:pPr>
+            <a:r>
+              <a:rPr lang="en-US" sz="1400" dirty="0" smtClean="0">
+                <a:latin typeface="Lantinghei SC Extralight"/>
+                <a:cs typeface="Lantinghei SC Extralight"/>
+              </a:rPr>
+              <a:t>NZD: </a:t>
+            </a:r>
+            <a:r>
+              <a:rPr lang="en-US" sz="1400" b="1" dirty="0" smtClean="0">
+                <a:latin typeface="Lantinghei SC Extralight"/>
+                <a:cs typeface="Lantinghei SC Extralight"/>
+              </a:rPr>
+              <a:t>0.328</a:t>
+            </a:r>
+          </a:p>
+          <a:p>
+            <a:pPr marL="285750" indent="-285750">
+              <a:buFont typeface="Arial"/>
+              <a:buChar char="•"/>
+            </a:pPr>
+            <a:r>
+              <a:rPr lang="en-US" sz="1400" dirty="0" smtClean="0">
+                <a:latin typeface="Lantinghei SC Extralight"/>
+                <a:cs typeface="Lantinghei SC Extralight"/>
+              </a:rPr>
+              <a:t>SEK: </a:t>
+            </a:r>
+            <a:r>
+              <a:rPr lang="en-US" sz="1400" b="1" dirty="0" smtClean="0">
+                <a:latin typeface="Lantinghei SC Extralight"/>
+                <a:cs typeface="Lantinghei SC Extralight"/>
+              </a:rPr>
+              <a:t>0.580</a:t>
+            </a:r>
+            <a:endParaRPr lang="en-US" sz="1400" b="1" dirty="0">
+              <a:latin typeface="Lantinghei SC Extralight"/>
+              <a:cs typeface="Lantinghei SC Extralight"/>
+            </a:endParaRPr>
+          </a:p>
+          <a:p>
+            <a:endParaRPr lang="en-US" sz="1200" dirty="0" smtClean="0">
+              <a:latin typeface="Lantinghei SC Extralight"/>
+              <a:cs typeface="Lantinghei SC Extralight"/>
+            </a:endParaRPr>
+          </a:p>
+          <a:p>
+            <a:endParaRPr lang="en-US" sz="1200" dirty="0" smtClean="0">
+              <a:latin typeface="Lantinghei SC Extralight"/>
+              <a:cs typeface="Lantinghei SC Extralight"/>
+            </a:endParaRPr>
+          </a:p>
+          <a:p>
+            <a:r>
+              <a:rPr lang="en-US" sz="1400" b="1" dirty="0" smtClean="0">
+                <a:latin typeface="Lantinghei SC Extralight"/>
+                <a:cs typeface="Lantinghei SC Extralight"/>
+              </a:rPr>
+              <a:t>R</a:t>
+            </a:r>
+            <a:r>
+              <a:rPr lang="en-US" sz="1400" baseline="30000" dirty="0" smtClean="0">
+                <a:latin typeface="Lantinghei SC Extralight"/>
+                <a:cs typeface="Lantinghei SC Extralight"/>
+              </a:rPr>
+              <a:t>2</a:t>
+            </a:r>
+            <a:r>
+              <a:rPr lang="en-US" sz="1400" b="1" baseline="-25000" dirty="0" smtClean="0">
+                <a:latin typeface="Lantinghei SC Extralight"/>
+                <a:cs typeface="Lantinghei SC Extralight"/>
+              </a:rPr>
+              <a:t>00S</a:t>
+            </a:r>
+            <a:r>
+              <a:rPr lang="en-US" sz="1400" dirty="0" smtClean="0">
+                <a:latin typeface="Lantinghei SC Extralight"/>
+                <a:cs typeface="Lantinghei SC Extralight"/>
+              </a:rPr>
+              <a:t> </a:t>
+            </a:r>
+            <a:r>
+              <a:rPr lang="en-US" sz="1400" dirty="0" smtClean="0">
+                <a:latin typeface="Lantinghei SC Extralight"/>
+                <a:cs typeface="Lantinghei SC Extralight"/>
+              </a:rPr>
+              <a:t>= </a:t>
+            </a:r>
+            <a:r>
+              <a:rPr lang="en-US" sz="1600" b="1" dirty="0" smtClean="0">
+                <a:solidFill>
+                  <a:srgbClr val="FF0000"/>
+                </a:solidFill>
+                <a:latin typeface="Lantinghei SC Extralight"/>
+                <a:cs typeface="Lantinghei SC Extralight"/>
+              </a:rPr>
+              <a:t>-</a:t>
+            </a:r>
+            <a:r>
+              <a:rPr lang="en-US" sz="1600" b="1" dirty="0" smtClean="0">
+                <a:solidFill>
+                  <a:srgbClr val="FF0000"/>
+                </a:solidFill>
+                <a:latin typeface="Lantinghei SC Extralight"/>
+                <a:cs typeface="Lantinghei SC Extralight"/>
+              </a:rPr>
+              <a:t>0.1394</a:t>
+            </a:r>
+            <a:endParaRPr lang="en-US" sz="1400" dirty="0" smtClean="0">
+              <a:solidFill>
+                <a:srgbClr val="FF0000"/>
+              </a:solidFill>
+              <a:latin typeface="Lantinghei SC Extralight"/>
+              <a:cs typeface="Lantinghei SC Extralight"/>
+            </a:endParaRPr>
+          </a:p>
+          <a:p>
+            <a:endParaRPr lang="en-US" sz="1400" dirty="0" smtClean="0">
+              <a:latin typeface="Lantinghei SC Extralight"/>
+              <a:cs typeface="Lantinghei SC Extralight"/>
+            </a:endParaRPr>
+          </a:p>
+          <a:p>
+            <a:r>
+              <a:rPr lang="en-US" sz="1400" dirty="0" smtClean="0">
+                <a:latin typeface="Lantinghei SC Extralight"/>
+                <a:cs typeface="Lantinghei SC Extralight"/>
+              </a:rPr>
+              <a:t>Economic significance =</a:t>
+            </a:r>
+          </a:p>
+          <a:p>
+            <a:r>
+              <a:rPr lang="en-US" sz="1400" dirty="0" smtClean="0">
+                <a:solidFill>
+                  <a:srgbClr val="FF0000"/>
+                </a:solidFill>
+                <a:latin typeface="Lantinghei SC Extralight"/>
+                <a:cs typeface="Lantinghei SC Extralight"/>
+              </a:rPr>
+              <a:t> </a:t>
+            </a:r>
+            <a:r>
+              <a:rPr lang="en-US" b="1" dirty="0" smtClean="0">
+                <a:solidFill>
+                  <a:srgbClr val="FF0000"/>
+                </a:solidFill>
+                <a:latin typeface="Lantinghei SC Extralight"/>
+                <a:cs typeface="Lantinghei SC Extralight"/>
+              </a:rPr>
+              <a:t>-1161.72 % </a:t>
             </a:r>
           </a:p>
         </p:txBody>
       </p:sp>
       <p:pic>
         <p:nvPicPr>
-          <p:cNvPr id="18" name="Picture 17"/>
+          <p:cNvPr id="2" name="Picture 1"/>
           <p:cNvPicPr>
             <a:picLocks noChangeAspect="1"/>
           </p:cNvPicPr>
           <p:nvPr/>
         </p:nvPicPr>
-        <p:blipFill rotWithShape="1">
+        <p:blipFill>
           <a:blip r:embed="rId2"/>
-          <a:srcRect r="3175"/>
-          <a:stretch/>
+          <a:stretch>
+            <a:fillRect/>
+          </a:stretch>
         </p:blipFill>
         <p:spPr>
           <a:xfrm>
-            <a:off x="4564206" y="2297816"/>
-            <a:ext cx="4004229" cy="2599303"/>
+            <a:off x="3104178" y="2388900"/>
+            <a:ext cx="5486977" cy="3381307"/>
           </a:xfrm>
           <a:prstGeom prst="rect">
             <a:avLst/>
           </a:prstGeom>
-        </p:spPr>
-      </p:pic>
-      <p:pic>
-        <p:nvPicPr>
-          <p:cNvPr id="19" name="Picture 18"/>
-          <p:cNvPicPr>
-            <a:picLocks noChangeAspect="1"/>
-          </p:cNvPicPr>
-          <p:nvPr/>
-        </p:nvPicPr>
-        <p:blipFill rotWithShape="1">
-          <a:blip r:embed="rId2"/>
-          <a:srcRect r="3261"/>
-          <a:stretch/>
-        </p:blipFill>
-        <p:spPr>
-          <a:xfrm>
-            <a:off x="540846" y="2297816"/>
-            <a:ext cx="4000674" cy="2599303"/>
-          </a:xfrm>
-          <a:prstGeom prst="rect">
-            <a:avLst/>
-          </a:prstGeom>
+          <a:ln>
+            <a:solidFill>
+              <a:schemeClr val="bg1"/>
+            </a:solidFill>
+          </a:ln>
         </p:spPr>
       </p:pic>
     </p:spTree>
@@ -7557,6 +7751,11 @@
           <a:prstGeom prst="line">
             <a:avLst/>
           </a:prstGeom>
+          <a:ln>
+            <a:solidFill>
+              <a:srgbClr val="105CA4"/>
+            </a:solidFill>
+          </a:ln>
         </p:spPr>
         <p:style>
           <a:lnRef idx="2">
@@ -7636,16 +7835,16 @@
             <a:r>
               <a:rPr lang="en-US" sz="4800" b="1" spc="300" dirty="0" smtClean="0">
                 <a:solidFill>
-                  <a:srgbClr val="F2BB2F"/>
+                  <a:srgbClr val="105CA4"/>
                 </a:solidFill>
                 <a:latin typeface="Arial Black"/>
                 <a:cs typeface="Arial Black"/>
               </a:rPr>
-              <a:t>RIDGE REGRESSION</a:t>
+              <a:t>LASSO REGRESSION</a:t>
             </a:r>
             <a:endParaRPr lang="en-US" sz="4000" b="1" spc="300" dirty="0">
               <a:solidFill>
-                <a:srgbClr val="F2BB2F"/>
+                <a:srgbClr val="105CA4"/>
               </a:solidFill>
               <a:latin typeface="Arial Black"/>
               <a:cs typeface="Arial Black"/>
@@ -7708,6 +7907,9 @@
             <a:chOff x="-219487" y="6381723"/>
             <a:chExt cx="9379165" cy="617398"/>
           </a:xfrm>
+          <a:solidFill>
+            <a:srgbClr val="105CA4"/>
+          </a:solidFill>
         </p:grpSpPr>
         <p:sp>
           <p:nvSpPr>
@@ -7723,6 +7925,7 @@
             <a:prstGeom prst="rect">
               <a:avLst/>
             </a:prstGeom>
+            <a:grpFill/>
             <a:ln>
               <a:noFill/>
             </a:ln>
@@ -7765,7 +7968,7 @@
             <a:prstGeom prst="rect">
               <a:avLst/>
             </a:prstGeom>
-            <a:noFill/>
+            <a:grpFill/>
           </p:spPr>
           <p:txBody>
             <a:bodyPr wrap="square" rtlCol="0">
@@ -7882,6 +8085,11 @@
                 <a:avLst/>
               </a:prstGeom>
               <a:noFill/>
+              <a:ln>
+                <a:solidFill>
+                  <a:srgbClr val="105CA4"/>
+                </a:solidFill>
+              </a:ln>
             </p:spPr>
             <p:style>
               <a:lnRef idx="2">
@@ -7947,14 +8155,14 @@
       </p:grpSp>
       <p:sp>
         <p:nvSpPr>
-          <p:cNvPr id="17" name="TextBox 16"/>
+          <p:cNvPr id="19" name="TextBox 18"/>
           <p:cNvSpPr txBox="1"/>
           <p:nvPr/>
         </p:nvSpPr>
         <p:spPr>
           <a:xfrm>
-            <a:off x="544304" y="5260991"/>
-            <a:ext cx="3355026" cy="1200329"/>
+            <a:off x="621263" y="2432492"/>
+            <a:ext cx="3596029" cy="3508653"/>
           </a:xfrm>
           <a:prstGeom prst="rect">
             <a:avLst/>
@@ -7967,44 +8175,320 @@
           </a:bodyPr>
           <a:lstStyle/>
           <a:p>
-            <a:pPr algn="r"/>
-            <a:r>
-              <a:rPr lang="en-US" dirty="0" smtClean="0">
-                <a:latin typeface="Lantinghei SC Extralight"/>
-                <a:cs typeface="Lantinghei SC Extralight"/>
-              </a:rPr>
-              <a:t>Blah</a:t>
-            </a:r>
-          </a:p>
-          <a:p>
-            <a:pPr algn="r"/>
-            <a:r>
-              <a:rPr lang="en-US" dirty="0" smtClean="0">
-                <a:latin typeface="Lantinghei SC Extralight"/>
-                <a:cs typeface="Lantinghei SC Extralight"/>
-              </a:rPr>
-              <a:t>Blah</a:t>
-            </a:r>
-          </a:p>
-          <a:p>
-            <a:pPr algn="r"/>
-            <a:r>
-              <a:rPr lang="en-US" dirty="0" smtClean="0">
-                <a:latin typeface="Lantinghei SC Extralight"/>
-                <a:cs typeface="Lantinghei SC Extralight"/>
-              </a:rPr>
-              <a:t>...</a:t>
-            </a:r>
-          </a:p>
-          <a:p>
-            <a:pPr algn="r"/>
-            <a:r>
-              <a:rPr lang="en-US" dirty="0" smtClean="0">
-                <a:latin typeface="Lantinghei SC Extralight"/>
-                <a:cs typeface="Lantinghei SC Extralight"/>
-              </a:rPr>
-              <a:t>blah</a:t>
-            </a:r>
+            <a:r>
+              <a:rPr lang="en-US" sz="1400" dirty="0" smtClean="0">
+                <a:latin typeface="Lantinghei SC Extralight"/>
+                <a:cs typeface="Lantinghei SC Extralight"/>
+              </a:rPr>
+              <a:t>Maximum drawdown</a:t>
+            </a:r>
+          </a:p>
+          <a:p>
+            <a:pPr marL="285750" indent="-285750">
+              <a:buFont typeface="Arial"/>
+              <a:buChar char="•"/>
+            </a:pPr>
+            <a:r>
+              <a:rPr lang="en-US" sz="1400" dirty="0" smtClean="0">
+                <a:latin typeface="Lantinghei SC Extralight"/>
+                <a:cs typeface="Lantinghei SC Extralight"/>
+              </a:rPr>
+              <a:t>AUD: </a:t>
+            </a:r>
+            <a:r>
+              <a:rPr lang="en-US" sz="1400" b="1" dirty="0">
+                <a:latin typeface="Lantinghei SC Extralight"/>
+                <a:cs typeface="Lantinghei SC Extralight"/>
+              </a:rPr>
+              <a:t>0.233</a:t>
+            </a:r>
+            <a:endParaRPr lang="en-US" sz="1400" b="1" dirty="0" smtClean="0">
+              <a:latin typeface="Lantinghei SC Extralight"/>
+              <a:cs typeface="Lantinghei SC Extralight"/>
+            </a:endParaRPr>
+          </a:p>
+          <a:p>
+            <a:pPr marL="285750" indent="-285750">
+              <a:buFont typeface="Arial"/>
+              <a:buChar char="•"/>
+            </a:pPr>
+            <a:r>
+              <a:rPr lang="en-US" sz="1400" dirty="0" smtClean="0">
+                <a:latin typeface="Lantinghei SC Extralight"/>
+                <a:cs typeface="Lantinghei SC Extralight"/>
+              </a:rPr>
+              <a:t>CAD: </a:t>
+            </a:r>
+            <a:r>
+              <a:rPr lang="en-US" sz="1400" b="1" dirty="0">
+                <a:latin typeface="Lantinghei SC Extralight"/>
+                <a:cs typeface="Lantinghei SC Extralight"/>
+              </a:rPr>
+              <a:t>0.089</a:t>
+            </a:r>
+            <a:endParaRPr lang="en-US" sz="1400" b="1" dirty="0" smtClean="0">
+              <a:latin typeface="Lantinghei SC Extralight"/>
+              <a:cs typeface="Lantinghei SC Extralight"/>
+            </a:endParaRPr>
+          </a:p>
+          <a:p>
+            <a:pPr marL="285750" indent="-285750">
+              <a:buFont typeface="Arial"/>
+              <a:buChar char="•"/>
+            </a:pPr>
+            <a:r>
+              <a:rPr lang="en-US" sz="1400" dirty="0" smtClean="0">
+                <a:latin typeface="Lantinghei SC Extralight"/>
+                <a:cs typeface="Lantinghei SC Extralight"/>
+              </a:rPr>
+              <a:t>CHF: </a:t>
+            </a:r>
+            <a:r>
+              <a:rPr lang="en-US" sz="1400" b="1" dirty="0">
+                <a:latin typeface="Lantinghei SC Extralight"/>
+                <a:cs typeface="Lantinghei SC Extralight"/>
+              </a:rPr>
+              <a:t>0.141</a:t>
+            </a:r>
+            <a:endParaRPr lang="en-US" sz="1400" b="1" dirty="0" smtClean="0">
+              <a:latin typeface="Lantinghei SC Extralight"/>
+              <a:cs typeface="Lantinghei SC Extralight"/>
+            </a:endParaRPr>
+          </a:p>
+          <a:p>
+            <a:pPr marL="285750" indent="-285750">
+              <a:buFont typeface="Arial"/>
+              <a:buChar char="•"/>
+            </a:pPr>
+            <a:r>
+              <a:rPr lang="en-US" sz="1400" dirty="0" smtClean="0">
+                <a:latin typeface="Lantinghei SC Extralight"/>
+                <a:cs typeface="Lantinghei SC Extralight"/>
+              </a:rPr>
+              <a:t>EUR: </a:t>
+            </a:r>
+            <a:r>
+              <a:rPr lang="en-US" sz="1400" b="1" dirty="0" smtClean="0">
+                <a:latin typeface="Lantinghei SC Extralight"/>
+                <a:cs typeface="Lantinghei SC Extralight"/>
+              </a:rPr>
+              <a:t>0.282</a:t>
+            </a:r>
+          </a:p>
+          <a:p>
+            <a:pPr marL="285750" indent="-285750">
+              <a:buFont typeface="Arial"/>
+              <a:buChar char="•"/>
+            </a:pPr>
+            <a:r>
+              <a:rPr lang="en-US" sz="1400" dirty="0" smtClean="0">
+                <a:latin typeface="Lantinghei SC Extralight"/>
+                <a:cs typeface="Lantinghei SC Extralight"/>
+              </a:rPr>
+              <a:t>GBP: </a:t>
+            </a:r>
+            <a:r>
+              <a:rPr lang="en-US" sz="1400" b="1" dirty="0" smtClean="0">
+                <a:latin typeface="Lantinghei SC Extralight"/>
+                <a:cs typeface="Lantinghei SC Extralight"/>
+              </a:rPr>
+              <a:t>0.094</a:t>
+            </a:r>
+          </a:p>
+          <a:p>
+            <a:pPr marL="285750" indent="-285750">
+              <a:buFont typeface="Arial"/>
+              <a:buChar char="•"/>
+            </a:pPr>
+            <a:r>
+              <a:rPr lang="en-US" sz="1400" dirty="0" smtClean="0">
+                <a:latin typeface="Lantinghei SC Extralight"/>
+                <a:cs typeface="Lantinghei SC Extralight"/>
+              </a:rPr>
+              <a:t>JPY: </a:t>
+            </a:r>
+            <a:r>
+              <a:rPr lang="en-US" sz="1400" b="1" dirty="0" smtClean="0">
+                <a:latin typeface="Lantinghei SC Extralight"/>
+                <a:cs typeface="Lantinghei SC Extralight"/>
+              </a:rPr>
+              <a:t>0.273</a:t>
+            </a:r>
+          </a:p>
+          <a:p>
+            <a:pPr marL="285750" indent="-285750">
+              <a:buFont typeface="Arial"/>
+              <a:buChar char="•"/>
+            </a:pPr>
+            <a:r>
+              <a:rPr lang="en-US" sz="1400" dirty="0" smtClean="0">
+                <a:latin typeface="Lantinghei SC Extralight"/>
+                <a:cs typeface="Lantinghei SC Extralight"/>
+              </a:rPr>
+              <a:t>NOK: </a:t>
+            </a:r>
+            <a:r>
+              <a:rPr lang="en-US" sz="1400" b="1" dirty="0" smtClean="0">
+                <a:latin typeface="Lantinghei SC Extralight"/>
+                <a:cs typeface="Lantinghei SC Extralight"/>
+              </a:rPr>
+              <a:t>0.253</a:t>
+            </a:r>
+          </a:p>
+          <a:p>
+            <a:pPr marL="285750" indent="-285750">
+              <a:buFont typeface="Arial"/>
+              <a:buChar char="•"/>
+            </a:pPr>
+            <a:r>
+              <a:rPr lang="en-US" sz="1400" dirty="0" smtClean="0">
+                <a:latin typeface="Lantinghei SC Extralight"/>
+                <a:cs typeface="Lantinghei SC Extralight"/>
+              </a:rPr>
+              <a:t>NZD: </a:t>
+            </a:r>
+            <a:r>
+              <a:rPr lang="en-US" sz="1400" b="1" dirty="0" smtClean="0">
+                <a:latin typeface="Lantinghei SC Extralight"/>
+                <a:cs typeface="Lantinghei SC Extralight"/>
+              </a:rPr>
+              <a:t>0.182</a:t>
+            </a:r>
+          </a:p>
+          <a:p>
+            <a:pPr marL="285750" indent="-285750">
+              <a:buFont typeface="Arial"/>
+              <a:buChar char="•"/>
+            </a:pPr>
+            <a:r>
+              <a:rPr lang="en-US" sz="1400" dirty="0" smtClean="0">
+                <a:latin typeface="Lantinghei SC Extralight"/>
+                <a:cs typeface="Lantinghei SC Extralight"/>
+              </a:rPr>
+              <a:t>SEK: </a:t>
+            </a:r>
+            <a:r>
+              <a:rPr lang="en-US" sz="1400" b="1" dirty="0" smtClean="0">
+                <a:latin typeface="Lantinghei SC Extralight"/>
+                <a:cs typeface="Lantinghei SC Extralight"/>
+              </a:rPr>
+              <a:t>0.244</a:t>
+            </a:r>
+            <a:endParaRPr lang="en-US" sz="1400" b="1" dirty="0">
+              <a:latin typeface="Lantinghei SC Extralight"/>
+              <a:cs typeface="Lantinghei SC Extralight"/>
+            </a:endParaRPr>
+          </a:p>
+          <a:p>
+            <a:endParaRPr lang="en-US" dirty="0" smtClean="0">
+              <a:latin typeface="Lantinghei SC Extralight"/>
+              <a:cs typeface="Lantinghei SC Extralight"/>
+            </a:endParaRPr>
+          </a:p>
+          <a:p>
+            <a:r>
+              <a:rPr lang="en-US" sz="1400" b="1" dirty="0" smtClean="0">
+                <a:latin typeface="Lantinghei SC Extralight"/>
+                <a:cs typeface="Lantinghei SC Extralight"/>
+              </a:rPr>
+              <a:t>R</a:t>
+            </a:r>
+            <a:r>
+              <a:rPr lang="en-US" sz="1400" baseline="30000" dirty="0" smtClean="0">
+                <a:latin typeface="Lantinghei SC Extralight"/>
+                <a:cs typeface="Lantinghei SC Extralight"/>
+              </a:rPr>
+              <a:t>2</a:t>
+            </a:r>
+            <a:r>
+              <a:rPr lang="en-US" sz="1400" b="1" baseline="-25000" dirty="0" smtClean="0">
+                <a:latin typeface="Lantinghei SC Extralight"/>
+                <a:cs typeface="Lantinghei SC Extralight"/>
+              </a:rPr>
+              <a:t>00S</a:t>
+            </a:r>
+            <a:r>
+              <a:rPr lang="en-US" sz="1400" dirty="0" smtClean="0">
+                <a:latin typeface="Lantinghei SC Extralight"/>
+                <a:cs typeface="Lantinghei SC Extralight"/>
+              </a:rPr>
+              <a:t> = </a:t>
+            </a:r>
+            <a:r>
+              <a:rPr lang="en-US" sz="1600" b="1" dirty="0">
+                <a:solidFill>
+                  <a:srgbClr val="FF0000"/>
+                </a:solidFill>
+                <a:latin typeface="Lantinghei SC Extralight"/>
+                <a:cs typeface="Lantinghei SC Extralight"/>
+              </a:rPr>
+              <a:t>-</a:t>
+            </a:r>
+            <a:r>
+              <a:rPr lang="en-US" sz="1600" b="1" dirty="0" smtClean="0">
+                <a:solidFill>
+                  <a:srgbClr val="FF0000"/>
+                </a:solidFill>
+                <a:latin typeface="Lantinghei SC Extralight"/>
+                <a:cs typeface="Lantinghei SC Extralight"/>
+              </a:rPr>
+              <a:t>0.0375</a:t>
+            </a:r>
+          </a:p>
+          <a:p>
+            <a:endParaRPr lang="en-US" sz="1600" b="1" dirty="0" smtClean="0">
+              <a:latin typeface="Lantinghei SC Extralight"/>
+              <a:cs typeface="Lantinghei SC Extralight"/>
+            </a:endParaRPr>
+          </a:p>
+          <a:p>
+            <a:r>
+              <a:rPr lang="en-US" sz="1400" dirty="0" smtClean="0">
+                <a:latin typeface="Lantinghei SC Extralight"/>
+                <a:cs typeface="Lantinghei SC Extralight"/>
+              </a:rPr>
+              <a:t>Economic significance </a:t>
+            </a:r>
+            <a:r>
+              <a:rPr lang="en-US" sz="1400" dirty="0" smtClean="0">
+                <a:latin typeface="Lantinghei SC Extralight"/>
+                <a:cs typeface="Lantinghei SC Extralight"/>
+              </a:rPr>
+              <a:t>=</a:t>
+            </a:r>
+          </a:p>
+          <a:p>
+            <a:r>
+              <a:rPr lang="en-US" sz="1400" dirty="0" smtClean="0">
+                <a:latin typeface="Lantinghei SC Extralight"/>
+                <a:cs typeface="Lantinghei SC Extralight"/>
+              </a:rPr>
+              <a:t> </a:t>
+            </a:r>
+            <a:r>
+              <a:rPr lang="en-US" b="1" dirty="0" smtClean="0">
+                <a:latin typeface="Lantinghei SC Extralight"/>
+                <a:cs typeface="Lantinghei SC Extralight"/>
+              </a:rPr>
+              <a:t> </a:t>
+            </a:r>
+            <a:r>
+              <a:rPr lang="en-US" b="1" dirty="0">
+                <a:solidFill>
+                  <a:srgbClr val="FF0000"/>
+                </a:solidFill>
+                <a:latin typeface="Lantinghei SC Extralight"/>
+                <a:cs typeface="Lantinghei SC Extralight"/>
+              </a:rPr>
+              <a:t>-312.68% </a:t>
+            </a:r>
+            <a:endParaRPr lang="en-US" b="1" dirty="0" smtClean="0">
+              <a:solidFill>
+                <a:srgbClr val="FF0000"/>
+              </a:solidFill>
+              <a:latin typeface="Lantinghei SC Extralight"/>
+              <a:cs typeface="Lantinghei SC Extralight"/>
+            </a:endParaRPr>
           </a:p>
         </p:txBody>
       </p:sp>
@@ -8016,48 +8500,31 @@
           </p:cNvPicPr>
           <p:nvPr/>
         </p:nvPicPr>
-        <p:blipFill rotWithShape="1">
+        <p:blipFill>
           <a:blip r:embed="rId2"/>
-          <a:srcRect r="3175"/>
-          <a:stretch/>
+          <a:stretch>
+            <a:fillRect/>
+          </a:stretch>
         </p:blipFill>
         <p:spPr>
           <a:xfrm>
-            <a:off x="4564206" y="2297816"/>
-            <a:ext cx="4004229" cy="2599303"/>
+            <a:off x="3104178" y="2420770"/>
+            <a:ext cx="5487193" cy="3349437"/>
           </a:xfrm>
           <a:prstGeom prst="rect">
             <a:avLst/>
           </a:prstGeom>
-        </p:spPr>
-      </p:pic>
-      <p:pic>
-        <p:nvPicPr>
-          <p:cNvPr id="19" name="Picture 18"/>
-          <p:cNvPicPr>
-            <a:picLocks noChangeAspect="1"/>
-          </p:cNvPicPr>
-          <p:nvPr/>
-        </p:nvPicPr>
-        <p:blipFill rotWithShape="1">
-          <a:blip r:embed="rId2"/>
-          <a:srcRect r="3261"/>
-          <a:stretch/>
-        </p:blipFill>
-        <p:spPr>
-          <a:xfrm>
-            <a:off x="540846" y="2297816"/>
-            <a:ext cx="4000674" cy="2599303"/>
-          </a:xfrm>
-          <a:prstGeom prst="rect">
-            <a:avLst/>
-          </a:prstGeom>
+          <a:ln>
+            <a:solidFill>
+              <a:srgbClr val="FFFFFF"/>
+            </a:solidFill>
+          </a:ln>
         </p:spPr>
       </p:pic>
     </p:spTree>
     <p:extLst>
       <p:ext uri="{BB962C8B-B14F-4D97-AF65-F5344CB8AC3E}">
-        <p14:creationId xmlns:p14="http://schemas.microsoft.com/office/powerpoint/2010/main" val="522885760"/>
+        <p14:creationId xmlns:p14="http://schemas.microsoft.com/office/powerpoint/2010/main" val="2425370168"/>
       </p:ext>
     </p:extLst>
   </p:cSld>
@@ -8105,6 +8572,11 @@
           <a:prstGeom prst="line">
             <a:avLst/>
           </a:prstGeom>
+          <a:ln>
+            <a:solidFill>
+              <a:srgbClr val="105CA4"/>
+            </a:solidFill>
+          </a:ln>
         </p:spPr>
         <p:style>
           <a:lnRef idx="2">
@@ -8184,16 +8656,16 @@
             <a:r>
               <a:rPr lang="en-US" sz="4800" b="1" spc="300" dirty="0" smtClean="0">
                 <a:solidFill>
-                  <a:srgbClr val="F2BB2F"/>
+                  <a:srgbClr val="105CA4"/>
                 </a:solidFill>
                 <a:latin typeface="Arial Black"/>
                 <a:cs typeface="Arial Black"/>
               </a:rPr>
-              <a:t>LASSO REGRESSION</a:t>
+              <a:t>ELASTIC NET </a:t>
             </a:r>
             <a:endParaRPr lang="en-US" sz="4000" b="1" spc="300" dirty="0">
               <a:solidFill>
-                <a:srgbClr val="F2BB2F"/>
+                <a:srgbClr val="105CA4"/>
               </a:solidFill>
               <a:latin typeface="Arial Black"/>
               <a:cs typeface="Arial Black"/>
@@ -8256,6 +8728,9 @@
             <a:chOff x="-219487" y="6381723"/>
             <a:chExt cx="9379165" cy="617398"/>
           </a:xfrm>
+          <a:solidFill>
+            <a:srgbClr val="105CA4"/>
+          </a:solidFill>
         </p:grpSpPr>
         <p:sp>
           <p:nvSpPr>
@@ -8271,6 +8746,7 @@
             <a:prstGeom prst="rect">
               <a:avLst/>
             </a:prstGeom>
+            <a:grpFill/>
             <a:ln>
               <a:noFill/>
             </a:ln>
@@ -8313,7 +8789,7 @@
             <a:prstGeom prst="rect">
               <a:avLst/>
             </a:prstGeom>
-            <a:noFill/>
+            <a:grpFill/>
           </p:spPr>
           <p:txBody>
             <a:bodyPr wrap="square" rtlCol="0">
@@ -8430,6 +8906,11 @@
                 <a:avLst/>
               </a:prstGeom>
               <a:noFill/>
+              <a:ln>
+                <a:solidFill>
+                  <a:srgbClr val="105CA4"/>
+                </a:solidFill>
+              </a:ln>
             </p:spPr>
             <p:style>
               <a:lnRef idx="2">
@@ -8495,14 +8976,14 @@
       </p:grpSp>
       <p:sp>
         <p:nvSpPr>
-          <p:cNvPr id="17" name="TextBox 16"/>
+          <p:cNvPr id="18" name="TextBox 17"/>
           <p:cNvSpPr txBox="1"/>
           <p:nvPr/>
         </p:nvSpPr>
         <p:spPr>
           <a:xfrm>
-            <a:off x="544304" y="5260991"/>
-            <a:ext cx="3355026" cy="1200329"/>
+            <a:off x="621263" y="2401132"/>
+            <a:ext cx="3596029" cy="3508653"/>
           </a:xfrm>
           <a:prstGeom prst="rect">
             <a:avLst/>
@@ -8515,97 +8996,361 @@
           </a:bodyPr>
           <a:lstStyle/>
           <a:p>
-            <a:pPr algn="r"/>
-            <a:r>
-              <a:rPr lang="en-US" dirty="0" smtClean="0">
-                <a:latin typeface="Lantinghei SC Extralight"/>
-                <a:cs typeface="Lantinghei SC Extralight"/>
-              </a:rPr>
-              <a:t>Blah</a:t>
-            </a:r>
-          </a:p>
-          <a:p>
-            <a:pPr algn="r"/>
-            <a:r>
-              <a:rPr lang="en-US" dirty="0" smtClean="0">
-                <a:latin typeface="Lantinghei SC Extralight"/>
-                <a:cs typeface="Lantinghei SC Extralight"/>
-              </a:rPr>
-              <a:t>Blah</a:t>
-            </a:r>
-          </a:p>
-          <a:p>
-            <a:pPr algn="r"/>
-            <a:r>
-              <a:rPr lang="en-US" dirty="0" smtClean="0">
-                <a:latin typeface="Lantinghei SC Extralight"/>
-                <a:cs typeface="Lantinghei SC Extralight"/>
-              </a:rPr>
-              <a:t>...</a:t>
-            </a:r>
-          </a:p>
-          <a:p>
-            <a:pPr algn="r"/>
-            <a:r>
-              <a:rPr lang="en-US" dirty="0" smtClean="0">
-                <a:latin typeface="Lantinghei SC Extralight"/>
-                <a:cs typeface="Lantinghei SC Extralight"/>
-              </a:rPr>
-              <a:t>blah</a:t>
+            <a:r>
+              <a:rPr lang="en-US" sz="1400" dirty="0" smtClean="0">
+                <a:latin typeface="Lantinghei SC Extralight"/>
+                <a:cs typeface="Lantinghei SC Extralight"/>
+              </a:rPr>
+              <a:t>Maximum drawdown</a:t>
+            </a:r>
+          </a:p>
+          <a:p>
+            <a:pPr marL="285750" indent="-285750">
+              <a:buFont typeface="Arial"/>
+              <a:buChar char="•"/>
+            </a:pPr>
+            <a:r>
+              <a:rPr lang="en-US" sz="1400" dirty="0" smtClean="0">
+                <a:latin typeface="Lantinghei SC Extralight"/>
+                <a:cs typeface="Lantinghei SC Extralight"/>
+              </a:rPr>
+              <a:t>AUD: </a:t>
+            </a:r>
+            <a:r>
+              <a:rPr lang="en-US" sz="1400" b="1" dirty="0" smtClean="0">
+                <a:latin typeface="Lantinghei SC Extralight"/>
+                <a:cs typeface="Lantinghei SC Extralight"/>
+              </a:rPr>
+              <a:t>0.230</a:t>
+            </a:r>
+          </a:p>
+          <a:p>
+            <a:pPr marL="285750" indent="-285750">
+              <a:buFont typeface="Arial"/>
+              <a:buChar char="•"/>
+            </a:pPr>
+            <a:r>
+              <a:rPr lang="en-US" sz="1400" dirty="0" smtClean="0">
+                <a:latin typeface="Lantinghei SC Extralight"/>
+                <a:cs typeface="Lantinghei SC Extralight"/>
+              </a:rPr>
+              <a:t>CAD: </a:t>
+            </a:r>
+            <a:r>
+              <a:rPr lang="en-US" sz="1400" b="1" dirty="0" smtClean="0">
+                <a:latin typeface="Lantinghei SC Extralight"/>
+                <a:cs typeface="Lantinghei SC Extralight"/>
+              </a:rPr>
+              <a:t>0.081</a:t>
+            </a:r>
+          </a:p>
+          <a:p>
+            <a:pPr marL="285750" indent="-285750">
+              <a:buFont typeface="Arial"/>
+              <a:buChar char="•"/>
+            </a:pPr>
+            <a:r>
+              <a:rPr lang="en-US" sz="1400" dirty="0" smtClean="0">
+                <a:latin typeface="Lantinghei SC Extralight"/>
+                <a:cs typeface="Lantinghei SC Extralight"/>
+              </a:rPr>
+              <a:t>CHF: </a:t>
+            </a:r>
+            <a:r>
+              <a:rPr lang="en-US" sz="1400" b="1" dirty="0">
+                <a:latin typeface="Lantinghei SC Extralight"/>
+                <a:cs typeface="Lantinghei SC Extralight"/>
+              </a:rPr>
+              <a:t>0.148</a:t>
+            </a:r>
+            <a:endParaRPr lang="en-US" sz="1400" b="1" dirty="0" smtClean="0">
+              <a:latin typeface="Lantinghei SC Extralight"/>
+              <a:cs typeface="Lantinghei SC Extralight"/>
+            </a:endParaRPr>
+          </a:p>
+          <a:p>
+            <a:pPr marL="285750" indent="-285750">
+              <a:buFont typeface="Arial"/>
+              <a:buChar char="•"/>
+            </a:pPr>
+            <a:r>
+              <a:rPr lang="en-US" sz="1400" dirty="0" smtClean="0">
+                <a:latin typeface="Lantinghei SC Extralight"/>
+                <a:cs typeface="Lantinghei SC Extralight"/>
+              </a:rPr>
+              <a:t>EUR: </a:t>
+            </a:r>
+            <a:r>
+              <a:rPr lang="en-US" sz="1400" b="1" dirty="0" smtClean="0">
+                <a:latin typeface="Lantinghei SC Extralight"/>
+                <a:cs typeface="Lantinghei SC Extralight"/>
+              </a:rPr>
+              <a:t>0.254</a:t>
+            </a:r>
+          </a:p>
+          <a:p>
+            <a:pPr marL="285750" indent="-285750">
+              <a:buFont typeface="Arial"/>
+              <a:buChar char="•"/>
+            </a:pPr>
+            <a:r>
+              <a:rPr lang="en-US" sz="1400" dirty="0" smtClean="0">
+                <a:latin typeface="Lantinghei SC Extralight"/>
+                <a:cs typeface="Lantinghei SC Extralight"/>
+              </a:rPr>
+              <a:t>GBP: </a:t>
+            </a:r>
+            <a:r>
+              <a:rPr lang="en-US" sz="1400" b="1" dirty="0" smtClean="0">
+                <a:latin typeface="Lantinghei SC Extralight"/>
+                <a:cs typeface="Lantinghei SC Extralight"/>
+              </a:rPr>
+              <a:t>0.122</a:t>
+            </a:r>
+          </a:p>
+          <a:p>
+            <a:pPr marL="285750" indent="-285750">
+              <a:buFont typeface="Arial"/>
+              <a:buChar char="•"/>
+            </a:pPr>
+            <a:r>
+              <a:rPr lang="en-US" sz="1400" dirty="0" smtClean="0">
+                <a:latin typeface="Lantinghei SC Extralight"/>
+                <a:cs typeface="Lantinghei SC Extralight"/>
+              </a:rPr>
+              <a:t>JPY: </a:t>
+            </a:r>
+            <a:r>
+              <a:rPr lang="en-US" sz="1400" b="1" dirty="0" smtClean="0">
+                <a:latin typeface="Lantinghei SC Extralight"/>
+                <a:cs typeface="Lantinghei SC Extralight"/>
+              </a:rPr>
+              <a:t>0.314</a:t>
+            </a:r>
+          </a:p>
+          <a:p>
+            <a:pPr marL="285750" indent="-285750">
+              <a:buFont typeface="Arial"/>
+              <a:buChar char="•"/>
+            </a:pPr>
+            <a:r>
+              <a:rPr lang="en-US" sz="1400" dirty="0" smtClean="0">
+                <a:latin typeface="Lantinghei SC Extralight"/>
+                <a:cs typeface="Lantinghei SC Extralight"/>
+              </a:rPr>
+              <a:t>NOK: </a:t>
+            </a:r>
+            <a:r>
+              <a:rPr lang="en-US" sz="1400" b="1" dirty="0">
+                <a:latin typeface="Lantinghei SC Extralight"/>
+                <a:cs typeface="Lantinghei SC Extralight"/>
+              </a:rPr>
+              <a:t> 0.244</a:t>
+            </a:r>
+            <a:endParaRPr lang="en-US" sz="1400" b="1" dirty="0" smtClean="0">
+              <a:latin typeface="Lantinghei SC Extralight"/>
+              <a:cs typeface="Lantinghei SC Extralight"/>
+            </a:endParaRPr>
+          </a:p>
+          <a:p>
+            <a:pPr marL="285750" indent="-285750">
+              <a:buFont typeface="Arial"/>
+              <a:buChar char="•"/>
+            </a:pPr>
+            <a:r>
+              <a:rPr lang="en-US" sz="1400" dirty="0" smtClean="0">
+                <a:latin typeface="Lantinghei SC Extralight"/>
+                <a:cs typeface="Lantinghei SC Extralight"/>
+              </a:rPr>
+              <a:t>NZD: </a:t>
+            </a:r>
+            <a:r>
+              <a:rPr lang="en-US" sz="1400" b="1" dirty="0" smtClean="0">
+                <a:latin typeface="Lantinghei SC Extralight"/>
+                <a:cs typeface="Lantinghei SC Extralight"/>
+              </a:rPr>
+              <a:t>0.185</a:t>
+            </a:r>
+          </a:p>
+          <a:p>
+            <a:pPr marL="285750" indent="-285750">
+              <a:buFont typeface="Arial"/>
+              <a:buChar char="•"/>
+            </a:pPr>
+            <a:r>
+              <a:rPr lang="en-US" sz="1400" dirty="0" smtClean="0">
+                <a:latin typeface="Lantinghei SC Extralight"/>
+                <a:cs typeface="Lantinghei SC Extralight"/>
+              </a:rPr>
+              <a:t>SEK: </a:t>
+            </a:r>
+            <a:r>
+              <a:rPr lang="en-US" sz="1400" b="1" dirty="0" smtClean="0">
+                <a:latin typeface="Lantinghei SC Extralight"/>
+                <a:cs typeface="Lantinghei SC Extralight"/>
+              </a:rPr>
+              <a:t>0.242</a:t>
+            </a:r>
+            <a:endParaRPr lang="en-US" sz="1400" b="1" dirty="0">
+              <a:latin typeface="Lantinghei SC Extralight"/>
+              <a:cs typeface="Lantinghei SC Extralight"/>
+            </a:endParaRPr>
+          </a:p>
+          <a:p>
+            <a:endParaRPr lang="en-US" dirty="0" smtClean="0">
+              <a:latin typeface="Lantinghei SC Extralight"/>
+              <a:cs typeface="Lantinghei SC Extralight"/>
+            </a:endParaRPr>
+          </a:p>
+          <a:p>
+            <a:r>
+              <a:rPr lang="en-US" sz="1400" b="1" dirty="0" smtClean="0">
+                <a:latin typeface="Lantinghei SC Extralight"/>
+                <a:cs typeface="Lantinghei SC Extralight"/>
+              </a:rPr>
+              <a:t>R</a:t>
+            </a:r>
+            <a:r>
+              <a:rPr lang="en-US" sz="1400" baseline="30000" dirty="0" smtClean="0">
+                <a:latin typeface="Lantinghei SC Extralight"/>
+                <a:cs typeface="Lantinghei SC Extralight"/>
+              </a:rPr>
+              <a:t>2</a:t>
+            </a:r>
+            <a:r>
+              <a:rPr lang="en-US" sz="1400" b="1" baseline="-25000" dirty="0" smtClean="0">
+                <a:latin typeface="Lantinghei SC Extralight"/>
+                <a:cs typeface="Lantinghei SC Extralight"/>
+              </a:rPr>
+              <a:t>00S</a:t>
+            </a:r>
+            <a:r>
+              <a:rPr lang="en-US" sz="1400" dirty="0" smtClean="0">
+                <a:latin typeface="Lantinghei SC Extralight"/>
+                <a:cs typeface="Lantinghei SC Extralight"/>
+              </a:rPr>
+              <a:t> = </a:t>
+            </a:r>
+            <a:r>
+              <a:rPr lang="en-US" sz="1600" b="1" dirty="0" smtClean="0">
+                <a:solidFill>
+                  <a:srgbClr val="FF0000"/>
+                </a:solidFill>
+                <a:latin typeface="Lantinghei SC Extralight"/>
+                <a:cs typeface="Lantinghei SC Extralight"/>
+              </a:rPr>
+              <a:t>-</a:t>
+            </a:r>
+            <a:r>
+              <a:rPr lang="en-US" sz="1600" b="1" dirty="0" smtClean="0">
+                <a:solidFill>
+                  <a:srgbClr val="FF0000"/>
+                </a:solidFill>
+                <a:latin typeface="Lantinghei SC Extralight"/>
+                <a:cs typeface="Lantinghei SC Extralight"/>
+              </a:rPr>
+              <a:t>0.0351</a:t>
+            </a:r>
+          </a:p>
+          <a:p>
+            <a:endParaRPr lang="en-US" sz="1600" b="1" dirty="0" smtClean="0">
+              <a:latin typeface="Lantinghei SC Extralight"/>
+              <a:cs typeface="Lantinghei SC Extralight"/>
+            </a:endParaRPr>
+          </a:p>
+          <a:p>
+            <a:r>
+              <a:rPr lang="en-US" sz="1400" dirty="0" smtClean="0">
+                <a:latin typeface="Lantinghei SC Extralight"/>
+                <a:cs typeface="Lantinghei SC Extralight"/>
+              </a:rPr>
+              <a:t>Economic significance </a:t>
+            </a:r>
+            <a:r>
+              <a:rPr lang="en-US" sz="1400" dirty="0" smtClean="0">
+                <a:latin typeface="Lantinghei SC Extralight"/>
+                <a:cs typeface="Lantinghei SC Extralight"/>
+              </a:rPr>
+              <a:t>=</a:t>
+            </a:r>
+          </a:p>
+          <a:p>
+            <a:r>
+              <a:rPr lang="en-US" sz="1400" dirty="0" smtClean="0">
+                <a:solidFill>
+                  <a:srgbClr val="FF0000"/>
+                </a:solidFill>
+                <a:latin typeface="Lantinghei SC Extralight"/>
+                <a:cs typeface="Lantinghei SC Extralight"/>
+              </a:rPr>
+              <a:t> </a:t>
+            </a:r>
+            <a:r>
+              <a:rPr lang="en-US" b="1" dirty="0" smtClean="0">
+                <a:solidFill>
+                  <a:srgbClr val="FF0000"/>
+                </a:solidFill>
+                <a:latin typeface="Lantinghei SC Extralight"/>
+                <a:cs typeface="Lantinghei SC Extralight"/>
+              </a:rPr>
+              <a:t> </a:t>
+            </a:r>
+            <a:r>
+              <a:rPr lang="en-US" b="1" dirty="0">
+                <a:solidFill>
+                  <a:srgbClr val="FF0000"/>
+                </a:solidFill>
+                <a:latin typeface="Lantinghei SC Extralight"/>
+                <a:cs typeface="Lantinghei SC Extralight"/>
+              </a:rPr>
+              <a:t>-</a:t>
+            </a:r>
+            <a:r>
+              <a:rPr lang="en-US" b="1" dirty="0" smtClean="0">
+                <a:solidFill>
+                  <a:srgbClr val="FF0000"/>
+                </a:solidFill>
+                <a:latin typeface="Lantinghei SC Extralight"/>
+                <a:cs typeface="Lantinghei SC Extralight"/>
+              </a:rPr>
+              <a:t>292.13% </a:t>
             </a:r>
           </a:p>
         </p:txBody>
       </p:sp>
       <p:pic>
         <p:nvPicPr>
-          <p:cNvPr id="18" name="Picture 17"/>
+          <p:cNvPr id="17" name="Picture 16"/>
           <p:cNvPicPr>
             <a:picLocks noChangeAspect="1"/>
           </p:cNvPicPr>
           <p:nvPr/>
         </p:nvPicPr>
-        <p:blipFill rotWithShape="1">
+        <p:blipFill>
           <a:blip r:embed="rId2"/>
-          <a:srcRect r="3175"/>
-          <a:stretch/>
+          <a:stretch>
+            <a:fillRect/>
+          </a:stretch>
         </p:blipFill>
         <p:spPr>
           <a:xfrm>
-            <a:off x="4564206" y="2297816"/>
-            <a:ext cx="4004229" cy="2599303"/>
+            <a:off x="3104178" y="2389035"/>
+            <a:ext cx="5486978" cy="3381306"/>
           </a:xfrm>
           <a:prstGeom prst="rect">
             <a:avLst/>
           </a:prstGeom>
-        </p:spPr>
-      </p:pic>
-      <p:pic>
-        <p:nvPicPr>
-          <p:cNvPr id="19" name="Picture 18"/>
-          <p:cNvPicPr>
-            <a:picLocks noChangeAspect="1"/>
-          </p:cNvPicPr>
-          <p:nvPr/>
-        </p:nvPicPr>
-        <p:blipFill rotWithShape="1">
-          <a:blip r:embed="rId2"/>
-          <a:srcRect r="3261"/>
-          <a:stretch/>
-        </p:blipFill>
-        <p:spPr>
-          <a:xfrm>
-            <a:off x="540846" y="2297816"/>
-            <a:ext cx="4000674" cy="2599303"/>
-          </a:xfrm>
-          <a:prstGeom prst="rect">
-            <a:avLst/>
-          </a:prstGeom>
+          <a:ln>
+            <a:solidFill>
+              <a:srgbClr val="FFFFFF"/>
+            </a:solidFill>
+          </a:ln>
         </p:spPr>
       </p:pic>
     </p:spTree>
     <p:extLst>
       <p:ext uri="{BB962C8B-B14F-4D97-AF65-F5344CB8AC3E}">
-        <p14:creationId xmlns:p14="http://schemas.microsoft.com/office/powerpoint/2010/main" val="2425370168"/>
+        <p14:creationId xmlns:p14="http://schemas.microsoft.com/office/powerpoint/2010/main" val="2956983236"/>
       </p:ext>
     </p:extLst>
   </p:cSld>
@@ -8653,6 +9398,11 @@
           <a:prstGeom prst="line">
             <a:avLst/>
           </a:prstGeom>
+          <a:ln>
+            <a:solidFill>
+              <a:srgbClr val="105CA4"/>
+            </a:solidFill>
+          </a:ln>
         </p:spPr>
         <p:style>
           <a:lnRef idx="2">
@@ -8732,16 +9482,16 @@
             <a:r>
               <a:rPr lang="en-US" sz="4800" b="1" spc="300" dirty="0" smtClean="0">
                 <a:solidFill>
-                  <a:srgbClr val="F2BB2F"/>
+                  <a:srgbClr val="105CA4"/>
                 </a:solidFill>
                 <a:latin typeface="Arial Black"/>
                 <a:cs typeface="Arial Black"/>
               </a:rPr>
-              <a:t>ELASTIC NET </a:t>
+              <a:t>RANDOM FOREST</a:t>
             </a:r>
             <a:endParaRPr lang="en-US" sz="4000" b="1" spc="300" dirty="0">
               <a:solidFill>
-                <a:srgbClr val="F2BB2F"/>
+                <a:srgbClr val="105CA4"/>
               </a:solidFill>
               <a:latin typeface="Arial Black"/>
               <a:cs typeface="Arial Black"/>
@@ -8804,6 +9554,9 @@
             <a:chOff x="-219487" y="6381723"/>
             <a:chExt cx="9379165" cy="617398"/>
           </a:xfrm>
+          <a:solidFill>
+            <a:srgbClr val="105CA4"/>
+          </a:solidFill>
         </p:grpSpPr>
         <p:sp>
           <p:nvSpPr>
@@ -8819,6 +9572,7 @@
             <a:prstGeom prst="rect">
               <a:avLst/>
             </a:prstGeom>
+            <a:grpFill/>
             <a:ln>
               <a:noFill/>
             </a:ln>
@@ -8861,7 +9615,7 @@
             <a:prstGeom prst="rect">
               <a:avLst/>
             </a:prstGeom>
-            <a:noFill/>
+            <a:grpFill/>
           </p:spPr>
           <p:txBody>
             <a:bodyPr wrap="square" rtlCol="0">
@@ -8978,6 +9732,11 @@
                 <a:avLst/>
               </a:prstGeom>
               <a:noFill/>
+              <a:ln>
+                <a:solidFill>
+                  <a:srgbClr val="105CA4"/>
+                </a:solidFill>
+              </a:ln>
             </p:spPr>
             <p:style>
               <a:lnRef idx="2">
@@ -9043,14 +9802,14 @@
       </p:grpSp>
       <p:sp>
         <p:nvSpPr>
-          <p:cNvPr id="17" name="TextBox 16"/>
+          <p:cNvPr id="20" name="TextBox 19"/>
           <p:cNvSpPr txBox="1"/>
           <p:nvPr/>
         </p:nvSpPr>
         <p:spPr>
           <a:xfrm>
-            <a:off x="544304" y="5260991"/>
-            <a:ext cx="3355026" cy="1200329"/>
+            <a:off x="621263" y="2401132"/>
+            <a:ext cx="3596029" cy="3508653"/>
           </a:xfrm>
           <a:prstGeom prst="rect">
             <a:avLst/>
@@ -9063,97 +9822,357 @@
           </a:bodyPr>
           <a:lstStyle/>
           <a:p>
-            <a:pPr algn="r"/>
-            <a:r>
-              <a:rPr lang="en-US" dirty="0" smtClean="0">
-                <a:latin typeface="Lantinghei SC Extralight"/>
-                <a:cs typeface="Lantinghei SC Extralight"/>
-              </a:rPr>
-              <a:t>Blah</a:t>
-            </a:r>
-          </a:p>
-          <a:p>
-            <a:pPr algn="r"/>
-            <a:r>
-              <a:rPr lang="en-US" dirty="0" smtClean="0">
-                <a:latin typeface="Lantinghei SC Extralight"/>
-                <a:cs typeface="Lantinghei SC Extralight"/>
-              </a:rPr>
-              <a:t>Blah</a:t>
-            </a:r>
-          </a:p>
-          <a:p>
-            <a:pPr algn="r"/>
-            <a:r>
-              <a:rPr lang="en-US" dirty="0" smtClean="0">
-                <a:latin typeface="Lantinghei SC Extralight"/>
-                <a:cs typeface="Lantinghei SC Extralight"/>
-              </a:rPr>
-              <a:t>...</a:t>
-            </a:r>
-          </a:p>
-          <a:p>
-            <a:pPr algn="r"/>
-            <a:r>
-              <a:rPr lang="en-US" dirty="0" smtClean="0">
-                <a:latin typeface="Lantinghei SC Extralight"/>
-                <a:cs typeface="Lantinghei SC Extralight"/>
-              </a:rPr>
-              <a:t>blah</a:t>
-            </a:r>
+            <a:r>
+              <a:rPr lang="en-US" sz="1400" dirty="0" smtClean="0">
+                <a:latin typeface="Lantinghei SC Extralight"/>
+                <a:cs typeface="Lantinghei SC Extralight"/>
+              </a:rPr>
+              <a:t>Maximum drawdown</a:t>
+            </a:r>
+          </a:p>
+          <a:p>
+            <a:pPr marL="285750" indent="-285750">
+              <a:buFont typeface="Arial"/>
+              <a:buChar char="•"/>
+            </a:pPr>
+            <a:r>
+              <a:rPr lang="en-US" sz="1400" dirty="0" smtClean="0">
+                <a:latin typeface="Lantinghei SC Extralight"/>
+                <a:cs typeface="Lantinghei SC Extralight"/>
+              </a:rPr>
+              <a:t>AUD: </a:t>
+            </a:r>
+            <a:r>
+              <a:rPr lang="en-US" sz="1400" b="1" dirty="0">
+                <a:latin typeface="Lantinghei SC Extralight"/>
+                <a:cs typeface="Lantinghei SC Extralight"/>
+              </a:rPr>
+              <a:t>0.570</a:t>
+            </a:r>
+            <a:endParaRPr lang="en-US" sz="1400" b="1" dirty="0" smtClean="0">
+              <a:latin typeface="Lantinghei SC Extralight"/>
+              <a:cs typeface="Lantinghei SC Extralight"/>
+            </a:endParaRPr>
+          </a:p>
+          <a:p>
+            <a:pPr marL="285750" indent="-285750">
+              <a:buFont typeface="Arial"/>
+              <a:buChar char="•"/>
+            </a:pPr>
+            <a:r>
+              <a:rPr lang="en-US" sz="1400" dirty="0" smtClean="0">
+                <a:latin typeface="Lantinghei SC Extralight"/>
+                <a:cs typeface="Lantinghei SC Extralight"/>
+              </a:rPr>
+              <a:t>CAD: </a:t>
+            </a:r>
+            <a:r>
+              <a:rPr lang="en-US" sz="1400" b="1" dirty="0">
+                <a:latin typeface="Lantinghei SC Extralight"/>
+                <a:cs typeface="Lantinghei SC Extralight"/>
+              </a:rPr>
+              <a:t>0.356</a:t>
+            </a:r>
+            <a:endParaRPr lang="en-US" sz="1400" b="1" dirty="0" smtClean="0">
+              <a:latin typeface="Lantinghei SC Extralight"/>
+              <a:cs typeface="Lantinghei SC Extralight"/>
+            </a:endParaRPr>
+          </a:p>
+          <a:p>
+            <a:pPr marL="285750" indent="-285750">
+              <a:buFont typeface="Arial"/>
+              <a:buChar char="•"/>
+            </a:pPr>
+            <a:r>
+              <a:rPr lang="en-US" sz="1400" dirty="0" smtClean="0">
+                <a:latin typeface="Lantinghei SC Extralight"/>
+                <a:cs typeface="Lantinghei SC Extralight"/>
+              </a:rPr>
+              <a:t>CHF: </a:t>
+            </a:r>
+            <a:r>
+              <a:rPr lang="en-US" sz="1400" b="1" dirty="0">
+                <a:latin typeface="Lantinghei SC Extralight"/>
+                <a:cs typeface="Lantinghei SC Extralight"/>
+              </a:rPr>
+              <a:t>0.392</a:t>
+            </a:r>
+            <a:endParaRPr lang="en-US" sz="1400" b="1" dirty="0" smtClean="0">
+              <a:latin typeface="Lantinghei SC Extralight"/>
+              <a:cs typeface="Lantinghei SC Extralight"/>
+            </a:endParaRPr>
+          </a:p>
+          <a:p>
+            <a:pPr marL="285750" indent="-285750">
+              <a:buFont typeface="Arial"/>
+              <a:buChar char="•"/>
+            </a:pPr>
+            <a:r>
+              <a:rPr lang="en-US" sz="1400" dirty="0" smtClean="0">
+                <a:latin typeface="Lantinghei SC Extralight"/>
+                <a:cs typeface="Lantinghei SC Extralight"/>
+              </a:rPr>
+              <a:t>EUR: </a:t>
+            </a:r>
+            <a:r>
+              <a:rPr lang="en-US" sz="1400" b="1" dirty="0">
+                <a:latin typeface="Lantinghei SC Extralight"/>
+                <a:cs typeface="Lantinghei SC Extralight"/>
+              </a:rPr>
+              <a:t>0.449</a:t>
+            </a:r>
+            <a:endParaRPr lang="en-US" sz="1400" b="1" dirty="0" smtClean="0">
+              <a:latin typeface="Lantinghei SC Extralight"/>
+              <a:cs typeface="Lantinghei SC Extralight"/>
+            </a:endParaRPr>
+          </a:p>
+          <a:p>
+            <a:pPr marL="285750" indent="-285750">
+              <a:buFont typeface="Arial"/>
+              <a:buChar char="•"/>
+            </a:pPr>
+            <a:r>
+              <a:rPr lang="en-US" sz="1400" dirty="0" smtClean="0">
+                <a:latin typeface="Lantinghei SC Extralight"/>
+                <a:cs typeface="Lantinghei SC Extralight"/>
+              </a:rPr>
+              <a:t>GBP: </a:t>
+            </a:r>
+            <a:r>
+              <a:rPr lang="en-US" sz="1400" b="1" dirty="0" smtClean="0">
+                <a:latin typeface="Lantinghei SC Extralight"/>
+                <a:cs typeface="Lantinghei SC Extralight"/>
+              </a:rPr>
+              <a:t>0.407</a:t>
+            </a:r>
+          </a:p>
+          <a:p>
+            <a:pPr marL="285750" indent="-285750">
+              <a:buFont typeface="Arial"/>
+              <a:buChar char="•"/>
+            </a:pPr>
+            <a:r>
+              <a:rPr lang="en-US" sz="1400" dirty="0" smtClean="0">
+                <a:latin typeface="Lantinghei SC Extralight"/>
+                <a:cs typeface="Lantinghei SC Extralight"/>
+              </a:rPr>
+              <a:t>JPY: </a:t>
+            </a:r>
+            <a:r>
+              <a:rPr lang="en-US" sz="1400" b="1" dirty="0" smtClean="0">
+                <a:latin typeface="Lantinghei SC Extralight"/>
+                <a:cs typeface="Lantinghei SC Extralight"/>
+              </a:rPr>
+              <a:t>0.703</a:t>
+            </a:r>
+          </a:p>
+          <a:p>
+            <a:pPr marL="285750" indent="-285750">
+              <a:buFont typeface="Arial"/>
+              <a:buChar char="•"/>
+            </a:pPr>
+            <a:r>
+              <a:rPr lang="en-US" sz="1400" dirty="0" smtClean="0">
+                <a:latin typeface="Lantinghei SC Extralight"/>
+                <a:cs typeface="Lantinghei SC Extralight"/>
+              </a:rPr>
+              <a:t>NOK: </a:t>
+            </a:r>
+            <a:r>
+              <a:rPr lang="en-US" sz="1400" b="1" dirty="0">
+                <a:latin typeface="Lantinghei SC Extralight"/>
+                <a:cs typeface="Lantinghei SC Extralight"/>
+              </a:rPr>
+              <a:t>0.545</a:t>
+            </a:r>
+            <a:endParaRPr lang="en-US" sz="1400" b="1" dirty="0" smtClean="0">
+              <a:latin typeface="Lantinghei SC Extralight"/>
+              <a:cs typeface="Lantinghei SC Extralight"/>
+            </a:endParaRPr>
+          </a:p>
+          <a:p>
+            <a:pPr marL="285750" indent="-285750">
+              <a:buFont typeface="Arial"/>
+              <a:buChar char="•"/>
+            </a:pPr>
+            <a:r>
+              <a:rPr lang="en-US" sz="1400" dirty="0" smtClean="0">
+                <a:latin typeface="Lantinghei SC Extralight"/>
+                <a:cs typeface="Lantinghei SC Extralight"/>
+              </a:rPr>
+              <a:t>NZD: </a:t>
+            </a:r>
+            <a:r>
+              <a:rPr lang="en-US" sz="1400" b="1" dirty="0">
+                <a:latin typeface="Lantinghei SC Extralight"/>
+                <a:cs typeface="Lantinghei SC Extralight"/>
+              </a:rPr>
+              <a:t>0.181</a:t>
+            </a:r>
+            <a:endParaRPr lang="en-US" sz="1400" b="1" dirty="0" smtClean="0">
+              <a:latin typeface="Lantinghei SC Extralight"/>
+              <a:cs typeface="Lantinghei SC Extralight"/>
+            </a:endParaRPr>
+          </a:p>
+          <a:p>
+            <a:pPr marL="285750" indent="-285750">
+              <a:buFont typeface="Arial"/>
+              <a:buChar char="•"/>
+            </a:pPr>
+            <a:r>
+              <a:rPr lang="en-US" sz="1400" dirty="0" smtClean="0">
+                <a:latin typeface="Lantinghei SC Extralight"/>
+                <a:cs typeface="Lantinghei SC Extralight"/>
+              </a:rPr>
+              <a:t>SEK: </a:t>
+            </a:r>
+            <a:r>
+              <a:rPr lang="en-US" sz="1400" b="1" dirty="0">
+                <a:latin typeface="Lantinghei SC Extralight"/>
+                <a:cs typeface="Lantinghei SC Extralight"/>
+              </a:rPr>
+              <a:t> 0.508</a:t>
+            </a:r>
+          </a:p>
+          <a:p>
+            <a:endParaRPr lang="en-US" dirty="0" smtClean="0">
+              <a:latin typeface="Lantinghei SC Extralight"/>
+              <a:cs typeface="Lantinghei SC Extralight"/>
+            </a:endParaRPr>
+          </a:p>
+          <a:p>
+            <a:r>
+              <a:rPr lang="en-US" sz="1400" b="1" dirty="0" smtClean="0">
+                <a:latin typeface="Lantinghei SC Extralight"/>
+                <a:cs typeface="Lantinghei SC Extralight"/>
+              </a:rPr>
+              <a:t>R</a:t>
+            </a:r>
+            <a:r>
+              <a:rPr lang="en-US" sz="1400" baseline="30000" dirty="0" smtClean="0">
+                <a:latin typeface="Lantinghei SC Extralight"/>
+                <a:cs typeface="Lantinghei SC Extralight"/>
+              </a:rPr>
+              <a:t>2</a:t>
+            </a:r>
+            <a:r>
+              <a:rPr lang="en-US" sz="1400" b="1" baseline="-25000" dirty="0" smtClean="0">
+                <a:latin typeface="Lantinghei SC Extralight"/>
+                <a:cs typeface="Lantinghei SC Extralight"/>
+              </a:rPr>
+              <a:t>00S</a:t>
+            </a:r>
+            <a:r>
+              <a:rPr lang="en-US" sz="1400" dirty="0" smtClean="0">
+                <a:latin typeface="Lantinghei SC Extralight"/>
+                <a:cs typeface="Lantinghei SC Extralight"/>
+              </a:rPr>
+              <a:t> = </a:t>
+            </a:r>
+            <a:r>
+              <a:rPr lang="en-US" sz="1600" b="1" dirty="0" smtClean="0">
+                <a:solidFill>
+                  <a:srgbClr val="FF0000"/>
+                </a:solidFill>
+                <a:latin typeface="Lantinghei SC Extralight"/>
+                <a:cs typeface="Lantinghei SC Extralight"/>
+              </a:rPr>
+              <a:t>-</a:t>
+            </a:r>
+            <a:r>
+              <a:rPr lang="en-US" sz="1600" b="1" dirty="0" smtClean="0">
+                <a:solidFill>
+                  <a:srgbClr val="FF0000"/>
+                </a:solidFill>
+                <a:latin typeface="Lantinghei SC Extralight"/>
+                <a:cs typeface="Lantinghei SC Extralight"/>
+              </a:rPr>
+              <a:t>0.0981</a:t>
+            </a:r>
+          </a:p>
+          <a:p>
+            <a:endParaRPr lang="en-US" sz="1600" b="1" dirty="0" smtClean="0">
+              <a:latin typeface="Lantinghei SC Extralight"/>
+              <a:cs typeface="Lantinghei SC Extralight"/>
+            </a:endParaRPr>
+          </a:p>
+          <a:p>
+            <a:r>
+              <a:rPr lang="en-US" sz="1400" dirty="0" smtClean="0">
+                <a:latin typeface="Lantinghei SC Extralight"/>
+                <a:cs typeface="Lantinghei SC Extralight"/>
+              </a:rPr>
+              <a:t>Economic significance = </a:t>
+            </a:r>
+            <a:endParaRPr lang="en-US" sz="1400" dirty="0" smtClean="0">
+              <a:latin typeface="Lantinghei SC Extralight"/>
+              <a:cs typeface="Lantinghei SC Extralight"/>
+            </a:endParaRPr>
+          </a:p>
+          <a:p>
+            <a:r>
+              <a:rPr lang="en-US" b="1" dirty="0" smtClean="0">
+                <a:solidFill>
+                  <a:srgbClr val="FF0000"/>
+                </a:solidFill>
+                <a:latin typeface="Lantinghei SC Extralight"/>
+                <a:cs typeface="Lantinghei SC Extralight"/>
+              </a:rPr>
+              <a:t> </a:t>
+            </a:r>
+            <a:r>
+              <a:rPr lang="en-US" b="1" dirty="0">
+                <a:solidFill>
+                  <a:srgbClr val="FF0000"/>
+                </a:solidFill>
+                <a:latin typeface="Lantinghei SC Extralight"/>
+                <a:cs typeface="Lantinghei SC Extralight"/>
+              </a:rPr>
+              <a:t>-817.77% </a:t>
+            </a:r>
+            <a:endParaRPr lang="en-US" b="1" dirty="0" smtClean="0">
+              <a:solidFill>
+                <a:srgbClr val="FF0000"/>
+              </a:solidFill>
+              <a:latin typeface="Lantinghei SC Extralight"/>
+              <a:cs typeface="Lantinghei SC Extralight"/>
+            </a:endParaRPr>
           </a:p>
         </p:txBody>
       </p:sp>
       <p:pic>
         <p:nvPicPr>
-          <p:cNvPr id="18" name="Picture 17"/>
+          <p:cNvPr id="17" name="Picture 16"/>
           <p:cNvPicPr>
             <a:picLocks noChangeAspect="1"/>
           </p:cNvPicPr>
           <p:nvPr/>
         </p:nvPicPr>
-        <p:blipFill rotWithShape="1">
+        <p:blipFill>
           <a:blip r:embed="rId2"/>
-          <a:srcRect r="3175"/>
-          <a:stretch/>
+          <a:stretch>
+            <a:fillRect/>
+          </a:stretch>
         </p:blipFill>
         <p:spPr>
           <a:xfrm>
-            <a:off x="4564206" y="2297816"/>
-            <a:ext cx="4004229" cy="2599303"/>
+            <a:off x="3104178" y="2388768"/>
+            <a:ext cx="5487193" cy="3381439"/>
           </a:xfrm>
           <a:prstGeom prst="rect">
             <a:avLst/>
           </a:prstGeom>
-        </p:spPr>
-      </p:pic>
-      <p:pic>
-        <p:nvPicPr>
-          <p:cNvPr id="19" name="Picture 18"/>
-          <p:cNvPicPr>
-            <a:picLocks noChangeAspect="1"/>
-          </p:cNvPicPr>
-          <p:nvPr/>
-        </p:nvPicPr>
-        <p:blipFill rotWithShape="1">
-          <a:blip r:embed="rId2"/>
-          <a:srcRect r="3261"/>
-          <a:stretch/>
-        </p:blipFill>
-        <p:spPr>
-          <a:xfrm>
-            <a:off x="540846" y="2297816"/>
-            <a:ext cx="4000674" cy="2599303"/>
-          </a:xfrm>
-          <a:prstGeom prst="rect">
-            <a:avLst/>
-          </a:prstGeom>
+          <a:ln>
+            <a:solidFill>
+              <a:schemeClr val="bg1"/>
+            </a:solidFill>
+          </a:ln>
         </p:spPr>
       </p:pic>
     </p:spTree>
     <p:extLst>
       <p:ext uri="{BB962C8B-B14F-4D97-AF65-F5344CB8AC3E}">
-        <p14:creationId xmlns:p14="http://schemas.microsoft.com/office/powerpoint/2010/main" val="2956983236"/>
+        <p14:creationId xmlns:p14="http://schemas.microsoft.com/office/powerpoint/2010/main" val="522885760"/>
       </p:ext>
     </p:extLst>
   </p:cSld>
@@ -9201,6 +10220,11 @@
           <a:prstGeom prst="line">
             <a:avLst/>
           </a:prstGeom>
+          <a:ln>
+            <a:solidFill>
+              <a:srgbClr val="105CA4"/>
+            </a:solidFill>
+          </a:ln>
         </p:spPr>
         <p:style>
           <a:lnRef idx="2">
@@ -9263,7 +10287,7 @@
         <p:spPr>
           <a:xfrm>
             <a:off x="376272" y="1466820"/>
-            <a:ext cx="8168059" cy="830997"/>
+            <a:ext cx="8168059" cy="1569660"/>
           </a:xfrm>
           <a:prstGeom prst="rect">
             <a:avLst/>
@@ -9280,16 +10304,46 @@
             <a:r>
               <a:rPr lang="en-US" sz="4800" b="1" spc="300" dirty="0" smtClean="0">
                 <a:solidFill>
-                  <a:srgbClr val="F2BB2F"/>
+                  <a:srgbClr val="105CA4"/>
                 </a:solidFill>
                 <a:latin typeface="Arial Black"/>
                 <a:cs typeface="Arial Black"/>
               </a:rPr>
-              <a:t>RANDOM FOREST</a:t>
+              <a:t>RANDOM </a:t>
+            </a:r>
+            <a:r>
+              <a:rPr lang="en-US" sz="4800" b="1" spc="300" dirty="0" smtClean="0">
+                <a:solidFill>
+                  <a:srgbClr val="105CA4"/>
+                </a:solidFill>
+                <a:latin typeface="Arial Black"/>
+                <a:cs typeface="Arial Black"/>
+              </a:rPr>
+              <a:t>FOREST </a:t>
+            </a:r>
+            <a:r>
+              <a:rPr lang="en-US" sz="2800" b="1" spc="300" dirty="0" smtClean="0">
+                <a:solidFill>
+                  <a:srgbClr val="105CA4"/>
+                </a:solidFill>
+                <a:latin typeface="Arial Black"/>
+                <a:cs typeface="Arial Black"/>
+              </a:rPr>
+              <a:t>WITH</a:t>
+            </a:r>
+            <a:r>
+              <a:rPr lang="en-US" sz="4800" b="1" spc="300" dirty="0" smtClean="0">
+                <a:solidFill>
+                  <a:srgbClr val="105CA4"/>
+                </a:solidFill>
+                <a:latin typeface="Arial Black"/>
+                <a:cs typeface="Arial Black"/>
+              </a:rPr>
+              <a:t> LASSO</a:t>
             </a:r>
             <a:endParaRPr lang="en-US" sz="4000" b="1" spc="300" dirty="0">
               <a:solidFill>
-                <a:srgbClr val="F2BB2F"/>
+                <a:srgbClr val="105CA4"/>
               </a:solidFill>
               <a:latin typeface="Arial Black"/>
               <a:cs typeface="Arial Black"/>
@@ -9352,6 +10406,9 @@
             <a:chOff x="-219487" y="6381723"/>
             <a:chExt cx="9379165" cy="617398"/>
           </a:xfrm>
+          <a:solidFill>
+            <a:srgbClr val="105CA4"/>
+          </a:solidFill>
         </p:grpSpPr>
         <p:sp>
           <p:nvSpPr>
@@ -9367,6 +10424,7 @@
             <a:prstGeom prst="rect">
               <a:avLst/>
             </a:prstGeom>
+            <a:grpFill/>
             <a:ln>
               <a:noFill/>
             </a:ln>
@@ -9409,7 +10467,7 @@
             <a:prstGeom prst="rect">
               <a:avLst/>
             </a:prstGeom>
-            <a:noFill/>
+            <a:grpFill/>
           </p:spPr>
           <p:txBody>
             <a:bodyPr wrap="square" rtlCol="0">
@@ -9526,6 +10584,11 @@
                 <a:avLst/>
               </a:prstGeom>
               <a:noFill/>
+              <a:ln>
+                <a:solidFill>
+                  <a:srgbClr val="105CA4"/>
+                </a:solidFill>
+              </a:ln>
             </p:spPr>
             <p:style>
               <a:lnRef idx="2">
@@ -9591,14 +10654,14 @@
       </p:grpSp>
       <p:sp>
         <p:nvSpPr>
-          <p:cNvPr id="17" name="TextBox 16"/>
+          <p:cNvPr id="20" name="TextBox 19"/>
           <p:cNvSpPr txBox="1"/>
           <p:nvPr/>
         </p:nvSpPr>
         <p:spPr>
           <a:xfrm>
-            <a:off x="544304" y="4931711"/>
-            <a:ext cx="3355026" cy="1200329"/>
+            <a:off x="621263" y="2401132"/>
+            <a:ext cx="3596029" cy="3508653"/>
           </a:xfrm>
           <a:prstGeom prst="rect">
             <a:avLst/>
@@ -9611,44 +10674,368 @@
           </a:bodyPr>
           <a:lstStyle/>
           <a:p>
-            <a:pPr algn="r"/>
-            <a:r>
-              <a:rPr lang="en-US" dirty="0" smtClean="0">
-                <a:latin typeface="Lantinghei SC Extralight"/>
-                <a:cs typeface="Lantinghei SC Extralight"/>
-              </a:rPr>
-              <a:t>Blah</a:t>
-            </a:r>
-          </a:p>
-          <a:p>
-            <a:pPr algn="r"/>
-            <a:r>
-              <a:rPr lang="en-US" dirty="0" smtClean="0">
-                <a:latin typeface="Lantinghei SC Extralight"/>
-                <a:cs typeface="Lantinghei SC Extralight"/>
-              </a:rPr>
-              <a:t>Blah</a:t>
-            </a:r>
-          </a:p>
-          <a:p>
-            <a:pPr algn="r"/>
-            <a:r>
-              <a:rPr lang="en-US" dirty="0" smtClean="0">
-                <a:latin typeface="Lantinghei SC Extralight"/>
-                <a:cs typeface="Lantinghei SC Extralight"/>
-              </a:rPr>
-              <a:t>...</a:t>
-            </a:r>
-          </a:p>
-          <a:p>
-            <a:pPr algn="r"/>
-            <a:r>
-              <a:rPr lang="en-US" dirty="0" smtClean="0">
-                <a:latin typeface="Lantinghei SC Extralight"/>
-                <a:cs typeface="Lantinghei SC Extralight"/>
-              </a:rPr>
-              <a:t>blah</a:t>
-            </a:r>
+            <a:r>
+              <a:rPr lang="en-US" sz="1400" dirty="0" smtClean="0">
+                <a:latin typeface="Lantinghei SC Extralight"/>
+                <a:cs typeface="Lantinghei SC Extralight"/>
+              </a:rPr>
+              <a:t>Maximum drawdown</a:t>
+            </a:r>
+            <a:endParaRPr lang="en-US" sz="1400" dirty="0" smtClean="0">
+              <a:latin typeface="Lantinghei SC Extralight"/>
+              <a:cs typeface="Lantinghei SC Extralight"/>
+            </a:endParaRPr>
+          </a:p>
+          <a:p>
+            <a:pPr marL="285750" indent="-285750">
+              <a:buFont typeface="Arial"/>
+              <a:buChar char="•"/>
+            </a:pPr>
+            <a:r>
+              <a:rPr lang="en-US" sz="1400" dirty="0" smtClean="0">
+                <a:latin typeface="Lantinghei SC Extralight"/>
+                <a:cs typeface="Lantinghei SC Extralight"/>
+              </a:rPr>
+              <a:t>AUD: </a:t>
+            </a:r>
+            <a:r>
+              <a:rPr lang="en-US" sz="1400" b="1" dirty="0">
+                <a:latin typeface="Lantinghei SC Extralight"/>
+                <a:cs typeface="Lantinghei SC Extralight"/>
+              </a:rPr>
+              <a:t>0.355</a:t>
+            </a:r>
+            <a:endParaRPr lang="en-US" sz="1400" b="1" dirty="0" smtClean="0">
+              <a:latin typeface="Lantinghei SC Extralight"/>
+              <a:cs typeface="Lantinghei SC Extralight"/>
+            </a:endParaRPr>
+          </a:p>
+          <a:p>
+            <a:pPr marL="285750" indent="-285750">
+              <a:buFont typeface="Arial"/>
+              <a:buChar char="•"/>
+            </a:pPr>
+            <a:r>
+              <a:rPr lang="en-US" sz="1400" dirty="0" smtClean="0">
+                <a:latin typeface="Lantinghei SC Extralight"/>
+                <a:cs typeface="Lantinghei SC Extralight"/>
+              </a:rPr>
+              <a:t>CAD: </a:t>
+            </a:r>
+            <a:r>
+              <a:rPr lang="en-US" sz="1400" b="1" dirty="0">
+                <a:latin typeface="Lantinghei SC Extralight"/>
+                <a:cs typeface="Lantinghei SC Extralight"/>
+              </a:rPr>
+              <a:t> </a:t>
+            </a:r>
+            <a:r>
+              <a:rPr lang="en-US" sz="1400" b="1" dirty="0" smtClean="0">
+                <a:latin typeface="Lantinghei SC Extralight"/>
+                <a:cs typeface="Lantinghei SC Extralight"/>
+              </a:rPr>
+              <a:t>0.221</a:t>
+            </a:r>
+            <a:endParaRPr lang="en-US" sz="1400" b="1" dirty="0" smtClean="0">
+              <a:latin typeface="Lantinghei SC Extralight"/>
+              <a:cs typeface="Lantinghei SC Extralight"/>
+            </a:endParaRPr>
+          </a:p>
+          <a:p>
+            <a:pPr marL="285750" indent="-285750">
+              <a:buFont typeface="Arial"/>
+              <a:buChar char="•"/>
+            </a:pPr>
+            <a:r>
+              <a:rPr lang="en-US" sz="1400" dirty="0" smtClean="0">
+                <a:latin typeface="Lantinghei SC Extralight"/>
+                <a:cs typeface="Lantinghei SC Extralight"/>
+              </a:rPr>
+              <a:t>CHF: </a:t>
+            </a:r>
+            <a:r>
+              <a:rPr lang="en-US" sz="1400" b="1" dirty="0" smtClean="0">
+                <a:latin typeface="Lantinghei SC Extralight"/>
+                <a:cs typeface="Lantinghei SC Extralight"/>
+              </a:rPr>
+              <a:t>0.385</a:t>
+            </a:r>
+            <a:endParaRPr lang="en-US" sz="1400" b="1" dirty="0" smtClean="0">
+              <a:latin typeface="Lantinghei SC Extralight"/>
+              <a:cs typeface="Lantinghei SC Extralight"/>
+            </a:endParaRPr>
+          </a:p>
+          <a:p>
+            <a:pPr marL="285750" indent="-285750">
+              <a:buFont typeface="Arial"/>
+              <a:buChar char="•"/>
+            </a:pPr>
+            <a:r>
+              <a:rPr lang="en-US" sz="1400" dirty="0" smtClean="0">
+                <a:latin typeface="Lantinghei SC Extralight"/>
+                <a:cs typeface="Lantinghei SC Extralight"/>
+              </a:rPr>
+              <a:t>EUR: </a:t>
+            </a:r>
+            <a:r>
+              <a:rPr lang="en-US" sz="1400" b="1" dirty="0">
+                <a:latin typeface="Lantinghei SC Extralight"/>
+                <a:cs typeface="Lantinghei SC Extralight"/>
+              </a:rPr>
+              <a:t>0.415</a:t>
+            </a:r>
+            <a:endParaRPr lang="en-US" sz="1400" b="1" dirty="0" smtClean="0">
+              <a:latin typeface="Lantinghei SC Extralight"/>
+              <a:cs typeface="Lantinghei SC Extralight"/>
+            </a:endParaRPr>
+          </a:p>
+          <a:p>
+            <a:pPr marL="285750" indent="-285750">
+              <a:buFont typeface="Arial"/>
+              <a:buChar char="•"/>
+            </a:pPr>
+            <a:r>
+              <a:rPr lang="en-US" sz="1400" dirty="0" smtClean="0">
+                <a:latin typeface="Lantinghei SC Extralight"/>
+                <a:cs typeface="Lantinghei SC Extralight"/>
+              </a:rPr>
+              <a:t>GBP: </a:t>
+            </a:r>
+            <a:r>
+              <a:rPr lang="en-US" sz="1400" b="1" dirty="0">
+                <a:latin typeface="Lantinghei SC Extralight"/>
+                <a:cs typeface="Lantinghei SC Extralight"/>
+              </a:rPr>
+              <a:t>0.151</a:t>
+            </a:r>
+            <a:endParaRPr lang="en-US" sz="1400" b="1" dirty="0" smtClean="0">
+              <a:latin typeface="Lantinghei SC Extralight"/>
+              <a:cs typeface="Lantinghei SC Extralight"/>
+            </a:endParaRPr>
+          </a:p>
+          <a:p>
+            <a:pPr marL="285750" indent="-285750">
+              <a:buFont typeface="Arial"/>
+              <a:buChar char="•"/>
+            </a:pPr>
+            <a:r>
+              <a:rPr lang="en-US" sz="1400" dirty="0" smtClean="0">
+                <a:latin typeface="Lantinghei SC Extralight"/>
+                <a:cs typeface="Lantinghei SC Extralight"/>
+              </a:rPr>
+              <a:t>JPY: </a:t>
+            </a:r>
+            <a:r>
+              <a:rPr lang="en-US" sz="1400" b="1" dirty="0" smtClean="0">
+                <a:latin typeface="Lantinghei SC Extralight"/>
+                <a:cs typeface="Lantinghei SC Extralight"/>
+              </a:rPr>
+              <a:t>0.450</a:t>
+            </a:r>
+            <a:endParaRPr lang="en-US" sz="1400" b="1" dirty="0" smtClean="0">
+              <a:latin typeface="Lantinghei SC Extralight"/>
+              <a:cs typeface="Lantinghei SC Extralight"/>
+            </a:endParaRPr>
+          </a:p>
+          <a:p>
+            <a:pPr marL="285750" indent="-285750">
+              <a:buFont typeface="Arial"/>
+              <a:buChar char="•"/>
+            </a:pPr>
+            <a:r>
+              <a:rPr lang="en-US" sz="1400" dirty="0" smtClean="0">
+                <a:latin typeface="Lantinghei SC Extralight"/>
+                <a:cs typeface="Lantinghei SC Extralight"/>
+              </a:rPr>
+              <a:t>NOK: </a:t>
+            </a:r>
+            <a:r>
+              <a:rPr lang="en-US" sz="1400" b="1" dirty="0">
+                <a:latin typeface="Lantinghei SC Extralight"/>
+                <a:cs typeface="Lantinghei SC Extralight"/>
+              </a:rPr>
+              <a:t>0.452</a:t>
+            </a:r>
+            <a:endParaRPr lang="en-US" sz="1400" b="1" dirty="0" smtClean="0">
+              <a:latin typeface="Lantinghei SC Extralight"/>
+              <a:cs typeface="Lantinghei SC Extralight"/>
+            </a:endParaRPr>
+          </a:p>
+          <a:p>
+            <a:pPr marL="285750" indent="-285750">
+              <a:buFont typeface="Arial"/>
+              <a:buChar char="•"/>
+            </a:pPr>
+            <a:r>
+              <a:rPr lang="en-US" sz="1400" dirty="0" smtClean="0">
+                <a:latin typeface="Lantinghei SC Extralight"/>
+                <a:cs typeface="Lantinghei SC Extralight"/>
+              </a:rPr>
+              <a:t>NZD: </a:t>
+            </a:r>
+            <a:r>
+              <a:rPr lang="en-US" sz="1400" b="1" dirty="0">
+                <a:latin typeface="Lantinghei SC Extralight"/>
+                <a:cs typeface="Lantinghei SC Extralight"/>
+              </a:rPr>
+              <a:t>0.263</a:t>
+            </a:r>
+            <a:endParaRPr lang="en-US" sz="1400" b="1" dirty="0" smtClean="0">
+              <a:latin typeface="Lantinghei SC Extralight"/>
+              <a:cs typeface="Lantinghei SC Extralight"/>
+            </a:endParaRPr>
+          </a:p>
+          <a:p>
+            <a:pPr marL="285750" indent="-285750">
+              <a:buFont typeface="Arial"/>
+              <a:buChar char="•"/>
+            </a:pPr>
+            <a:r>
+              <a:rPr lang="en-US" sz="1400" dirty="0" smtClean="0">
+                <a:latin typeface="Lantinghei SC Extralight"/>
+                <a:cs typeface="Lantinghei SC Extralight"/>
+              </a:rPr>
+              <a:t>SEK: </a:t>
+            </a:r>
+            <a:r>
+              <a:rPr lang="en-US" sz="1400" b="1" dirty="0">
+                <a:latin typeface="Lantinghei SC Extralight"/>
+                <a:cs typeface="Lantinghei SC Extralight"/>
+              </a:rPr>
+              <a:t> </a:t>
+            </a:r>
+            <a:r>
+              <a:rPr lang="en-US" sz="1400" b="1" dirty="0" smtClean="0">
+                <a:latin typeface="Lantinghei SC Extralight"/>
+                <a:cs typeface="Lantinghei SC Extralight"/>
+              </a:rPr>
+              <a:t>0.204</a:t>
+            </a:r>
+            <a:endParaRPr lang="en-US" sz="1400" b="1" dirty="0">
+              <a:latin typeface="Lantinghei SC Extralight"/>
+              <a:cs typeface="Lantinghei SC Extralight"/>
+            </a:endParaRPr>
+          </a:p>
+          <a:p>
+            <a:endParaRPr lang="en-US" dirty="0" smtClean="0">
+              <a:latin typeface="Lantinghei SC Extralight"/>
+              <a:cs typeface="Lantinghei SC Extralight"/>
+            </a:endParaRPr>
+          </a:p>
+          <a:p>
+            <a:r>
+              <a:rPr lang="en-US" sz="1400" b="1" dirty="0" smtClean="0">
+                <a:latin typeface="Lantinghei SC Extralight"/>
+                <a:cs typeface="Lantinghei SC Extralight"/>
+              </a:rPr>
+              <a:t>R</a:t>
+            </a:r>
+            <a:r>
+              <a:rPr lang="en-US" sz="1400" baseline="30000" dirty="0" smtClean="0">
+                <a:latin typeface="Lantinghei SC Extralight"/>
+                <a:cs typeface="Lantinghei SC Extralight"/>
+              </a:rPr>
+              <a:t>2</a:t>
+            </a:r>
+            <a:r>
+              <a:rPr lang="en-US" sz="1400" b="1" baseline="-25000" dirty="0" smtClean="0">
+                <a:latin typeface="Lantinghei SC Extralight"/>
+                <a:cs typeface="Lantinghei SC Extralight"/>
+              </a:rPr>
+              <a:t>00S</a:t>
+            </a:r>
+            <a:r>
+              <a:rPr lang="en-US" sz="1400" dirty="0" smtClean="0">
+                <a:latin typeface="Lantinghei SC Extralight"/>
+                <a:cs typeface="Lantinghei SC Extralight"/>
+              </a:rPr>
+              <a:t> = </a:t>
+            </a:r>
+            <a:r>
+              <a:rPr lang="en-US" sz="1600" b="1" dirty="0" smtClean="0">
+                <a:solidFill>
+                  <a:srgbClr val="FF0000"/>
+                </a:solidFill>
+                <a:latin typeface="Lantinghei SC Extralight"/>
+                <a:cs typeface="Lantinghei SC Extralight"/>
+              </a:rPr>
+              <a:t>-</a:t>
+            </a:r>
+            <a:r>
+              <a:rPr lang="en-US" sz="1600" b="1" dirty="0">
+                <a:solidFill>
+                  <a:srgbClr val="FF0000"/>
+                </a:solidFill>
+                <a:latin typeface="Lantinghei SC Extralight"/>
+                <a:cs typeface="Lantinghei SC Extralight"/>
+              </a:rPr>
+              <a:t>0.0617</a:t>
+            </a:r>
+            <a:endParaRPr lang="en-US" sz="1600" b="1" dirty="0" smtClean="0">
+              <a:solidFill>
+                <a:srgbClr val="FF0000"/>
+              </a:solidFill>
+              <a:latin typeface="Lantinghei SC Extralight"/>
+              <a:cs typeface="Lantinghei SC Extralight"/>
+            </a:endParaRPr>
+          </a:p>
+          <a:p>
+            <a:endParaRPr lang="en-US" sz="1600" b="1" dirty="0" smtClean="0">
+              <a:latin typeface="Lantinghei SC Extralight"/>
+              <a:cs typeface="Lantinghei SC Extralight"/>
+            </a:endParaRPr>
+          </a:p>
+          <a:p>
+            <a:r>
+              <a:rPr lang="en-US" sz="1400" dirty="0" smtClean="0">
+                <a:latin typeface="Lantinghei SC Extralight"/>
+                <a:cs typeface="Lantinghei SC Extralight"/>
+              </a:rPr>
+              <a:t>Economic significance = </a:t>
+            </a:r>
+            <a:endParaRPr lang="en-US" sz="1400" dirty="0" smtClean="0">
+              <a:latin typeface="Lantinghei SC Extralight"/>
+              <a:cs typeface="Lantinghei SC Extralight"/>
+            </a:endParaRPr>
+          </a:p>
+          <a:p>
+            <a:r>
+              <a:rPr lang="en-US" b="1" dirty="0">
+                <a:solidFill>
+                  <a:srgbClr val="FF0000"/>
+                </a:solidFill>
+                <a:latin typeface="Lantinghei SC Extralight"/>
+                <a:cs typeface="Lantinghei SC Extralight"/>
+              </a:rPr>
+              <a:t> </a:t>
+            </a:r>
+            <a:r>
+              <a:rPr lang="en-US" b="1" dirty="0" smtClean="0">
+                <a:solidFill>
+                  <a:srgbClr val="FF0000"/>
+                </a:solidFill>
+                <a:latin typeface="Lantinghei SC Extralight"/>
+                <a:cs typeface="Lantinghei SC Extralight"/>
+              </a:rPr>
+              <a:t>-</a:t>
+            </a:r>
+            <a:r>
+              <a:rPr lang="en-US" b="1" dirty="0">
+                <a:solidFill>
+                  <a:srgbClr val="FF0000"/>
+                </a:solidFill>
+                <a:latin typeface="Lantinghei SC Extralight"/>
+                <a:cs typeface="Lantinghei SC Extralight"/>
+              </a:rPr>
+              <a:t>514.45% </a:t>
+            </a:r>
+            <a:endParaRPr lang="en-US" b="1" dirty="0" smtClean="0">
+              <a:solidFill>
+                <a:srgbClr val="FF0000"/>
+              </a:solidFill>
+              <a:latin typeface="Lantinghei SC Extralight"/>
+              <a:cs typeface="Lantinghei SC Extralight"/>
+            </a:endParaRPr>
           </a:p>
         </p:txBody>
       </p:sp>
@@ -9660,38 +11047,16 @@
           </p:cNvPicPr>
           <p:nvPr/>
         </p:nvPicPr>
-        <p:blipFill rotWithShape="1">
+        <p:blipFill>
           <a:blip r:embed="rId2"/>
-          <a:srcRect r="3175"/>
-          <a:stretch/>
+          <a:stretch>
+            <a:fillRect/>
+          </a:stretch>
         </p:blipFill>
         <p:spPr>
           <a:xfrm>
-            <a:off x="4564206" y="2297816"/>
-            <a:ext cx="4004229" cy="2599303"/>
-          </a:xfrm>
-          <a:prstGeom prst="rect">
-            <a:avLst/>
-          </a:prstGeom>
-        </p:spPr>
-      </p:pic>
-      <p:pic>
-        <p:nvPicPr>
-          <p:cNvPr id="19" name="Picture 18"/>
-          <p:cNvPicPr>
-            <a:picLocks noChangeAspect="1"/>
-          </p:cNvPicPr>
-          <p:nvPr/>
-        </p:nvPicPr>
-        <p:blipFill rotWithShape="1">
-          <a:blip r:embed="rId2"/>
-          <a:srcRect r="3261"/>
-          <a:stretch/>
-        </p:blipFill>
-        <p:spPr>
-          <a:xfrm>
-            <a:off x="540846" y="2297816"/>
-            <a:ext cx="4000674" cy="2599303"/>
+            <a:off x="3104178" y="2906208"/>
+            <a:ext cx="5487193" cy="3381439"/>
           </a:xfrm>
           <a:prstGeom prst="rect">
             <a:avLst/>
@@ -9701,7 +11066,7 @@
     </p:spTree>
     <p:extLst>
       <p:ext uri="{BB962C8B-B14F-4D97-AF65-F5344CB8AC3E}">
-        <p14:creationId xmlns:p14="http://schemas.microsoft.com/office/powerpoint/2010/main" val="522885760"/>
+        <p14:creationId xmlns:p14="http://schemas.microsoft.com/office/powerpoint/2010/main" val="298166221"/>
       </p:ext>
     </p:extLst>
   </p:cSld>
@@ -9749,6 +11114,11 @@
           <a:prstGeom prst="line">
             <a:avLst/>
           </a:prstGeom>
+          <a:ln>
+            <a:solidFill>
+              <a:srgbClr val="105CA4"/>
+            </a:solidFill>
+          </a:ln>
         </p:spPr>
         <p:style>
           <a:lnRef idx="2">
@@ -9828,36 +11198,16 @@
             <a:r>
               <a:rPr lang="en-US" sz="4800" b="1" spc="300" dirty="0" smtClean="0">
                 <a:solidFill>
-                  <a:srgbClr val="F2BB2F"/>
+                  <a:srgbClr val="105CA4"/>
                 </a:solidFill>
                 <a:latin typeface="Arial Black"/>
                 <a:cs typeface="Arial Black"/>
               </a:rPr>
-              <a:t>RANDOM FOREST </a:t>
-            </a:r>
-            <a:r>
-              <a:rPr lang="en-US" sz="2000" b="1" spc="300" dirty="0" smtClean="0">
-                <a:solidFill>
-                  <a:srgbClr val="F2BB2F"/>
-                </a:solidFill>
-                <a:latin typeface="Arial Black"/>
-                <a:cs typeface="Arial Black"/>
-              </a:rPr>
-              <a:t>WITH </a:t>
-            </a:r>
-            <a:r>
-              <a:rPr lang="en-US" sz="4800" b="1" spc="300" dirty="0" smtClean="0">
-                <a:solidFill>
-                  <a:srgbClr val="F2BB2F"/>
-                </a:solidFill>
-                <a:latin typeface="Arial Black"/>
-                <a:cs typeface="Arial Black"/>
-              </a:rPr>
-              <a:t>LASSO</a:t>
+              <a:t>BAYESIAN RIDGE REGRESSION</a:t>
             </a:r>
             <a:endParaRPr lang="en-US" sz="4000" b="1" spc="300" dirty="0">
               <a:solidFill>
-                <a:srgbClr val="F2BB2F"/>
+                <a:srgbClr val="105CA4"/>
               </a:solidFill>
               <a:latin typeface="Arial Black"/>
               <a:cs typeface="Arial Black"/>
@@ -9920,6 +11270,9 @@
             <a:chOff x="-219487" y="6381723"/>
             <a:chExt cx="9379165" cy="617398"/>
           </a:xfrm>
+          <a:solidFill>
+            <a:srgbClr val="105CA4"/>
+          </a:solidFill>
         </p:grpSpPr>
         <p:sp>
           <p:nvSpPr>
@@ -9935,6 +11288,7 @@
             <a:prstGeom prst="rect">
               <a:avLst/>
             </a:prstGeom>
+            <a:grpFill/>
             <a:ln>
               <a:noFill/>
             </a:ln>
@@ -9977,7 +11331,7 @@
             <a:prstGeom prst="rect">
               <a:avLst/>
             </a:prstGeom>
-            <a:noFill/>
+            <a:grpFill/>
           </p:spPr>
           <p:txBody>
             <a:bodyPr wrap="square" rtlCol="0">
@@ -10094,6 +11448,11 @@
                 <a:avLst/>
               </a:prstGeom>
               <a:noFill/>
+              <a:ln>
+                <a:solidFill>
+                  <a:srgbClr val="105CA4"/>
+                </a:solidFill>
+              </a:ln>
             </p:spPr>
             <p:style>
               <a:lnRef idx="2">
@@ -10159,14 +11518,14 @@
       </p:grpSp>
       <p:sp>
         <p:nvSpPr>
-          <p:cNvPr id="17" name="TextBox 16"/>
+          <p:cNvPr id="20" name="TextBox 19"/>
           <p:cNvSpPr txBox="1"/>
           <p:nvPr/>
         </p:nvSpPr>
         <p:spPr>
           <a:xfrm>
-            <a:off x="544304" y="4931711"/>
-            <a:ext cx="3355026" cy="1200329"/>
+            <a:off x="621263" y="2401132"/>
+            <a:ext cx="3596029" cy="3508653"/>
           </a:xfrm>
           <a:prstGeom prst="rect">
             <a:avLst/>
@@ -10179,87 +11538,355 @@
           </a:bodyPr>
           <a:lstStyle/>
           <a:p>
-            <a:pPr algn="r"/>
-            <a:r>
-              <a:rPr lang="en-US" dirty="0" smtClean="0">
-                <a:latin typeface="Lantinghei SC Extralight"/>
-                <a:cs typeface="Lantinghei SC Extralight"/>
-              </a:rPr>
-              <a:t>Blah</a:t>
-            </a:r>
-          </a:p>
-          <a:p>
-            <a:pPr algn="r"/>
-            <a:r>
-              <a:rPr lang="en-US" dirty="0" smtClean="0">
-                <a:latin typeface="Lantinghei SC Extralight"/>
-                <a:cs typeface="Lantinghei SC Extralight"/>
-              </a:rPr>
-              <a:t>Blah</a:t>
-            </a:r>
-          </a:p>
-          <a:p>
-            <a:pPr algn="r"/>
-            <a:r>
-              <a:rPr lang="en-US" dirty="0" smtClean="0">
-                <a:latin typeface="Lantinghei SC Extralight"/>
-                <a:cs typeface="Lantinghei SC Extralight"/>
-              </a:rPr>
-              <a:t>...</a:t>
-            </a:r>
-          </a:p>
-          <a:p>
-            <a:pPr algn="r"/>
-            <a:r>
-              <a:rPr lang="en-US" dirty="0" smtClean="0">
-                <a:latin typeface="Lantinghei SC Extralight"/>
-                <a:cs typeface="Lantinghei SC Extralight"/>
-              </a:rPr>
-              <a:t>blah</a:t>
-            </a:r>
+            <a:r>
+              <a:rPr lang="en-US" sz="1400" dirty="0" smtClean="0">
+                <a:latin typeface="Lantinghei SC Extralight"/>
+                <a:cs typeface="Lantinghei SC Extralight"/>
+              </a:rPr>
+              <a:t>Maximum drawdown</a:t>
+            </a:r>
+          </a:p>
+          <a:p>
+            <a:pPr marL="285750" indent="-285750">
+              <a:buFont typeface="Arial"/>
+              <a:buChar char="•"/>
+            </a:pPr>
+            <a:r>
+              <a:rPr lang="en-US" sz="1400" dirty="0" smtClean="0">
+                <a:latin typeface="Lantinghei SC Extralight"/>
+                <a:cs typeface="Lantinghei SC Extralight"/>
+              </a:rPr>
+              <a:t>AUD: </a:t>
+            </a:r>
+            <a:r>
+              <a:rPr lang="en-US" sz="1400" b="1" dirty="0">
+                <a:latin typeface="Lantinghei SC Extralight"/>
+                <a:cs typeface="Lantinghei SC Extralight"/>
+              </a:rPr>
+              <a:t>0.052</a:t>
+            </a:r>
+            <a:endParaRPr lang="en-US" sz="1400" b="1" dirty="0" smtClean="0">
+              <a:latin typeface="Lantinghei SC Extralight"/>
+              <a:cs typeface="Lantinghei SC Extralight"/>
+            </a:endParaRPr>
+          </a:p>
+          <a:p>
+            <a:pPr marL="285750" indent="-285750">
+              <a:buFont typeface="Arial"/>
+              <a:buChar char="•"/>
+            </a:pPr>
+            <a:r>
+              <a:rPr lang="en-US" sz="1400" dirty="0" smtClean="0">
+                <a:latin typeface="Lantinghei SC Extralight"/>
+                <a:cs typeface="Lantinghei SC Extralight"/>
+              </a:rPr>
+              <a:t>CAD: </a:t>
+            </a:r>
+            <a:r>
+              <a:rPr lang="en-US" sz="1400" b="1" dirty="0">
+                <a:latin typeface="Lantinghei SC Extralight"/>
+                <a:cs typeface="Lantinghei SC Extralight"/>
+              </a:rPr>
+              <a:t>0.030</a:t>
+            </a:r>
+            <a:endParaRPr lang="en-US" sz="1400" b="1" dirty="0" smtClean="0">
+              <a:latin typeface="Lantinghei SC Extralight"/>
+              <a:cs typeface="Lantinghei SC Extralight"/>
+            </a:endParaRPr>
+          </a:p>
+          <a:p>
+            <a:pPr marL="285750" indent="-285750">
+              <a:buFont typeface="Arial"/>
+              <a:buChar char="•"/>
+            </a:pPr>
+            <a:r>
+              <a:rPr lang="en-US" sz="1400" dirty="0" smtClean="0">
+                <a:latin typeface="Lantinghei SC Extralight"/>
+                <a:cs typeface="Lantinghei SC Extralight"/>
+              </a:rPr>
+              <a:t>CHF: </a:t>
+            </a:r>
+            <a:r>
+              <a:rPr lang="en-US" sz="1400" b="1" dirty="0" smtClean="0">
+                <a:latin typeface="Lantinghei SC Extralight"/>
+                <a:cs typeface="Lantinghei SC Extralight"/>
+              </a:rPr>
+              <a:t>0.049</a:t>
+            </a:r>
+            <a:endParaRPr lang="en-US" sz="1400" b="1" dirty="0" smtClean="0">
+              <a:latin typeface="Lantinghei SC Extralight"/>
+              <a:cs typeface="Lantinghei SC Extralight"/>
+            </a:endParaRPr>
+          </a:p>
+          <a:p>
+            <a:pPr marL="285750" indent="-285750">
+              <a:buFont typeface="Arial"/>
+              <a:buChar char="•"/>
+            </a:pPr>
+            <a:r>
+              <a:rPr lang="en-US" sz="1400" dirty="0" smtClean="0">
+                <a:latin typeface="Lantinghei SC Extralight"/>
+                <a:cs typeface="Lantinghei SC Extralight"/>
+              </a:rPr>
+              <a:t>EUR: </a:t>
+            </a:r>
+            <a:r>
+              <a:rPr lang="en-US" sz="1400" b="1" dirty="0" smtClean="0">
+                <a:latin typeface="Lantinghei SC Extralight"/>
+                <a:cs typeface="Lantinghei SC Extralight"/>
+              </a:rPr>
+              <a:t>0.042</a:t>
+            </a:r>
+            <a:endParaRPr lang="en-US" sz="1400" b="1" dirty="0" smtClean="0">
+              <a:latin typeface="Lantinghei SC Extralight"/>
+              <a:cs typeface="Lantinghei SC Extralight"/>
+            </a:endParaRPr>
+          </a:p>
+          <a:p>
+            <a:pPr marL="285750" indent="-285750">
+              <a:buFont typeface="Arial"/>
+              <a:buChar char="•"/>
+            </a:pPr>
+            <a:r>
+              <a:rPr lang="en-US" sz="1400" dirty="0" smtClean="0">
+                <a:latin typeface="Lantinghei SC Extralight"/>
+                <a:cs typeface="Lantinghei SC Extralight"/>
+              </a:rPr>
+              <a:t>GBP: </a:t>
+            </a:r>
+            <a:r>
+              <a:rPr lang="en-US" sz="1400" b="1" dirty="0">
+                <a:latin typeface="Lantinghei SC Extralight"/>
+                <a:cs typeface="Lantinghei SC Extralight"/>
+              </a:rPr>
+              <a:t>0.077</a:t>
+            </a:r>
+            <a:endParaRPr lang="en-US" sz="1400" b="1" dirty="0" smtClean="0">
+              <a:latin typeface="Lantinghei SC Extralight"/>
+              <a:cs typeface="Lantinghei SC Extralight"/>
+            </a:endParaRPr>
+          </a:p>
+          <a:p>
+            <a:pPr marL="285750" indent="-285750">
+              <a:buFont typeface="Arial"/>
+              <a:buChar char="•"/>
+            </a:pPr>
+            <a:r>
+              <a:rPr lang="en-US" sz="1400" dirty="0" smtClean="0">
+                <a:latin typeface="Lantinghei SC Extralight"/>
+                <a:cs typeface="Lantinghei SC Extralight"/>
+              </a:rPr>
+              <a:t>JPY: </a:t>
+            </a:r>
+            <a:r>
+              <a:rPr lang="en-US" sz="1400" b="1" dirty="0">
+                <a:latin typeface="Lantinghei SC Extralight"/>
+                <a:cs typeface="Lantinghei SC Extralight"/>
+              </a:rPr>
+              <a:t>0.029</a:t>
+            </a:r>
+            <a:endParaRPr lang="en-US" sz="1400" b="1" dirty="0" smtClean="0">
+              <a:latin typeface="Lantinghei SC Extralight"/>
+              <a:cs typeface="Lantinghei SC Extralight"/>
+            </a:endParaRPr>
+          </a:p>
+          <a:p>
+            <a:pPr marL="285750" indent="-285750">
+              <a:buFont typeface="Arial"/>
+              <a:buChar char="•"/>
+            </a:pPr>
+            <a:r>
+              <a:rPr lang="en-US" sz="1400" dirty="0" smtClean="0">
+                <a:latin typeface="Lantinghei SC Extralight"/>
+                <a:cs typeface="Lantinghei SC Extralight"/>
+              </a:rPr>
+              <a:t>NOK: </a:t>
+            </a:r>
+            <a:r>
+              <a:rPr lang="en-US" sz="1400" b="1" dirty="0">
+                <a:latin typeface="Lantinghei SC Extralight"/>
+                <a:cs typeface="Lantinghei SC Extralight"/>
+              </a:rPr>
+              <a:t> </a:t>
+            </a:r>
+            <a:r>
+              <a:rPr lang="en-US" sz="1400" b="1" dirty="0" smtClean="0">
+                <a:latin typeface="Lantinghei SC Extralight"/>
+                <a:cs typeface="Lantinghei SC Extralight"/>
+              </a:rPr>
+              <a:t>0.093</a:t>
+            </a:r>
+            <a:endParaRPr lang="en-US" sz="1400" b="1" dirty="0" smtClean="0">
+              <a:latin typeface="Lantinghei SC Extralight"/>
+              <a:cs typeface="Lantinghei SC Extralight"/>
+            </a:endParaRPr>
+          </a:p>
+          <a:p>
+            <a:pPr marL="285750" indent="-285750">
+              <a:buFont typeface="Arial"/>
+              <a:buChar char="•"/>
+            </a:pPr>
+            <a:r>
+              <a:rPr lang="en-US" sz="1400" dirty="0" smtClean="0">
+                <a:latin typeface="Lantinghei SC Extralight"/>
+                <a:cs typeface="Lantinghei SC Extralight"/>
+              </a:rPr>
+              <a:t>NZD: </a:t>
+            </a:r>
+            <a:r>
+              <a:rPr lang="en-US" sz="1400" b="1" dirty="0">
+                <a:latin typeface="Lantinghei SC Extralight"/>
+                <a:cs typeface="Lantinghei SC Extralight"/>
+              </a:rPr>
+              <a:t>0.060</a:t>
+            </a:r>
+            <a:endParaRPr lang="en-US" sz="1400" b="1" dirty="0" smtClean="0">
+              <a:latin typeface="Lantinghei SC Extralight"/>
+              <a:cs typeface="Lantinghei SC Extralight"/>
+            </a:endParaRPr>
+          </a:p>
+          <a:p>
+            <a:pPr marL="285750" indent="-285750">
+              <a:buFont typeface="Arial"/>
+              <a:buChar char="•"/>
+            </a:pPr>
+            <a:r>
+              <a:rPr lang="en-US" sz="1400" dirty="0" smtClean="0">
+                <a:latin typeface="Lantinghei SC Extralight"/>
+                <a:cs typeface="Lantinghei SC Extralight"/>
+              </a:rPr>
+              <a:t>SEK: </a:t>
+            </a:r>
+            <a:r>
+              <a:rPr lang="en-US" sz="1400" b="1" dirty="0">
+                <a:latin typeface="Lantinghei SC Extralight"/>
+                <a:cs typeface="Lantinghei SC Extralight"/>
+              </a:rPr>
+              <a:t> </a:t>
+            </a:r>
+            <a:r>
+              <a:rPr lang="en-US" sz="1400" b="1" dirty="0">
+                <a:latin typeface="Lantinghei SC Extralight"/>
+                <a:cs typeface="Lantinghei SC Extralight"/>
+              </a:rPr>
+              <a:t>0.052</a:t>
+            </a:r>
+            <a:endParaRPr lang="en-US" sz="1400" b="1" dirty="0">
+              <a:latin typeface="Lantinghei SC Extralight"/>
+              <a:cs typeface="Lantinghei SC Extralight"/>
+            </a:endParaRPr>
+          </a:p>
+          <a:p>
+            <a:endParaRPr lang="en-US" dirty="0" smtClean="0">
+              <a:latin typeface="Lantinghei SC Extralight"/>
+              <a:cs typeface="Lantinghei SC Extralight"/>
+            </a:endParaRPr>
+          </a:p>
+          <a:p>
+            <a:r>
+              <a:rPr lang="en-US" sz="1400" b="1" dirty="0" smtClean="0">
+                <a:latin typeface="Lantinghei SC Extralight"/>
+                <a:cs typeface="Lantinghei SC Extralight"/>
+              </a:rPr>
+              <a:t>R</a:t>
+            </a:r>
+            <a:r>
+              <a:rPr lang="en-US" sz="1400" baseline="30000" dirty="0" smtClean="0">
+                <a:latin typeface="Lantinghei SC Extralight"/>
+                <a:cs typeface="Lantinghei SC Extralight"/>
+              </a:rPr>
+              <a:t>2</a:t>
+            </a:r>
+            <a:r>
+              <a:rPr lang="en-US" sz="1400" b="1" baseline="-25000" dirty="0" smtClean="0">
+                <a:latin typeface="Lantinghei SC Extralight"/>
+                <a:cs typeface="Lantinghei SC Extralight"/>
+              </a:rPr>
+              <a:t>00S</a:t>
+            </a:r>
+            <a:r>
+              <a:rPr lang="en-US" sz="1400" dirty="0" smtClean="0">
+                <a:latin typeface="Lantinghei SC Extralight"/>
+                <a:cs typeface="Lantinghei SC Extralight"/>
+              </a:rPr>
+              <a:t> = </a:t>
+            </a:r>
+            <a:r>
+              <a:rPr lang="en-US" sz="1600" b="1" dirty="0" smtClean="0">
+                <a:solidFill>
+                  <a:srgbClr val="008000"/>
+                </a:solidFill>
+                <a:latin typeface="Lantinghei SC Extralight"/>
+                <a:cs typeface="Lantinghei SC Extralight"/>
+              </a:rPr>
+              <a:t>0.0056</a:t>
+            </a:r>
+            <a:endParaRPr lang="en-US" sz="1600" b="1" dirty="0" smtClean="0">
+              <a:solidFill>
+                <a:srgbClr val="008000"/>
+              </a:solidFill>
+              <a:latin typeface="Lantinghei SC Extralight"/>
+              <a:cs typeface="Lantinghei SC Extralight"/>
+            </a:endParaRPr>
+          </a:p>
+          <a:p>
+            <a:endParaRPr lang="en-US" sz="1600" b="1" dirty="0" smtClean="0">
+              <a:latin typeface="Lantinghei SC Extralight"/>
+              <a:cs typeface="Lantinghei SC Extralight"/>
+            </a:endParaRPr>
+          </a:p>
+          <a:p>
+            <a:r>
+              <a:rPr lang="en-US" sz="1400" dirty="0" smtClean="0">
+                <a:latin typeface="Lantinghei SC Extralight"/>
+                <a:cs typeface="Lantinghei SC Extralight"/>
+              </a:rPr>
+              <a:t>Economic significance = </a:t>
+            </a:r>
+            <a:endParaRPr lang="en-US" sz="1400" dirty="0" smtClean="0">
+              <a:latin typeface="Lantinghei SC Extralight"/>
+              <a:cs typeface="Lantinghei SC Extralight"/>
+            </a:endParaRPr>
+          </a:p>
+          <a:p>
+            <a:r>
+              <a:rPr lang="en-US" b="1" dirty="0">
+                <a:solidFill>
+                  <a:srgbClr val="008000"/>
+                </a:solidFill>
+                <a:latin typeface="Lantinghei SC Extralight"/>
+                <a:cs typeface="Lantinghei SC Extralight"/>
+              </a:rPr>
+              <a:t> 46.50% </a:t>
+            </a:r>
+            <a:endParaRPr lang="en-US" b="1" dirty="0" smtClean="0">
+              <a:solidFill>
+                <a:srgbClr val="008000"/>
+              </a:solidFill>
+              <a:latin typeface="Lantinghei SC Extralight"/>
+              <a:cs typeface="Lantinghei SC Extralight"/>
+            </a:endParaRPr>
           </a:p>
         </p:txBody>
       </p:sp>
       <p:pic>
         <p:nvPicPr>
-          <p:cNvPr id="18" name="Picture 17"/>
+          <p:cNvPr id="17" name="Picture 16"/>
           <p:cNvPicPr>
             <a:picLocks noChangeAspect="1"/>
           </p:cNvPicPr>
           <p:nvPr/>
         </p:nvPicPr>
-        <p:blipFill rotWithShape="1">
+        <p:blipFill>
           <a:blip r:embed="rId2"/>
-          <a:srcRect r="3175"/>
-          <a:stretch/>
+          <a:stretch>
+            <a:fillRect/>
+          </a:stretch>
         </p:blipFill>
         <p:spPr>
           <a:xfrm>
-            <a:off x="4564206" y="3364056"/>
-            <a:ext cx="4004229" cy="2599303"/>
-          </a:xfrm>
-          <a:prstGeom prst="rect">
-            <a:avLst/>
-          </a:prstGeom>
-        </p:spPr>
-      </p:pic>
-      <p:pic>
-        <p:nvPicPr>
-          <p:cNvPr id="19" name="Picture 18"/>
-          <p:cNvPicPr>
-            <a:picLocks noChangeAspect="1"/>
-          </p:cNvPicPr>
-          <p:nvPr/>
-        </p:nvPicPr>
-        <p:blipFill rotWithShape="1">
-          <a:blip r:embed="rId2"/>
-          <a:srcRect r="3261"/>
-          <a:stretch/>
-        </p:blipFill>
-        <p:spPr>
-          <a:xfrm>
-            <a:off x="540846" y="3364056"/>
-            <a:ext cx="4000674" cy="2599303"/>
+            <a:off x="2891969" y="2902759"/>
+            <a:ext cx="5699395" cy="3478968"/>
           </a:xfrm>
           <a:prstGeom prst="rect">
             <a:avLst/>
@@ -10269,7 +11896,7 @@
     </p:spTree>
     <p:extLst>
       <p:ext uri="{BB962C8B-B14F-4D97-AF65-F5344CB8AC3E}">
-        <p14:creationId xmlns:p14="http://schemas.microsoft.com/office/powerpoint/2010/main" val="1460141934"/>
+        <p14:creationId xmlns:p14="http://schemas.microsoft.com/office/powerpoint/2010/main" val="2975888285"/>
       </p:ext>
     </p:extLst>
   </p:cSld>

--- a/Presentation.pptx
+++ b/Presentation.pptx
@@ -4330,7 +4330,7 @@
         </p:nvCxnSpPr>
         <p:spPr>
           <a:xfrm>
-            <a:off x="3080671" y="2629821"/>
+            <a:off x="3080671" y="2436781"/>
             <a:ext cx="2978757" cy="0"/>
           </a:xfrm>
           <a:prstGeom prst="line">
@@ -4987,7 +4987,7 @@
         </p:nvCxnSpPr>
         <p:spPr>
           <a:xfrm>
-            <a:off x="501677" y="2141899"/>
+            <a:off x="430557" y="2141899"/>
             <a:ext cx="2978757" cy="0"/>
           </a:xfrm>
           <a:prstGeom prst="line">
@@ -5101,7 +5101,7 @@
         <p:spPr>
           <a:xfrm>
             <a:off x="332722" y="2379741"/>
-            <a:ext cx="8258646" cy="1590179"/>
+            <a:ext cx="8258646" cy="1877437"/>
           </a:xfrm>
           <a:prstGeom prst="rect">
             <a:avLst/>
@@ -5160,6 +5160,16 @@
               <a:t>  Interest differential 	</a:t>
             </a:r>
             <a:r>
+              <a:rPr lang="en-US" sz="1200" dirty="0" smtClean="0">
+                <a:solidFill>
+                  <a:schemeClr val="bg1"/>
+                </a:solidFill>
+                <a:latin typeface="Lantinghei SC Extralight"/>
+                <a:cs typeface="Lantinghei SC Extralight"/>
+              </a:rPr>
+              <a:t>-</a:t>
+            </a:r>
+            <a:r>
               <a:rPr lang="en-US" sz="1200" b="1" dirty="0" smtClean="0">
                 <a:solidFill>
                   <a:schemeClr val="bg1"/>
@@ -5167,7 +5177,7 @@
                 <a:latin typeface="Lantinghei SC Extralight"/>
                 <a:cs typeface="Lantinghei SC Extralight"/>
               </a:rPr>
-              <a:t>- </a:t>
+              <a:t> </a:t>
             </a:r>
             <a:r>
               <a:rPr lang="en-US" sz="1200" b="1" dirty="0" smtClean="0">
@@ -5252,7 +5262,27 @@
                 <a:latin typeface="Lantinghei SC Extralight"/>
                 <a:cs typeface="Lantinghei SC Extralight"/>
               </a:rPr>
-              <a:t>		       	- more attractive to save money in currency with higher interest rate</a:t>
+              <a:t>		       	</a:t>
+            </a:r>
+            <a:r>
+              <a:rPr lang="en-US" sz="1200" dirty="0" smtClean="0">
+                <a:solidFill>
+                  <a:schemeClr val="bg1"/>
+                </a:solidFill>
+                <a:latin typeface="Lantinghei SC Extralight"/>
+                <a:cs typeface="Lantinghei SC Extralight"/>
+              </a:rPr>
+              <a:t>- </a:t>
+            </a:r>
+            <a:r>
+              <a:rPr lang="en-US" sz="1200" b="1" dirty="0" smtClean="0">
+                <a:solidFill>
+                  <a:schemeClr val="bg1"/>
+                </a:solidFill>
+                <a:latin typeface="Lantinghei SC Extralight"/>
+                <a:cs typeface="Lantinghei SC Extralight"/>
+              </a:rPr>
+              <a:t>more attractive to save money in currency with higher interest rate</a:t>
             </a:r>
             <a:endParaRPr lang="en-US" b="1" dirty="0" smtClean="0">
               <a:solidFill>
@@ -5281,6 +5311,16 @@
               <a:t>IP differential	</a:t>
             </a:r>
             <a:r>
+              <a:rPr lang="en-US" sz="1200" dirty="0" smtClean="0">
+                <a:solidFill>
+                  <a:schemeClr val="bg1"/>
+                </a:solidFill>
+                <a:latin typeface="Lantinghei SC Extralight"/>
+                <a:cs typeface="Lantinghei SC Extralight"/>
+              </a:rPr>
+              <a:t>- </a:t>
+            </a:r>
+            <a:r>
               <a:rPr lang="en-US" sz="1200" b="1" dirty="0" smtClean="0">
                 <a:solidFill>
                   <a:schemeClr val="bg1"/>
@@ -5288,7 +5328,27 @@
                 <a:latin typeface="Lantinghei SC Extralight"/>
                 <a:cs typeface="Lantinghei SC Extralight"/>
               </a:rPr>
-              <a:t>–</a:t>
+              <a:t>higher </a:t>
+            </a:r>
+            <a:r>
+              <a:rPr lang="en-US" sz="1200" b="1" dirty="0">
+                <a:solidFill>
+                  <a:schemeClr val="bg1"/>
+                </a:solidFill>
+                <a:latin typeface="Lantinghei SC Extralight"/>
+                <a:cs typeface="Lantinghei SC Extralight"/>
+              </a:rPr>
+              <a:t>demand </a:t>
+            </a:r>
+            <a:r>
+              <a:rPr lang="en-US" sz="1200" b="1" dirty="0" smtClean="0">
+                <a:solidFill>
+                  <a:schemeClr val="bg1"/>
+                </a:solidFill>
+                <a:latin typeface="Lantinghei SC Extralight"/>
+                <a:cs typeface="Lantinghei SC Extralight"/>
+              </a:rPr>
+              <a:t>for goods and services = </a:t>
             </a:r>
             <a:r>
               <a:rPr lang="en-US" sz="1200" b="1" dirty="0" smtClean="0">
@@ -5322,7 +5382,51 @@
                 <a:latin typeface="Lantinghei SC Extralight"/>
                 <a:cs typeface="Lantinghei SC Extralight"/>
               </a:rPr>
-              <a:t>production = </a:t>
+              <a:t>production </a:t>
+            </a:r>
+            <a:endParaRPr lang="en-US" sz="1200" b="1" dirty="0" smtClean="0">
+              <a:solidFill>
+                <a:schemeClr val="bg1"/>
+              </a:solidFill>
+              <a:latin typeface="Lantinghei SC Extralight"/>
+              <a:cs typeface="Lantinghei SC Extralight"/>
+            </a:endParaRPr>
+          </a:p>
+          <a:p>
+            <a:pPr lvl="5">
+              <a:lnSpc>
+                <a:spcPct val="150000"/>
+              </a:lnSpc>
+            </a:pPr>
+            <a:r>
+              <a:rPr lang="en-US" sz="1200" b="1" dirty="0">
+                <a:solidFill>
+                  <a:schemeClr val="bg1"/>
+                </a:solidFill>
+                <a:latin typeface="Lantinghei SC Extralight"/>
+                <a:cs typeface="Lantinghei SC Extralight"/>
+              </a:rPr>
+              <a:t>	</a:t>
+            </a:r>
+            <a:r>
+              <a:rPr lang="en-US" sz="1200" b="1" dirty="0" smtClean="0">
+                <a:solidFill>
+                  <a:schemeClr val="bg1"/>
+                </a:solidFill>
+                <a:latin typeface="Lantinghei SC Extralight"/>
+                <a:cs typeface="Lantinghei SC Extralight"/>
+              </a:rPr>
+              <a:t>   </a:t>
+            </a:r>
+            <a:r>
+              <a:rPr lang="en-US" sz="1200" b="1" dirty="0" smtClean="0">
+                <a:solidFill>
+                  <a:schemeClr val="bg1"/>
+                </a:solidFill>
+                <a:latin typeface="Lantinghei SC Extralight"/>
+                <a:cs typeface="Lantinghei SC Extralight"/>
+              </a:rPr>
+              <a:t>= </a:t>
             </a:r>
             <a:r>
               <a:rPr lang="en-US" sz="1200" b="1" dirty="0" smtClean="0">
@@ -5334,17 +5438,31 @@
                 <a:cs typeface="Lantinghei TC Extralight"/>
                 <a:sym typeface="Wingdings"/>
               </a:rPr>
-              <a:t>stronger </a:t>
+              <a:t>stronger</a:t>
             </a:r>
             <a:r>
               <a:rPr lang="en-US" sz="1200" b="1" dirty="0" smtClean="0">
                 <a:solidFill>
+                  <a:schemeClr val="bg2">
+                    <a:lumMod val="75000"/>
+                  </a:schemeClr>
+                </a:solidFill>
+                <a:latin typeface="Lantinghei TC Extralight"/>
+                <a:ea typeface="Wingdings"/>
+                <a:cs typeface="Lantinghei TC Extralight"/>
+                <a:sym typeface="Wingdings"/>
+              </a:rPr>
+              <a:t> </a:t>
+            </a:r>
+            <a:r>
+              <a:rPr lang="en-US" sz="1200" b="1" dirty="0" smtClean="0">
+                <a:solidFill>
                   <a:schemeClr val="bg1"/>
                 </a:solidFill>
                 <a:latin typeface="Lantinghei SC Extralight"/>
                 <a:cs typeface="Lantinghei SC Extralight"/>
               </a:rPr>
-              <a:t>economy =  </a:t>
+              <a:t>economy  = </a:t>
             </a:r>
             <a:r>
               <a:rPr lang="en-US" sz="1200" b="1" dirty="0" smtClean="0">
@@ -5548,10 +5666,20 @@
                 <a:latin typeface="Lantinghei SC Extralight"/>
                 <a:cs typeface="Lantinghei SC Extralight"/>
               </a:rPr>
-              <a:t>relationship (negative (</a:t>
+              <a:t>relationship (negative </a:t>
             </a:r>
             <a:r>
               <a:rPr lang="en-US" sz="1400" b="1" dirty="0" smtClean="0">
+                <a:solidFill>
+                  <a:srgbClr val="D9D9D9"/>
+                </a:solidFill>
+                <a:latin typeface="Lantinghei SC Extralight"/>
+                <a:cs typeface="Lantinghei SC Extralight"/>
+              </a:rPr>
+              <a:t>(</a:t>
+            </a:r>
+            <a:r>
+              <a:rPr lang="en-US" sz="1400" b="1" dirty="0">
                 <a:solidFill>
                   <a:srgbClr val="D9D9D9"/>
                 </a:solidFill>
@@ -5559,7 +5687,7 @@
                 <a:ea typeface="ＭＳ ゴシック"/>
                 <a:cs typeface="ＭＳ ゴシック"/>
               </a:rPr>
-              <a:t>−)</a:t>
+              <a:t>−</a:t>
             </a:r>
             <a:r>
               <a:rPr lang="en-US" sz="1400" b="1" dirty="0" smtClean="0">
@@ -5569,7 +5697,17 @@
                 <a:latin typeface="Lantinghei SC Extralight"/>
                 <a:cs typeface="Lantinghei SC Extralight"/>
               </a:rPr>
-              <a:t> correlation):</a:t>
+              <a:t>) </a:t>
+            </a:r>
+            <a:r>
+              <a:rPr lang="en-US" sz="1400" b="1" dirty="0" smtClean="0">
+                <a:solidFill>
+                  <a:srgbClr val="D9D9D9"/>
+                </a:solidFill>
+                <a:latin typeface="Lantinghei SC Extralight"/>
+                <a:cs typeface="Lantinghei SC Extralight"/>
+              </a:rPr>
+              <a:t>correlation):</a:t>
             </a:r>
           </a:p>
           <a:p>
@@ -5591,6 +5729,16 @@
               <a:t>Inflation differential	</a:t>
             </a:r>
             <a:r>
+              <a:rPr lang="en-US" sz="1200" dirty="0" smtClean="0">
+                <a:solidFill>
+                  <a:schemeClr val="bg1"/>
+                </a:solidFill>
+                <a:latin typeface="Lantinghei SC Extralight"/>
+                <a:cs typeface="Lantinghei SC Extralight"/>
+              </a:rPr>
+              <a:t>-</a:t>
+            </a:r>
+            <a:r>
               <a:rPr lang="en-US" sz="1200" b="1" dirty="0" smtClean="0">
                 <a:solidFill>
                   <a:schemeClr val="bg1"/>
@@ -5598,7 +5746,7 @@
                 <a:latin typeface="Lantinghei SC Extralight"/>
                 <a:cs typeface="Lantinghei SC Extralight"/>
               </a:rPr>
-              <a:t>–</a:t>
+              <a:t> </a:t>
             </a:r>
             <a:r>
               <a:rPr lang="en-US" sz="1200" b="1" dirty="0" smtClean="0">
@@ -5620,19 +5768,17 @@
                 <a:latin typeface="Lantinghei SC Extralight"/>
                 <a:cs typeface="Lantinghei SC Extralight"/>
               </a:rPr>
-              <a:t> inflation = </a:t>
+              <a:t> </a:t>
             </a:r>
             <a:r>
               <a:rPr lang="en-US" sz="1200" b="1" dirty="0" smtClean="0">
                 <a:solidFill>
                   <a:schemeClr val="bg1"/>
                 </a:solidFill>
-                <a:latin typeface="Wingdings"/>
-                <a:ea typeface="Wingdings"/>
-                <a:cs typeface="Wingdings"/>
-                <a:sym typeface="Wingdings"/>
-              </a:rPr>
-              <a:t></a:t>
+                <a:latin typeface="Lantinghei SC Extralight"/>
+                <a:cs typeface="Lantinghei SC Extralight"/>
+              </a:rPr>
+              <a:t>inflation </a:t>
             </a:r>
             <a:r>
               <a:rPr lang="en-US" sz="1200" b="1" dirty="0" smtClean="0">
@@ -5642,61 +5788,17 @@
                 <a:latin typeface="Lantinghei SC Extralight"/>
                 <a:cs typeface="Lantinghei SC Extralight"/>
               </a:rPr>
-              <a:t> </a:t>
-            </a:r>
-            <a:r>
-              <a:rPr lang="en-US" sz="1200" b="1" dirty="0">
+              <a:t>= more money buys fewer goods </a:t>
+            </a:r>
+            <a:r>
+              <a:rPr lang="en-US" sz="1200" b="1" dirty="0" smtClean="0">
                 <a:solidFill>
                   <a:schemeClr val="bg1"/>
                 </a:solidFill>
                 <a:latin typeface="Lantinghei SC Extralight"/>
                 <a:cs typeface="Lantinghei SC Extralight"/>
               </a:rPr>
-              <a:t>exports </a:t>
-            </a:r>
-            <a:r>
-              <a:rPr lang="en-US" sz="1200" b="1" dirty="0" smtClean="0">
-                <a:solidFill>
-                  <a:schemeClr val="bg1"/>
-                </a:solidFill>
-                <a:latin typeface="Lantinghei SC Extralight"/>
-                <a:cs typeface="Lantinghei SC Extralight"/>
-              </a:rPr>
-              <a:t>&amp; </a:t>
-            </a:r>
-            <a:r>
-              <a:rPr lang="en-US" sz="1200" b="1" dirty="0" smtClean="0">
-                <a:solidFill>
-                  <a:schemeClr val="bg1"/>
-                </a:solidFill>
-                <a:latin typeface="Wingdings"/>
-                <a:ea typeface="Wingdings"/>
-                <a:cs typeface="Wingdings"/>
-                <a:sym typeface="Wingdings"/>
-              </a:rPr>
-              <a:t></a:t>
-            </a:r>
-            <a:r>
-              <a:rPr lang="en-US" sz="1200" b="1" dirty="0" smtClean="0">
-                <a:solidFill>
-                  <a:schemeClr val="bg1"/>
-                </a:solidFill>
-                <a:latin typeface="Lantinghei TC Extralight"/>
-                <a:ea typeface="Wingdings"/>
-                <a:cs typeface="Lantinghei TC Extralight"/>
-                <a:sym typeface="Wingdings"/>
-              </a:rPr>
-              <a:t> </a:t>
-            </a:r>
-            <a:r>
-              <a:rPr lang="en-US" sz="1200" b="1" dirty="0" smtClean="0">
-                <a:solidFill>
-                  <a:schemeClr val="bg1"/>
-                </a:solidFill>
-                <a:latin typeface="Lantinghei SC Extralight"/>
-                <a:cs typeface="Lantinghei SC Extralight"/>
-              </a:rPr>
-              <a:t>imports = </a:t>
+              <a:t>= </a:t>
             </a:r>
             <a:r>
               <a:rPr lang="en-US" sz="1200" b="1" dirty="0" smtClean="0">
@@ -5762,6 +5864,16 @@
               <a:t>differential 	</a:t>
             </a:r>
             <a:r>
+              <a:rPr lang="en-US" sz="1200" dirty="0" smtClean="0">
+                <a:solidFill>
+                  <a:schemeClr val="bg1"/>
+                </a:solidFill>
+                <a:latin typeface="Lantinghei SC Extralight"/>
+                <a:cs typeface="Lantinghei SC Extralight"/>
+              </a:rPr>
+              <a:t>-</a:t>
+            </a:r>
+            <a:r>
               <a:rPr lang="en-US" sz="1200" b="1" dirty="0" smtClean="0">
                 <a:solidFill>
                   <a:schemeClr val="bg1"/>
@@ -5769,7 +5881,7 @@
                 <a:latin typeface="Lantinghei SC Extralight"/>
                 <a:cs typeface="Lantinghei SC Extralight"/>
               </a:rPr>
-              <a:t>- all else equal, </a:t>
+              <a:t> all else equal, </a:t>
             </a:r>
             <a:r>
               <a:rPr lang="en-US" sz="1200" b="1" dirty="0" smtClean="0">
@@ -5803,19 +5915,17 @@
                 <a:latin typeface="Lantinghei SC Extralight"/>
                 <a:cs typeface="Lantinghei SC Extralight"/>
               </a:rPr>
-              <a:t>supply with </a:t>
+              <a:t>supply </a:t>
             </a:r>
             <a:r>
               <a:rPr lang="en-US" sz="1200" b="1" dirty="0" smtClean="0">
                 <a:solidFill>
                   <a:schemeClr val="bg1"/>
                 </a:solidFill>
-                <a:latin typeface="Wingdings"/>
-                <a:ea typeface="Wingdings"/>
-                <a:cs typeface="Wingdings"/>
-                <a:sym typeface="Wingdings"/>
-              </a:rPr>
-              <a:t></a:t>
+                <a:latin typeface="Lantinghei SC Extralight"/>
+                <a:cs typeface="Lantinghei SC Extralight"/>
+              </a:rPr>
+              <a:t>with constant demand </a:t>
             </a:r>
             <a:r>
               <a:rPr lang="en-US" sz="1200" b="1" dirty="0" smtClean="0">
@@ -5825,7 +5935,7 @@
                 <a:latin typeface="Lantinghei SC Extralight"/>
                 <a:cs typeface="Lantinghei SC Extralight"/>
               </a:rPr>
-              <a:t>  demand = </a:t>
+              <a:t>= </a:t>
             </a:r>
             <a:r>
               <a:rPr lang="en-US" sz="1200" b="1" dirty="0" smtClean="0">
@@ -5975,7 +6085,7 @@
         </p:nvCxnSpPr>
         <p:spPr>
           <a:xfrm>
-            <a:off x="580071" y="878075"/>
+            <a:off x="508951" y="878075"/>
             <a:ext cx="2978757" cy="0"/>
           </a:xfrm>
           <a:prstGeom prst="line">
@@ -6473,7 +6583,31 @@
                 <a:latin typeface="Lantinghei SC Extralight"/>
                 <a:cs typeface="Lantinghei SC Extralight"/>
               </a:rPr>
-              <a:t>Long enough to avoid over-sensitivity to recent events</a:t>
+              <a:t>Long enough to avoid </a:t>
+            </a:r>
+            <a:r>
+              <a:rPr lang="en-US" sz="1600" b="1" dirty="0" smtClean="0">
+                <a:solidFill>
+                  <a:schemeClr val="bg1">
+                    <a:lumMod val="95000"/>
+                  </a:schemeClr>
+                </a:solidFill>
+                <a:latin typeface="Lantinghei SC Extralight"/>
+                <a:cs typeface="Lantinghei SC Extralight"/>
+              </a:rPr>
+              <a:t>over-</a:t>
+            </a:r>
+            <a:r>
+              <a:rPr lang="en-US" sz="1600" b="1" dirty="0" smtClean="0">
+                <a:solidFill>
+                  <a:schemeClr val="bg1">
+                    <a:lumMod val="95000"/>
+                  </a:schemeClr>
+                </a:solidFill>
+                <a:latin typeface="Lantinghei SC Extralight"/>
+                <a:cs typeface="Lantinghei SC Extralight"/>
+              </a:rPr>
+              <a:t>sensitivity to recent events</a:t>
             </a:r>
           </a:p>
           <a:p>
@@ -6573,7 +6707,19 @@
                 <a:latin typeface="Lantinghei SC Extralight"/>
                 <a:cs typeface="Lantinghei SC Extralight"/>
               </a:rPr>
-              <a:t>Change according to model</a:t>
+              <a:t>Changes </a:t>
+            </a:r>
+            <a:r>
+              <a:rPr lang="en-US" sz="1600" b="1" dirty="0" smtClean="0">
+                <a:solidFill>
+                  <a:schemeClr val="bg1">
+                    <a:lumMod val="95000"/>
+                  </a:schemeClr>
+                </a:solidFill>
+                <a:latin typeface="Lantinghei SC Extralight"/>
+                <a:cs typeface="Lantinghei SC Extralight"/>
+              </a:rPr>
+              <a:t>according to model</a:t>
             </a:r>
             <a:endParaRPr lang="en-US" sz="1600" b="1" dirty="0">
               <a:solidFill>
@@ -6686,7 +6832,7 @@
                 <a:latin typeface="Lantinghei SC Extralight"/>
                 <a:cs typeface="Lantinghei SC Extralight"/>
               </a:rPr>
-              <a:t>via cross-validation</a:t>
+              <a:t>via cross-validation:</a:t>
             </a:r>
             <a:endParaRPr lang="en-US" sz="1600" dirty="0" smtClean="0">
               <a:latin typeface="Lantinghei SC Extralight"/>
@@ -6934,7 +7080,7 @@
         </p:nvCxnSpPr>
         <p:spPr>
           <a:xfrm>
-            <a:off x="5518539" y="878075"/>
+            <a:off x="5447419" y="878075"/>
             <a:ext cx="2978757" cy="0"/>
           </a:xfrm>
           <a:prstGeom prst="line">
@@ -7351,7 +7497,7 @@
         <p:spPr>
           <a:xfrm>
             <a:off x="621263" y="2432492"/>
-            <a:ext cx="3596029" cy="3570208"/>
+            <a:ext cx="3596029" cy="3539431"/>
           </a:xfrm>
           <a:prstGeom prst="rect">
             <a:avLst/>
@@ -7551,19 +7697,13 @@
               </a:rPr>
               <a:t>0.580</a:t>
             </a:r>
-            <a:endParaRPr lang="en-US" sz="1400" b="1" dirty="0">
-              <a:latin typeface="Lantinghei SC Extralight"/>
-              <a:cs typeface="Lantinghei SC Extralight"/>
-            </a:endParaRPr>
-          </a:p>
-          <a:p>
             <a:endParaRPr lang="en-US" sz="1200" dirty="0" smtClean="0">
               <a:latin typeface="Lantinghei SC Extralight"/>
               <a:cs typeface="Lantinghei SC Extralight"/>
             </a:endParaRPr>
           </a:p>
           <a:p>
-            <a:endParaRPr lang="en-US" sz="1200" dirty="0" smtClean="0">
+            <a:endParaRPr lang="en-US" dirty="0" smtClean="0">
               <a:latin typeface="Lantinghei SC Extralight"/>
               <a:cs typeface="Lantinghei SC Extralight"/>
             </a:endParaRPr>
@@ -7633,7 +7773,7 @@
             </a:endParaRPr>
           </a:p>
           <a:p>
-            <a:endParaRPr lang="en-US" sz="1400" dirty="0" smtClean="0">
+            <a:endParaRPr lang="en-US" dirty="0" smtClean="0">
               <a:latin typeface="Lantinghei SC Extralight"/>
               <a:cs typeface="Lantinghei SC Extralight"/>
             </a:endParaRPr>
@@ -7745,7 +7885,7 @@
         </p:nvCxnSpPr>
         <p:spPr>
           <a:xfrm>
-            <a:off x="5518539" y="878075"/>
+            <a:off x="5447419" y="878075"/>
             <a:ext cx="2978757" cy="0"/>
           </a:xfrm>
           <a:prstGeom prst="line">
@@ -8436,7 +8576,7 @@
             </a:r>
           </a:p>
           <a:p>
-            <a:endParaRPr lang="en-US" sz="1600" b="1" dirty="0" smtClean="0">
+            <a:endParaRPr lang="en-US" b="1" dirty="0" smtClean="0">
               <a:latin typeface="Lantinghei SC Extralight"/>
               <a:cs typeface="Lantinghei SC Extralight"/>
             </a:endParaRPr>
@@ -8566,7 +8706,7 @@
         </p:nvCxnSpPr>
         <p:spPr>
           <a:xfrm>
-            <a:off x="5518539" y="878075"/>
+            <a:off x="5447419" y="878075"/>
             <a:ext cx="2978757" cy="0"/>
           </a:xfrm>
           <a:prstGeom prst="line">
@@ -9253,7 +9393,7 @@
             </a:r>
           </a:p>
           <a:p>
-            <a:endParaRPr lang="en-US" sz="1600" b="1" dirty="0" smtClean="0">
+            <a:endParaRPr lang="en-US" b="1" dirty="0" smtClean="0">
               <a:latin typeface="Lantinghei SC Extralight"/>
               <a:cs typeface="Lantinghei SC Extralight"/>
             </a:endParaRPr>
@@ -9392,7 +9532,7 @@
         </p:nvCxnSpPr>
         <p:spPr>
           <a:xfrm>
-            <a:off x="5518539" y="878075"/>
+            <a:off x="5447419" y="878075"/>
             <a:ext cx="2978757" cy="0"/>
           </a:xfrm>
           <a:prstGeom prst="line">
@@ -10091,7 +10231,7 @@
             </a:r>
           </a:p>
           <a:p>
-            <a:endParaRPr lang="en-US" sz="1600" b="1" dirty="0" smtClean="0">
+            <a:endParaRPr lang="en-US" b="1" dirty="0" smtClean="0">
               <a:latin typeface="Lantinghei SC Extralight"/>
               <a:cs typeface="Lantinghei SC Extralight"/>
             </a:endParaRPr>
@@ -10214,7 +10354,7 @@
         </p:nvCxnSpPr>
         <p:spPr>
           <a:xfrm>
-            <a:off x="5518539" y="878075"/>
+            <a:off x="5447419" y="878075"/>
             <a:ext cx="2978757" cy="0"/>
           </a:xfrm>
           <a:prstGeom prst="line">
@@ -10980,7 +11120,7 @@
             </a:endParaRPr>
           </a:p>
           <a:p>
-            <a:endParaRPr lang="en-US" sz="1600" b="1" dirty="0" smtClean="0">
+            <a:endParaRPr lang="en-US" b="1" dirty="0" smtClean="0">
               <a:latin typeface="Lantinghei SC Extralight"/>
               <a:cs typeface="Lantinghei SC Extralight"/>
             </a:endParaRPr>
@@ -11108,7 +11248,7 @@
         </p:nvCxnSpPr>
         <p:spPr>
           <a:xfrm>
-            <a:off x="5518539" y="878075"/>
+            <a:off x="5447419" y="878075"/>
             <a:ext cx="2978757" cy="0"/>
           </a:xfrm>
           <a:prstGeom prst="line">
@@ -11830,7 +11970,7 @@
             </a:endParaRPr>
           </a:p>
           <a:p>
-            <a:endParaRPr lang="en-US" sz="1600" b="1" dirty="0" smtClean="0">
+            <a:endParaRPr lang="en-US" b="1" dirty="0" smtClean="0">
               <a:latin typeface="Lantinghei SC Extralight"/>
               <a:cs typeface="Lantinghei SC Extralight"/>
             </a:endParaRPr>
